--- a/VeriFactAI-Presentation.pptx
+++ b/VeriFactAI-Presentation.pptx
@@ -5,12 +5,17 @@
     <p:sldMasterId id="2147483648" r:id="rId1"/>
   </p:sldMasterIdLst>
   <p:sldIdLst>
-    <p:sldId id="263" r:id="rId2"/>
-    <p:sldId id="257" r:id="rId3"/>
-    <p:sldId id="260" r:id="rId4"/>
-    <p:sldId id="261" r:id="rId5"/>
-    <p:sldId id="264" r:id="rId6"/>
-    <p:sldId id="265" r:id="rId7"/>
+    <p:sldId id="257" r:id="rId2"/>
+    <p:sldId id="263" r:id="rId3"/>
+    <p:sldId id="270" r:id="rId4"/>
+    <p:sldId id="268" r:id="rId5"/>
+    <p:sldId id="260" r:id="rId6"/>
+    <p:sldId id="261" r:id="rId7"/>
+    <p:sldId id="264" r:id="rId8"/>
+    <p:sldId id="265" r:id="rId9"/>
+    <p:sldId id="266" r:id="rId10"/>
+    <p:sldId id="267" r:id="rId11"/>
+    <p:sldId id="269" r:id="rId12"/>
   </p:sldIdLst>
   <p:sldSz cx="12192000" cy="6858000"/>
   <p:notesSz cx="6858000" cy="9144000"/>
@@ -109,6 +114,11 @@
       </a:defRPr>
     </a:lvl9pPr>
   </p:defaultTextStyle>
+  <p:extLst>
+    <p:ext uri="{EFAFB233-063F-42B5-8137-9DF3F51BA10A}">
+      <p15:sldGuideLst xmlns:p15="http://schemas.microsoft.com/office/powerpoint/2012/main"/>
+    </p:ext>
+  </p:extLst>
 </p:presentation>
 </file>
 
@@ -3331,484 +3341,6 @@
 </file>
 
 <file path=ppt/slides/slide1.xml><?xml version="1.0" encoding="utf-8"?>
-<p:sld xmlns:a="http://schemas.openxmlformats.org/drawingml/2006/main" xmlns:r="http://schemas.openxmlformats.org/officeDocument/2006/relationships" xmlns:p="http://schemas.openxmlformats.org/presentationml/2006/main">
-  <p:cSld>
-    <p:spTree>
-      <p:nvGrpSpPr>
-        <p:cNvPr id="1" name=""/>
-        <p:cNvGrpSpPr/>
-        <p:nvPr/>
-      </p:nvGrpSpPr>
-      <p:grpSpPr>
-        <a:xfrm>
-          <a:off x="0" y="0"/>
-          <a:ext cx="0" cy="0"/>
-          <a:chOff x="0" y="0"/>
-          <a:chExt cx="0" cy="0"/>
-        </a:xfrm>
-      </p:grpSpPr>
-      <p:sp>
-        <p:nvSpPr>
-          <p:cNvPr id="2" name="Title 1">
-            <a:extLst>
-              <a:ext uri="{FF2B5EF4-FFF2-40B4-BE49-F238E27FC236}">
-                <a16:creationId xmlns:a16="http://schemas.microsoft.com/office/drawing/2014/main" id="{24823CD8-9C7D-F49D-3189-DD28BB3858C2}"/>
-              </a:ext>
-            </a:extLst>
-          </p:cNvPr>
-          <p:cNvSpPr>
-            <a:spLocks noGrp="1"/>
-          </p:cNvSpPr>
-          <p:nvPr>
-            <p:ph type="title"/>
-          </p:nvPr>
-        </p:nvSpPr>
-        <p:spPr>
-          <a:xfrm>
-            <a:off x="838200" y="1"/>
-            <a:ext cx="10439400" cy="1336430"/>
-          </a:xfrm>
-          <a:ln>
-            <a:solidFill>
-              <a:schemeClr val="tx1"/>
-            </a:solidFill>
-          </a:ln>
-        </p:spPr>
-        <p:txBody>
-          <a:bodyPr>
-            <a:normAutofit fontScale="90000"/>
-          </a:bodyPr>
-          <a:lstStyle/>
-          <a:p>
-            <a:pPr latinLnBrk="1"/>
-            <a:r>
-              <a:rPr lang="en-IN" sz="1800" b="1" dirty="0"/>
-              <a:t>			</a:t>
-            </a:r>
-            <a:r>
-              <a:rPr lang="en-IN" sz="2200" b="1" dirty="0">
-                <a:highlight>
-                  <a:srgbClr val="FFFF00"/>
-                </a:highlight>
-              </a:rPr>
-              <a:t>Parent Patent – Architecture</a:t>
-            </a:r>
-            <a:br>
-              <a:rPr lang="en-IN" sz="1800" b="1" dirty="0"/>
-            </a:br>
-            <a:br>
-              <a:rPr lang="en-IN" sz="1800" b="1" dirty="0"/>
-            </a:br>
-            <a:r>
-              <a:rPr lang="en-IN" sz="1800" b="1" dirty="0"/>
-              <a:t>🔍 EXTRACTION → ⚖️ IDENTIFICATION → 🔧 RESOLUTION → 🔄 FEEDBACK</a:t>
-            </a:r>
-            <a:br>
-              <a:rPr lang="en-IN" sz="1800" b="1" dirty="0"/>
-            </a:br>
-            <a:br>
-              <a:rPr lang="en-IN" sz="1800" b="1" dirty="0"/>
-            </a:br>
-            <a:r>
-              <a:rPr lang="en-IN" sz="1800" b="1" dirty="0"/>
-              <a:t>             Intelligent Healing (Cross-cutting capability)</a:t>
-            </a:r>
-            <a:br>
-              <a:rPr lang="en-IN" sz="1800" dirty="0"/>
-            </a:br>
-            <a:endParaRPr lang="en-IN" sz="1800" dirty="0"/>
-          </a:p>
-        </p:txBody>
-      </p:sp>
-      <p:sp>
-        <p:nvSpPr>
-          <p:cNvPr id="3" name="Content Placeholder 2">
-            <a:extLst>
-              <a:ext uri="{FF2B5EF4-FFF2-40B4-BE49-F238E27FC236}">
-                <a16:creationId xmlns:a16="http://schemas.microsoft.com/office/drawing/2014/main" id="{DE193656-6EA0-5831-E276-B3670A209ABE}"/>
-              </a:ext>
-            </a:extLst>
-          </p:cNvPr>
-          <p:cNvSpPr>
-            <a:spLocks noGrp="1"/>
-          </p:cNvSpPr>
-          <p:nvPr>
-            <p:ph sz="half" idx="1"/>
-          </p:nvPr>
-        </p:nvSpPr>
-        <p:spPr>
-          <a:xfrm>
-            <a:off x="838201" y="1337356"/>
-            <a:ext cx="5181600" cy="3696558"/>
-          </a:xfrm>
-          <a:ln>
-            <a:solidFill>
-              <a:schemeClr val="tx1"/>
-            </a:solidFill>
-          </a:ln>
-        </p:spPr>
-        <p:txBody>
-          <a:bodyPr>
-            <a:normAutofit/>
-          </a:bodyPr>
-          <a:lstStyle/>
-          <a:p>
-            <a:pPr marL="0" indent="0" latinLnBrk="1">
-              <a:buNone/>
-            </a:pPr>
-            <a:r>
-              <a:rPr lang="en-IN" sz="1400" dirty="0"/>
-              <a:t>IDENTIFICATION PATENT</a:t>
-            </a:r>
-          </a:p>
-          <a:p>
-            <a:pPr marL="0" indent="0" latinLnBrk="1">
-              <a:buNone/>
-            </a:pPr>
-            <a:r>
-              <a:rPr lang="en-IN" sz="1600" dirty="0"/>
-              <a:t>🚨</a:t>
-            </a:r>
-            <a:r>
-              <a:rPr lang="en-IN" sz="1400" dirty="0"/>
-              <a:t> CRITICAL ERRORS:</a:t>
-            </a:r>
-          </a:p>
-          <a:p>
-            <a:pPr latinLnBrk="1">
-              <a:buFont typeface="Wingdings" panose="05000000000000000000" pitchFamily="2" charset="2"/>
-              <a:buChar char="Ø"/>
-            </a:pPr>
-            <a:r>
-              <a:rPr lang="en-IN" sz="1400" dirty="0"/>
-              <a:t>OOD Claim Detector → Complete Fabrication</a:t>
-            </a:r>
-          </a:p>
-          <a:p>
-            <a:pPr latinLnBrk="1">
-              <a:buFont typeface="Wingdings" panose="05000000000000000000" pitchFamily="2" charset="2"/>
-              <a:buChar char="Ø"/>
-            </a:pPr>
-            <a:r>
-              <a:rPr lang="en-IN" sz="1400" dirty="0"/>
-              <a:t>Contextual Discontinuity Detector → Config/Security Errors</a:t>
-            </a:r>
-          </a:p>
-          <a:p>
-            <a:pPr marL="0" indent="0" latinLnBrk="1">
-              <a:buNone/>
-            </a:pPr>
-            <a:r>
-              <a:rPr lang="en-IN" sz="1600" dirty="0"/>
-              <a:t>⚠️</a:t>
-            </a:r>
-            <a:r>
-              <a:rPr lang="en-IN" sz="1400" dirty="0"/>
-              <a:t> ACCURACY ERRORS:  </a:t>
-            </a:r>
-          </a:p>
-          <a:p>
-            <a:pPr latinLnBrk="1">
-              <a:buFont typeface="Wingdings" panose="05000000000000000000" pitchFamily="2" charset="2"/>
-              <a:buChar char="Ø"/>
-            </a:pPr>
-            <a:r>
-              <a:rPr lang="en-IN" sz="1400" dirty="0"/>
-              <a:t>Temporal-Context Detector → Temporal Errors</a:t>
-            </a:r>
-          </a:p>
-          <a:p>
-            <a:pPr latinLnBrk="1">
-              <a:buFont typeface="Wingdings" panose="05000000000000000000" pitchFamily="2" charset="2"/>
-              <a:buChar char="Ø"/>
-            </a:pPr>
-            <a:r>
-              <a:rPr lang="en-IN" sz="1400" dirty="0"/>
-              <a:t>Statistical Outlier Detector → Numerical Errors</a:t>
-            </a:r>
-          </a:p>
-          <a:p>
-            <a:pPr latinLnBrk="1">
-              <a:buFont typeface="Wingdings" panose="05000000000000000000" pitchFamily="2" charset="2"/>
-              <a:buChar char="Ø"/>
-            </a:pPr>
-            <a:r>
-              <a:rPr lang="en-IN" sz="1400" dirty="0"/>
-              <a:t>KG Lookup Validator → Partial Truth/Inaccuracy</a:t>
-            </a:r>
-          </a:p>
-          <a:p>
-            <a:pPr marL="0" indent="0" latinLnBrk="1">
-              <a:buNone/>
-            </a:pPr>
-            <a:r>
-              <a:rPr lang="en-IN" sz="1600" dirty="0"/>
-              <a:t>📚</a:t>
-            </a:r>
-            <a:r>
-              <a:rPr lang="en-IN" sz="1400" dirty="0"/>
-              <a:t> REFERENCE ERRORS:</a:t>
-            </a:r>
-          </a:p>
-          <a:p>
-            <a:pPr latinLnBrk="1">
-              <a:buFont typeface="Wingdings" panose="05000000000000000000" pitchFamily="2" charset="2"/>
-              <a:buChar char="Ø"/>
-            </a:pPr>
-            <a:r>
-              <a:rPr lang="en-IN" sz="1400" dirty="0"/>
-              <a:t>Citation Verifier → Source Citation Errors</a:t>
-            </a:r>
-          </a:p>
-          <a:p>
-            <a:pPr latinLnBrk="1">
-              <a:buFont typeface="Wingdings" panose="05000000000000000000" pitchFamily="2" charset="2"/>
-              <a:buChar char="Ø"/>
-            </a:pPr>
-            <a:r>
-              <a:rPr lang="en-IN" sz="1400" dirty="0"/>
-              <a:t>Semantic Logic Analyzer → Logical Errors</a:t>
-            </a:r>
-          </a:p>
-          <a:p>
-            <a:pPr marL="0" indent="0">
-              <a:buNone/>
-            </a:pPr>
-            <a:endParaRPr lang="en-IN" sz="1600" dirty="0"/>
-          </a:p>
-        </p:txBody>
-      </p:sp>
-      <p:sp>
-        <p:nvSpPr>
-          <p:cNvPr id="4" name="Content Placeholder 3">
-            <a:extLst>
-              <a:ext uri="{FF2B5EF4-FFF2-40B4-BE49-F238E27FC236}">
-                <a16:creationId xmlns:a16="http://schemas.microsoft.com/office/drawing/2014/main" id="{87FBDF37-8670-4D79-B029-D325A4E98139}"/>
-              </a:ext>
-            </a:extLst>
-          </p:cNvPr>
-          <p:cNvSpPr>
-            <a:spLocks noGrp="1"/>
-          </p:cNvSpPr>
-          <p:nvPr>
-            <p:ph sz="half" idx="2"/>
-          </p:nvPr>
-        </p:nvSpPr>
-        <p:spPr>
-          <a:xfrm>
-            <a:off x="6096000" y="1337356"/>
-            <a:ext cx="5181600" cy="3696558"/>
-          </a:xfrm>
-          <a:ln>
-            <a:solidFill>
-              <a:schemeClr val="tx1"/>
-            </a:solidFill>
-          </a:ln>
-        </p:spPr>
-        <p:txBody>
-          <a:bodyPr>
-            <a:normAutofit/>
-          </a:bodyPr>
-          <a:lstStyle/>
-          <a:p>
-            <a:pPr marL="0" indent="0" latinLnBrk="1">
-              <a:buNone/>
-            </a:pPr>
-            <a:r>
-              <a:rPr lang="en-IN" sz="1400" dirty="0"/>
-              <a:t>RESOLUTION PATENT</a:t>
-            </a:r>
-          </a:p>
-          <a:p>
-            <a:pPr marL="0" indent="0" latinLnBrk="1">
-              <a:buNone/>
-            </a:pPr>
-            <a:r>
-              <a:rPr lang="en-IN" sz="2000" dirty="0"/>
-              <a:t>🛠️</a:t>
-            </a:r>
-            <a:r>
-              <a:rPr lang="en-IN" sz="1400" dirty="0"/>
-              <a:t> SPECIALIZED RESOLVERS (Error-specific):</a:t>
-            </a:r>
-          </a:p>
-          <a:p>
-            <a:pPr latinLnBrk="1">
-              <a:buFont typeface="Wingdings" panose="05000000000000000000" pitchFamily="2" charset="2"/>
-              <a:buChar char="Ø"/>
-            </a:pPr>
-            <a:r>
-              <a:rPr lang="en-IN" sz="1400" dirty="0"/>
-              <a:t>Full Claim Replacement ← Complete Fabrication</a:t>
-            </a:r>
-          </a:p>
-          <a:p>
-            <a:pPr latinLnBrk="1">
-              <a:buFont typeface="Wingdings" panose="05000000000000000000" pitchFamily="2" charset="2"/>
-              <a:buChar char="Ø"/>
-            </a:pPr>
-            <a:r>
-              <a:rPr lang="en-IN" sz="1400" dirty="0"/>
-              <a:t>Geospatial Resolver ← Config/Security Errors</a:t>
-            </a:r>
-          </a:p>
-          <a:p>
-            <a:pPr marL="0" indent="0" latinLnBrk="1">
-              <a:buNone/>
-            </a:pPr>
-            <a:endParaRPr lang="en-IN" sz="1400" dirty="0"/>
-          </a:p>
-          <a:p>
-            <a:pPr latinLnBrk="1">
-              <a:buFont typeface="Wingdings" panose="05000000000000000000" pitchFamily="2" charset="2"/>
-              <a:buChar char="Ø"/>
-            </a:pPr>
-            <a:r>
-              <a:rPr lang="en-IN" sz="1400" dirty="0"/>
-              <a:t>Temporal Resolver ← Temporal Errors</a:t>
-            </a:r>
-          </a:p>
-          <a:p>
-            <a:pPr latinLnBrk="1">
-              <a:buFont typeface="Wingdings" panose="05000000000000000000" pitchFamily="2" charset="2"/>
-              <a:buChar char="Ø"/>
-            </a:pPr>
-            <a:r>
-              <a:rPr lang="en-IN" sz="1400" dirty="0"/>
-              <a:t>Numerical Resolver ← Numerical Errors</a:t>
-            </a:r>
-          </a:p>
-          <a:p>
-            <a:pPr latinLnBrk="1">
-              <a:buFont typeface="Wingdings" panose="05000000000000000000" pitchFamily="2" charset="2"/>
-              <a:buChar char="Ø"/>
-            </a:pPr>
-            <a:r>
-              <a:rPr lang="en-IN" sz="1400" dirty="0"/>
-              <a:t>Precision Correction ← Partial Truth/Inaccuracy  </a:t>
-            </a:r>
-          </a:p>
-          <a:p>
-            <a:pPr marL="0" indent="0" latinLnBrk="1">
-              <a:buNone/>
-            </a:pPr>
-            <a:endParaRPr lang="en-IN" sz="1400" dirty="0"/>
-          </a:p>
-          <a:p>
-            <a:pPr latinLnBrk="1">
-              <a:buFont typeface="Wingdings" panose="05000000000000000000" pitchFamily="2" charset="2"/>
-              <a:buChar char="Ø"/>
-            </a:pPr>
-            <a:r>
-              <a:rPr lang="en-IN" sz="1400" dirty="0"/>
-              <a:t>Provenance Resolver ← Source Citation Errors</a:t>
-            </a:r>
-          </a:p>
-          <a:p>
-            <a:pPr latinLnBrk="1">
-              <a:buFont typeface="Wingdings" panose="05000000000000000000" pitchFamily="2" charset="2"/>
-              <a:buChar char="Ø"/>
-            </a:pPr>
-            <a:r>
-              <a:rPr lang="en-IN" sz="1400" dirty="0"/>
-              <a:t>Logical Resolver ← Logical Errors</a:t>
-            </a:r>
-          </a:p>
-          <a:p>
-            <a:endParaRPr lang="en-IN" sz="1600" dirty="0"/>
-          </a:p>
-        </p:txBody>
-      </p:sp>
-      <p:sp>
-        <p:nvSpPr>
-          <p:cNvPr id="5" name="TextBox 4">
-            <a:extLst>
-              <a:ext uri="{FF2B5EF4-FFF2-40B4-BE49-F238E27FC236}">
-                <a16:creationId xmlns:a16="http://schemas.microsoft.com/office/drawing/2014/main" id="{820772F2-210D-0728-50C0-C0A1C2887367}"/>
-              </a:ext>
-            </a:extLst>
-          </p:cNvPr>
-          <p:cNvSpPr txBox="1"/>
-          <p:nvPr/>
-        </p:nvSpPr>
-        <p:spPr>
-          <a:xfrm>
-            <a:off x="800100" y="5103674"/>
-            <a:ext cx="10439400" cy="1600438"/>
-          </a:xfrm>
-          <a:prstGeom prst="rect">
-            <a:avLst/>
-          </a:prstGeom>
-          <a:noFill/>
-          <a:ln>
-            <a:solidFill>
-              <a:schemeClr val="tx1"/>
-            </a:solidFill>
-          </a:ln>
-        </p:spPr>
-        <p:txBody>
-          <a:bodyPr wrap="square" rtlCol="0">
-            <a:spAutoFit/>
-          </a:bodyPr>
-          <a:lstStyle/>
-          <a:p>
-            <a:pPr lvl="7" latinLnBrk="1"/>
-            <a:r>
-              <a:rPr lang="en-GB" sz="2400" dirty="0"/>
-              <a:t>                                🔧</a:t>
-            </a:r>
-            <a:r>
-              <a:rPr lang="en-GB" sz="1400" dirty="0"/>
-              <a:t>INTELLIGENT HEALING (Cross-cutting):</a:t>
-            </a:r>
-          </a:p>
-          <a:p>
-            <a:pPr lvl="8" latinLnBrk="1"/>
-            <a:r>
-              <a:rPr lang="en-GB" sz="1400" dirty="0"/>
-              <a:t>                                                       -&gt; Context-aware Correction</a:t>
-            </a:r>
-          </a:p>
-          <a:p>
-            <a:pPr lvl="8" latinLnBrk="1"/>
-            <a:r>
-              <a:rPr lang="en-GB" sz="1400" dirty="0"/>
-              <a:t>		         -&gt; Multi-alternative Generation</a:t>
-            </a:r>
-          </a:p>
-          <a:p>
-            <a:pPr lvl="8" latinLnBrk="1"/>
-            <a:r>
-              <a:rPr lang="en-GB" sz="1400" dirty="0"/>
-              <a:t>		         -&gt; Confidence-based Selection</a:t>
-            </a:r>
-          </a:p>
-          <a:p>
-            <a:pPr lvl="8" latinLnBrk="1"/>
-            <a:r>
-              <a:rPr lang="en-GB" sz="1400" dirty="0"/>
-              <a:t>		         -&gt; Explainable Outputs</a:t>
-            </a:r>
-          </a:p>
-          <a:p>
-            <a:endParaRPr lang="en-IN" dirty="0"/>
-          </a:p>
-        </p:txBody>
-      </p:sp>
-    </p:spTree>
-    <p:extLst>
-      <p:ext uri="{BB962C8B-B14F-4D97-AF65-F5344CB8AC3E}">
-        <p14:creationId xmlns:p14="http://schemas.microsoft.com/office/powerpoint/2010/main" val="2134237967"/>
-      </p:ext>
-    </p:extLst>
-  </p:cSld>
-  <p:clrMapOvr>
-    <a:masterClrMapping/>
-  </p:clrMapOvr>
-</p:sld>
-</file>
-
-<file path=ppt/slides/slide2.xml><?xml version="1.0" encoding="utf-8"?>
 <p:sld xmlns:a="http://schemas.openxmlformats.org/drawingml/2006/main" xmlns:r="http://schemas.openxmlformats.org/officeDocument/2006/relationships" xmlns:p="http://schemas.openxmlformats.org/presentationml/2006/main">
   <p:cSld>
     <p:spTree>
@@ -4138,7 +3670,2307 @@
 </p:sld>
 </file>
 
+<file path=ppt/slides/slide10.xml><?xml version="1.0" encoding="utf-8"?>
+<p:sld xmlns:a="http://schemas.openxmlformats.org/drawingml/2006/main" xmlns:r="http://schemas.openxmlformats.org/officeDocument/2006/relationships" xmlns:p="http://schemas.openxmlformats.org/presentationml/2006/main">
+  <p:cSld>
+    <p:spTree>
+      <p:nvGrpSpPr>
+        <p:cNvPr id="1" name=""/>
+        <p:cNvGrpSpPr/>
+        <p:nvPr/>
+      </p:nvGrpSpPr>
+      <p:grpSpPr>
+        <a:xfrm>
+          <a:off x="0" y="0"/>
+          <a:ext cx="0" cy="0"/>
+          <a:chOff x="0" y="0"/>
+          <a:chExt cx="0" cy="0"/>
+        </a:xfrm>
+      </p:grpSpPr>
+      <p:pic>
+        <p:nvPicPr>
+          <p:cNvPr id="3" name="Picture 2">
+            <a:extLst>
+              <a:ext uri="{FF2B5EF4-FFF2-40B4-BE49-F238E27FC236}">
+                <a16:creationId xmlns:a16="http://schemas.microsoft.com/office/drawing/2014/main" id="{C12E70FB-89B9-E87B-C6C7-BF0B97BF7FB2}"/>
+              </a:ext>
+            </a:extLst>
+          </p:cNvPr>
+          <p:cNvPicPr>
+            <a:picLocks noChangeAspect="1"/>
+          </p:cNvPicPr>
+          <p:nvPr/>
+        </p:nvPicPr>
+        <p:blipFill>
+          <a:blip r:embed="rId2"/>
+          <a:stretch>
+            <a:fillRect/>
+          </a:stretch>
+        </p:blipFill>
+        <p:spPr>
+          <a:xfrm>
+            <a:off x="886120" y="1976234"/>
+            <a:ext cx="9658676" cy="3764689"/>
+          </a:xfrm>
+          <a:prstGeom prst="rect">
+            <a:avLst/>
+          </a:prstGeom>
+        </p:spPr>
+      </p:pic>
+    </p:spTree>
+    <p:extLst>
+      <p:ext uri="{BB962C8B-B14F-4D97-AF65-F5344CB8AC3E}">
+        <p14:creationId xmlns:p14="http://schemas.microsoft.com/office/powerpoint/2010/main" val="1301239435"/>
+      </p:ext>
+    </p:extLst>
+  </p:cSld>
+  <p:clrMapOvr>
+    <a:masterClrMapping/>
+  </p:clrMapOvr>
+</p:sld>
+</file>
+
+<file path=ppt/slides/slide11.xml><?xml version="1.0" encoding="utf-8"?>
+<p:sld xmlns:a="http://schemas.openxmlformats.org/drawingml/2006/main" xmlns:r="http://schemas.openxmlformats.org/officeDocument/2006/relationships" xmlns:p="http://schemas.openxmlformats.org/presentationml/2006/main">
+  <p:cSld>
+    <p:spTree>
+      <p:nvGrpSpPr>
+        <p:cNvPr id="1" name=""/>
+        <p:cNvGrpSpPr/>
+        <p:nvPr/>
+      </p:nvGrpSpPr>
+      <p:grpSpPr>
+        <a:xfrm>
+          <a:off x="0" y="0"/>
+          <a:ext cx="0" cy="0"/>
+          <a:chOff x="0" y="0"/>
+          <a:chExt cx="0" cy="0"/>
+        </a:xfrm>
+      </p:grpSpPr>
+      <p:graphicFrame>
+        <p:nvGraphicFramePr>
+          <p:cNvPr id="2" name="Table 1">
+            <a:extLst>
+              <a:ext uri="{FF2B5EF4-FFF2-40B4-BE49-F238E27FC236}">
+                <a16:creationId xmlns:a16="http://schemas.microsoft.com/office/drawing/2014/main" id="{0B458BB6-33C0-2E70-67F4-508EFFAAE0D0}"/>
+              </a:ext>
+            </a:extLst>
+          </p:cNvPr>
+          <p:cNvGraphicFramePr>
+            <a:graphicFrameLocks noGrp="1"/>
+          </p:cNvGraphicFramePr>
+          <p:nvPr>
+            <p:extLst>
+              <p:ext uri="{D42A27DB-BD31-4B8C-83A1-F6EECF244321}">
+                <p14:modId xmlns:p14="http://schemas.microsoft.com/office/powerpoint/2010/main" val="158580318"/>
+              </p:ext>
+            </p:extLst>
+          </p:nvPr>
+        </p:nvGraphicFramePr>
+        <p:xfrm>
+          <a:off x="734505" y="0"/>
+          <a:ext cx="10515600" cy="2933700"/>
+        </p:xfrm>
+        <a:graphic>
+          <a:graphicData uri="http://schemas.openxmlformats.org/drawingml/2006/table">
+            <a:tbl>
+              <a:tblPr/>
+              <a:tblGrid>
+                <a:gridCol w="2399190">
+                  <a:extLst>
+                    <a:ext uri="{9D8B030D-6E8A-4147-A177-3AD203B41FA5}">
+                      <a16:colId xmlns:a16="http://schemas.microsoft.com/office/drawing/2014/main" val="3356889955"/>
+                    </a:ext>
+                  </a:extLst>
+                </a:gridCol>
+                <a:gridCol w="2705470">
+                  <a:extLst>
+                    <a:ext uri="{9D8B030D-6E8A-4147-A177-3AD203B41FA5}">
+                      <a16:colId xmlns:a16="http://schemas.microsoft.com/office/drawing/2014/main" val="2923194953"/>
+                    </a:ext>
+                  </a:extLst>
+                </a:gridCol>
+                <a:gridCol w="2705470">
+                  <a:extLst>
+                    <a:ext uri="{9D8B030D-6E8A-4147-A177-3AD203B41FA5}">
+                      <a16:colId xmlns:a16="http://schemas.microsoft.com/office/drawing/2014/main" val="571879987"/>
+                    </a:ext>
+                  </a:extLst>
+                </a:gridCol>
+                <a:gridCol w="2705470">
+                  <a:extLst>
+                    <a:ext uri="{9D8B030D-6E8A-4147-A177-3AD203B41FA5}">
+                      <a16:colId xmlns:a16="http://schemas.microsoft.com/office/drawing/2014/main" val="1821471162"/>
+                    </a:ext>
+                  </a:extLst>
+                </a:gridCol>
+              </a:tblGrid>
+              <a:tr h="300401">
+                <a:tc>
+                  <a:txBody>
+                    <a:bodyPr/>
+                    <a:lstStyle/>
+                    <a:p>
+                      <a:pPr algn="l">
+                        <a:lnSpc>
+                          <a:spcPts val="1875"/>
+                        </a:lnSpc>
+                        <a:buNone/>
+                      </a:pPr>
+                      <a:r>
+                        <a:rPr lang="en-IN" b="0" dirty="0">
+                          <a:effectLst/>
+                          <a:latin typeface="quote-cjk-patch"/>
+                        </a:rPr>
+                        <a:t>Patent</a:t>
+                      </a:r>
+                    </a:p>
+                  </a:txBody>
+                  <a:tcPr marR="121920" marT="76200" marB="76200" anchor="ctr">
+                    <a:lnL w="12700" cap="flat" cmpd="sng" algn="ctr">
+                      <a:solidFill>
+                        <a:schemeClr val="tx1"/>
+                      </a:solidFill>
+                      <a:prstDash val="solid"/>
+                      <a:round/>
+                      <a:headEnd type="none" w="med" len="med"/>
+                      <a:tailEnd type="none" w="med" len="med"/>
+                    </a:lnL>
+                    <a:lnR w="12700" cap="flat" cmpd="sng" algn="ctr">
+                      <a:solidFill>
+                        <a:schemeClr val="tx1"/>
+                      </a:solidFill>
+                      <a:prstDash val="solid"/>
+                      <a:round/>
+                      <a:headEnd type="none" w="med" len="med"/>
+                      <a:tailEnd type="none" w="med" len="med"/>
+                    </a:lnR>
+                    <a:lnT w="12700" cap="flat" cmpd="sng" algn="ctr">
+                      <a:solidFill>
+                        <a:schemeClr val="tx1"/>
+                      </a:solidFill>
+                      <a:prstDash val="solid"/>
+                      <a:round/>
+                      <a:headEnd type="none" w="med" len="med"/>
+                      <a:tailEnd type="none" w="med" len="med"/>
+                    </a:lnT>
+                    <a:lnB w="12700" cap="flat" cmpd="sng" algn="ctr">
+                      <a:solidFill>
+                        <a:schemeClr val="tx1"/>
+                      </a:solidFill>
+                      <a:prstDash val="solid"/>
+                      <a:round/>
+                      <a:headEnd type="none" w="med" len="med"/>
+                      <a:tailEnd type="none" w="med" len="med"/>
+                    </a:lnB>
+                    <a:solidFill>
+                      <a:srgbClr val="FFFFFF"/>
+                    </a:solidFill>
+                  </a:tcPr>
+                </a:tc>
+                <a:tc>
+                  <a:txBody>
+                    <a:bodyPr/>
+                    <a:lstStyle/>
+                    <a:p>
+                      <a:pPr algn="l">
+                        <a:lnSpc>
+                          <a:spcPts val="1875"/>
+                        </a:lnSpc>
+                        <a:buNone/>
+                      </a:pPr>
+                      <a:r>
+                        <a:rPr lang="en-IN" b="0">
+                          <a:effectLst/>
+                          <a:latin typeface="quote-cjk-patch"/>
+                        </a:rPr>
+                        <a:t>Core Innovation</a:t>
+                      </a:r>
+                    </a:p>
+                  </a:txBody>
+                  <a:tcPr marL="121920" marR="121920" marT="76200" marB="76200" anchor="ctr">
+                    <a:lnL w="12700" cap="flat" cmpd="sng" algn="ctr">
+                      <a:solidFill>
+                        <a:schemeClr val="tx1"/>
+                      </a:solidFill>
+                      <a:prstDash val="solid"/>
+                      <a:round/>
+                      <a:headEnd type="none" w="med" len="med"/>
+                      <a:tailEnd type="none" w="med" len="med"/>
+                    </a:lnL>
+                    <a:lnR w="12700" cap="flat" cmpd="sng" algn="ctr">
+                      <a:solidFill>
+                        <a:schemeClr val="tx1"/>
+                      </a:solidFill>
+                      <a:prstDash val="solid"/>
+                      <a:round/>
+                      <a:headEnd type="none" w="med" len="med"/>
+                      <a:tailEnd type="none" w="med" len="med"/>
+                    </a:lnR>
+                    <a:lnT w="12700" cap="flat" cmpd="sng" algn="ctr">
+                      <a:solidFill>
+                        <a:schemeClr val="tx1"/>
+                      </a:solidFill>
+                      <a:prstDash val="solid"/>
+                      <a:round/>
+                      <a:headEnd type="none" w="med" len="med"/>
+                      <a:tailEnd type="none" w="med" len="med"/>
+                    </a:lnT>
+                    <a:lnB w="12700" cap="flat" cmpd="sng" algn="ctr">
+                      <a:solidFill>
+                        <a:schemeClr val="tx1"/>
+                      </a:solidFill>
+                      <a:prstDash val="solid"/>
+                      <a:round/>
+                      <a:headEnd type="none" w="med" len="med"/>
+                      <a:tailEnd type="none" w="med" len="med"/>
+                    </a:lnB>
+                    <a:solidFill>
+                      <a:srgbClr val="FFFFFF"/>
+                    </a:solidFill>
+                  </a:tcPr>
+                </a:tc>
+                <a:tc>
+                  <a:txBody>
+                    <a:bodyPr/>
+                    <a:lstStyle/>
+                    <a:p>
+                      <a:pPr algn="l">
+                        <a:lnSpc>
+                          <a:spcPts val="1875"/>
+                        </a:lnSpc>
+                        <a:buNone/>
+                      </a:pPr>
+                      <a:r>
+                        <a:rPr lang="en-IN" b="0">
+                          <a:effectLst/>
+                          <a:latin typeface="quote-cjk-patch"/>
+                        </a:rPr>
+                        <a:t>Traditional Approach</a:t>
+                      </a:r>
+                    </a:p>
+                  </a:txBody>
+                  <a:tcPr marL="121920" marR="121920" marT="76200" marB="76200" anchor="ctr">
+                    <a:lnL w="12700" cap="flat" cmpd="sng" algn="ctr">
+                      <a:solidFill>
+                        <a:schemeClr val="tx1"/>
+                      </a:solidFill>
+                      <a:prstDash val="solid"/>
+                      <a:round/>
+                      <a:headEnd type="none" w="med" len="med"/>
+                      <a:tailEnd type="none" w="med" len="med"/>
+                    </a:lnL>
+                    <a:lnR w="12700" cap="flat" cmpd="sng" algn="ctr">
+                      <a:solidFill>
+                        <a:schemeClr val="tx1"/>
+                      </a:solidFill>
+                      <a:prstDash val="solid"/>
+                      <a:round/>
+                      <a:headEnd type="none" w="med" len="med"/>
+                      <a:tailEnd type="none" w="med" len="med"/>
+                    </a:lnR>
+                    <a:lnT w="12700" cap="flat" cmpd="sng" algn="ctr">
+                      <a:solidFill>
+                        <a:schemeClr val="tx1"/>
+                      </a:solidFill>
+                      <a:prstDash val="solid"/>
+                      <a:round/>
+                      <a:headEnd type="none" w="med" len="med"/>
+                      <a:tailEnd type="none" w="med" len="med"/>
+                    </a:lnT>
+                    <a:lnB w="12700" cap="flat" cmpd="sng" algn="ctr">
+                      <a:solidFill>
+                        <a:schemeClr val="tx1"/>
+                      </a:solidFill>
+                      <a:prstDash val="solid"/>
+                      <a:round/>
+                      <a:headEnd type="none" w="med" len="med"/>
+                      <a:tailEnd type="none" w="med" len="med"/>
+                    </a:lnB>
+                    <a:solidFill>
+                      <a:srgbClr val="FFFFFF"/>
+                    </a:solidFill>
+                  </a:tcPr>
+                </a:tc>
+                <a:tc>
+                  <a:txBody>
+                    <a:bodyPr/>
+                    <a:lstStyle/>
+                    <a:p>
+                      <a:pPr algn="l">
+                        <a:lnSpc>
+                          <a:spcPts val="1875"/>
+                        </a:lnSpc>
+                        <a:buNone/>
+                      </a:pPr>
+                      <a:r>
+                        <a:rPr lang="en-IN" b="0">
+                          <a:effectLst/>
+                          <a:latin typeface="quote-cjk-patch"/>
+                        </a:rPr>
+                        <a:t>VeriFactAI Novelty</a:t>
+                      </a:r>
+                    </a:p>
+                  </a:txBody>
+                  <a:tcPr marL="121920" marR="121920" marT="76200" marB="76200" anchor="ctr">
+                    <a:lnL w="12700" cap="flat" cmpd="sng" algn="ctr">
+                      <a:solidFill>
+                        <a:schemeClr val="tx1"/>
+                      </a:solidFill>
+                      <a:prstDash val="solid"/>
+                      <a:round/>
+                      <a:headEnd type="none" w="med" len="med"/>
+                      <a:tailEnd type="none" w="med" len="med"/>
+                    </a:lnL>
+                    <a:lnR w="12700" cap="flat" cmpd="sng" algn="ctr">
+                      <a:solidFill>
+                        <a:schemeClr val="tx1"/>
+                      </a:solidFill>
+                      <a:prstDash val="solid"/>
+                      <a:round/>
+                      <a:headEnd type="none" w="med" len="med"/>
+                      <a:tailEnd type="none" w="med" len="med"/>
+                    </a:lnR>
+                    <a:lnT w="12700" cap="flat" cmpd="sng" algn="ctr">
+                      <a:solidFill>
+                        <a:schemeClr val="tx1"/>
+                      </a:solidFill>
+                      <a:prstDash val="solid"/>
+                      <a:round/>
+                      <a:headEnd type="none" w="med" len="med"/>
+                      <a:tailEnd type="none" w="med" len="med"/>
+                    </a:lnT>
+                    <a:lnB w="12700" cap="flat" cmpd="sng" algn="ctr">
+                      <a:solidFill>
+                        <a:schemeClr val="tx1"/>
+                      </a:solidFill>
+                      <a:prstDash val="solid"/>
+                      <a:round/>
+                      <a:headEnd type="none" w="med" len="med"/>
+                      <a:tailEnd type="none" w="med" len="med"/>
+                    </a:lnB>
+                    <a:solidFill>
+                      <a:srgbClr val="FFFFFF"/>
+                    </a:solidFill>
+                  </a:tcPr>
+                </a:tc>
+                <a:extLst>
+                  <a:ext uri="{0D108BD9-81ED-4DB2-BD59-A6C34878D82A}">
+                    <a16:rowId xmlns:a16="http://schemas.microsoft.com/office/drawing/2014/main" val="2125972571"/>
+                  </a:ext>
+                </a:extLst>
+              </a:tr>
+              <a:tr h="484518">
+                <a:tc>
+                  <a:txBody>
+                    <a:bodyPr/>
+                    <a:lstStyle/>
+                    <a:p>
+                      <a:pPr>
+                        <a:lnSpc>
+                          <a:spcPts val="1875"/>
+                        </a:lnSpc>
+                        <a:buNone/>
+                      </a:pPr>
+                      <a:r>
+                        <a:rPr lang="en-IN" b="1" dirty="0">
+                          <a:effectLst/>
+                          <a:latin typeface="quote-cjk-patch"/>
+                        </a:rPr>
+                        <a:t>📜 Claim Extraction</a:t>
+                      </a:r>
+                      <a:endParaRPr lang="en-IN" b="0" dirty="0">
+                        <a:effectLst/>
+                        <a:latin typeface="quote-cjk-patch"/>
+                      </a:endParaRPr>
+                    </a:p>
+                  </a:txBody>
+                  <a:tcPr marR="121920" marT="76200" marB="76200" anchor="ctr">
+                    <a:lnL w="12700" cap="flat" cmpd="sng" algn="ctr">
+                      <a:solidFill>
+                        <a:schemeClr val="tx1"/>
+                      </a:solidFill>
+                      <a:prstDash val="solid"/>
+                      <a:round/>
+                      <a:headEnd type="none" w="med" len="med"/>
+                      <a:tailEnd type="none" w="med" len="med"/>
+                    </a:lnL>
+                    <a:lnR w="12700" cap="flat" cmpd="sng" algn="ctr">
+                      <a:solidFill>
+                        <a:schemeClr val="tx1"/>
+                      </a:solidFill>
+                      <a:prstDash val="solid"/>
+                      <a:round/>
+                      <a:headEnd type="none" w="med" len="med"/>
+                      <a:tailEnd type="none" w="med" len="med"/>
+                    </a:lnR>
+                    <a:lnT w="12700" cap="flat" cmpd="sng" algn="ctr">
+                      <a:solidFill>
+                        <a:schemeClr val="tx1"/>
+                      </a:solidFill>
+                      <a:prstDash val="solid"/>
+                      <a:round/>
+                      <a:headEnd type="none" w="med" len="med"/>
+                      <a:tailEnd type="none" w="med" len="med"/>
+                    </a:lnT>
+                    <a:lnB w="12700" cap="flat" cmpd="sng" algn="ctr">
+                      <a:solidFill>
+                        <a:schemeClr val="tx1"/>
+                      </a:solidFill>
+                      <a:prstDash val="solid"/>
+                      <a:round/>
+                      <a:headEnd type="none" w="med" len="med"/>
+                      <a:tailEnd type="none" w="med" len="med"/>
+                    </a:lnB>
+                    <a:solidFill>
+                      <a:srgbClr val="FFFFFF"/>
+                    </a:solidFill>
+                  </a:tcPr>
+                </a:tc>
+                <a:tc>
+                  <a:txBody>
+                    <a:bodyPr/>
+                    <a:lstStyle/>
+                    <a:p>
+                      <a:pPr>
+                        <a:lnSpc>
+                          <a:spcPts val="1875"/>
+                        </a:lnSpc>
+                        <a:buNone/>
+                      </a:pPr>
+                      <a:r>
+                        <a:rPr lang="en-IN" b="0" dirty="0">
+                          <a:effectLst/>
+                          <a:latin typeface="quote-cjk-patch"/>
+                        </a:rPr>
+                        <a:t>Semantic claim isolation</a:t>
+                      </a:r>
+                    </a:p>
+                  </a:txBody>
+                  <a:tcPr marL="121920" marR="121920" marT="76200" marB="76200" anchor="ctr">
+                    <a:lnL w="12700" cap="flat" cmpd="sng" algn="ctr">
+                      <a:solidFill>
+                        <a:schemeClr val="tx1"/>
+                      </a:solidFill>
+                      <a:prstDash val="solid"/>
+                      <a:round/>
+                      <a:headEnd type="none" w="med" len="med"/>
+                      <a:tailEnd type="none" w="med" len="med"/>
+                    </a:lnL>
+                    <a:lnR w="12700" cap="flat" cmpd="sng" algn="ctr">
+                      <a:solidFill>
+                        <a:schemeClr val="tx1"/>
+                      </a:solidFill>
+                      <a:prstDash val="solid"/>
+                      <a:round/>
+                      <a:headEnd type="none" w="med" len="med"/>
+                      <a:tailEnd type="none" w="med" len="med"/>
+                    </a:lnR>
+                    <a:lnT w="12700" cap="flat" cmpd="sng" algn="ctr">
+                      <a:solidFill>
+                        <a:schemeClr val="tx1"/>
+                      </a:solidFill>
+                      <a:prstDash val="solid"/>
+                      <a:round/>
+                      <a:headEnd type="none" w="med" len="med"/>
+                      <a:tailEnd type="none" w="med" len="med"/>
+                    </a:lnT>
+                    <a:lnB w="12700" cap="flat" cmpd="sng" algn="ctr">
+                      <a:solidFill>
+                        <a:schemeClr val="tx1"/>
+                      </a:solidFill>
+                      <a:prstDash val="solid"/>
+                      <a:round/>
+                      <a:headEnd type="none" w="med" len="med"/>
+                      <a:tailEnd type="none" w="med" len="med"/>
+                    </a:lnB>
+                    <a:solidFill>
+                      <a:srgbClr val="FFFFFF"/>
+                    </a:solidFill>
+                  </a:tcPr>
+                </a:tc>
+                <a:tc>
+                  <a:txBody>
+                    <a:bodyPr/>
+                    <a:lstStyle/>
+                    <a:p>
+                      <a:pPr>
+                        <a:lnSpc>
+                          <a:spcPts val="1875"/>
+                        </a:lnSpc>
+                        <a:buNone/>
+                      </a:pPr>
+                      <a:r>
+                        <a:rPr lang="en-IN" b="0" dirty="0">
+                          <a:effectLst/>
+                          <a:latin typeface="quote-cjk-patch"/>
+                        </a:rPr>
+                        <a:t>Simple sentence splitting</a:t>
+                      </a:r>
+                    </a:p>
+                  </a:txBody>
+                  <a:tcPr marL="121920" marR="121920" marT="76200" marB="76200" anchor="ctr">
+                    <a:lnL w="12700" cap="flat" cmpd="sng" algn="ctr">
+                      <a:solidFill>
+                        <a:schemeClr val="tx1"/>
+                      </a:solidFill>
+                      <a:prstDash val="solid"/>
+                      <a:round/>
+                      <a:headEnd type="none" w="med" len="med"/>
+                      <a:tailEnd type="none" w="med" len="med"/>
+                    </a:lnL>
+                    <a:lnR w="12700" cap="flat" cmpd="sng" algn="ctr">
+                      <a:solidFill>
+                        <a:schemeClr val="tx1"/>
+                      </a:solidFill>
+                      <a:prstDash val="solid"/>
+                      <a:round/>
+                      <a:headEnd type="none" w="med" len="med"/>
+                      <a:tailEnd type="none" w="med" len="med"/>
+                    </a:lnR>
+                    <a:lnT w="12700" cap="flat" cmpd="sng" algn="ctr">
+                      <a:solidFill>
+                        <a:schemeClr val="tx1"/>
+                      </a:solidFill>
+                      <a:prstDash val="solid"/>
+                      <a:round/>
+                      <a:headEnd type="none" w="med" len="med"/>
+                      <a:tailEnd type="none" w="med" len="med"/>
+                    </a:lnT>
+                    <a:lnB w="12700" cap="flat" cmpd="sng" algn="ctr">
+                      <a:solidFill>
+                        <a:schemeClr val="tx1"/>
+                      </a:solidFill>
+                      <a:prstDash val="solid"/>
+                      <a:round/>
+                      <a:headEnd type="none" w="med" len="med"/>
+                      <a:tailEnd type="none" w="med" len="med"/>
+                    </a:lnB>
+                    <a:solidFill>
+                      <a:srgbClr val="FFFFFF"/>
+                    </a:solidFill>
+                  </a:tcPr>
+                </a:tc>
+                <a:tc>
+                  <a:txBody>
+                    <a:bodyPr/>
+                    <a:lstStyle/>
+                    <a:p>
+                      <a:pPr>
+                        <a:lnSpc>
+                          <a:spcPts val="1875"/>
+                        </a:lnSpc>
+                        <a:buNone/>
+                      </a:pPr>
+                      <a:r>
+                        <a:rPr lang="en-IN" b="0">
+                          <a:effectLst/>
+                          <a:latin typeface="quote-cjk-patch"/>
+                        </a:rPr>
+                        <a:t>Multi-level contextual understanding</a:t>
+                      </a:r>
+                    </a:p>
+                  </a:txBody>
+                  <a:tcPr marL="121920" marT="76200" marB="76200" anchor="ctr">
+                    <a:lnL w="12700" cap="flat" cmpd="sng" algn="ctr">
+                      <a:solidFill>
+                        <a:schemeClr val="tx1"/>
+                      </a:solidFill>
+                      <a:prstDash val="solid"/>
+                      <a:round/>
+                      <a:headEnd type="none" w="med" len="med"/>
+                      <a:tailEnd type="none" w="med" len="med"/>
+                    </a:lnL>
+                    <a:lnR w="12700" cap="flat" cmpd="sng" algn="ctr">
+                      <a:solidFill>
+                        <a:schemeClr val="tx1"/>
+                      </a:solidFill>
+                      <a:prstDash val="solid"/>
+                      <a:round/>
+                      <a:headEnd type="none" w="med" len="med"/>
+                      <a:tailEnd type="none" w="med" len="med"/>
+                    </a:lnR>
+                    <a:lnT w="12700" cap="flat" cmpd="sng" algn="ctr">
+                      <a:solidFill>
+                        <a:schemeClr val="tx1"/>
+                      </a:solidFill>
+                      <a:prstDash val="solid"/>
+                      <a:round/>
+                      <a:headEnd type="none" w="med" len="med"/>
+                      <a:tailEnd type="none" w="med" len="med"/>
+                    </a:lnT>
+                    <a:lnB w="12700" cap="flat" cmpd="sng" algn="ctr">
+                      <a:solidFill>
+                        <a:schemeClr val="tx1"/>
+                      </a:solidFill>
+                      <a:prstDash val="solid"/>
+                      <a:round/>
+                      <a:headEnd type="none" w="med" len="med"/>
+                      <a:tailEnd type="none" w="med" len="med"/>
+                    </a:lnB>
+                    <a:solidFill>
+                      <a:srgbClr val="FFFFFF"/>
+                    </a:solidFill>
+                  </a:tcPr>
+                </a:tc>
+                <a:extLst>
+                  <a:ext uri="{0D108BD9-81ED-4DB2-BD59-A6C34878D82A}">
+                    <a16:rowId xmlns:a16="http://schemas.microsoft.com/office/drawing/2014/main" val="1406170684"/>
+                  </a:ext>
+                </a:extLst>
+              </a:tr>
+              <a:tr h="484518">
+                <a:tc>
+                  <a:txBody>
+                    <a:bodyPr/>
+                    <a:lstStyle/>
+                    <a:p>
+                      <a:pPr>
+                        <a:lnSpc>
+                          <a:spcPts val="1875"/>
+                        </a:lnSpc>
+                        <a:buNone/>
+                      </a:pPr>
+                      <a:r>
+                        <a:rPr lang="en-IN" b="1">
+                          <a:effectLst/>
+                          <a:latin typeface="quote-cjk-patch"/>
+                        </a:rPr>
+                        <a:t>📜 Identification</a:t>
+                      </a:r>
+                      <a:endParaRPr lang="en-IN" b="0">
+                        <a:effectLst/>
+                        <a:latin typeface="quote-cjk-patch"/>
+                      </a:endParaRPr>
+                    </a:p>
+                  </a:txBody>
+                  <a:tcPr marR="121920" marT="76200" marB="76200" anchor="ctr">
+                    <a:lnL w="12700" cap="flat" cmpd="sng" algn="ctr">
+                      <a:solidFill>
+                        <a:schemeClr val="tx1"/>
+                      </a:solidFill>
+                      <a:prstDash val="solid"/>
+                      <a:round/>
+                      <a:headEnd type="none" w="med" len="med"/>
+                      <a:tailEnd type="none" w="med" len="med"/>
+                    </a:lnL>
+                    <a:lnR w="12700" cap="flat" cmpd="sng" algn="ctr">
+                      <a:solidFill>
+                        <a:schemeClr val="tx1"/>
+                      </a:solidFill>
+                      <a:prstDash val="solid"/>
+                      <a:round/>
+                      <a:headEnd type="none" w="med" len="med"/>
+                      <a:tailEnd type="none" w="med" len="med"/>
+                    </a:lnR>
+                    <a:lnT w="12700" cap="flat" cmpd="sng" algn="ctr">
+                      <a:solidFill>
+                        <a:schemeClr val="tx1"/>
+                      </a:solidFill>
+                      <a:prstDash val="solid"/>
+                      <a:round/>
+                      <a:headEnd type="none" w="med" len="med"/>
+                      <a:tailEnd type="none" w="med" len="med"/>
+                    </a:lnT>
+                    <a:lnB w="12700" cap="flat" cmpd="sng" algn="ctr">
+                      <a:solidFill>
+                        <a:schemeClr val="tx1"/>
+                      </a:solidFill>
+                      <a:prstDash val="solid"/>
+                      <a:round/>
+                      <a:headEnd type="none" w="med" len="med"/>
+                      <a:tailEnd type="none" w="med" len="med"/>
+                    </a:lnB>
+                    <a:solidFill>
+                      <a:srgbClr val="FFFFFF"/>
+                    </a:solidFill>
+                  </a:tcPr>
+                </a:tc>
+                <a:tc>
+                  <a:txBody>
+                    <a:bodyPr/>
+                    <a:lstStyle/>
+                    <a:p>
+                      <a:pPr>
+                        <a:lnSpc>
+                          <a:spcPts val="1875"/>
+                        </a:lnSpc>
+                        <a:buNone/>
+                      </a:pPr>
+                      <a:r>
+                        <a:rPr lang="en-IN" b="0" dirty="0">
+                          <a:effectLst/>
+                          <a:latin typeface="quote-cjk-patch"/>
+                        </a:rPr>
+                        <a:t>Multi-dimensional validation</a:t>
+                      </a:r>
+                    </a:p>
+                  </a:txBody>
+                  <a:tcPr marL="121920" marR="121920" marT="76200" marB="76200" anchor="ctr">
+                    <a:lnL w="12700" cap="flat" cmpd="sng" algn="ctr">
+                      <a:solidFill>
+                        <a:schemeClr val="tx1"/>
+                      </a:solidFill>
+                      <a:prstDash val="solid"/>
+                      <a:round/>
+                      <a:headEnd type="none" w="med" len="med"/>
+                      <a:tailEnd type="none" w="med" len="med"/>
+                    </a:lnL>
+                    <a:lnR w="12700" cap="flat" cmpd="sng" algn="ctr">
+                      <a:solidFill>
+                        <a:schemeClr val="tx1"/>
+                      </a:solidFill>
+                      <a:prstDash val="solid"/>
+                      <a:round/>
+                      <a:headEnd type="none" w="med" len="med"/>
+                      <a:tailEnd type="none" w="med" len="med"/>
+                    </a:lnR>
+                    <a:lnT w="12700" cap="flat" cmpd="sng" algn="ctr">
+                      <a:solidFill>
+                        <a:schemeClr val="tx1"/>
+                      </a:solidFill>
+                      <a:prstDash val="solid"/>
+                      <a:round/>
+                      <a:headEnd type="none" w="med" len="med"/>
+                      <a:tailEnd type="none" w="med" len="med"/>
+                    </a:lnT>
+                    <a:lnB w="12700" cap="flat" cmpd="sng" algn="ctr">
+                      <a:solidFill>
+                        <a:schemeClr val="tx1"/>
+                      </a:solidFill>
+                      <a:prstDash val="solid"/>
+                      <a:round/>
+                      <a:headEnd type="none" w="med" len="med"/>
+                      <a:tailEnd type="none" w="med" len="med"/>
+                    </a:lnB>
+                    <a:solidFill>
+                      <a:srgbClr val="FFFFFF"/>
+                    </a:solidFill>
+                  </a:tcPr>
+                </a:tc>
+                <a:tc>
+                  <a:txBody>
+                    <a:bodyPr/>
+                    <a:lstStyle/>
+                    <a:p>
+                      <a:pPr>
+                        <a:lnSpc>
+                          <a:spcPts val="1875"/>
+                        </a:lnSpc>
+                        <a:buNone/>
+                      </a:pPr>
+                      <a:r>
+                        <a:rPr lang="en-IN" b="0" dirty="0">
+                          <a:effectLst/>
+                          <a:latin typeface="quote-cjk-patch"/>
+                        </a:rPr>
+                        <a:t>Single-source fact checking</a:t>
+                      </a:r>
+                    </a:p>
+                  </a:txBody>
+                  <a:tcPr marL="121920" marR="121920" marT="76200" marB="76200" anchor="ctr">
+                    <a:lnL w="12700" cap="flat" cmpd="sng" algn="ctr">
+                      <a:solidFill>
+                        <a:schemeClr val="tx1"/>
+                      </a:solidFill>
+                      <a:prstDash val="solid"/>
+                      <a:round/>
+                      <a:headEnd type="none" w="med" len="med"/>
+                      <a:tailEnd type="none" w="med" len="med"/>
+                    </a:lnL>
+                    <a:lnR w="12700" cap="flat" cmpd="sng" algn="ctr">
+                      <a:solidFill>
+                        <a:schemeClr val="tx1"/>
+                      </a:solidFill>
+                      <a:prstDash val="solid"/>
+                      <a:round/>
+                      <a:headEnd type="none" w="med" len="med"/>
+                      <a:tailEnd type="none" w="med" len="med"/>
+                    </a:lnR>
+                    <a:lnT w="12700" cap="flat" cmpd="sng" algn="ctr">
+                      <a:solidFill>
+                        <a:schemeClr val="tx1"/>
+                      </a:solidFill>
+                      <a:prstDash val="solid"/>
+                      <a:round/>
+                      <a:headEnd type="none" w="med" len="med"/>
+                      <a:tailEnd type="none" w="med" len="med"/>
+                    </a:lnT>
+                    <a:lnB w="12700" cap="flat" cmpd="sng" algn="ctr">
+                      <a:solidFill>
+                        <a:schemeClr val="tx1"/>
+                      </a:solidFill>
+                      <a:prstDash val="solid"/>
+                      <a:round/>
+                      <a:headEnd type="none" w="med" len="med"/>
+                      <a:tailEnd type="none" w="med" len="med"/>
+                    </a:lnB>
+                    <a:solidFill>
+                      <a:srgbClr val="FFFFFF"/>
+                    </a:solidFill>
+                  </a:tcPr>
+                </a:tc>
+                <a:tc>
+                  <a:txBody>
+                    <a:bodyPr/>
+                    <a:lstStyle/>
+                    <a:p>
+                      <a:pPr>
+                        <a:lnSpc>
+                          <a:spcPts val="1875"/>
+                        </a:lnSpc>
+                        <a:buNone/>
+                      </a:pPr>
+                      <a:r>
+                        <a:rPr lang="en-IN" b="0">
+                          <a:effectLst/>
+                          <a:latin typeface="quote-cjk-patch"/>
+                        </a:rPr>
+                        <a:t>Cross-source consensus scoring</a:t>
+                      </a:r>
+                    </a:p>
+                  </a:txBody>
+                  <a:tcPr marL="121920" marT="76200" marB="76200" anchor="ctr">
+                    <a:lnL w="12700" cap="flat" cmpd="sng" algn="ctr">
+                      <a:solidFill>
+                        <a:schemeClr val="tx1"/>
+                      </a:solidFill>
+                      <a:prstDash val="solid"/>
+                      <a:round/>
+                      <a:headEnd type="none" w="med" len="med"/>
+                      <a:tailEnd type="none" w="med" len="med"/>
+                    </a:lnL>
+                    <a:lnR w="12700" cap="flat" cmpd="sng" algn="ctr">
+                      <a:solidFill>
+                        <a:schemeClr val="tx1"/>
+                      </a:solidFill>
+                      <a:prstDash val="solid"/>
+                      <a:round/>
+                      <a:headEnd type="none" w="med" len="med"/>
+                      <a:tailEnd type="none" w="med" len="med"/>
+                    </a:lnR>
+                    <a:lnT w="12700" cap="flat" cmpd="sng" algn="ctr">
+                      <a:solidFill>
+                        <a:schemeClr val="tx1"/>
+                      </a:solidFill>
+                      <a:prstDash val="solid"/>
+                      <a:round/>
+                      <a:headEnd type="none" w="med" len="med"/>
+                      <a:tailEnd type="none" w="med" len="med"/>
+                    </a:lnT>
+                    <a:lnB w="12700" cap="flat" cmpd="sng" algn="ctr">
+                      <a:solidFill>
+                        <a:schemeClr val="tx1"/>
+                      </a:solidFill>
+                      <a:prstDash val="solid"/>
+                      <a:round/>
+                      <a:headEnd type="none" w="med" len="med"/>
+                      <a:tailEnd type="none" w="med" len="med"/>
+                    </a:lnB>
+                    <a:solidFill>
+                      <a:srgbClr val="FFFFFF"/>
+                    </a:solidFill>
+                  </a:tcPr>
+                </a:tc>
+                <a:extLst>
+                  <a:ext uri="{0D108BD9-81ED-4DB2-BD59-A6C34878D82A}">
+                    <a16:rowId xmlns:a16="http://schemas.microsoft.com/office/drawing/2014/main" val="1985337186"/>
+                  </a:ext>
+                </a:extLst>
+              </a:tr>
+              <a:tr h="484518">
+                <a:tc>
+                  <a:txBody>
+                    <a:bodyPr/>
+                    <a:lstStyle/>
+                    <a:p>
+                      <a:pPr>
+                        <a:lnSpc>
+                          <a:spcPts val="1875"/>
+                        </a:lnSpc>
+                        <a:buNone/>
+                      </a:pPr>
+                      <a:r>
+                        <a:rPr lang="en-IN" b="1">
+                          <a:effectLst/>
+                          <a:latin typeface="quote-cjk-patch"/>
+                        </a:rPr>
+                        <a:t>📜 Resolution</a:t>
+                      </a:r>
+                      <a:endParaRPr lang="en-IN" b="0">
+                        <a:effectLst/>
+                        <a:latin typeface="quote-cjk-patch"/>
+                      </a:endParaRPr>
+                    </a:p>
+                  </a:txBody>
+                  <a:tcPr marR="121920" marT="76200" marB="76200" anchor="ctr">
+                    <a:lnL w="12700" cap="flat" cmpd="sng" algn="ctr">
+                      <a:solidFill>
+                        <a:schemeClr val="tx1"/>
+                      </a:solidFill>
+                      <a:prstDash val="solid"/>
+                      <a:round/>
+                      <a:headEnd type="none" w="med" len="med"/>
+                      <a:tailEnd type="none" w="med" len="med"/>
+                    </a:lnL>
+                    <a:lnR w="12700" cap="flat" cmpd="sng" algn="ctr">
+                      <a:solidFill>
+                        <a:schemeClr val="tx1"/>
+                      </a:solidFill>
+                      <a:prstDash val="solid"/>
+                      <a:round/>
+                      <a:headEnd type="none" w="med" len="med"/>
+                      <a:tailEnd type="none" w="med" len="med"/>
+                    </a:lnR>
+                    <a:lnT w="12700" cap="flat" cmpd="sng" algn="ctr">
+                      <a:solidFill>
+                        <a:schemeClr val="tx1"/>
+                      </a:solidFill>
+                      <a:prstDash val="solid"/>
+                      <a:round/>
+                      <a:headEnd type="none" w="med" len="med"/>
+                      <a:tailEnd type="none" w="med" len="med"/>
+                    </a:lnT>
+                    <a:lnB w="12700" cap="flat" cmpd="sng" algn="ctr">
+                      <a:solidFill>
+                        <a:schemeClr val="tx1"/>
+                      </a:solidFill>
+                      <a:prstDash val="solid"/>
+                      <a:round/>
+                      <a:headEnd type="none" w="med" len="med"/>
+                      <a:tailEnd type="none" w="med" len="med"/>
+                    </a:lnB>
+                    <a:solidFill>
+                      <a:srgbClr val="FFFFFF"/>
+                    </a:solidFill>
+                  </a:tcPr>
+                </a:tc>
+                <a:tc>
+                  <a:txBody>
+                    <a:bodyPr/>
+                    <a:lstStyle/>
+                    <a:p>
+                      <a:pPr>
+                        <a:lnSpc>
+                          <a:spcPts val="1875"/>
+                        </a:lnSpc>
+                        <a:buNone/>
+                      </a:pPr>
+                      <a:r>
+                        <a:rPr lang="en-IN" b="0">
+                          <a:effectLst/>
+                          <a:latin typeface="quote-cjk-patch"/>
+                        </a:rPr>
+                        <a:t>Intelligent hallucination healing</a:t>
+                      </a:r>
+                    </a:p>
+                  </a:txBody>
+                  <a:tcPr marL="121920" marR="121920" marT="76200" marB="76200" anchor="ctr">
+                    <a:lnL w="12700" cap="flat" cmpd="sng" algn="ctr">
+                      <a:solidFill>
+                        <a:schemeClr val="tx1"/>
+                      </a:solidFill>
+                      <a:prstDash val="solid"/>
+                      <a:round/>
+                      <a:headEnd type="none" w="med" len="med"/>
+                      <a:tailEnd type="none" w="med" len="med"/>
+                    </a:lnL>
+                    <a:lnR w="12700" cap="flat" cmpd="sng" algn="ctr">
+                      <a:solidFill>
+                        <a:schemeClr val="tx1"/>
+                      </a:solidFill>
+                      <a:prstDash val="solid"/>
+                      <a:round/>
+                      <a:headEnd type="none" w="med" len="med"/>
+                      <a:tailEnd type="none" w="med" len="med"/>
+                    </a:lnR>
+                    <a:lnT w="12700" cap="flat" cmpd="sng" algn="ctr">
+                      <a:solidFill>
+                        <a:schemeClr val="tx1"/>
+                      </a:solidFill>
+                      <a:prstDash val="solid"/>
+                      <a:round/>
+                      <a:headEnd type="none" w="med" len="med"/>
+                      <a:tailEnd type="none" w="med" len="med"/>
+                    </a:lnT>
+                    <a:lnB w="12700" cap="flat" cmpd="sng" algn="ctr">
+                      <a:solidFill>
+                        <a:schemeClr val="tx1"/>
+                      </a:solidFill>
+                      <a:prstDash val="solid"/>
+                      <a:round/>
+                      <a:headEnd type="none" w="med" len="med"/>
+                      <a:tailEnd type="none" w="med" len="med"/>
+                    </a:lnB>
+                    <a:solidFill>
+                      <a:srgbClr val="FFFFFF"/>
+                    </a:solidFill>
+                  </a:tcPr>
+                </a:tc>
+                <a:tc>
+                  <a:txBody>
+                    <a:bodyPr/>
+                    <a:lstStyle/>
+                    <a:p>
+                      <a:pPr>
+                        <a:lnSpc>
+                          <a:spcPts val="1875"/>
+                        </a:lnSpc>
+                        <a:buNone/>
+                      </a:pPr>
+                      <a:r>
+                        <a:rPr lang="en-IN" b="0" dirty="0">
+                          <a:effectLst/>
+                          <a:latin typeface="quote-cjk-patch"/>
+                        </a:rPr>
+                        <a:t>Basic text replacement</a:t>
+                      </a:r>
+                    </a:p>
+                  </a:txBody>
+                  <a:tcPr marL="121920" marR="121920" marT="76200" marB="76200" anchor="ctr">
+                    <a:lnL w="12700" cap="flat" cmpd="sng" algn="ctr">
+                      <a:solidFill>
+                        <a:schemeClr val="tx1"/>
+                      </a:solidFill>
+                      <a:prstDash val="solid"/>
+                      <a:round/>
+                      <a:headEnd type="none" w="med" len="med"/>
+                      <a:tailEnd type="none" w="med" len="med"/>
+                    </a:lnL>
+                    <a:lnR w="12700" cap="flat" cmpd="sng" algn="ctr">
+                      <a:solidFill>
+                        <a:schemeClr val="tx1"/>
+                      </a:solidFill>
+                      <a:prstDash val="solid"/>
+                      <a:round/>
+                      <a:headEnd type="none" w="med" len="med"/>
+                      <a:tailEnd type="none" w="med" len="med"/>
+                    </a:lnR>
+                    <a:lnT w="12700" cap="flat" cmpd="sng" algn="ctr">
+                      <a:solidFill>
+                        <a:schemeClr val="tx1"/>
+                      </a:solidFill>
+                      <a:prstDash val="solid"/>
+                      <a:round/>
+                      <a:headEnd type="none" w="med" len="med"/>
+                      <a:tailEnd type="none" w="med" len="med"/>
+                    </a:lnT>
+                    <a:lnB w="12700" cap="flat" cmpd="sng" algn="ctr">
+                      <a:solidFill>
+                        <a:schemeClr val="tx1"/>
+                      </a:solidFill>
+                      <a:prstDash val="solid"/>
+                      <a:round/>
+                      <a:headEnd type="none" w="med" len="med"/>
+                      <a:tailEnd type="none" w="med" len="med"/>
+                    </a:lnB>
+                    <a:solidFill>
+                      <a:srgbClr val="FFFFFF"/>
+                    </a:solidFill>
+                  </a:tcPr>
+                </a:tc>
+                <a:tc>
+                  <a:txBody>
+                    <a:bodyPr/>
+                    <a:lstStyle/>
+                    <a:p>
+                      <a:pPr>
+                        <a:lnSpc>
+                          <a:spcPts val="1875"/>
+                        </a:lnSpc>
+                        <a:buNone/>
+                      </a:pPr>
+                      <a:r>
+                        <a:rPr lang="en-IN" b="0" dirty="0">
+                          <a:effectLst/>
+                          <a:latin typeface="quote-cjk-patch"/>
+                        </a:rPr>
+                        <a:t>Context-aware correction generation</a:t>
+                      </a:r>
+                    </a:p>
+                  </a:txBody>
+                  <a:tcPr marL="121920" marT="76200" marB="76200" anchor="ctr">
+                    <a:lnL w="12700" cap="flat" cmpd="sng" algn="ctr">
+                      <a:solidFill>
+                        <a:schemeClr val="tx1"/>
+                      </a:solidFill>
+                      <a:prstDash val="solid"/>
+                      <a:round/>
+                      <a:headEnd type="none" w="med" len="med"/>
+                      <a:tailEnd type="none" w="med" len="med"/>
+                    </a:lnL>
+                    <a:lnR w="12700" cap="flat" cmpd="sng" algn="ctr">
+                      <a:solidFill>
+                        <a:schemeClr val="tx1"/>
+                      </a:solidFill>
+                      <a:prstDash val="solid"/>
+                      <a:round/>
+                      <a:headEnd type="none" w="med" len="med"/>
+                      <a:tailEnd type="none" w="med" len="med"/>
+                    </a:lnR>
+                    <a:lnT w="12700" cap="flat" cmpd="sng" algn="ctr">
+                      <a:solidFill>
+                        <a:schemeClr val="tx1"/>
+                      </a:solidFill>
+                      <a:prstDash val="solid"/>
+                      <a:round/>
+                      <a:headEnd type="none" w="med" len="med"/>
+                      <a:tailEnd type="none" w="med" len="med"/>
+                    </a:lnT>
+                    <a:lnB w="12700" cap="flat" cmpd="sng" algn="ctr">
+                      <a:solidFill>
+                        <a:schemeClr val="tx1"/>
+                      </a:solidFill>
+                      <a:prstDash val="solid"/>
+                      <a:round/>
+                      <a:headEnd type="none" w="med" len="med"/>
+                      <a:tailEnd type="none" w="med" len="med"/>
+                    </a:lnB>
+                    <a:solidFill>
+                      <a:srgbClr val="FFFFFF"/>
+                    </a:solidFill>
+                  </a:tcPr>
+                </a:tc>
+                <a:extLst>
+                  <a:ext uri="{0D108BD9-81ED-4DB2-BD59-A6C34878D82A}">
+                    <a16:rowId xmlns:a16="http://schemas.microsoft.com/office/drawing/2014/main" val="1004681226"/>
+                  </a:ext>
+                </a:extLst>
+              </a:tr>
+              <a:tr h="484518">
+                <a:tc>
+                  <a:txBody>
+                    <a:bodyPr/>
+                    <a:lstStyle/>
+                    <a:p>
+                      <a:pPr>
+                        <a:lnSpc>
+                          <a:spcPts val="1875"/>
+                        </a:lnSpc>
+                        <a:buNone/>
+                      </a:pPr>
+                      <a:r>
+                        <a:rPr lang="en-IN" b="1">
+                          <a:effectLst/>
+                          <a:latin typeface="quote-cjk-patch"/>
+                        </a:rPr>
+                        <a:t>📜 Feedback</a:t>
+                      </a:r>
+                      <a:endParaRPr lang="en-IN" b="0">
+                        <a:effectLst/>
+                        <a:latin typeface="quote-cjk-patch"/>
+                      </a:endParaRPr>
+                    </a:p>
+                  </a:txBody>
+                  <a:tcPr marR="121920" marT="76200" marB="76200" anchor="ctr">
+                    <a:lnL w="12700" cap="flat" cmpd="sng" algn="ctr">
+                      <a:solidFill>
+                        <a:schemeClr val="tx1"/>
+                      </a:solidFill>
+                      <a:prstDash val="solid"/>
+                      <a:round/>
+                      <a:headEnd type="none" w="med" len="med"/>
+                      <a:tailEnd type="none" w="med" len="med"/>
+                    </a:lnL>
+                    <a:lnR w="12700" cap="flat" cmpd="sng" algn="ctr">
+                      <a:solidFill>
+                        <a:schemeClr val="tx1"/>
+                      </a:solidFill>
+                      <a:prstDash val="solid"/>
+                      <a:round/>
+                      <a:headEnd type="none" w="med" len="med"/>
+                      <a:tailEnd type="none" w="med" len="med"/>
+                    </a:lnR>
+                    <a:lnT w="12700" cap="flat" cmpd="sng" algn="ctr">
+                      <a:solidFill>
+                        <a:schemeClr val="tx1"/>
+                      </a:solidFill>
+                      <a:prstDash val="solid"/>
+                      <a:round/>
+                      <a:headEnd type="none" w="med" len="med"/>
+                      <a:tailEnd type="none" w="med" len="med"/>
+                    </a:lnT>
+                    <a:lnB w="12700" cap="flat" cmpd="sng" algn="ctr">
+                      <a:solidFill>
+                        <a:schemeClr val="tx1"/>
+                      </a:solidFill>
+                      <a:prstDash val="solid"/>
+                      <a:round/>
+                      <a:headEnd type="none" w="med" len="med"/>
+                      <a:tailEnd type="none" w="med" len="med"/>
+                    </a:lnB>
+                    <a:solidFill>
+                      <a:srgbClr val="FFFFFF"/>
+                    </a:solidFill>
+                  </a:tcPr>
+                </a:tc>
+                <a:tc>
+                  <a:txBody>
+                    <a:bodyPr/>
+                    <a:lstStyle/>
+                    <a:p>
+                      <a:pPr>
+                        <a:lnSpc>
+                          <a:spcPts val="1875"/>
+                        </a:lnSpc>
+                        <a:buNone/>
+                      </a:pPr>
+                      <a:r>
+                        <a:rPr lang="en-IN" b="0">
+                          <a:effectLst/>
+                          <a:latin typeface="quote-cjk-patch"/>
+                        </a:rPr>
+                        <a:t>Continuous self-learning</a:t>
+                      </a:r>
+                    </a:p>
+                  </a:txBody>
+                  <a:tcPr marL="121920" marR="121920" marT="76200" marB="76200" anchor="ctr">
+                    <a:lnL w="12700" cap="flat" cmpd="sng" algn="ctr">
+                      <a:solidFill>
+                        <a:schemeClr val="tx1"/>
+                      </a:solidFill>
+                      <a:prstDash val="solid"/>
+                      <a:round/>
+                      <a:headEnd type="none" w="med" len="med"/>
+                      <a:tailEnd type="none" w="med" len="med"/>
+                    </a:lnL>
+                    <a:lnR w="12700" cap="flat" cmpd="sng" algn="ctr">
+                      <a:solidFill>
+                        <a:schemeClr val="tx1"/>
+                      </a:solidFill>
+                      <a:prstDash val="solid"/>
+                      <a:round/>
+                      <a:headEnd type="none" w="med" len="med"/>
+                      <a:tailEnd type="none" w="med" len="med"/>
+                    </a:lnR>
+                    <a:lnT w="12700" cap="flat" cmpd="sng" algn="ctr">
+                      <a:solidFill>
+                        <a:schemeClr val="tx1"/>
+                      </a:solidFill>
+                      <a:prstDash val="solid"/>
+                      <a:round/>
+                      <a:headEnd type="none" w="med" len="med"/>
+                      <a:tailEnd type="none" w="med" len="med"/>
+                    </a:lnT>
+                    <a:lnB w="12700" cap="flat" cmpd="sng" algn="ctr">
+                      <a:solidFill>
+                        <a:schemeClr val="tx1"/>
+                      </a:solidFill>
+                      <a:prstDash val="solid"/>
+                      <a:round/>
+                      <a:headEnd type="none" w="med" len="med"/>
+                      <a:tailEnd type="none" w="med" len="med"/>
+                    </a:lnB>
+                    <a:solidFill>
+                      <a:srgbClr val="FFFFFF"/>
+                    </a:solidFill>
+                  </a:tcPr>
+                </a:tc>
+                <a:tc>
+                  <a:txBody>
+                    <a:bodyPr/>
+                    <a:lstStyle/>
+                    <a:p>
+                      <a:pPr>
+                        <a:lnSpc>
+                          <a:spcPts val="1875"/>
+                        </a:lnSpc>
+                        <a:buNone/>
+                      </a:pPr>
+                      <a:r>
+                        <a:rPr lang="en-IN" b="0" dirty="0">
+                          <a:effectLst/>
+                          <a:latin typeface="quote-cjk-patch"/>
+                        </a:rPr>
+                        <a:t>Manual knowledge updates</a:t>
+                      </a:r>
+                    </a:p>
+                  </a:txBody>
+                  <a:tcPr marL="121920" marR="121920" marT="76200" marB="76200" anchor="ctr">
+                    <a:lnL w="12700" cap="flat" cmpd="sng" algn="ctr">
+                      <a:solidFill>
+                        <a:schemeClr val="tx1"/>
+                      </a:solidFill>
+                      <a:prstDash val="solid"/>
+                      <a:round/>
+                      <a:headEnd type="none" w="med" len="med"/>
+                      <a:tailEnd type="none" w="med" len="med"/>
+                    </a:lnL>
+                    <a:lnR w="12700" cap="flat" cmpd="sng" algn="ctr">
+                      <a:solidFill>
+                        <a:schemeClr val="tx1"/>
+                      </a:solidFill>
+                      <a:prstDash val="solid"/>
+                      <a:round/>
+                      <a:headEnd type="none" w="med" len="med"/>
+                      <a:tailEnd type="none" w="med" len="med"/>
+                    </a:lnR>
+                    <a:lnT w="12700" cap="flat" cmpd="sng" algn="ctr">
+                      <a:solidFill>
+                        <a:schemeClr val="tx1"/>
+                      </a:solidFill>
+                      <a:prstDash val="solid"/>
+                      <a:round/>
+                      <a:headEnd type="none" w="med" len="med"/>
+                      <a:tailEnd type="none" w="med" len="med"/>
+                    </a:lnT>
+                    <a:lnB w="12700" cap="flat" cmpd="sng" algn="ctr">
+                      <a:solidFill>
+                        <a:schemeClr val="tx1"/>
+                      </a:solidFill>
+                      <a:prstDash val="solid"/>
+                      <a:round/>
+                      <a:headEnd type="none" w="med" len="med"/>
+                      <a:tailEnd type="none" w="med" len="med"/>
+                    </a:lnB>
+                    <a:solidFill>
+                      <a:srgbClr val="FFFFFF"/>
+                    </a:solidFill>
+                  </a:tcPr>
+                </a:tc>
+                <a:tc>
+                  <a:txBody>
+                    <a:bodyPr/>
+                    <a:lstStyle/>
+                    <a:p>
+                      <a:pPr>
+                        <a:lnSpc>
+                          <a:spcPts val="1875"/>
+                        </a:lnSpc>
+                        <a:buNone/>
+                      </a:pPr>
+                      <a:r>
+                        <a:rPr lang="en-IN" b="0" dirty="0">
+                          <a:effectLst/>
+                          <a:latin typeface="quote-cjk-patch"/>
+                        </a:rPr>
+                        <a:t>Real-time adaptive improvement</a:t>
+                      </a:r>
+                    </a:p>
+                  </a:txBody>
+                  <a:tcPr marL="121920" marT="76200" marB="76200" anchor="ctr">
+                    <a:lnL w="12700" cap="flat" cmpd="sng" algn="ctr">
+                      <a:solidFill>
+                        <a:schemeClr val="tx1"/>
+                      </a:solidFill>
+                      <a:prstDash val="solid"/>
+                      <a:round/>
+                      <a:headEnd type="none" w="med" len="med"/>
+                      <a:tailEnd type="none" w="med" len="med"/>
+                    </a:lnL>
+                    <a:lnR w="12700" cap="flat" cmpd="sng" algn="ctr">
+                      <a:solidFill>
+                        <a:schemeClr val="tx1"/>
+                      </a:solidFill>
+                      <a:prstDash val="solid"/>
+                      <a:round/>
+                      <a:headEnd type="none" w="med" len="med"/>
+                      <a:tailEnd type="none" w="med" len="med"/>
+                    </a:lnR>
+                    <a:lnT w="12700" cap="flat" cmpd="sng" algn="ctr">
+                      <a:solidFill>
+                        <a:schemeClr val="tx1"/>
+                      </a:solidFill>
+                      <a:prstDash val="solid"/>
+                      <a:round/>
+                      <a:headEnd type="none" w="med" len="med"/>
+                      <a:tailEnd type="none" w="med" len="med"/>
+                    </a:lnT>
+                    <a:lnB w="12700" cap="flat" cmpd="sng" algn="ctr">
+                      <a:solidFill>
+                        <a:schemeClr val="tx1"/>
+                      </a:solidFill>
+                      <a:prstDash val="solid"/>
+                      <a:round/>
+                      <a:headEnd type="none" w="med" len="med"/>
+                      <a:tailEnd type="none" w="med" len="med"/>
+                    </a:lnB>
+                    <a:solidFill>
+                      <a:srgbClr val="FFFFFF"/>
+                    </a:solidFill>
+                  </a:tcPr>
+                </a:tc>
+                <a:extLst>
+                  <a:ext uri="{0D108BD9-81ED-4DB2-BD59-A6C34878D82A}">
+                    <a16:rowId xmlns:a16="http://schemas.microsoft.com/office/drawing/2014/main" val="3712276447"/>
+                  </a:ext>
+                </a:extLst>
+              </a:tr>
+            </a:tbl>
+          </a:graphicData>
+        </a:graphic>
+      </p:graphicFrame>
+      <p:sp>
+        <p:nvSpPr>
+          <p:cNvPr id="4" name="TextBox 3">
+            <a:extLst>
+              <a:ext uri="{FF2B5EF4-FFF2-40B4-BE49-F238E27FC236}">
+                <a16:creationId xmlns:a16="http://schemas.microsoft.com/office/drawing/2014/main" id="{711726C6-0DAD-DA98-252A-3DA1A3C71B14}"/>
+              </a:ext>
+            </a:extLst>
+          </p:cNvPr>
+          <p:cNvSpPr txBox="1"/>
+          <p:nvPr/>
+        </p:nvSpPr>
+        <p:spPr>
+          <a:xfrm>
+            <a:off x="527901" y="2933700"/>
+            <a:ext cx="11585542" cy="4047262"/>
+          </a:xfrm>
+          <a:prstGeom prst="rect">
+            <a:avLst/>
+          </a:prstGeom>
+          <a:noFill/>
+        </p:spPr>
+        <p:txBody>
+          <a:bodyPr wrap="square">
+            <a:spAutoFit/>
+          </a:bodyPr>
+          <a:lstStyle/>
+          <a:p>
+            <a:pPr algn="l">
+              <a:spcBef>
+                <a:spcPts val="2400"/>
+              </a:spcBef>
+              <a:spcAft>
+                <a:spcPts val="1200"/>
+              </a:spcAft>
+              <a:buNone/>
+            </a:pPr>
+            <a:r>
+              <a:rPr lang="en-IN" sz="1600" b="1" dirty="0">
+                <a:solidFill>
+                  <a:srgbClr val="0F1115"/>
+                </a:solidFill>
+                <a:effectLst/>
+                <a:latin typeface="quote-cjk-patch"/>
+              </a:rPr>
+              <a:t>🎯 Integration Architecture Options</a:t>
+            </a:r>
+          </a:p>
+          <a:p>
+            <a:pPr algn="l">
+              <a:spcBef>
+                <a:spcPts val="2400"/>
+              </a:spcBef>
+              <a:spcAft>
+                <a:spcPts val="1200"/>
+              </a:spcAft>
+              <a:buNone/>
+            </a:pPr>
+            <a:r>
+              <a:rPr lang="en-IN" sz="1600" b="1" dirty="0">
+                <a:solidFill>
+                  <a:srgbClr val="0F1115"/>
+                </a:solidFill>
+                <a:effectLst/>
+                <a:latin typeface="quote-cjk-patch"/>
+              </a:rPr>
+              <a:t>Option A: API Gateway Pattern (Recommended)</a:t>
+            </a:r>
+          </a:p>
+          <a:p>
+            <a:pPr algn="l" latinLnBrk="1">
+              <a:spcBef>
+                <a:spcPts val="1200"/>
+              </a:spcBef>
+              <a:spcAft>
+                <a:spcPts val="857"/>
+              </a:spcAft>
+              <a:buNone/>
+            </a:pPr>
+            <a:r>
+              <a:rPr lang="en-IN" sz="1600" b="0" i="0" dirty="0">
+                <a:solidFill>
+                  <a:srgbClr val="0F1115"/>
+                </a:solidFill>
+                <a:effectLst/>
+                <a:latin typeface="Menlo"/>
+              </a:rPr>
+              <a:t>User → API Gateway → Enterprise LLM → </a:t>
+            </a:r>
+            <a:r>
+              <a:rPr lang="en-IN" sz="1600" b="0" i="0" dirty="0" err="1">
+                <a:solidFill>
+                  <a:srgbClr val="0F1115"/>
+                </a:solidFill>
+                <a:effectLst/>
+                <a:latin typeface="Menlo"/>
+              </a:rPr>
+              <a:t>VeriFactAI</a:t>
+            </a:r>
+            <a:r>
+              <a:rPr lang="en-IN" sz="1600" b="0" i="0" dirty="0">
+                <a:solidFill>
+                  <a:srgbClr val="0F1115"/>
+                </a:solidFill>
+                <a:effectLst/>
+                <a:latin typeface="Menlo"/>
+              </a:rPr>
+              <a:t> → Verified Response</a:t>
+            </a:r>
+          </a:p>
+          <a:p>
+            <a:pPr algn="l">
+              <a:spcBef>
+                <a:spcPts val="2400"/>
+              </a:spcBef>
+              <a:spcAft>
+                <a:spcPts val="1200"/>
+              </a:spcAft>
+              <a:buNone/>
+            </a:pPr>
+            <a:r>
+              <a:rPr lang="en-IN" sz="1600" b="1" dirty="0">
+                <a:solidFill>
+                  <a:srgbClr val="0F1115"/>
+                </a:solidFill>
+                <a:effectLst/>
+                <a:latin typeface="quote-cjk-patch"/>
+              </a:rPr>
+              <a:t>Option B: Sidecar Pattern (Cloud Native)</a:t>
+            </a:r>
+          </a:p>
+          <a:p>
+            <a:pPr algn="l" latinLnBrk="1">
+              <a:spcBef>
+                <a:spcPts val="1200"/>
+              </a:spcBef>
+              <a:spcAft>
+                <a:spcPts val="857"/>
+              </a:spcAft>
+              <a:buNone/>
+            </a:pPr>
+            <a:r>
+              <a:rPr lang="en-IN" sz="1600" b="0" i="0" dirty="0">
+                <a:solidFill>
+                  <a:srgbClr val="0F1115"/>
+                </a:solidFill>
+                <a:effectLst/>
+                <a:latin typeface="Menlo"/>
+              </a:rPr>
+              <a:t>Kubernetes Pod: [LLM Container + </a:t>
+            </a:r>
+            <a:r>
+              <a:rPr lang="en-IN" sz="1600" b="0" i="0" dirty="0" err="1">
+                <a:solidFill>
+                  <a:srgbClr val="0F1115"/>
+                </a:solidFill>
+                <a:effectLst/>
+                <a:latin typeface="Menlo"/>
+              </a:rPr>
+              <a:t>VeriFactAI</a:t>
+            </a:r>
+            <a:r>
+              <a:rPr lang="en-IN" sz="1600" b="0" i="0" dirty="0">
+                <a:solidFill>
+                  <a:srgbClr val="0F1115"/>
+                </a:solidFill>
+                <a:effectLst/>
+                <a:latin typeface="Menlo"/>
+              </a:rPr>
+              <a:t> Sidecar]</a:t>
+            </a:r>
+          </a:p>
+          <a:p>
+            <a:pPr algn="l">
+              <a:spcBef>
+                <a:spcPts val="2400"/>
+              </a:spcBef>
+              <a:spcAft>
+                <a:spcPts val="1200"/>
+              </a:spcAft>
+              <a:buNone/>
+            </a:pPr>
+            <a:r>
+              <a:rPr lang="en-IN" sz="1600" b="1" dirty="0">
+                <a:solidFill>
+                  <a:srgbClr val="0F1115"/>
+                </a:solidFill>
+                <a:effectLst/>
+                <a:latin typeface="quote-cjk-patch"/>
+              </a:rPr>
+              <a:t>Option C: Plugin Architecture (High Performance)</a:t>
+            </a:r>
+          </a:p>
+          <a:p>
+            <a:pPr algn="l" latinLnBrk="1">
+              <a:spcBef>
+                <a:spcPts val="1200"/>
+              </a:spcBef>
+              <a:spcAft>
+                <a:spcPts val="857"/>
+              </a:spcAft>
+              <a:buNone/>
+            </a:pPr>
+            <a:r>
+              <a:rPr lang="en-IN" sz="1600" b="0" i="0" dirty="0">
+                <a:solidFill>
+                  <a:srgbClr val="0F1115"/>
+                </a:solidFill>
+                <a:effectLst/>
+                <a:latin typeface="Menlo"/>
+              </a:rPr>
+              <a:t>Enhanced LLM with built-in </a:t>
+            </a:r>
+            <a:r>
+              <a:rPr lang="en-IN" sz="1600" b="0" i="0" dirty="0" err="1">
+                <a:solidFill>
+                  <a:srgbClr val="0F1115"/>
+                </a:solidFill>
+                <a:effectLst/>
+                <a:latin typeface="Menlo"/>
+              </a:rPr>
+              <a:t>VeriFactAI</a:t>
+            </a:r>
+            <a:r>
+              <a:rPr lang="en-IN" sz="1600" b="0" i="0" dirty="0">
+                <a:solidFill>
+                  <a:srgbClr val="0F1115"/>
+                </a:solidFill>
+                <a:effectLst/>
+                <a:latin typeface="Menlo"/>
+              </a:rPr>
+              <a:t> verification plugin</a:t>
+            </a:r>
+          </a:p>
+        </p:txBody>
+      </p:sp>
+    </p:spTree>
+    <p:extLst>
+      <p:ext uri="{BB962C8B-B14F-4D97-AF65-F5344CB8AC3E}">
+        <p14:creationId xmlns:p14="http://schemas.microsoft.com/office/powerpoint/2010/main" val="1462508531"/>
+      </p:ext>
+    </p:extLst>
+  </p:cSld>
+  <p:clrMapOvr>
+    <a:masterClrMapping/>
+  </p:clrMapOvr>
+</p:sld>
+</file>
+
+<file path=ppt/slides/slide2.xml><?xml version="1.0" encoding="utf-8"?>
+<p:sld xmlns:a="http://schemas.openxmlformats.org/drawingml/2006/main" xmlns:r="http://schemas.openxmlformats.org/officeDocument/2006/relationships" xmlns:p="http://schemas.openxmlformats.org/presentationml/2006/main">
+  <p:cSld>
+    <p:spTree>
+      <p:nvGrpSpPr>
+        <p:cNvPr id="1" name=""/>
+        <p:cNvGrpSpPr/>
+        <p:nvPr/>
+      </p:nvGrpSpPr>
+      <p:grpSpPr>
+        <a:xfrm>
+          <a:off x="0" y="0"/>
+          <a:ext cx="0" cy="0"/>
+          <a:chOff x="0" y="0"/>
+          <a:chExt cx="0" cy="0"/>
+        </a:xfrm>
+      </p:grpSpPr>
+      <p:sp>
+        <p:nvSpPr>
+          <p:cNvPr id="2" name="Title 1">
+            <a:extLst>
+              <a:ext uri="{FF2B5EF4-FFF2-40B4-BE49-F238E27FC236}">
+                <a16:creationId xmlns:a16="http://schemas.microsoft.com/office/drawing/2014/main" id="{24823CD8-9C7D-F49D-3189-DD28BB3858C2}"/>
+              </a:ext>
+            </a:extLst>
+          </p:cNvPr>
+          <p:cNvSpPr>
+            <a:spLocks noGrp="1"/>
+          </p:cNvSpPr>
+          <p:nvPr>
+            <p:ph type="title"/>
+          </p:nvPr>
+        </p:nvSpPr>
+        <p:spPr>
+          <a:xfrm>
+            <a:off x="838200" y="1"/>
+            <a:ext cx="10439400" cy="1336430"/>
+          </a:xfrm>
+          <a:ln>
+            <a:solidFill>
+              <a:schemeClr val="tx1"/>
+            </a:solidFill>
+          </a:ln>
+        </p:spPr>
+        <p:txBody>
+          <a:bodyPr>
+            <a:normAutofit fontScale="90000"/>
+          </a:bodyPr>
+          <a:lstStyle/>
+          <a:p>
+            <a:pPr latinLnBrk="1">
+              <a:lnSpc>
+                <a:spcPct val="100000"/>
+              </a:lnSpc>
+            </a:pPr>
+            <a:r>
+              <a:rPr lang="en-IN" sz="1800" b="1" dirty="0"/>
+              <a:t>			</a:t>
+            </a:r>
+            <a:r>
+              <a:rPr lang="en-IN" sz="2200" b="1" dirty="0">
+                <a:highlight>
+                  <a:srgbClr val="FFFF00"/>
+                </a:highlight>
+              </a:rPr>
+              <a:t>Parent Patent – Architecture</a:t>
+            </a:r>
+            <a:br>
+              <a:rPr lang="en-IN" sz="1800" b="1" dirty="0"/>
+            </a:br>
+            <a:br>
+              <a:rPr lang="en-IN" sz="1800" b="1" dirty="0"/>
+            </a:br>
+            <a:r>
+              <a:rPr lang="en-IN" sz="1800" b="1" dirty="0"/>
+              <a:t>🔍 EXTRACTION → ⚖️ IDENTIFICATION → 🔧 RESOLUTION → 🔄 FEEDBACK</a:t>
+            </a:r>
+            <a:br>
+              <a:rPr lang="en-IN" sz="1800" b="1" dirty="0"/>
+            </a:br>
+            <a:r>
+              <a:rPr lang="en-IN" sz="1800" b="1" dirty="0"/>
+              <a:t>             Intelligent Healing (Cross-cutting capability)</a:t>
+            </a:r>
+            <a:br>
+              <a:rPr lang="en-IN" sz="1800" dirty="0"/>
+            </a:br>
+            <a:endParaRPr lang="en-IN" sz="1800" dirty="0"/>
+          </a:p>
+        </p:txBody>
+      </p:sp>
+      <p:sp>
+        <p:nvSpPr>
+          <p:cNvPr id="3" name="Content Placeholder 2">
+            <a:extLst>
+              <a:ext uri="{FF2B5EF4-FFF2-40B4-BE49-F238E27FC236}">
+                <a16:creationId xmlns:a16="http://schemas.microsoft.com/office/drawing/2014/main" id="{DE193656-6EA0-5831-E276-B3670A209ABE}"/>
+              </a:ext>
+            </a:extLst>
+          </p:cNvPr>
+          <p:cNvSpPr>
+            <a:spLocks noGrp="1"/>
+          </p:cNvSpPr>
+          <p:nvPr>
+            <p:ph sz="half" idx="1"/>
+          </p:nvPr>
+        </p:nvSpPr>
+        <p:spPr>
+          <a:xfrm>
+            <a:off x="838201" y="1337356"/>
+            <a:ext cx="5181600" cy="3696558"/>
+          </a:xfrm>
+          <a:ln>
+            <a:solidFill>
+              <a:schemeClr val="tx1"/>
+            </a:solidFill>
+          </a:ln>
+        </p:spPr>
+        <p:txBody>
+          <a:bodyPr>
+            <a:normAutofit/>
+          </a:bodyPr>
+          <a:lstStyle/>
+          <a:p>
+            <a:pPr marL="0" indent="0" latinLnBrk="1">
+              <a:buNone/>
+            </a:pPr>
+            <a:r>
+              <a:rPr lang="en-IN" sz="1400" dirty="0"/>
+              <a:t>IDENTIFICATION PATENT</a:t>
+            </a:r>
+          </a:p>
+          <a:p>
+            <a:pPr marL="0" indent="0" latinLnBrk="1">
+              <a:buNone/>
+            </a:pPr>
+            <a:r>
+              <a:rPr lang="en-IN" sz="1600" dirty="0"/>
+              <a:t>🚨</a:t>
+            </a:r>
+            <a:r>
+              <a:rPr lang="en-IN" sz="1400" dirty="0"/>
+              <a:t> CRITICAL ERRORS:</a:t>
+            </a:r>
+          </a:p>
+          <a:p>
+            <a:pPr latinLnBrk="1">
+              <a:buFont typeface="Wingdings" panose="05000000000000000000" pitchFamily="2" charset="2"/>
+              <a:buChar char="Ø"/>
+            </a:pPr>
+            <a:r>
+              <a:rPr lang="en-IN" sz="1400" dirty="0"/>
+              <a:t>OOD Claim Detector → Complete Fabrication</a:t>
+            </a:r>
+          </a:p>
+          <a:p>
+            <a:pPr latinLnBrk="1">
+              <a:buFont typeface="Wingdings" panose="05000000000000000000" pitchFamily="2" charset="2"/>
+              <a:buChar char="Ø"/>
+            </a:pPr>
+            <a:r>
+              <a:rPr lang="en-IN" sz="1400" dirty="0"/>
+              <a:t>Contextual Discontinuity Detector → Config/Security Errors</a:t>
+            </a:r>
+          </a:p>
+          <a:p>
+            <a:pPr marL="0" indent="0" latinLnBrk="1">
+              <a:buNone/>
+            </a:pPr>
+            <a:r>
+              <a:rPr lang="en-IN" sz="1600" dirty="0"/>
+              <a:t>⚠️</a:t>
+            </a:r>
+            <a:r>
+              <a:rPr lang="en-IN" sz="1400" dirty="0"/>
+              <a:t> ACCURACY ERRORS:  </a:t>
+            </a:r>
+          </a:p>
+          <a:p>
+            <a:pPr latinLnBrk="1">
+              <a:buFont typeface="Wingdings" panose="05000000000000000000" pitchFamily="2" charset="2"/>
+              <a:buChar char="Ø"/>
+            </a:pPr>
+            <a:r>
+              <a:rPr lang="en-IN" sz="1400" dirty="0"/>
+              <a:t>Temporal-Context Detector → Temporal Errors</a:t>
+            </a:r>
+          </a:p>
+          <a:p>
+            <a:pPr latinLnBrk="1">
+              <a:buFont typeface="Wingdings" panose="05000000000000000000" pitchFamily="2" charset="2"/>
+              <a:buChar char="Ø"/>
+            </a:pPr>
+            <a:r>
+              <a:rPr lang="en-IN" sz="1400" dirty="0"/>
+              <a:t>Statistical Outlier Detector → Numerical Errors</a:t>
+            </a:r>
+          </a:p>
+          <a:p>
+            <a:pPr latinLnBrk="1">
+              <a:buFont typeface="Wingdings" panose="05000000000000000000" pitchFamily="2" charset="2"/>
+              <a:buChar char="Ø"/>
+            </a:pPr>
+            <a:r>
+              <a:rPr lang="en-IN" sz="1400" dirty="0"/>
+              <a:t>KG Lookup Validator → Partial Truth/Inaccuracy</a:t>
+            </a:r>
+          </a:p>
+          <a:p>
+            <a:pPr marL="0" indent="0" latinLnBrk="1">
+              <a:buNone/>
+            </a:pPr>
+            <a:r>
+              <a:rPr lang="en-IN" sz="1600" dirty="0"/>
+              <a:t>📚</a:t>
+            </a:r>
+            <a:r>
+              <a:rPr lang="en-IN" sz="1400" dirty="0"/>
+              <a:t> REFERENCE ERRORS:</a:t>
+            </a:r>
+          </a:p>
+          <a:p>
+            <a:pPr latinLnBrk="1">
+              <a:buFont typeface="Wingdings" panose="05000000000000000000" pitchFamily="2" charset="2"/>
+              <a:buChar char="Ø"/>
+            </a:pPr>
+            <a:r>
+              <a:rPr lang="en-IN" sz="1400" dirty="0"/>
+              <a:t>Citation Verifier → Source Citation Errors</a:t>
+            </a:r>
+          </a:p>
+          <a:p>
+            <a:pPr latinLnBrk="1">
+              <a:buFont typeface="Wingdings" panose="05000000000000000000" pitchFamily="2" charset="2"/>
+              <a:buChar char="Ø"/>
+            </a:pPr>
+            <a:r>
+              <a:rPr lang="en-IN" sz="1400" dirty="0"/>
+              <a:t>Semantic Logic Analyzer → Logical Errors</a:t>
+            </a:r>
+          </a:p>
+          <a:p>
+            <a:pPr marL="0" indent="0">
+              <a:buNone/>
+            </a:pPr>
+            <a:endParaRPr lang="en-IN" sz="1600" dirty="0"/>
+          </a:p>
+        </p:txBody>
+      </p:sp>
+      <p:sp>
+        <p:nvSpPr>
+          <p:cNvPr id="4" name="Content Placeholder 3">
+            <a:extLst>
+              <a:ext uri="{FF2B5EF4-FFF2-40B4-BE49-F238E27FC236}">
+                <a16:creationId xmlns:a16="http://schemas.microsoft.com/office/drawing/2014/main" id="{87FBDF37-8670-4D79-B029-D325A4E98139}"/>
+              </a:ext>
+            </a:extLst>
+          </p:cNvPr>
+          <p:cNvSpPr>
+            <a:spLocks noGrp="1"/>
+          </p:cNvSpPr>
+          <p:nvPr>
+            <p:ph sz="half" idx="2"/>
+          </p:nvPr>
+        </p:nvSpPr>
+        <p:spPr>
+          <a:xfrm>
+            <a:off x="6096000" y="1337356"/>
+            <a:ext cx="5181600" cy="3696558"/>
+          </a:xfrm>
+          <a:ln>
+            <a:solidFill>
+              <a:schemeClr val="tx1"/>
+            </a:solidFill>
+          </a:ln>
+        </p:spPr>
+        <p:txBody>
+          <a:bodyPr>
+            <a:normAutofit/>
+          </a:bodyPr>
+          <a:lstStyle/>
+          <a:p>
+            <a:pPr marL="0" indent="0" latinLnBrk="1">
+              <a:buNone/>
+            </a:pPr>
+            <a:r>
+              <a:rPr lang="en-IN" sz="1400" dirty="0"/>
+              <a:t>RESOLUTION PATENT</a:t>
+            </a:r>
+          </a:p>
+          <a:p>
+            <a:pPr marL="0" indent="0" latinLnBrk="1">
+              <a:buNone/>
+            </a:pPr>
+            <a:r>
+              <a:rPr lang="en-IN" sz="2000" dirty="0"/>
+              <a:t>🛠️</a:t>
+            </a:r>
+            <a:r>
+              <a:rPr lang="en-IN" sz="1400" dirty="0"/>
+              <a:t> SPECIALIZED RESOLVERS (Error-specific):</a:t>
+            </a:r>
+          </a:p>
+          <a:p>
+            <a:pPr latinLnBrk="1">
+              <a:buFont typeface="Wingdings" panose="05000000000000000000" pitchFamily="2" charset="2"/>
+              <a:buChar char="Ø"/>
+            </a:pPr>
+            <a:r>
+              <a:rPr lang="en-IN" sz="1400" dirty="0"/>
+              <a:t>Full Claim Replacement ← Complete Fabrication</a:t>
+            </a:r>
+          </a:p>
+          <a:p>
+            <a:pPr latinLnBrk="1">
+              <a:buFont typeface="Wingdings" panose="05000000000000000000" pitchFamily="2" charset="2"/>
+              <a:buChar char="Ø"/>
+            </a:pPr>
+            <a:r>
+              <a:rPr lang="en-IN" sz="1400" dirty="0"/>
+              <a:t>Geospatial Resolver ← Config/Security Errors</a:t>
+            </a:r>
+          </a:p>
+          <a:p>
+            <a:pPr marL="0" indent="0" latinLnBrk="1">
+              <a:buNone/>
+            </a:pPr>
+            <a:endParaRPr lang="en-IN" sz="1400" dirty="0"/>
+          </a:p>
+          <a:p>
+            <a:pPr latinLnBrk="1">
+              <a:buFont typeface="Wingdings" panose="05000000000000000000" pitchFamily="2" charset="2"/>
+              <a:buChar char="Ø"/>
+            </a:pPr>
+            <a:r>
+              <a:rPr lang="en-IN" sz="1400" dirty="0"/>
+              <a:t>Temporal Resolver ← Temporal Errors</a:t>
+            </a:r>
+          </a:p>
+          <a:p>
+            <a:pPr latinLnBrk="1">
+              <a:buFont typeface="Wingdings" panose="05000000000000000000" pitchFamily="2" charset="2"/>
+              <a:buChar char="Ø"/>
+            </a:pPr>
+            <a:r>
+              <a:rPr lang="en-IN" sz="1400" dirty="0"/>
+              <a:t>Numerical Resolver ← Numerical Errors</a:t>
+            </a:r>
+          </a:p>
+          <a:p>
+            <a:pPr latinLnBrk="1">
+              <a:buFont typeface="Wingdings" panose="05000000000000000000" pitchFamily="2" charset="2"/>
+              <a:buChar char="Ø"/>
+            </a:pPr>
+            <a:r>
+              <a:rPr lang="en-IN" sz="1400" dirty="0"/>
+              <a:t>Precision Correction ← Partial Truth/Inaccuracy  </a:t>
+            </a:r>
+          </a:p>
+          <a:p>
+            <a:pPr marL="0" indent="0" latinLnBrk="1">
+              <a:buNone/>
+            </a:pPr>
+            <a:endParaRPr lang="en-IN" sz="1400" dirty="0"/>
+          </a:p>
+          <a:p>
+            <a:pPr latinLnBrk="1">
+              <a:buFont typeface="Wingdings" panose="05000000000000000000" pitchFamily="2" charset="2"/>
+              <a:buChar char="Ø"/>
+            </a:pPr>
+            <a:r>
+              <a:rPr lang="en-IN" sz="1400" dirty="0"/>
+              <a:t>Provenance Resolver ← Source Citation Errors</a:t>
+            </a:r>
+          </a:p>
+          <a:p>
+            <a:pPr latinLnBrk="1">
+              <a:buFont typeface="Wingdings" panose="05000000000000000000" pitchFamily="2" charset="2"/>
+              <a:buChar char="Ø"/>
+            </a:pPr>
+            <a:r>
+              <a:rPr lang="en-IN" sz="1400" dirty="0"/>
+              <a:t>Logical Resolver ← Logical Errors</a:t>
+            </a:r>
+          </a:p>
+          <a:p>
+            <a:endParaRPr lang="en-IN" sz="1600" dirty="0"/>
+          </a:p>
+        </p:txBody>
+      </p:sp>
+      <p:sp>
+        <p:nvSpPr>
+          <p:cNvPr id="5" name="TextBox 4">
+            <a:extLst>
+              <a:ext uri="{FF2B5EF4-FFF2-40B4-BE49-F238E27FC236}">
+                <a16:creationId xmlns:a16="http://schemas.microsoft.com/office/drawing/2014/main" id="{820772F2-210D-0728-50C0-C0A1C2887367}"/>
+              </a:ext>
+            </a:extLst>
+          </p:cNvPr>
+          <p:cNvSpPr txBox="1"/>
+          <p:nvPr/>
+        </p:nvSpPr>
+        <p:spPr>
+          <a:xfrm>
+            <a:off x="800100" y="5103674"/>
+            <a:ext cx="10439400" cy="2462213"/>
+          </a:xfrm>
+          <a:prstGeom prst="rect">
+            <a:avLst/>
+          </a:prstGeom>
+          <a:noFill/>
+          <a:ln>
+            <a:solidFill>
+              <a:schemeClr val="tx1"/>
+            </a:solidFill>
+          </a:ln>
+        </p:spPr>
+        <p:txBody>
+          <a:bodyPr wrap="square" rtlCol="0">
+            <a:spAutoFit/>
+          </a:bodyPr>
+          <a:lstStyle/>
+          <a:p>
+            <a:pPr lvl="1" latinLnBrk="1"/>
+            <a:r>
+              <a:rPr lang="en-GB" sz="2400" dirty="0"/>
+              <a:t>                                🔧</a:t>
+            </a:r>
+            <a:r>
+              <a:rPr lang="en-GB" sz="1400" dirty="0"/>
+              <a:t>INTELLIGENT HEALING (Cross-cutting):</a:t>
+            </a:r>
+          </a:p>
+          <a:p>
+            <a:pPr lvl="2" latinLnBrk="1"/>
+            <a:r>
+              <a:rPr lang="en-GB" sz="1400" dirty="0"/>
+              <a:t>                                                       -&gt; Context-aware Correction</a:t>
+            </a:r>
+          </a:p>
+          <a:p>
+            <a:pPr lvl="2" latinLnBrk="1"/>
+            <a:r>
+              <a:rPr lang="en-GB" sz="1400" dirty="0"/>
+              <a:t>		         -&gt; Multi-alternative Generation</a:t>
+            </a:r>
+          </a:p>
+          <a:p>
+            <a:pPr lvl="2" latinLnBrk="1"/>
+            <a:r>
+              <a:rPr lang="en-GB" sz="1400" dirty="0"/>
+              <a:t>		         -&gt; Confidence-based Selection</a:t>
+            </a:r>
+          </a:p>
+          <a:p>
+            <a:pPr lvl="2" latinLnBrk="1"/>
+            <a:r>
+              <a:rPr lang="en-GB" sz="1400" dirty="0"/>
+              <a:t>		         -&gt; Explainable Outputs</a:t>
+            </a:r>
+          </a:p>
+          <a:p>
+            <a:pPr latinLnBrk="1"/>
+            <a:r>
+              <a:rPr lang="en-GB" sz="1400" dirty="0"/>
+              <a:t>Specialized Resolver → Context-aware Correction → Multi-alternative Generation → Confidence-based Selection → Explainable Outputs</a:t>
+            </a:r>
+          </a:p>
+          <a:p>
+            <a:pPr latinLnBrk="1"/>
+            <a:r>
+              <a:rPr lang="en-GB" sz="1400" dirty="0"/>
+              <a:t>Verified Response → Learning Feedback → Resolver Improvement</a:t>
+            </a:r>
+          </a:p>
+          <a:p>
+            <a:pPr lvl="8" latinLnBrk="1"/>
+            <a:endParaRPr lang="en-GB" sz="1400" dirty="0"/>
+          </a:p>
+          <a:p>
+            <a:pPr lvl="8" latinLnBrk="1"/>
+            <a:endParaRPr lang="en-GB" sz="1400" dirty="0"/>
+          </a:p>
+          <a:p>
+            <a:endParaRPr lang="en-IN" dirty="0"/>
+          </a:p>
+        </p:txBody>
+      </p:sp>
+    </p:spTree>
+    <p:extLst>
+      <p:ext uri="{BB962C8B-B14F-4D97-AF65-F5344CB8AC3E}">
+        <p14:creationId xmlns:p14="http://schemas.microsoft.com/office/powerpoint/2010/main" val="2134237967"/>
+      </p:ext>
+    </p:extLst>
+  </p:cSld>
+  <p:clrMapOvr>
+    <a:masterClrMapping/>
+  </p:clrMapOvr>
+</p:sld>
+</file>
+
 <file path=ppt/slides/slide3.xml><?xml version="1.0" encoding="utf-8"?>
+<p:sld xmlns:a="http://schemas.openxmlformats.org/drawingml/2006/main" xmlns:r="http://schemas.openxmlformats.org/officeDocument/2006/relationships" xmlns:p="http://schemas.openxmlformats.org/presentationml/2006/main">
+  <p:cSld>
+    <p:spTree>
+      <p:nvGrpSpPr>
+        <p:cNvPr id="1" name=""/>
+        <p:cNvGrpSpPr/>
+        <p:nvPr/>
+      </p:nvGrpSpPr>
+      <p:grpSpPr>
+        <a:xfrm>
+          <a:off x="0" y="0"/>
+          <a:ext cx="0" cy="0"/>
+          <a:chOff x="0" y="0"/>
+          <a:chExt cx="0" cy="0"/>
+        </a:xfrm>
+      </p:grpSpPr>
+      <p:pic>
+        <p:nvPicPr>
+          <p:cNvPr id="5" name="Picture 4">
+            <a:extLst>
+              <a:ext uri="{FF2B5EF4-FFF2-40B4-BE49-F238E27FC236}">
+                <a16:creationId xmlns:a16="http://schemas.microsoft.com/office/drawing/2014/main" id="{72B0F519-7047-877D-D588-347CD84EB349}"/>
+              </a:ext>
+            </a:extLst>
+          </p:cNvPr>
+          <p:cNvPicPr>
+            <a:picLocks noChangeAspect="1"/>
+          </p:cNvPicPr>
+          <p:nvPr/>
+        </p:nvPicPr>
+        <p:blipFill>
+          <a:blip r:embed="rId2"/>
+          <a:stretch>
+            <a:fillRect/>
+          </a:stretch>
+        </p:blipFill>
+        <p:spPr>
+          <a:xfrm>
+            <a:off x="0" y="618811"/>
+            <a:ext cx="12192000" cy="5620378"/>
+          </a:xfrm>
+          <a:prstGeom prst="rect">
+            <a:avLst/>
+          </a:prstGeom>
+        </p:spPr>
+      </p:pic>
+    </p:spTree>
+    <p:extLst>
+      <p:ext uri="{BB962C8B-B14F-4D97-AF65-F5344CB8AC3E}">
+        <p14:creationId xmlns:p14="http://schemas.microsoft.com/office/powerpoint/2010/main" val="789983000"/>
+      </p:ext>
+    </p:extLst>
+  </p:cSld>
+  <p:clrMapOvr>
+    <a:masterClrMapping/>
+  </p:clrMapOvr>
+</p:sld>
+</file>
+
+<file path=ppt/slides/slide4.xml><?xml version="1.0" encoding="utf-8"?>
+<p:sld xmlns:a="http://schemas.openxmlformats.org/drawingml/2006/main" xmlns:r="http://schemas.openxmlformats.org/officeDocument/2006/relationships" xmlns:p="http://schemas.openxmlformats.org/presentationml/2006/main">
+  <p:cSld>
+    <p:spTree>
+      <p:nvGrpSpPr>
+        <p:cNvPr id="1" name=""/>
+        <p:cNvGrpSpPr/>
+        <p:nvPr/>
+      </p:nvGrpSpPr>
+      <p:grpSpPr>
+        <a:xfrm>
+          <a:off x="0" y="0"/>
+          <a:ext cx="0" cy="0"/>
+          <a:chOff x="0" y="0"/>
+          <a:chExt cx="0" cy="0"/>
+        </a:xfrm>
+      </p:grpSpPr>
+      <p:pic>
+        <p:nvPicPr>
+          <p:cNvPr id="3" name="Picture 2">
+            <a:extLst>
+              <a:ext uri="{FF2B5EF4-FFF2-40B4-BE49-F238E27FC236}">
+                <a16:creationId xmlns:a16="http://schemas.microsoft.com/office/drawing/2014/main" id="{0CD4AB37-5097-F794-0D6E-62D608FA68AE}"/>
+              </a:ext>
+            </a:extLst>
+          </p:cNvPr>
+          <p:cNvPicPr>
+            <a:picLocks noChangeAspect="1"/>
+          </p:cNvPicPr>
+          <p:nvPr/>
+        </p:nvPicPr>
+        <p:blipFill>
+          <a:blip r:embed="rId2"/>
+          <a:stretch>
+            <a:fillRect/>
+          </a:stretch>
+        </p:blipFill>
+        <p:spPr>
+          <a:xfrm>
+            <a:off x="0" y="103695"/>
+            <a:ext cx="12192000" cy="6754305"/>
+          </a:xfrm>
+          <a:prstGeom prst="rect">
+            <a:avLst/>
+          </a:prstGeom>
+        </p:spPr>
+      </p:pic>
+    </p:spTree>
+    <p:extLst>
+      <p:ext uri="{BB962C8B-B14F-4D97-AF65-F5344CB8AC3E}">
+        <p14:creationId xmlns:p14="http://schemas.microsoft.com/office/powerpoint/2010/main" val="3563284087"/>
+      </p:ext>
+    </p:extLst>
+  </p:cSld>
+  <p:clrMapOvr>
+    <a:masterClrMapping/>
+  </p:clrMapOvr>
+</p:sld>
+</file>
+
+<file path=ppt/slides/slide5.xml><?xml version="1.0" encoding="utf-8"?>
 <p:sld xmlns:a="http://schemas.openxmlformats.org/drawingml/2006/main" xmlns:r="http://schemas.openxmlformats.org/officeDocument/2006/relationships" xmlns:p="http://schemas.openxmlformats.org/presentationml/2006/main">
   <p:cSld>
     <p:spTree>
@@ -4170,14 +6002,14 @@
           <p:nvPr>
             <p:extLst>
               <p:ext uri="{D42A27DB-BD31-4B8C-83A1-F6EECF244321}">
-                <p14:modId xmlns:p14="http://schemas.microsoft.com/office/powerpoint/2010/main" val="3261759354"/>
+                <p14:modId xmlns:p14="http://schemas.microsoft.com/office/powerpoint/2010/main" val="3749300675"/>
               </p:ext>
             </p:extLst>
           </p:nvPr>
         </p:nvGraphicFramePr>
         <p:xfrm>
           <a:off x="0" y="75414"/>
-          <a:ext cx="12085165" cy="6844595"/>
+          <a:ext cx="12085163" cy="6919237"/>
         </p:xfrm>
         <a:graphic>
           <a:graphicData uri="http://schemas.openxmlformats.org/drawingml/2006/table">
@@ -4193,28 +6025,28 @@
                     </a:ext>
                   </a:extLst>
                 </a:gridCol>
-                <a:gridCol w="1677971">
+                <a:gridCol w="1348033">
                   <a:extLst>
                     <a:ext uri="{9D8B030D-6E8A-4147-A177-3AD203B41FA5}">
                       <a16:colId xmlns:a16="http://schemas.microsoft.com/office/drawing/2014/main" val="3493351043"/>
                     </a:ext>
                   </a:extLst>
                 </a:gridCol>
-                <a:gridCol w="2121031">
+                <a:gridCol w="1630837">
                   <a:extLst>
                     <a:ext uri="{9D8B030D-6E8A-4147-A177-3AD203B41FA5}">
                       <a16:colId xmlns:a16="http://schemas.microsoft.com/office/drawing/2014/main" val="2981735539"/>
                     </a:ext>
                   </a:extLst>
                 </a:gridCol>
-                <a:gridCol w="2422689">
+                <a:gridCol w="1574277">
                   <a:extLst>
                     <a:ext uri="{9D8B030D-6E8A-4147-A177-3AD203B41FA5}">
                       <a16:colId xmlns:a16="http://schemas.microsoft.com/office/drawing/2014/main" val="4027519736"/>
                     </a:ext>
                   </a:extLst>
                 </a:gridCol>
-                <a:gridCol w="3808431">
+                <a:gridCol w="5476973">
                   <a:extLst>
                     <a:ext uri="{9D8B030D-6E8A-4147-A177-3AD203B41FA5}">
                       <a16:colId xmlns:a16="http://schemas.microsoft.com/office/drawing/2014/main" val="658534363"/>
@@ -4587,7 +6419,7 @@
                     <a:p>
                       <a:pPr>
                         <a:lnSpc>
-                          <a:spcPct val="107000"/>
+                          <a:spcPct val="100000"/>
                         </a:lnSpc>
                         <a:spcAft>
                           <a:spcPts val="800"/>
@@ -4620,7 +6452,79 @@
                         <a:rPr lang="en-IN" sz="1100" kern="100" dirty="0">
                           <a:effectLst/>
                         </a:rPr>
-                        <a:t>Corrected: aws s3api put-bucket-encryption --bucket my-bucket --server-side-encryption-configuration '{"Rules": [{"ApplyServerSideEncryptionByDefault": {"SSEAlgorithm": "AES256"}}]}'</a:t>
+                        <a:t>Corrected: aws s3api put-bucket-encryption --bucket my-bucket --server-side-encryption-configuration '{"Rules": [{"ApplyServerSideEncryptionByDefault": {"SSEAlgorithm": "AES256"}}]}’                                                                                                                                         </a:t>
+                      </a:r>
+                      <a:r>
+                        <a:rPr lang="en-GB" sz="1100" b="1" i="0" kern="1200" dirty="0">
+                          <a:solidFill>
+                            <a:schemeClr val="dk1"/>
+                          </a:solidFill>
+                          <a:effectLst/>
+                          <a:latin typeface="+mn-lt"/>
+                          <a:ea typeface="+mn-ea"/>
+                          <a:cs typeface="+mn-cs"/>
+                        </a:rPr>
+                        <a:t>Example</a:t>
+                      </a:r>
+                      <a:r>
+                        <a:rPr lang="en-GB" sz="1100" b="0" i="0" kern="1200" dirty="0">
+                          <a:solidFill>
+                            <a:schemeClr val="dk1"/>
+                          </a:solidFill>
+                          <a:effectLst/>
+                          <a:latin typeface="+mn-lt"/>
+                          <a:ea typeface="+mn-ea"/>
+                          <a:cs typeface="+mn-cs"/>
+                        </a:rPr>
+                        <a:t>: </a:t>
+                      </a:r>
+                      <a:r>
+                        <a:rPr lang="en-GB" sz="1100" b="0" i="0" kern="1200" dirty="0" err="1">
+                          <a:solidFill>
+                            <a:schemeClr val="dk1"/>
+                          </a:solidFill>
+                          <a:effectLst/>
+                          <a:latin typeface="+mn-lt"/>
+                          <a:ea typeface="+mn-ea"/>
+                          <a:cs typeface="+mn-cs"/>
+                        </a:rPr>
+                        <a:t>aws</a:t>
+                      </a:r>
+                      <a:r>
+                        <a:rPr lang="en-GB" sz="1100" b="0" i="0" kern="1200" dirty="0">
+                          <a:solidFill>
+                            <a:schemeClr val="dk1"/>
+                          </a:solidFill>
+                          <a:effectLst/>
+                          <a:latin typeface="+mn-lt"/>
+                          <a:ea typeface="+mn-ea"/>
+                          <a:cs typeface="+mn-cs"/>
+                        </a:rPr>
+                        <a:t> s3 encrypt → </a:t>
+                      </a:r>
+                      <a:r>
+                        <a:rPr lang="en-GB" sz="1100" b="0" i="0" kern="1200" dirty="0" err="1">
+                          <a:solidFill>
+                            <a:schemeClr val="dk1"/>
+                          </a:solidFill>
+                          <a:effectLst/>
+                          <a:latin typeface="+mn-lt"/>
+                          <a:ea typeface="+mn-ea"/>
+                          <a:cs typeface="+mn-cs"/>
+                        </a:rPr>
+                        <a:t>aws</a:t>
+                      </a:r>
+                      <a:r>
+                        <a:rPr lang="en-GB" sz="1100" b="0" i="0" kern="1200" dirty="0">
+                          <a:solidFill>
+                            <a:schemeClr val="dk1"/>
+                          </a:solidFill>
+                          <a:effectLst/>
+                          <a:latin typeface="+mn-lt"/>
+                          <a:ea typeface="+mn-ea"/>
+                          <a:cs typeface="+mn-cs"/>
+                        </a:rPr>
+                        <a:t> s3api put-bucket-encryption</a:t>
                       </a:r>
                       <a:endParaRPr lang="en-IN" sz="1100" kern="100" dirty="0">
                         <a:effectLst/>
@@ -4638,7 +6542,7 @@
                   </a:ext>
                 </a:extLst>
               </a:tr>
-              <a:tr h="881190">
+              <a:tr h="632046">
                 <a:tc>
                   <a:txBody>
                     <a:bodyPr/>
@@ -4816,7 +6720,7 @@
                     <a:p>
                       <a:pPr>
                         <a:lnSpc>
-                          <a:spcPct val="107000"/>
+                          <a:spcPct val="100000"/>
                         </a:lnSpc>
                         <a:spcAft>
                           <a:spcPts val="800"/>
@@ -4849,7 +6753,55 @@
                         <a:rPr lang="en-IN" sz="1100" kern="100" dirty="0">
                           <a:effectLst/>
                         </a:rPr>
-                        <a:t>Corrected: sudo dnf install docker-ce docker-ce-cli containerd.io + Docker Desktop alternative</a:t>
+                        <a:t>Corrected: sudo dnf install docker-ce docker-ce-cli containerd.io + Docker Desktop alternative               </a:t>
+                      </a:r>
+                      <a:r>
+                        <a:rPr lang="en-GB" sz="1100" b="1" i="0" kern="1200" dirty="0">
+                          <a:solidFill>
+                            <a:schemeClr val="dk1"/>
+                          </a:solidFill>
+                          <a:effectLst/>
+                          <a:latin typeface="+mn-lt"/>
+                          <a:ea typeface="+mn-ea"/>
+                          <a:cs typeface="+mn-cs"/>
+                        </a:rPr>
+                        <a:t>Example</a:t>
+                      </a:r>
+                      <a:r>
+                        <a:rPr lang="en-GB" sz="1100" b="0" i="0" kern="1200" dirty="0">
+                          <a:solidFill>
+                            <a:schemeClr val="dk1"/>
+                          </a:solidFill>
+                          <a:effectLst/>
+                          <a:latin typeface="+mn-lt"/>
+                          <a:ea typeface="+mn-ea"/>
+                          <a:cs typeface="+mn-cs"/>
+                        </a:rPr>
+                        <a:t>: yum → </a:t>
+                      </a:r>
+                      <a:r>
+                        <a:rPr lang="en-GB" sz="1100" b="0" i="0" kern="1200" dirty="0" err="1">
+                          <a:solidFill>
+                            <a:schemeClr val="dk1"/>
+                          </a:solidFill>
+                          <a:effectLst/>
+                          <a:latin typeface="+mn-lt"/>
+                          <a:ea typeface="+mn-ea"/>
+                          <a:cs typeface="+mn-cs"/>
+                        </a:rPr>
+                        <a:t>dnf</a:t>
+                      </a:r>
+                      <a:r>
+                        <a:rPr lang="en-GB" sz="1100" b="0" i="0" kern="1200" dirty="0">
+                          <a:solidFill>
+                            <a:schemeClr val="dk1"/>
+                          </a:solidFill>
+                          <a:effectLst/>
+                          <a:latin typeface="+mn-lt"/>
+                          <a:ea typeface="+mn-ea"/>
+                          <a:cs typeface="+mn-cs"/>
+                        </a:rPr>
+                        <a:t> for Amazon Linux 2023</a:t>
                       </a:r>
                       <a:endParaRPr lang="en-IN" sz="1100" kern="100" dirty="0">
                         <a:effectLst/>
@@ -5045,7 +6997,7 @@
                     <a:p>
                       <a:pPr>
                         <a:lnSpc>
-                          <a:spcPct val="107000"/>
+                          <a:spcPct val="100000"/>
                         </a:lnSpc>
                         <a:spcAft>
                           <a:spcPts val="800"/>
@@ -5078,7 +7030,31 @@
                         <a:rPr lang="en-IN" sz="1100" kern="100" dirty="0">
                           <a:effectLst/>
                         </a:rPr>
-                        <a:t>Corrected: securityContext: {allowPrivilegeEscalation: false, runAsUser: 1000, runAsNonRoot: true, privileged: false}</a:t>
+                        <a:t>Corrected: securityContext: {allowPrivilegeEscalation: false, runAsUser: 1000, runAsNonRoot: true, privileged: false}                                                                                                                               </a:t>
+                      </a:r>
+                      <a:r>
+                        <a:rPr lang="en-GB" sz="1100" b="1" i="0" kern="1200" dirty="0">
+                          <a:solidFill>
+                            <a:schemeClr val="dk1"/>
+                          </a:solidFill>
+                          <a:effectLst/>
+                          <a:latin typeface="+mn-lt"/>
+                          <a:ea typeface="+mn-ea"/>
+                          <a:cs typeface="+mn-cs"/>
+                        </a:rPr>
+                        <a:t>Example</a:t>
+                      </a:r>
+                      <a:r>
+                        <a:rPr lang="en-GB" sz="1100" b="0" i="0" kern="1200" dirty="0">
+                          <a:solidFill>
+                            <a:schemeClr val="dk1"/>
+                          </a:solidFill>
+                          <a:effectLst/>
+                          <a:latin typeface="+mn-lt"/>
+                          <a:ea typeface="+mn-ea"/>
+                          <a:cs typeface="+mn-cs"/>
+                        </a:rPr>
+                        <a:t>: Removes privileged: true, adds security Context constraints</a:t>
                       </a:r>
                       <a:endParaRPr lang="en-IN" sz="1100" kern="100" dirty="0">
                         <a:effectLst/>
@@ -5274,7 +7250,7 @@
                     <a:p>
                       <a:pPr>
                         <a:lnSpc>
-                          <a:spcPct val="107000"/>
+                          <a:spcPct val="100000"/>
                         </a:lnSpc>
                         <a:spcAft>
                           <a:spcPts val="800"/>
@@ -5307,7 +7283,31 @@
                         <a:rPr lang="en-IN" sz="1100" kern="100" dirty="0">
                           <a:effectLst/>
                         </a:rPr>
-                        <a:t>Corrected: resources: requests: memory: "512Mi" // Typical JVM baseline</a:t>
+                        <a:t>Corrected: resources: requests: memory: "512Mi" // Typical JVM baseline                         </a:t>
+                      </a:r>
+                      <a:r>
+                        <a:rPr lang="en-GB" sz="1100" b="1" i="0" kern="1200" dirty="0">
+                          <a:solidFill>
+                            <a:schemeClr val="dk1"/>
+                          </a:solidFill>
+                          <a:effectLst/>
+                          <a:latin typeface="+mn-lt"/>
+                          <a:ea typeface="+mn-ea"/>
+                          <a:cs typeface="+mn-cs"/>
+                        </a:rPr>
+                        <a:t>Example</a:t>
+                      </a:r>
+                      <a:r>
+                        <a:rPr lang="en-GB" sz="1100" b="0" i="0" kern="1200" dirty="0">
+                          <a:solidFill>
+                            <a:schemeClr val="dk1"/>
+                          </a:solidFill>
+                          <a:effectLst/>
+                          <a:latin typeface="+mn-lt"/>
+                          <a:ea typeface="+mn-ea"/>
+                          <a:cs typeface="+mn-cs"/>
+                        </a:rPr>
+                        <a:t>: 64MB → 512MB for Java memory request</a:t>
                       </a:r>
                       <a:endParaRPr lang="en-IN" sz="1100" kern="100" dirty="0">
                         <a:effectLst/>
@@ -5503,7 +7503,7 @@
                     <a:p>
                       <a:pPr>
                         <a:lnSpc>
-                          <a:spcPct val="107000"/>
+                          <a:spcPct val="100000"/>
                         </a:lnSpc>
                         <a:spcAft>
                           <a:spcPts val="800"/>
@@ -5536,7 +7536,31 @@
                         <a:rPr lang="en-IN" sz="1100" kern="100" dirty="0">
                           <a:effectLst/>
                         </a:rPr>
-                        <a:t>Corrected: trivy image --severity CRITICAL --ignore-unfixed my-image</a:t>
+                        <a:t>Corrected: trivy image --severity CRITICAL --ignore-unfixed my-image                               </a:t>
+                      </a:r>
+                      <a:r>
+                        <a:rPr lang="en-GB" sz="1100" b="1" i="0" kern="1200" dirty="0">
+                          <a:solidFill>
+                            <a:schemeClr val="dk1"/>
+                          </a:solidFill>
+                          <a:effectLst/>
+                          <a:latin typeface="+mn-lt"/>
+                          <a:ea typeface="+mn-ea"/>
+                          <a:cs typeface="+mn-cs"/>
+                        </a:rPr>
+                        <a:t>Example</a:t>
+                      </a:r>
+                      <a:r>
+                        <a:rPr lang="en-GB" sz="1100" b="0" i="0" kern="1200" dirty="0">
+                          <a:solidFill>
+                            <a:schemeClr val="dk1"/>
+                          </a:solidFill>
+                          <a:effectLst/>
+                          <a:latin typeface="+mn-lt"/>
+                          <a:ea typeface="+mn-ea"/>
+                          <a:cs typeface="+mn-cs"/>
+                        </a:rPr>
+                        <a:t>: --severity CRITICAL → --severity CRITICAL (verified correct)</a:t>
                       </a:r>
                       <a:endParaRPr lang="en-IN" sz="1100" kern="100" dirty="0">
                         <a:effectLst/>
@@ -5732,7 +7756,7 @@
                     <a:p>
                       <a:pPr>
                         <a:lnSpc>
-                          <a:spcPct val="107000"/>
+                          <a:spcPct val="100000"/>
                         </a:lnSpc>
                         <a:spcAft>
                           <a:spcPts val="800"/>
@@ -5765,7 +7789,31 @@
                         <a:rPr lang="en-IN" sz="1100" kern="100" dirty="0">
                           <a:effectLst/>
                         </a:rPr>
-                        <a:t>Corrected: "CIS AWS Benchmark recommends MFA delete (optional, non-scored)"</a:t>
+                        <a:t>Corrected: "CIS AWS Benchmark recommends MFA delete (optional, non-scored)“          </a:t>
+                      </a:r>
+                      <a:r>
+                        <a:rPr lang="en-IN" sz="1100" b="1" i="0" kern="1200" dirty="0">
+                          <a:solidFill>
+                            <a:schemeClr val="dk1"/>
+                          </a:solidFill>
+                          <a:effectLst/>
+                          <a:latin typeface="+mn-lt"/>
+                          <a:ea typeface="+mn-ea"/>
+                          <a:cs typeface="+mn-cs"/>
+                        </a:rPr>
+                        <a:t>Example</a:t>
+                      </a:r>
+                      <a:r>
+                        <a:rPr lang="en-IN" sz="1100" b="0" i="0" kern="1200" dirty="0">
+                          <a:solidFill>
+                            <a:schemeClr val="dk1"/>
+                          </a:solidFill>
+                          <a:effectLst/>
+                          <a:latin typeface="+mn-lt"/>
+                          <a:ea typeface="+mn-ea"/>
+                          <a:cs typeface="+mn-cs"/>
+                        </a:rPr>
+                        <a:t>: Explains PCI DSS recommendation vs requirement status</a:t>
                       </a:r>
                       <a:endParaRPr lang="en-IN" sz="1100" kern="100" dirty="0">
                         <a:effectLst/>
@@ -6006,7 +8054,31 @@
                         <a:rPr lang="en-IN" sz="1100" kern="100" dirty="0">
                           <a:effectLst/>
                         </a:rPr>
-                        <a:t>Corrected: `rules: - if: $CI_COMMIT_TAG =~ /^v\d+.\d+.\d+/</a:t>
+                        <a:t>Corrected: `rules: - if: $CI_COMMIT_TAG =~ /^v\d+.\d+.\d+/                                              </a:t>
+                      </a:r>
+                      <a:r>
+                        <a:rPr lang="en-GB" sz="1100" b="1" i="0" kern="1200" dirty="0">
+                          <a:solidFill>
+                            <a:schemeClr val="dk1"/>
+                          </a:solidFill>
+                          <a:effectLst/>
+                          <a:latin typeface="+mn-lt"/>
+                          <a:ea typeface="+mn-ea"/>
+                          <a:cs typeface="+mn-cs"/>
+                        </a:rPr>
+                        <a:t>Example</a:t>
+                      </a:r>
+                      <a:r>
+                        <a:rPr lang="en-GB" sz="1100" b="0" i="0" kern="1200" dirty="0">
+                          <a:solidFill>
+                            <a:schemeClr val="dk1"/>
+                          </a:solidFill>
+                          <a:effectLst/>
+                          <a:latin typeface="+mn-lt"/>
+                          <a:ea typeface="+mn-ea"/>
+                          <a:cs typeface="+mn-cs"/>
+                        </a:rPr>
+                        <a:t>: Enhanced GitLab CI rules for tag detection</a:t>
                       </a:r>
                       <a:endParaRPr lang="en-IN" sz="1100" kern="100" dirty="0">
                         <a:effectLst/>
@@ -6041,7 +8113,7 @@
 </p:sld>
 </file>
 
-<file path=ppt/slides/slide4.xml><?xml version="1.0" encoding="utf-8"?>
+<file path=ppt/slides/slide6.xml><?xml version="1.0" encoding="utf-8"?>
 <p:sld xmlns:a="http://schemas.openxmlformats.org/drawingml/2006/main" xmlns:r="http://schemas.openxmlformats.org/officeDocument/2006/relationships" xmlns:p="http://schemas.openxmlformats.org/presentationml/2006/main">
   <p:cSld>
     <p:spTree>
@@ -6794,7 +8866,7 @@
 </p:sld>
 </file>
 
-<file path=ppt/slides/slide5.xml><?xml version="1.0" encoding="utf-8"?>
+<file path=ppt/slides/slide7.xml><?xml version="1.0" encoding="utf-8"?>
 <p:sld xmlns:a="http://schemas.openxmlformats.org/drawingml/2006/main" xmlns:r="http://schemas.openxmlformats.org/officeDocument/2006/relationships" xmlns:p="http://schemas.openxmlformats.org/presentationml/2006/main">
   <p:cSld>
     <p:spTree>
@@ -6854,7 +8926,7 @@
 </p:sld>
 </file>
 
-<file path=ppt/slides/slide6.xml><?xml version="1.0" encoding="utf-8"?>
+<file path=ppt/slides/slide8.xml><?xml version="1.0" encoding="utf-8"?>
 <p:sld xmlns:a="http://schemas.openxmlformats.org/drawingml/2006/main" xmlns:r="http://schemas.openxmlformats.org/officeDocument/2006/relationships" xmlns:p="http://schemas.openxmlformats.org/presentationml/2006/main">
   <p:cSld>
     <p:spTree>
@@ -6905,6 +8977,347 @@
     <p:extLst>
       <p:ext uri="{BB962C8B-B14F-4D97-AF65-F5344CB8AC3E}">
         <p14:creationId xmlns:p14="http://schemas.microsoft.com/office/powerpoint/2010/main" val="1333697852"/>
+      </p:ext>
+    </p:extLst>
+  </p:cSld>
+  <p:clrMapOvr>
+    <a:masterClrMapping/>
+  </p:clrMapOvr>
+</p:sld>
+</file>
+
+<file path=ppt/slides/slide9.xml><?xml version="1.0" encoding="utf-8"?>
+<p:sld xmlns:a="http://schemas.openxmlformats.org/drawingml/2006/main" xmlns:r="http://schemas.openxmlformats.org/officeDocument/2006/relationships" xmlns:p="http://schemas.openxmlformats.org/presentationml/2006/main">
+  <p:cSld>
+    <p:spTree>
+      <p:nvGrpSpPr>
+        <p:cNvPr id="1" name=""/>
+        <p:cNvGrpSpPr/>
+        <p:nvPr/>
+      </p:nvGrpSpPr>
+      <p:grpSpPr>
+        <a:xfrm>
+          <a:off x="0" y="0"/>
+          <a:ext cx="0" cy="0"/>
+          <a:chOff x="0" y="0"/>
+          <a:chExt cx="0" cy="0"/>
+        </a:xfrm>
+      </p:grpSpPr>
+      <p:sp>
+        <p:nvSpPr>
+          <p:cNvPr id="3" name="TextBox 2">
+            <a:extLst>
+              <a:ext uri="{FF2B5EF4-FFF2-40B4-BE49-F238E27FC236}">
+                <a16:creationId xmlns:a16="http://schemas.microsoft.com/office/drawing/2014/main" id="{34BEC984-CCFD-BD77-37E8-5FEA7930EC06}"/>
+              </a:ext>
+            </a:extLst>
+          </p:cNvPr>
+          <p:cNvSpPr txBox="1"/>
+          <p:nvPr/>
+        </p:nvSpPr>
+        <p:spPr>
+          <a:xfrm>
+            <a:off x="707010" y="780631"/>
+            <a:ext cx="8434633" cy="5578450"/>
+          </a:xfrm>
+          <a:prstGeom prst="rect">
+            <a:avLst/>
+          </a:prstGeom>
+          <a:noFill/>
+        </p:spPr>
+        <p:txBody>
+          <a:bodyPr wrap="square">
+            <a:spAutoFit/>
+          </a:bodyPr>
+          <a:lstStyle/>
+          <a:p>
+            <a:pPr algn="l">
+              <a:lnSpc>
+                <a:spcPts val="2400"/>
+              </a:lnSpc>
+              <a:spcBef>
+                <a:spcPts val="2400"/>
+              </a:spcBef>
+              <a:spcAft>
+                <a:spcPts val="1200"/>
+              </a:spcAft>
+              <a:buNone/>
+            </a:pPr>
+            <a:r>
+              <a:rPr lang="en-GB" b="1" dirty="0">
+                <a:solidFill>
+                  <a:srgbClr val="0F1115"/>
+                </a:solidFill>
+                <a:effectLst/>
+                <a:latin typeface="quote-cjk-patch"/>
+              </a:rPr>
+              <a:t>Key Insight:</a:t>
+            </a:r>
+          </a:p>
+          <a:p>
+            <a:pPr algn="l">
+              <a:spcBef>
+                <a:spcPts val="1200"/>
+              </a:spcBef>
+              <a:spcAft>
+                <a:spcPts val="1200"/>
+              </a:spcAft>
+              <a:buNone/>
+            </a:pPr>
+            <a:r>
+              <a:rPr lang="en-GB" b="0" i="0" dirty="0">
+                <a:solidFill>
+                  <a:srgbClr val="0F1115"/>
+                </a:solidFill>
+                <a:effectLst/>
+                <a:latin typeface="quote-cjk-patch"/>
+              </a:rPr>
+              <a:t>The </a:t>
+            </a:r>
+            <a:r>
+              <a:rPr lang="en-GB" b="1" i="0" dirty="0">
+                <a:solidFill>
+                  <a:srgbClr val="0F1115"/>
+                </a:solidFill>
+                <a:effectLst/>
+                <a:latin typeface="quote-cjk-patch"/>
+              </a:rPr>
+              <a:t>Multi-dim Validation</a:t>
+            </a:r>
+            <a:r>
+              <a:rPr lang="en-GB" b="0" i="0" dirty="0">
+                <a:solidFill>
+                  <a:srgbClr val="0F1115"/>
+                </a:solidFill>
+                <a:effectLst/>
+                <a:latin typeface="quote-cjk-patch"/>
+              </a:rPr>
+              <a:t> layer provides the </a:t>
+            </a:r>
+            <a:r>
+              <a:rPr lang="en-GB" b="1" i="0" dirty="0">
+                <a:solidFill>
+                  <a:srgbClr val="0F1115"/>
+                </a:solidFill>
+                <a:effectLst/>
+                <a:latin typeface="quote-cjk-patch"/>
+              </a:rPr>
+              <a:t>analytical foundation</a:t>
+            </a:r>
+            <a:r>
+              <a:rPr lang="en-GB" b="0" i="0" dirty="0">
+                <a:solidFill>
+                  <a:srgbClr val="0F1115"/>
+                </a:solidFill>
+                <a:effectLst/>
+                <a:latin typeface="quote-cjk-patch"/>
+              </a:rPr>
+              <a:t> that enables the specialized detectors to be so precise. Instead of each detector working in isolation, they all leverage these four verification dimensions, making the identification system:</a:t>
+            </a:r>
+          </a:p>
+          <a:p>
+            <a:pPr algn="l">
+              <a:spcBef>
+                <a:spcPts val="1200"/>
+              </a:spcBef>
+              <a:spcAft>
+                <a:spcPts val="1200"/>
+              </a:spcAft>
+              <a:buFont typeface="Arial" panose="020B0604020202020204" pitchFamily="34" charset="0"/>
+              <a:buChar char="•"/>
+            </a:pPr>
+            <a:r>
+              <a:rPr lang="en-GB" b="1" i="0" dirty="0">
+                <a:solidFill>
+                  <a:srgbClr val="0F1115"/>
+                </a:solidFill>
+                <a:effectLst/>
+                <a:latin typeface="quote-cjk-patch"/>
+              </a:rPr>
+              <a:t>More robust</a:t>
+            </a:r>
+            <a:r>
+              <a:rPr lang="en-GB" b="0" i="0" dirty="0">
+                <a:solidFill>
+                  <a:srgbClr val="0F1115"/>
+                </a:solidFill>
+                <a:effectLst/>
+                <a:latin typeface="quote-cjk-patch"/>
+              </a:rPr>
+              <a:t> (multiple validation angles)</a:t>
+            </a:r>
+          </a:p>
+          <a:p>
+            <a:pPr algn="l">
+              <a:spcBef>
+                <a:spcPts val="450"/>
+              </a:spcBef>
+              <a:spcAft>
+                <a:spcPts val="1200"/>
+              </a:spcAft>
+              <a:buFont typeface="Arial" panose="020B0604020202020204" pitchFamily="34" charset="0"/>
+              <a:buChar char="•"/>
+            </a:pPr>
+            <a:r>
+              <a:rPr lang="en-GB" b="1" i="0" dirty="0">
+                <a:solidFill>
+                  <a:srgbClr val="0F1115"/>
+                </a:solidFill>
+                <a:effectLst/>
+                <a:latin typeface="quote-cjk-patch"/>
+              </a:rPr>
+              <a:t>More accurate</a:t>
+            </a:r>
+            <a:r>
+              <a:rPr lang="en-GB" b="0" i="0" dirty="0">
+                <a:solidFill>
+                  <a:srgbClr val="0F1115"/>
+                </a:solidFill>
+                <a:effectLst/>
+                <a:latin typeface="quote-cjk-patch"/>
+              </a:rPr>
+              <a:t> (cross-dimensional consistency checking)</a:t>
+            </a:r>
+          </a:p>
+          <a:p>
+            <a:pPr algn="l">
+              <a:spcBef>
+                <a:spcPts val="450"/>
+              </a:spcBef>
+              <a:spcAft>
+                <a:spcPts val="1200"/>
+              </a:spcAft>
+              <a:buFont typeface="Arial" panose="020B0604020202020204" pitchFamily="34" charset="0"/>
+              <a:buChar char="•"/>
+            </a:pPr>
+            <a:r>
+              <a:rPr lang="en-GB" b="1" i="0" dirty="0">
+                <a:solidFill>
+                  <a:srgbClr val="0F1115"/>
+                </a:solidFill>
+                <a:effectLst/>
+                <a:latin typeface="quote-cjk-patch"/>
+              </a:rPr>
+              <a:t>More scalable</a:t>
+            </a:r>
+            <a:r>
+              <a:rPr lang="en-GB" b="0" i="0" dirty="0">
+                <a:solidFill>
+                  <a:srgbClr val="0F1115"/>
+                </a:solidFill>
+                <a:effectLst/>
+                <a:latin typeface="quote-cjk-patch"/>
+              </a:rPr>
+              <a:t> (reusable validation patterns)</a:t>
+            </a:r>
+          </a:p>
+          <a:p>
+            <a:pPr algn="l">
+              <a:spcBef>
+                <a:spcPts val="450"/>
+              </a:spcBef>
+              <a:spcAft>
+                <a:spcPts val="1200"/>
+              </a:spcAft>
+              <a:buFont typeface="Arial" panose="020B0604020202020204" pitchFamily="34" charset="0"/>
+              <a:buChar char="•"/>
+            </a:pPr>
+            <a:r>
+              <a:rPr lang="en-GB" b="1" i="0" dirty="0">
+                <a:solidFill>
+                  <a:srgbClr val="0F1115"/>
+                </a:solidFill>
+                <a:effectLst/>
+                <a:latin typeface="quote-cjk-patch"/>
+              </a:rPr>
+              <a:t>More explainable</a:t>
+            </a:r>
+            <a:r>
+              <a:rPr lang="en-GB" b="0" i="0" dirty="0">
+                <a:solidFill>
+                  <a:srgbClr val="0F1115"/>
+                </a:solidFill>
+                <a:effectLst/>
+                <a:latin typeface="quote-cjk-patch"/>
+              </a:rPr>
+              <a:t> (clear which dimension detected the issue)</a:t>
+            </a:r>
+          </a:p>
+          <a:p>
+            <a:r>
+              <a:rPr lang="en-IN" b="1" dirty="0"/>
+              <a:t>Multi-dim Validation Applied:</a:t>
+            </a:r>
+          </a:p>
+          <a:p>
+            <a:r>
+              <a:rPr lang="en-IN" b="1" dirty="0"/>
+              <a:t>Statistical Analysis</a:t>
+            </a:r>
+            <a:r>
+              <a:rPr lang="en-IN" dirty="0"/>
+              <a:t>: Checks if command structure matches AWS CLI patterns</a:t>
+            </a:r>
+          </a:p>
+          <a:p>
+            <a:r>
+              <a:rPr lang="en-IN" b="1" dirty="0"/>
+              <a:t>Temporal Reasoning</a:t>
+            </a:r>
+            <a:r>
+              <a:rPr lang="en-IN" dirty="0"/>
+              <a:t>: Validates command syntax against current AWS CLI version</a:t>
+            </a:r>
+          </a:p>
+          <a:p>
+            <a:r>
+              <a:rPr lang="en-IN" b="1" dirty="0"/>
+              <a:t>Geospatial Validation</a:t>
+            </a:r>
+            <a:r>
+              <a:rPr lang="en-IN" dirty="0"/>
+              <a:t>: Confirms this is valid AWS syntax (not Azure/GCP)</a:t>
+            </a:r>
+          </a:p>
+          <a:p>
+            <a:r>
+              <a:rPr lang="en-IN" b="1" dirty="0"/>
+              <a:t>Entity Consistency</a:t>
+            </a:r>
+            <a:r>
+              <a:rPr lang="en-IN" dirty="0"/>
+              <a:t>: Ensures encrypt subcommand exists for </a:t>
+            </a:r>
+            <a:r>
+              <a:rPr lang="en-IN" dirty="0" err="1"/>
+              <a:t>aws</a:t>
+            </a:r>
+            <a:r>
+              <a:rPr lang="en-IN" dirty="0"/>
+              <a:t> s3 entity</a:t>
+            </a:r>
+          </a:p>
+          <a:p>
+            <a:pPr algn="l">
+              <a:spcBef>
+                <a:spcPts val="1200"/>
+              </a:spcBef>
+              <a:buNone/>
+            </a:pPr>
+            <a:endParaRPr lang="en-GB" b="0" i="0" dirty="0">
+              <a:solidFill>
+                <a:srgbClr val="0F1115"/>
+              </a:solidFill>
+              <a:effectLst/>
+              <a:latin typeface="quote-cjk-patch"/>
+            </a:endParaRPr>
+          </a:p>
+        </p:txBody>
+      </p:sp>
+    </p:spTree>
+    <p:extLst>
+      <p:ext uri="{BB962C8B-B14F-4D97-AF65-F5344CB8AC3E}">
+        <p14:creationId xmlns:p14="http://schemas.microsoft.com/office/powerpoint/2010/main" val="3323442572"/>
       </p:ext>
     </p:extLst>
   </p:cSld>

--- a/VeriFactAI-Presentation.pptx
+++ b/VeriFactAI-Presentation.pptx
@@ -10,12 +10,14 @@
     <p:sldId id="270" r:id="rId4"/>
     <p:sldId id="268" r:id="rId5"/>
     <p:sldId id="260" r:id="rId6"/>
-    <p:sldId id="261" r:id="rId7"/>
-    <p:sldId id="264" r:id="rId8"/>
-    <p:sldId id="265" r:id="rId9"/>
-    <p:sldId id="266" r:id="rId10"/>
-    <p:sldId id="267" r:id="rId11"/>
-    <p:sldId id="269" r:id="rId12"/>
+    <p:sldId id="271" r:id="rId7"/>
+    <p:sldId id="272" r:id="rId8"/>
+    <p:sldId id="261" r:id="rId9"/>
+    <p:sldId id="264" r:id="rId10"/>
+    <p:sldId id="265" r:id="rId11"/>
+    <p:sldId id="266" r:id="rId12"/>
+    <p:sldId id="267" r:id="rId13"/>
+    <p:sldId id="269" r:id="rId14"/>
   </p:sldIdLst>
   <p:sldSz cx="12192000" cy="6858000"/>
   <p:notesSz cx="6858000" cy="9144000"/>
@@ -271,7 +273,7 @@
           <a:p>
             <a:fld id="{52A21325-2BBA-48B6-B2D5-B14725B2CE53}" type="datetimeFigureOut">
               <a:rPr lang="en-IN" smtClean="0"/>
-              <a:t>2025-09-28</a:t>
+              <a:t>2025-10-05</a:t>
             </a:fld>
             <a:endParaRPr lang="en-IN"/>
           </a:p>
@@ -471,7 +473,7 @@
           <a:p>
             <a:fld id="{52A21325-2BBA-48B6-B2D5-B14725B2CE53}" type="datetimeFigureOut">
               <a:rPr lang="en-IN" smtClean="0"/>
-              <a:t>2025-09-28</a:t>
+              <a:t>2025-10-05</a:t>
             </a:fld>
             <a:endParaRPr lang="en-IN"/>
           </a:p>
@@ -681,7 +683,7 @@
           <a:p>
             <a:fld id="{52A21325-2BBA-48B6-B2D5-B14725B2CE53}" type="datetimeFigureOut">
               <a:rPr lang="en-IN" smtClean="0"/>
-              <a:t>2025-09-28</a:t>
+              <a:t>2025-10-05</a:t>
             </a:fld>
             <a:endParaRPr lang="en-IN"/>
           </a:p>
@@ -881,7 +883,7 @@
           <a:p>
             <a:fld id="{52A21325-2BBA-48B6-B2D5-B14725B2CE53}" type="datetimeFigureOut">
               <a:rPr lang="en-IN" smtClean="0"/>
-              <a:t>2025-09-28</a:t>
+              <a:t>2025-10-05</a:t>
             </a:fld>
             <a:endParaRPr lang="en-IN"/>
           </a:p>
@@ -1157,7 +1159,7 @@
           <a:p>
             <a:fld id="{52A21325-2BBA-48B6-B2D5-B14725B2CE53}" type="datetimeFigureOut">
               <a:rPr lang="en-IN" smtClean="0"/>
-              <a:t>2025-09-28</a:t>
+              <a:t>2025-10-05</a:t>
             </a:fld>
             <a:endParaRPr lang="en-IN"/>
           </a:p>
@@ -1425,7 +1427,7 @@
           <a:p>
             <a:fld id="{52A21325-2BBA-48B6-B2D5-B14725B2CE53}" type="datetimeFigureOut">
               <a:rPr lang="en-IN" smtClean="0"/>
-              <a:t>2025-09-28</a:t>
+              <a:t>2025-10-05</a:t>
             </a:fld>
             <a:endParaRPr lang="en-IN"/>
           </a:p>
@@ -1840,7 +1842,7 @@
           <a:p>
             <a:fld id="{52A21325-2BBA-48B6-B2D5-B14725B2CE53}" type="datetimeFigureOut">
               <a:rPr lang="en-IN" smtClean="0"/>
-              <a:t>2025-09-28</a:t>
+              <a:t>2025-10-05</a:t>
             </a:fld>
             <a:endParaRPr lang="en-IN"/>
           </a:p>
@@ -1982,7 +1984,7 @@
           <a:p>
             <a:fld id="{52A21325-2BBA-48B6-B2D5-B14725B2CE53}" type="datetimeFigureOut">
               <a:rPr lang="en-IN" smtClean="0"/>
-              <a:t>2025-09-28</a:t>
+              <a:t>2025-10-05</a:t>
             </a:fld>
             <a:endParaRPr lang="en-IN"/>
           </a:p>
@@ -2095,7 +2097,7 @@
           <a:p>
             <a:fld id="{52A21325-2BBA-48B6-B2D5-B14725B2CE53}" type="datetimeFigureOut">
               <a:rPr lang="en-IN" smtClean="0"/>
-              <a:t>2025-09-28</a:t>
+              <a:t>2025-10-05</a:t>
             </a:fld>
             <a:endParaRPr lang="en-IN"/>
           </a:p>
@@ -2408,7 +2410,7 @@
           <a:p>
             <a:fld id="{52A21325-2BBA-48B6-B2D5-B14725B2CE53}" type="datetimeFigureOut">
               <a:rPr lang="en-IN" smtClean="0"/>
-              <a:t>2025-09-28</a:t>
+              <a:t>2025-10-05</a:t>
             </a:fld>
             <a:endParaRPr lang="en-IN"/>
           </a:p>
@@ -2697,7 +2699,7 @@
           <a:p>
             <a:fld id="{52A21325-2BBA-48B6-B2D5-B14725B2CE53}" type="datetimeFigureOut">
               <a:rPr lang="en-IN" smtClean="0"/>
-              <a:t>2025-09-28</a:t>
+              <a:t>2025-10-05</a:t>
             </a:fld>
             <a:endParaRPr lang="en-IN"/>
           </a:p>
@@ -2940,7 +2942,7 @@
           <a:p>
             <a:fld id="{52A21325-2BBA-48B6-B2D5-B14725B2CE53}" type="datetimeFigureOut">
               <a:rPr lang="en-IN" smtClean="0"/>
-              <a:t>2025-09-28</a:t>
+              <a:t>2025-10-05</a:t>
             </a:fld>
             <a:endParaRPr lang="en-IN"/>
           </a:p>
@@ -3692,6 +3694,407 @@
           <p:cNvPr id="3" name="Picture 2">
             <a:extLst>
               <a:ext uri="{FF2B5EF4-FFF2-40B4-BE49-F238E27FC236}">
+                <a16:creationId xmlns:a16="http://schemas.microsoft.com/office/drawing/2014/main" id="{C1C2B21D-7D7F-3380-A39A-A7F5C07557E7}"/>
+              </a:ext>
+            </a:extLst>
+          </p:cNvPr>
+          <p:cNvPicPr>
+            <a:picLocks noChangeAspect="1"/>
+          </p:cNvPicPr>
+          <p:nvPr/>
+        </p:nvPicPr>
+        <p:blipFill>
+          <a:blip r:embed="rId2"/>
+          <a:stretch>
+            <a:fillRect/>
+          </a:stretch>
+        </p:blipFill>
+        <p:spPr>
+          <a:xfrm>
+            <a:off x="320510" y="0"/>
+            <a:ext cx="11519555" cy="6858000"/>
+          </a:xfrm>
+          <a:prstGeom prst="rect">
+            <a:avLst/>
+          </a:prstGeom>
+        </p:spPr>
+      </p:pic>
+    </p:spTree>
+    <p:extLst>
+      <p:ext uri="{BB962C8B-B14F-4D97-AF65-F5344CB8AC3E}">
+        <p14:creationId xmlns:p14="http://schemas.microsoft.com/office/powerpoint/2010/main" val="1333697852"/>
+      </p:ext>
+    </p:extLst>
+  </p:cSld>
+  <p:clrMapOvr>
+    <a:masterClrMapping/>
+  </p:clrMapOvr>
+</p:sld>
+</file>
+
+<file path=ppt/slides/slide11.xml><?xml version="1.0" encoding="utf-8"?>
+<p:sld xmlns:a="http://schemas.openxmlformats.org/drawingml/2006/main" xmlns:r="http://schemas.openxmlformats.org/officeDocument/2006/relationships" xmlns:p="http://schemas.openxmlformats.org/presentationml/2006/main">
+  <p:cSld>
+    <p:spTree>
+      <p:nvGrpSpPr>
+        <p:cNvPr id="1" name=""/>
+        <p:cNvGrpSpPr/>
+        <p:nvPr/>
+      </p:nvGrpSpPr>
+      <p:grpSpPr>
+        <a:xfrm>
+          <a:off x="0" y="0"/>
+          <a:ext cx="0" cy="0"/>
+          <a:chOff x="0" y="0"/>
+          <a:chExt cx="0" cy="0"/>
+        </a:xfrm>
+      </p:grpSpPr>
+      <p:sp>
+        <p:nvSpPr>
+          <p:cNvPr id="3" name="TextBox 2">
+            <a:extLst>
+              <a:ext uri="{FF2B5EF4-FFF2-40B4-BE49-F238E27FC236}">
+                <a16:creationId xmlns:a16="http://schemas.microsoft.com/office/drawing/2014/main" id="{34BEC984-CCFD-BD77-37E8-5FEA7930EC06}"/>
+              </a:ext>
+            </a:extLst>
+          </p:cNvPr>
+          <p:cNvSpPr txBox="1"/>
+          <p:nvPr/>
+        </p:nvSpPr>
+        <p:spPr>
+          <a:xfrm>
+            <a:off x="707010" y="780631"/>
+            <a:ext cx="8434633" cy="5578450"/>
+          </a:xfrm>
+          <a:prstGeom prst="rect">
+            <a:avLst/>
+          </a:prstGeom>
+          <a:noFill/>
+        </p:spPr>
+        <p:txBody>
+          <a:bodyPr wrap="square">
+            <a:spAutoFit/>
+          </a:bodyPr>
+          <a:lstStyle/>
+          <a:p>
+            <a:pPr algn="l">
+              <a:lnSpc>
+                <a:spcPts val="2400"/>
+              </a:lnSpc>
+              <a:spcBef>
+                <a:spcPts val="2400"/>
+              </a:spcBef>
+              <a:spcAft>
+                <a:spcPts val="1200"/>
+              </a:spcAft>
+              <a:buNone/>
+            </a:pPr>
+            <a:r>
+              <a:rPr lang="en-GB" b="1" dirty="0">
+                <a:solidFill>
+                  <a:srgbClr val="0F1115"/>
+                </a:solidFill>
+                <a:effectLst/>
+                <a:latin typeface="quote-cjk-patch"/>
+              </a:rPr>
+              <a:t>Key Insight:</a:t>
+            </a:r>
+          </a:p>
+          <a:p>
+            <a:pPr algn="l">
+              <a:spcBef>
+                <a:spcPts val="1200"/>
+              </a:spcBef>
+              <a:spcAft>
+                <a:spcPts val="1200"/>
+              </a:spcAft>
+              <a:buNone/>
+            </a:pPr>
+            <a:r>
+              <a:rPr lang="en-GB" b="0" i="0" dirty="0">
+                <a:solidFill>
+                  <a:srgbClr val="0F1115"/>
+                </a:solidFill>
+                <a:effectLst/>
+                <a:latin typeface="quote-cjk-patch"/>
+              </a:rPr>
+              <a:t>The </a:t>
+            </a:r>
+            <a:r>
+              <a:rPr lang="en-GB" b="1" i="0" dirty="0">
+                <a:solidFill>
+                  <a:srgbClr val="0F1115"/>
+                </a:solidFill>
+                <a:effectLst/>
+                <a:latin typeface="quote-cjk-patch"/>
+              </a:rPr>
+              <a:t>Multi-dim Validation</a:t>
+            </a:r>
+            <a:r>
+              <a:rPr lang="en-GB" b="0" i="0" dirty="0">
+                <a:solidFill>
+                  <a:srgbClr val="0F1115"/>
+                </a:solidFill>
+                <a:effectLst/>
+                <a:latin typeface="quote-cjk-patch"/>
+              </a:rPr>
+              <a:t> layer provides the </a:t>
+            </a:r>
+            <a:r>
+              <a:rPr lang="en-GB" b="1" i="0" dirty="0">
+                <a:solidFill>
+                  <a:srgbClr val="0F1115"/>
+                </a:solidFill>
+                <a:effectLst/>
+                <a:latin typeface="quote-cjk-patch"/>
+              </a:rPr>
+              <a:t>analytical foundation</a:t>
+            </a:r>
+            <a:r>
+              <a:rPr lang="en-GB" b="0" i="0" dirty="0">
+                <a:solidFill>
+                  <a:srgbClr val="0F1115"/>
+                </a:solidFill>
+                <a:effectLst/>
+                <a:latin typeface="quote-cjk-patch"/>
+              </a:rPr>
+              <a:t> that enables the specialized detectors to be so precise. Instead of each detector working in isolation, they all leverage these four verification dimensions, making the identification system:</a:t>
+            </a:r>
+          </a:p>
+          <a:p>
+            <a:pPr algn="l">
+              <a:spcBef>
+                <a:spcPts val="1200"/>
+              </a:spcBef>
+              <a:spcAft>
+                <a:spcPts val="1200"/>
+              </a:spcAft>
+              <a:buFont typeface="Arial" panose="020B0604020202020204" pitchFamily="34" charset="0"/>
+              <a:buChar char="•"/>
+            </a:pPr>
+            <a:r>
+              <a:rPr lang="en-GB" b="1" i="0" dirty="0">
+                <a:solidFill>
+                  <a:srgbClr val="0F1115"/>
+                </a:solidFill>
+                <a:effectLst/>
+                <a:latin typeface="quote-cjk-patch"/>
+              </a:rPr>
+              <a:t>More robust</a:t>
+            </a:r>
+            <a:r>
+              <a:rPr lang="en-GB" b="0" i="0" dirty="0">
+                <a:solidFill>
+                  <a:srgbClr val="0F1115"/>
+                </a:solidFill>
+                <a:effectLst/>
+                <a:latin typeface="quote-cjk-patch"/>
+              </a:rPr>
+              <a:t> (multiple validation angles)</a:t>
+            </a:r>
+          </a:p>
+          <a:p>
+            <a:pPr algn="l">
+              <a:spcBef>
+                <a:spcPts val="450"/>
+              </a:spcBef>
+              <a:spcAft>
+                <a:spcPts val="1200"/>
+              </a:spcAft>
+              <a:buFont typeface="Arial" panose="020B0604020202020204" pitchFamily="34" charset="0"/>
+              <a:buChar char="•"/>
+            </a:pPr>
+            <a:r>
+              <a:rPr lang="en-GB" b="1" i="0" dirty="0">
+                <a:solidFill>
+                  <a:srgbClr val="0F1115"/>
+                </a:solidFill>
+                <a:effectLst/>
+                <a:latin typeface="quote-cjk-patch"/>
+              </a:rPr>
+              <a:t>More accurate</a:t>
+            </a:r>
+            <a:r>
+              <a:rPr lang="en-GB" b="0" i="0" dirty="0">
+                <a:solidFill>
+                  <a:srgbClr val="0F1115"/>
+                </a:solidFill>
+                <a:effectLst/>
+                <a:latin typeface="quote-cjk-patch"/>
+              </a:rPr>
+              <a:t> (cross-dimensional consistency checking)</a:t>
+            </a:r>
+          </a:p>
+          <a:p>
+            <a:pPr algn="l">
+              <a:spcBef>
+                <a:spcPts val="450"/>
+              </a:spcBef>
+              <a:spcAft>
+                <a:spcPts val="1200"/>
+              </a:spcAft>
+              <a:buFont typeface="Arial" panose="020B0604020202020204" pitchFamily="34" charset="0"/>
+              <a:buChar char="•"/>
+            </a:pPr>
+            <a:r>
+              <a:rPr lang="en-GB" b="1" i="0" dirty="0">
+                <a:solidFill>
+                  <a:srgbClr val="0F1115"/>
+                </a:solidFill>
+                <a:effectLst/>
+                <a:latin typeface="quote-cjk-patch"/>
+              </a:rPr>
+              <a:t>More scalable</a:t>
+            </a:r>
+            <a:r>
+              <a:rPr lang="en-GB" b="0" i="0" dirty="0">
+                <a:solidFill>
+                  <a:srgbClr val="0F1115"/>
+                </a:solidFill>
+                <a:effectLst/>
+                <a:latin typeface="quote-cjk-patch"/>
+              </a:rPr>
+              <a:t> (reusable validation patterns)</a:t>
+            </a:r>
+          </a:p>
+          <a:p>
+            <a:pPr algn="l">
+              <a:spcBef>
+                <a:spcPts val="450"/>
+              </a:spcBef>
+              <a:spcAft>
+                <a:spcPts val="1200"/>
+              </a:spcAft>
+              <a:buFont typeface="Arial" panose="020B0604020202020204" pitchFamily="34" charset="0"/>
+              <a:buChar char="•"/>
+            </a:pPr>
+            <a:r>
+              <a:rPr lang="en-GB" b="1" i="0" dirty="0">
+                <a:solidFill>
+                  <a:srgbClr val="0F1115"/>
+                </a:solidFill>
+                <a:effectLst/>
+                <a:latin typeface="quote-cjk-patch"/>
+              </a:rPr>
+              <a:t>More explainable</a:t>
+            </a:r>
+            <a:r>
+              <a:rPr lang="en-GB" b="0" i="0" dirty="0">
+                <a:solidFill>
+                  <a:srgbClr val="0F1115"/>
+                </a:solidFill>
+                <a:effectLst/>
+                <a:latin typeface="quote-cjk-patch"/>
+              </a:rPr>
+              <a:t> (clear which dimension detected the issue)</a:t>
+            </a:r>
+          </a:p>
+          <a:p>
+            <a:r>
+              <a:rPr lang="en-IN" b="1" dirty="0"/>
+              <a:t>Multi-dim Validation Applied:</a:t>
+            </a:r>
+          </a:p>
+          <a:p>
+            <a:r>
+              <a:rPr lang="en-IN" b="1" dirty="0"/>
+              <a:t>Statistical Analysis</a:t>
+            </a:r>
+            <a:r>
+              <a:rPr lang="en-IN" dirty="0"/>
+              <a:t>: Checks if command structure matches AWS CLI patterns</a:t>
+            </a:r>
+          </a:p>
+          <a:p>
+            <a:r>
+              <a:rPr lang="en-IN" b="1" dirty="0"/>
+              <a:t>Temporal Reasoning</a:t>
+            </a:r>
+            <a:r>
+              <a:rPr lang="en-IN" dirty="0"/>
+              <a:t>: Validates command syntax against current AWS CLI version</a:t>
+            </a:r>
+          </a:p>
+          <a:p>
+            <a:r>
+              <a:rPr lang="en-IN" b="1" dirty="0"/>
+              <a:t>Geospatial Validation</a:t>
+            </a:r>
+            <a:r>
+              <a:rPr lang="en-IN" dirty="0"/>
+              <a:t>: Confirms this is valid AWS syntax (not Azure/GCP)</a:t>
+            </a:r>
+          </a:p>
+          <a:p>
+            <a:r>
+              <a:rPr lang="en-IN" b="1" dirty="0"/>
+              <a:t>Entity Consistency</a:t>
+            </a:r>
+            <a:r>
+              <a:rPr lang="en-IN" dirty="0"/>
+              <a:t>: Ensures encrypt subcommand exists for </a:t>
+            </a:r>
+            <a:r>
+              <a:rPr lang="en-IN" dirty="0" err="1"/>
+              <a:t>aws</a:t>
+            </a:r>
+            <a:r>
+              <a:rPr lang="en-IN" dirty="0"/>
+              <a:t> s3 entity</a:t>
+            </a:r>
+          </a:p>
+          <a:p>
+            <a:pPr algn="l">
+              <a:spcBef>
+                <a:spcPts val="1200"/>
+              </a:spcBef>
+              <a:buNone/>
+            </a:pPr>
+            <a:endParaRPr lang="en-GB" b="0" i="0" dirty="0">
+              <a:solidFill>
+                <a:srgbClr val="0F1115"/>
+              </a:solidFill>
+              <a:effectLst/>
+              <a:latin typeface="quote-cjk-patch"/>
+            </a:endParaRPr>
+          </a:p>
+        </p:txBody>
+      </p:sp>
+    </p:spTree>
+    <p:extLst>
+      <p:ext uri="{BB962C8B-B14F-4D97-AF65-F5344CB8AC3E}">
+        <p14:creationId xmlns:p14="http://schemas.microsoft.com/office/powerpoint/2010/main" val="3323442572"/>
+      </p:ext>
+    </p:extLst>
+  </p:cSld>
+  <p:clrMapOvr>
+    <a:masterClrMapping/>
+  </p:clrMapOvr>
+</p:sld>
+</file>
+
+<file path=ppt/slides/slide12.xml><?xml version="1.0" encoding="utf-8"?>
+<p:sld xmlns:a="http://schemas.openxmlformats.org/drawingml/2006/main" xmlns:r="http://schemas.openxmlformats.org/officeDocument/2006/relationships" xmlns:p="http://schemas.openxmlformats.org/presentationml/2006/main">
+  <p:cSld>
+    <p:spTree>
+      <p:nvGrpSpPr>
+        <p:cNvPr id="1" name=""/>
+        <p:cNvGrpSpPr/>
+        <p:nvPr/>
+      </p:nvGrpSpPr>
+      <p:grpSpPr>
+        <a:xfrm>
+          <a:off x="0" y="0"/>
+          <a:ext cx="0" cy="0"/>
+          <a:chOff x="0" y="0"/>
+          <a:chExt cx="0" cy="0"/>
+        </a:xfrm>
+      </p:grpSpPr>
+      <p:pic>
+        <p:nvPicPr>
+          <p:cNvPr id="3" name="Picture 2">
+            <a:extLst>
+              <a:ext uri="{FF2B5EF4-FFF2-40B4-BE49-F238E27FC236}">
                 <a16:creationId xmlns:a16="http://schemas.microsoft.com/office/drawing/2014/main" id="{C12E70FB-89B9-E87B-C6C7-BF0B97BF7FB2}"/>
               </a:ext>
             </a:extLst>
@@ -3730,7 +4133,7 @@
 </p:sld>
 </file>
 
-<file path=ppt/slides/slide11.xml><?xml version="1.0" encoding="utf-8"?>
+<file path=ppt/slides/slide13.xml><?xml version="1.0" encoding="utf-8"?>
 <p:sld xmlns:a="http://schemas.openxmlformats.org/drawingml/2006/main" xmlns:r="http://schemas.openxmlformats.org/officeDocument/2006/relationships" xmlns:p="http://schemas.openxmlformats.org/presentationml/2006/main">
   <p:cSld>
     <p:spTree>
@@ -8130,6 +8533,998 @@
           <a:chExt cx="0" cy="0"/>
         </a:xfrm>
       </p:grpSpPr>
+      <p:sp>
+        <p:nvSpPr>
+          <p:cNvPr id="3" name="TextBox 2">
+            <a:extLst>
+              <a:ext uri="{FF2B5EF4-FFF2-40B4-BE49-F238E27FC236}">
+                <a16:creationId xmlns:a16="http://schemas.microsoft.com/office/drawing/2014/main" id="{2A886A9E-F6AA-0EB7-7065-70E9B93A01B6}"/>
+              </a:ext>
+            </a:extLst>
+          </p:cNvPr>
+          <p:cNvSpPr txBox="1"/>
+          <p:nvPr/>
+        </p:nvSpPr>
+        <p:spPr>
+          <a:xfrm>
+            <a:off x="271200" y="141402"/>
+            <a:ext cx="11747975" cy="6555641"/>
+          </a:xfrm>
+          <a:prstGeom prst="rect">
+            <a:avLst/>
+          </a:prstGeom>
+          <a:noFill/>
+        </p:spPr>
+        <p:txBody>
+          <a:bodyPr vert="horz" wrap="square">
+            <a:spAutoFit/>
+          </a:bodyPr>
+          <a:lstStyle/>
+          <a:p>
+            <a:pPr lvl="0"/>
+            <a:r>
+              <a:rPr lang="en-IN" sz="1200" b="1" dirty="0">
+                <a:highlight>
+                  <a:srgbClr val="FFFF00"/>
+                </a:highlight>
+              </a:rPr>
+              <a:t>1. Multi-level Segmentation</a:t>
+            </a:r>
+            <a:endParaRPr lang="en-IN" sz="1200" dirty="0">
+              <a:highlight>
+                <a:srgbClr val="FFFF00"/>
+              </a:highlight>
+            </a:endParaRPr>
+          </a:p>
+          <a:p>
+            <a:r>
+              <a:rPr lang="en-IN" sz="1200" dirty="0"/>
+              <a:t>RAW CLAIM → EXTRACTION (understand) → IDENTIFICATION (verify) → RESOLUTION (fix)</a:t>
+            </a:r>
+          </a:p>
+          <a:p>
+            <a:r>
+              <a:rPr lang="en-IN" sz="1200" dirty="0"/>
+              <a:t>     ↓              ↓                      ↓                      ↓</a:t>
+            </a:r>
+          </a:p>
+          <a:p>
+            <a:r>
+              <a:rPr lang="en-IN" sz="1200" dirty="0"/>
+              <a:t>"</a:t>
+            </a:r>
+            <a:r>
+              <a:rPr lang="en-IN" sz="1200" dirty="0" err="1"/>
+              <a:t>aws</a:t>
+            </a:r>
+            <a:r>
+              <a:rPr lang="en-IN" sz="1200" dirty="0"/>
+              <a:t> s3 encrypt &amp; privileged true" → "Separate commands" → "Fake command + security risk" → "s3api + secure context“</a:t>
+            </a:r>
+          </a:p>
+          <a:p>
+            <a:r>
+              <a:rPr lang="en-GB" sz="1200" b="1" dirty="0">
+                <a:solidFill>
+                  <a:schemeClr val="dk1"/>
+                </a:solidFill>
+              </a:rPr>
+              <a:t>Example</a:t>
+            </a:r>
+            <a:r>
+              <a:rPr lang="en-GB" sz="1200" dirty="0">
+                <a:solidFill>
+                  <a:schemeClr val="dk1"/>
+                </a:solidFill>
+              </a:rPr>
+              <a:t>: </a:t>
+            </a:r>
+            <a:r>
+              <a:rPr lang="en-GB" sz="1200" dirty="0" err="1">
+                <a:solidFill>
+                  <a:schemeClr val="dk1"/>
+                </a:solidFill>
+              </a:rPr>
+              <a:t>aws</a:t>
+            </a:r>
+            <a:r>
+              <a:rPr lang="en-GB" sz="1200" dirty="0">
+                <a:solidFill>
+                  <a:schemeClr val="dk1"/>
+                </a:solidFill>
+              </a:rPr>
+              <a:t> s3 encrypt → </a:t>
+            </a:r>
+            <a:r>
+              <a:rPr lang="en-GB" sz="1200" dirty="0" err="1">
+                <a:solidFill>
+                  <a:schemeClr val="dk1"/>
+                </a:solidFill>
+              </a:rPr>
+              <a:t>aws</a:t>
+            </a:r>
+            <a:r>
+              <a:rPr lang="en-GB" sz="1200" dirty="0">
+                <a:solidFill>
+                  <a:schemeClr val="dk1"/>
+                </a:solidFill>
+              </a:rPr>
+              <a:t> s3api put-bucket-encryption</a:t>
+            </a:r>
+            <a:endParaRPr lang="en-IN" sz="1200" dirty="0"/>
+          </a:p>
+          <a:p>
+            <a:r>
+              <a:rPr lang="en-IN" sz="1200" b="1" dirty="0">
+                <a:highlight>
+                  <a:srgbClr val="FFFF00"/>
+                </a:highlight>
+              </a:rPr>
+              <a:t>2. Context-aware Boundaries</a:t>
+            </a:r>
+          </a:p>
+          <a:p>
+            <a:r>
+              <a:rPr lang="en-IN" sz="1200" dirty="0"/>
+              <a:t>RAW CLAIM → EXTRACTION (understand) → IDENTIFICATION (verify) → RESOLUTION (fix)</a:t>
+            </a:r>
+          </a:p>
+          <a:p>
+            <a:r>
+              <a:rPr lang="en-IN" sz="1200" dirty="0"/>
+              <a:t>     ↓              ↓                      ↓                      ↓</a:t>
+            </a:r>
+          </a:p>
+          <a:p>
+            <a:r>
+              <a:rPr lang="en-IN" sz="1200" dirty="0"/>
+              <a:t>"yum but use dnf on AL2023" → "Split at contrast" → "Deprecated package manager" → "dnf with docker-</a:t>
+            </a:r>
+            <a:r>
+              <a:rPr lang="en-IN" sz="1200" dirty="0" err="1"/>
+              <a:t>ce</a:t>
+            </a:r>
+            <a:r>
+              <a:rPr lang="en-IN" sz="1200" dirty="0"/>
+              <a:t>“</a:t>
+            </a:r>
+          </a:p>
+          <a:p>
+            <a:r>
+              <a:rPr lang="en-GB" sz="1200" b="1" dirty="0">
+                <a:solidFill>
+                  <a:schemeClr val="dk1"/>
+                </a:solidFill>
+              </a:rPr>
+              <a:t>Example</a:t>
+            </a:r>
+            <a:r>
+              <a:rPr lang="en-GB" sz="1200" dirty="0">
+                <a:solidFill>
+                  <a:schemeClr val="dk1"/>
+                </a:solidFill>
+              </a:rPr>
+              <a:t>: </a:t>
+            </a:r>
+            <a:r>
+              <a:rPr lang="en-GB" sz="1200" dirty="0" err="1">
+                <a:solidFill>
+                  <a:schemeClr val="dk1"/>
+                </a:solidFill>
+              </a:rPr>
+              <a:t>aws</a:t>
+            </a:r>
+            <a:r>
+              <a:rPr lang="en-GB" sz="1200" dirty="0">
+                <a:solidFill>
+                  <a:schemeClr val="dk1"/>
+                </a:solidFill>
+              </a:rPr>
+              <a:t> s3 encrypt → </a:t>
+            </a:r>
+            <a:r>
+              <a:rPr lang="en-GB" sz="1200" dirty="0" err="1">
+                <a:solidFill>
+                  <a:schemeClr val="dk1"/>
+                </a:solidFill>
+              </a:rPr>
+              <a:t>aws</a:t>
+            </a:r>
+            <a:r>
+              <a:rPr lang="en-GB" sz="1200" dirty="0">
+                <a:solidFill>
+                  <a:schemeClr val="dk1"/>
+                </a:solidFill>
+              </a:rPr>
+              <a:t> s3api put-bucket-encryption</a:t>
+            </a:r>
+            <a:endParaRPr lang="en-IN" sz="1200" dirty="0"/>
+          </a:p>
+          <a:p>
+            <a:r>
+              <a:rPr lang="en-IN" sz="1200" b="1" dirty="0">
+                <a:highlight>
+                  <a:srgbClr val="FFFF00"/>
+                </a:highlight>
+              </a:rPr>
+              <a:t>3. Discourse Analysis</a:t>
+            </a:r>
+          </a:p>
+          <a:p>
+            <a:r>
+              <a:rPr lang="en-IN" sz="1200" dirty="0"/>
+              <a:t>RAW CLAIM → EXTRACTION (understand) → IDENTIFICATION (verify) → RESOLUTION (fix)</a:t>
+            </a:r>
+          </a:p>
+          <a:p>
+            <a:r>
+              <a:rPr lang="en-IN" sz="1200" dirty="0"/>
+              <a:t>     ↓              ↓                      ↓                      ↓</a:t>
+            </a:r>
+          </a:p>
+          <a:p>
+            <a:r>
+              <a:rPr lang="en-IN" sz="1200" dirty="0"/>
+              <a:t>"MFA delete because CIS requires" → "Action + justification" → "Citation misrepresentation" → "CIS recommends“</a:t>
+            </a:r>
+          </a:p>
+          <a:p>
+            <a:r>
+              <a:rPr lang="en-GB" sz="1200" b="1" dirty="0">
+                <a:solidFill>
+                  <a:schemeClr val="dk1"/>
+                </a:solidFill>
+              </a:rPr>
+              <a:t>Example</a:t>
+            </a:r>
+            <a:r>
+              <a:rPr lang="en-GB" sz="1200" dirty="0">
+                <a:solidFill>
+                  <a:schemeClr val="dk1"/>
+                </a:solidFill>
+              </a:rPr>
+              <a:t>: Removes privileged: true, adds security Context constraints</a:t>
+            </a:r>
+          </a:p>
+          <a:p>
+            <a:r>
+              <a:rPr lang="en-IN" sz="1200" b="1" dirty="0">
+                <a:highlight>
+                  <a:srgbClr val="FFFF00"/>
+                </a:highlight>
+              </a:rPr>
+              <a:t>4. Hierarchical Typing</a:t>
+            </a:r>
+          </a:p>
+          <a:p>
+            <a:r>
+              <a:rPr lang="en-IN" sz="1200" dirty="0"/>
+              <a:t>RAW CLAIM → EXTRACTION (understand) → IDENTIFICATION (verify) → RESOLUTION (fix)</a:t>
+            </a:r>
+          </a:p>
+          <a:p>
+            <a:r>
+              <a:rPr lang="en-IN" sz="1200" dirty="0"/>
+              <a:t>     ↓              ↓                      ↓                      ↓</a:t>
+            </a:r>
+          </a:p>
+          <a:p>
+            <a:r>
+              <a:rPr lang="en-IN" sz="1200" dirty="0"/>
+              <a:t>"64Mi for Java app" → "JVM memory config" → "Statistical outlier" → "512Mi baseline“</a:t>
+            </a:r>
+          </a:p>
+          <a:p>
+            <a:r>
+              <a:rPr lang="en-GB" sz="1200" b="1" dirty="0">
+                <a:solidFill>
+                  <a:schemeClr val="dk1"/>
+                </a:solidFill>
+              </a:rPr>
+              <a:t>Example</a:t>
+            </a:r>
+            <a:r>
+              <a:rPr lang="en-GB" sz="1200" dirty="0">
+                <a:solidFill>
+                  <a:schemeClr val="dk1"/>
+                </a:solidFill>
+              </a:rPr>
+              <a:t>: 64MB → 512MB for Java memory request</a:t>
+            </a:r>
+          </a:p>
+          <a:p>
+            <a:r>
+              <a:rPr lang="en-IN" sz="1200" b="1" dirty="0">
+                <a:highlight>
+                  <a:srgbClr val="FFFF00"/>
+                </a:highlight>
+              </a:rPr>
+              <a:t>5. Semantic Understanding</a:t>
+            </a:r>
+          </a:p>
+          <a:p>
+            <a:r>
+              <a:rPr lang="en-IN" sz="1200" dirty="0"/>
+              <a:t>RAW CLAIM → EXTRACTION (understand) → IDENTIFICATION (verify) → RESOLUTION (fix)</a:t>
+            </a:r>
+          </a:p>
+          <a:p>
+            <a:r>
+              <a:rPr lang="en-IN" sz="1200" dirty="0"/>
+              <a:t>     ↓              ↓                      ↓                      ↓</a:t>
+            </a:r>
+          </a:p>
+          <a:p>
+            <a:r>
+              <a:rPr lang="en-IN" sz="1200" dirty="0"/>
+              <a:t>"</a:t>
+            </a:r>
+            <a:r>
+              <a:rPr lang="en-IN" sz="1200" dirty="0" err="1"/>
+              <a:t>trivy</a:t>
+            </a:r>
+            <a:r>
+              <a:rPr lang="en-IN" sz="1200" dirty="0"/>
+              <a:t> severity CRITICAL" → "Security scan syntax" → "Missing ignore-unfixed" → "Add flag for production“</a:t>
+            </a:r>
+          </a:p>
+          <a:p>
+            <a:r>
+              <a:rPr lang="en-GB" sz="1200" b="1" dirty="0">
+                <a:solidFill>
+                  <a:schemeClr val="dk1"/>
+                </a:solidFill>
+              </a:rPr>
+              <a:t>Example</a:t>
+            </a:r>
+            <a:r>
+              <a:rPr lang="en-GB" sz="1200" dirty="0">
+                <a:solidFill>
+                  <a:schemeClr val="dk1"/>
+                </a:solidFill>
+              </a:rPr>
+              <a:t>: --severity CRITICAL → --severity CRITICAL (verified correct)</a:t>
+            </a:r>
+          </a:p>
+          <a:p>
+            <a:r>
+              <a:rPr lang="en-IN" sz="1200" b="1" dirty="0">
+                <a:highlight>
+                  <a:srgbClr val="FFFF00"/>
+                </a:highlight>
+              </a:rPr>
+              <a:t>6. Claim Context Isolation</a:t>
+            </a:r>
+          </a:p>
+          <a:p>
+            <a:r>
+              <a:rPr lang="en-IN" sz="1200" dirty="0"/>
+              <a:t>RAW CLAIM → EXTRACTION (understand) → IDENTIFICATION (verify) → RESOLUTION (fix)</a:t>
+            </a:r>
+          </a:p>
+          <a:p>
+            <a:r>
+              <a:rPr lang="en-IN" sz="1200" dirty="0"/>
+              <a:t>     ↓              ↓                      ↓                      ↓</a:t>
+            </a:r>
+          </a:p>
+          <a:p>
+            <a:r>
+              <a:rPr lang="en-IN" sz="1200" dirty="0"/>
+              <a:t>"CIS requires MFA delete" → "Separate fact from citation" → "Source language error" → "CIS recommends“</a:t>
+            </a:r>
+          </a:p>
+          <a:p>
+            <a:r>
+              <a:rPr lang="en-IN" sz="1200" b="1" dirty="0">
+                <a:solidFill>
+                  <a:schemeClr val="dk1"/>
+                </a:solidFill>
+              </a:rPr>
+              <a:t>Example</a:t>
+            </a:r>
+            <a:r>
+              <a:rPr lang="en-IN" sz="1200" dirty="0">
+                <a:solidFill>
+                  <a:schemeClr val="dk1"/>
+                </a:solidFill>
+              </a:rPr>
+              <a:t>: Explains PCI DSS recommendation vs requirement status</a:t>
+            </a:r>
+          </a:p>
+          <a:p>
+            <a:r>
+              <a:rPr lang="en-IN" sz="1200" b="1" dirty="0">
+                <a:highlight>
+                  <a:srgbClr val="FFFF00"/>
+                </a:highlight>
+              </a:rPr>
+              <a:t>7. Logical Flow Analysis</a:t>
+            </a:r>
+          </a:p>
+          <a:p>
+            <a:r>
+              <a:rPr lang="en-IN" sz="1200" dirty="0"/>
+              <a:t>RAW CLAIM → EXTRACTION (understand) → IDENTIFICATION (verify) → RESOLUTION (fix)</a:t>
+            </a:r>
+          </a:p>
+          <a:p>
+            <a:r>
+              <a:rPr lang="en-IN" sz="1200" dirty="0"/>
+              <a:t>     ↓              ↓                      ↓                      ↓</a:t>
+            </a:r>
+          </a:p>
+          <a:p>
+            <a:r>
+              <a:rPr lang="en-IN" sz="1200" dirty="0"/>
+              <a:t>"if $CI_COMMIT_TAG" → "Conditional logic" → "Unreliable variable" → "Pattern matching“</a:t>
+            </a:r>
+          </a:p>
+          <a:p>
+            <a:r>
+              <a:rPr lang="en-GB" sz="1200" b="1" dirty="0">
+                <a:solidFill>
+                  <a:schemeClr val="dk1"/>
+                </a:solidFill>
+              </a:rPr>
+              <a:t>Example</a:t>
+            </a:r>
+            <a:r>
+              <a:rPr lang="en-GB" sz="1200" dirty="0">
+                <a:solidFill>
+                  <a:schemeClr val="dk1"/>
+                </a:solidFill>
+              </a:rPr>
+              <a:t>: Enhanced GitLab CI rules for tag detection</a:t>
+            </a:r>
+            <a:endParaRPr lang="en-IN" sz="1200" dirty="0"/>
+          </a:p>
+        </p:txBody>
+      </p:sp>
+    </p:spTree>
+    <p:extLst>
+      <p:ext uri="{BB962C8B-B14F-4D97-AF65-F5344CB8AC3E}">
+        <p14:creationId xmlns:p14="http://schemas.microsoft.com/office/powerpoint/2010/main" val="71585175"/>
+      </p:ext>
+    </p:extLst>
+  </p:cSld>
+  <p:clrMapOvr>
+    <a:masterClrMapping/>
+  </p:clrMapOvr>
+</p:sld>
+</file>
+
+<file path=ppt/slides/slide7.xml><?xml version="1.0" encoding="utf-8"?>
+<p:sld xmlns:a="http://schemas.openxmlformats.org/drawingml/2006/main" xmlns:r="http://schemas.openxmlformats.org/officeDocument/2006/relationships" xmlns:p="http://schemas.openxmlformats.org/presentationml/2006/main">
+  <p:cSld>
+    <p:spTree>
+      <p:nvGrpSpPr>
+        <p:cNvPr id="1" name=""/>
+        <p:cNvGrpSpPr/>
+        <p:nvPr/>
+      </p:nvGrpSpPr>
+      <p:grpSpPr>
+        <a:xfrm>
+          <a:off x="0" y="0"/>
+          <a:ext cx="0" cy="0"/>
+          <a:chOff x="0" y="0"/>
+          <a:chExt cx="0" cy="0"/>
+        </a:xfrm>
+      </p:grpSpPr>
+      <p:sp>
+        <p:nvSpPr>
+          <p:cNvPr id="3" name="TextBox 2">
+            <a:extLst>
+              <a:ext uri="{FF2B5EF4-FFF2-40B4-BE49-F238E27FC236}">
+                <a16:creationId xmlns:a16="http://schemas.microsoft.com/office/drawing/2014/main" id="{782B068B-265E-DEC2-0B15-DFA8EC73D8F3}"/>
+              </a:ext>
+            </a:extLst>
+          </p:cNvPr>
+          <p:cNvSpPr txBox="1"/>
+          <p:nvPr/>
+        </p:nvSpPr>
+        <p:spPr>
+          <a:xfrm>
+            <a:off x="0" y="103695"/>
+            <a:ext cx="12191999" cy="6818533"/>
+          </a:xfrm>
+          <a:prstGeom prst="rect">
+            <a:avLst/>
+          </a:prstGeom>
+          <a:noFill/>
+        </p:spPr>
+        <p:txBody>
+          <a:bodyPr wrap="square">
+            <a:spAutoFit/>
+          </a:bodyPr>
+          <a:lstStyle/>
+          <a:p>
+            <a:pPr algn="l">
+              <a:lnSpc>
+                <a:spcPts val="2400"/>
+              </a:lnSpc>
+              <a:spcBef>
+                <a:spcPts val="2400"/>
+              </a:spcBef>
+              <a:spcAft>
+                <a:spcPts val="1200"/>
+              </a:spcAft>
+              <a:buNone/>
+            </a:pPr>
+            <a:r>
+              <a:rPr lang="en-IN" b="1" i="0" dirty="0">
+                <a:solidFill>
+                  <a:srgbClr val="0F1115"/>
+                </a:solidFill>
+                <a:effectLst/>
+                <a:latin typeface="quote-cjk-patch"/>
+              </a:rPr>
+              <a:t>1. Segmentation</a:t>
+            </a:r>
+            <a:r>
+              <a:rPr lang="en-IN" b="0" i="0" dirty="0">
+                <a:solidFill>
+                  <a:srgbClr val="0F1115"/>
+                </a:solidFill>
+                <a:effectLst/>
+                <a:latin typeface="quote-cjk-patch"/>
+              </a:rPr>
+              <a:t>: </a:t>
+            </a:r>
+            <a:r>
+              <a:rPr lang="en-IN" b="0" i="0" dirty="0">
+                <a:solidFill>
+                  <a:srgbClr val="0F1115"/>
+                </a:solidFill>
+                <a:effectLst/>
+                <a:latin typeface="Menlo"/>
+              </a:rPr>
+              <a:t>Multiple commands → Separate claims → Verify individually → Fix each</a:t>
+            </a:r>
+          </a:p>
+          <a:p>
+            <a:pPr algn="l">
+              <a:lnSpc>
+                <a:spcPts val="1650"/>
+              </a:lnSpc>
+              <a:spcBef>
+                <a:spcPts val="1200"/>
+              </a:spcBef>
+              <a:spcAft>
+                <a:spcPts val="1200"/>
+              </a:spcAft>
+            </a:pPr>
+            <a:r>
+              <a:rPr lang="en-GB" dirty="0"/>
+              <a:t>"</a:t>
+            </a:r>
+            <a:r>
+              <a:rPr lang="en-GB" dirty="0" err="1"/>
+              <a:t>aws</a:t>
+            </a:r>
+            <a:r>
+              <a:rPr lang="en-GB" dirty="0"/>
+              <a:t> s3 encrypt &amp; privileged true" → "Separate security commands" → "Fake command + security violation" → "s3api encryption + secure context"</a:t>
+            </a:r>
+          </a:p>
+          <a:p>
+            <a:pPr algn="l">
+              <a:lnSpc>
+                <a:spcPts val="1650"/>
+              </a:lnSpc>
+              <a:spcBef>
+                <a:spcPts val="450"/>
+              </a:spcBef>
+              <a:spcAft>
+                <a:spcPts val="1200"/>
+              </a:spcAft>
+            </a:pPr>
+            <a:r>
+              <a:rPr lang="en-IN" b="1" i="0" dirty="0">
+                <a:solidFill>
+                  <a:srgbClr val="0F1115"/>
+                </a:solidFill>
+                <a:effectLst/>
+                <a:latin typeface="quote-cjk-patch"/>
+              </a:rPr>
+              <a:t>2. Boundaries</a:t>
+            </a:r>
+            <a:r>
+              <a:rPr lang="en-IN" b="0" i="0" dirty="0">
+                <a:solidFill>
+                  <a:srgbClr val="0F1115"/>
+                </a:solidFill>
+                <a:effectLst/>
+                <a:latin typeface="quote-cjk-patch"/>
+              </a:rPr>
+              <a:t>: </a:t>
+            </a:r>
+            <a:r>
+              <a:rPr lang="en-IN" b="0" i="0" dirty="0">
+                <a:solidFill>
+                  <a:srgbClr val="0F1115"/>
+                </a:solidFill>
+                <a:effectLst/>
+                <a:latin typeface="Menlo"/>
+              </a:rPr>
+              <a:t>Contrasting contexts → Split correctly → Temporal errors → Update to current</a:t>
+            </a:r>
+          </a:p>
+          <a:p>
+            <a:pPr>
+              <a:lnSpc>
+                <a:spcPts val="1650"/>
+              </a:lnSpc>
+              <a:spcBef>
+                <a:spcPts val="450"/>
+              </a:spcBef>
+              <a:spcAft>
+                <a:spcPts val="1200"/>
+              </a:spcAft>
+            </a:pPr>
+            <a:r>
+              <a:rPr lang="en-IN" dirty="0"/>
+              <a:t>"yum on AL2023 but use dnf" → "Split legacy vs current" → "Deprecated package manager" → "dnf with docker-</a:t>
+            </a:r>
+            <a:r>
+              <a:rPr lang="en-IN" dirty="0" err="1"/>
+              <a:t>ce</a:t>
+            </a:r>
+            <a:r>
+              <a:rPr lang="en-IN" dirty="0"/>
+              <a:t> packages"</a:t>
+            </a:r>
+          </a:p>
+          <a:p>
+            <a:pPr algn="l">
+              <a:lnSpc>
+                <a:spcPts val="1650"/>
+              </a:lnSpc>
+              <a:spcBef>
+                <a:spcPts val="450"/>
+              </a:spcBef>
+              <a:spcAft>
+                <a:spcPts val="1200"/>
+              </a:spcAft>
+            </a:pPr>
+            <a:r>
+              <a:rPr lang="en-IN" b="1" i="0" dirty="0">
+                <a:solidFill>
+                  <a:srgbClr val="0F1115"/>
+                </a:solidFill>
+                <a:effectLst/>
+                <a:latin typeface="quote-cjk-patch"/>
+              </a:rPr>
+              <a:t>3. Discourse</a:t>
+            </a:r>
+            <a:r>
+              <a:rPr lang="en-IN" b="0" i="0" dirty="0">
+                <a:solidFill>
+                  <a:srgbClr val="0F1115"/>
+                </a:solidFill>
+                <a:effectLst/>
+                <a:latin typeface="quote-cjk-patch"/>
+              </a:rPr>
+              <a:t>: </a:t>
+            </a:r>
+            <a:r>
+              <a:rPr lang="en-IN" b="0" i="0" dirty="0">
+                <a:solidFill>
+                  <a:srgbClr val="0F1115"/>
+                </a:solidFill>
+                <a:effectLst/>
+                <a:latin typeface="Menlo"/>
+              </a:rPr>
+              <a:t>Claim + justification → Map relationships → Citation errors → Accurate references</a:t>
+            </a:r>
+          </a:p>
+          <a:p>
+            <a:pPr>
+              <a:lnSpc>
+                <a:spcPts val="1650"/>
+              </a:lnSpc>
+              <a:spcBef>
+                <a:spcPts val="450"/>
+              </a:spcBef>
+              <a:spcAft>
+                <a:spcPts val="1200"/>
+              </a:spcAft>
+            </a:pPr>
+            <a:r>
+              <a:rPr lang="en-GB" dirty="0"/>
+              <a:t>"MFA delete because CIS requires" → "Action with justification" → "Citation error: recommends not requires" → "MFA delete with accurate citation"</a:t>
+            </a:r>
+          </a:p>
+          <a:p>
+            <a:pPr algn="l">
+              <a:lnSpc>
+                <a:spcPts val="1650"/>
+              </a:lnSpc>
+              <a:spcBef>
+                <a:spcPts val="450"/>
+              </a:spcBef>
+              <a:spcAft>
+                <a:spcPts val="1200"/>
+              </a:spcAft>
+            </a:pPr>
+            <a:r>
+              <a:rPr lang="en-IN" b="1" i="0" dirty="0">
+                <a:solidFill>
+                  <a:srgbClr val="0F1115"/>
+                </a:solidFill>
+                <a:effectLst/>
+                <a:latin typeface="quote-cjk-patch"/>
+              </a:rPr>
+              <a:t>4. Typing</a:t>
+            </a:r>
+            <a:r>
+              <a:rPr lang="en-IN" b="0" i="0" dirty="0">
+                <a:solidFill>
+                  <a:srgbClr val="0F1115"/>
+                </a:solidFill>
+                <a:effectLst/>
+                <a:latin typeface="quote-cjk-patch"/>
+              </a:rPr>
+              <a:t>: </a:t>
+            </a:r>
+            <a:r>
+              <a:rPr lang="en-IN" b="0" i="0" dirty="0">
+                <a:solidFill>
+                  <a:srgbClr val="0F1115"/>
+                </a:solidFill>
+                <a:effectLst/>
+                <a:latin typeface="Menlo"/>
+              </a:rPr>
+              <a:t>Generic claim → Specific category → Statistical errors → Realistic values</a:t>
+            </a:r>
+          </a:p>
+          <a:p>
+            <a:pPr>
+              <a:lnSpc>
+                <a:spcPts val="1650"/>
+              </a:lnSpc>
+              <a:spcBef>
+                <a:spcPts val="450"/>
+              </a:spcBef>
+              <a:spcAft>
+                <a:spcPts val="1200"/>
+              </a:spcAft>
+            </a:pPr>
+            <a:r>
+              <a:rPr lang="en-IN" dirty="0"/>
+              <a:t>"64Mi for Java app" → "JVM memory configuration" → "Statistical outlier - too low" → "512Mi typical JVM baseline"</a:t>
+            </a:r>
+          </a:p>
+          <a:p>
+            <a:pPr algn="l">
+              <a:lnSpc>
+                <a:spcPts val="1650"/>
+              </a:lnSpc>
+              <a:spcBef>
+                <a:spcPts val="450"/>
+              </a:spcBef>
+              <a:spcAft>
+                <a:spcPts val="1200"/>
+              </a:spcAft>
+            </a:pPr>
+            <a:r>
+              <a:rPr lang="en-IN" b="1" i="0" dirty="0">
+                <a:solidFill>
+                  <a:srgbClr val="0F1115"/>
+                </a:solidFill>
+                <a:effectLst/>
+                <a:latin typeface="quote-cjk-patch"/>
+              </a:rPr>
+              <a:t>5. Semantic</a:t>
+            </a:r>
+            <a:r>
+              <a:rPr lang="en-IN" b="0" i="0" dirty="0">
+                <a:solidFill>
+                  <a:srgbClr val="0F1115"/>
+                </a:solidFill>
+                <a:effectLst/>
+                <a:latin typeface="quote-cjk-patch"/>
+              </a:rPr>
+              <a:t>: </a:t>
+            </a:r>
+            <a:r>
+              <a:rPr lang="en-IN" b="0" i="0" dirty="0">
+                <a:solidFill>
+                  <a:srgbClr val="0F1115"/>
+                </a:solidFill>
+                <a:effectLst/>
+                <a:latin typeface="Menlo"/>
+              </a:rPr>
+              <a:t>Command syntax → Deep parsing → Partial truths → Complete commands</a:t>
+            </a:r>
+          </a:p>
+          <a:p>
+            <a:pPr>
+              <a:lnSpc>
+                <a:spcPts val="1650"/>
+              </a:lnSpc>
+              <a:spcBef>
+                <a:spcPts val="450"/>
+              </a:spcBef>
+              <a:spcAft>
+                <a:spcPts val="1200"/>
+              </a:spcAft>
+            </a:pPr>
+            <a:r>
+              <a:rPr lang="en-GB" dirty="0"/>
+              <a:t>"</a:t>
+            </a:r>
+            <a:r>
+              <a:rPr lang="en-GB" dirty="0" err="1"/>
+              <a:t>trivy</a:t>
+            </a:r>
+            <a:r>
+              <a:rPr lang="en-GB" dirty="0"/>
+              <a:t> severity CRITICAL" → "Security scan command" → "Missing --ignore-unfixed flag" → "Add flag for actionable results"</a:t>
+            </a:r>
+          </a:p>
+          <a:p>
+            <a:pPr algn="l">
+              <a:lnSpc>
+                <a:spcPts val="1650"/>
+              </a:lnSpc>
+              <a:spcBef>
+                <a:spcPts val="450"/>
+              </a:spcBef>
+              <a:spcAft>
+                <a:spcPts val="1200"/>
+              </a:spcAft>
+            </a:pPr>
+            <a:r>
+              <a:rPr lang="en-IN" b="1" i="0" dirty="0">
+                <a:solidFill>
+                  <a:srgbClr val="0F1115"/>
+                </a:solidFill>
+                <a:effectLst/>
+                <a:latin typeface="quote-cjk-patch"/>
+              </a:rPr>
+              <a:t>6. Isolation</a:t>
+            </a:r>
+            <a:r>
+              <a:rPr lang="en-IN" b="0" i="0" dirty="0">
+                <a:solidFill>
+                  <a:srgbClr val="0F1115"/>
+                </a:solidFill>
+                <a:effectLst/>
+                <a:latin typeface="quote-cjk-patch"/>
+              </a:rPr>
+              <a:t>: </a:t>
+            </a:r>
+            <a:r>
+              <a:rPr lang="en-IN" b="0" i="0" dirty="0">
+                <a:solidFill>
+                  <a:srgbClr val="0F1115"/>
+                </a:solidFill>
+                <a:effectLst/>
+                <a:latin typeface="Menlo"/>
+              </a:rPr>
+              <a:t>Mixed statement → Separate facts/citations → Source errors → Accurate attributions</a:t>
+            </a:r>
+          </a:p>
+          <a:p>
+            <a:pPr>
+              <a:lnSpc>
+                <a:spcPts val="1650"/>
+              </a:lnSpc>
+              <a:spcBef>
+                <a:spcPts val="450"/>
+              </a:spcBef>
+              <a:spcAft>
+                <a:spcPts val="1200"/>
+              </a:spcAft>
+            </a:pPr>
+            <a:r>
+              <a:rPr lang="en-GB" dirty="0"/>
+              <a:t>"CIS requires MFA delete" → "Separate technical from reference" → "Citation misrepresentation" → "CIS recommends (optional)“</a:t>
+            </a:r>
+          </a:p>
+          <a:p>
+            <a:pPr algn="l">
+              <a:lnSpc>
+                <a:spcPts val="1650"/>
+              </a:lnSpc>
+              <a:spcBef>
+                <a:spcPts val="450"/>
+              </a:spcBef>
+              <a:spcAft>
+                <a:spcPts val="1200"/>
+              </a:spcAft>
+            </a:pPr>
+            <a:r>
+              <a:rPr lang="en-GB" b="1" i="0" dirty="0">
+                <a:solidFill>
+                  <a:srgbClr val="0F1115"/>
+                </a:solidFill>
+                <a:effectLst/>
+                <a:latin typeface="quote-cjk-patch"/>
+              </a:rPr>
+              <a:t>7. </a:t>
+            </a:r>
+            <a:r>
+              <a:rPr lang="en-IN" b="1" i="0" dirty="0">
+                <a:solidFill>
+                  <a:srgbClr val="0F1115"/>
+                </a:solidFill>
+                <a:effectLst/>
+                <a:latin typeface="quote-cjk-patch"/>
+              </a:rPr>
+              <a:t>Logical</a:t>
+            </a:r>
+            <a:r>
+              <a:rPr lang="en-IN" b="0" i="0" dirty="0">
+                <a:solidFill>
+                  <a:srgbClr val="0F1115"/>
+                </a:solidFill>
+                <a:effectLst/>
+                <a:latin typeface="quote-cjk-patch"/>
+              </a:rPr>
+              <a:t>: </a:t>
+            </a:r>
+            <a:r>
+              <a:rPr lang="en-IN" b="0" i="0" dirty="0">
+                <a:solidFill>
+                  <a:srgbClr val="0F1115"/>
+                </a:solidFill>
+                <a:effectLst/>
+                <a:latin typeface="Menlo"/>
+              </a:rPr>
+              <a:t>Conditional logic → Analyze reliability → Logic errors → Robust patterns</a:t>
+            </a:r>
+          </a:p>
+          <a:p>
+            <a:pPr>
+              <a:lnSpc>
+                <a:spcPts val="1650"/>
+              </a:lnSpc>
+              <a:spcBef>
+                <a:spcPts val="450"/>
+              </a:spcBef>
+              <a:spcAft>
+                <a:spcPts val="1200"/>
+              </a:spcAft>
+            </a:pPr>
+            <a:r>
+              <a:rPr lang="en-GB" dirty="0"/>
+              <a:t>"if $CI_COMMIT_TAG" → "Conditional deployment logic" → "Unreliable variable usage" → "Pattern matching for reliability"</a:t>
+            </a:r>
+          </a:p>
+        </p:txBody>
+      </p:sp>
+    </p:spTree>
+    <p:extLst>
+      <p:ext uri="{BB962C8B-B14F-4D97-AF65-F5344CB8AC3E}">
+        <p14:creationId xmlns:p14="http://schemas.microsoft.com/office/powerpoint/2010/main" val="4115270480"/>
+      </p:ext>
+    </p:extLst>
+  </p:cSld>
+  <p:clrMapOvr>
+    <a:masterClrMapping/>
+  </p:clrMapOvr>
+</p:sld>
+</file>
+
+<file path=ppt/slides/slide8.xml><?xml version="1.0" encoding="utf-8"?>
+<p:sld xmlns:a="http://schemas.openxmlformats.org/drawingml/2006/main" xmlns:r="http://schemas.openxmlformats.org/officeDocument/2006/relationships" xmlns:p="http://schemas.openxmlformats.org/presentationml/2006/main">
+  <p:cSld>
+    <p:spTree>
+      <p:nvGrpSpPr>
+        <p:cNvPr id="1" name=""/>
+        <p:cNvGrpSpPr/>
+        <p:nvPr/>
+      </p:nvGrpSpPr>
+      <p:grpSpPr>
+        <a:xfrm>
+          <a:off x="0" y="0"/>
+          <a:ext cx="0" cy="0"/>
+          <a:chOff x="0" y="0"/>
+          <a:chExt cx="0" cy="0"/>
+        </a:xfrm>
+      </p:grpSpPr>
       <p:graphicFrame>
         <p:nvGraphicFramePr>
           <p:cNvPr id="2" name="Table 1">
@@ -8586,12 +9981,12 @@
                         <a:buNone/>
                       </a:pPr>
                       <a:r>
-                        <a:rPr lang="en-IN" sz="1100" kern="100">
+                        <a:rPr lang="en-IN" sz="1100" kern="100" dirty="0">
                           <a:effectLst/>
                         </a:rPr>
                         <a:t>Proactively suggests dnf for Amazon Linux 2023 contexts</a:t>
                       </a:r>
-                      <a:endParaRPr lang="en-IN" sz="1100" kern="100">
+                      <a:endParaRPr lang="en-IN" sz="1100" kern="100" dirty="0">
                         <a:effectLst/>
                         <a:latin typeface="Calibri" panose="020F0502020204030204" pitchFamily="34" charset="0"/>
                         <a:ea typeface="Calibri" panose="020F0502020204030204" pitchFamily="34" charset="0"/>
@@ -8866,7 +10261,7 @@
 </p:sld>
 </file>
 
-<file path=ppt/slides/slide7.xml><?xml version="1.0" encoding="utf-8"?>
+<file path=ppt/slides/slide9.xml><?xml version="1.0" encoding="utf-8"?>
 <p:sld xmlns:a="http://schemas.openxmlformats.org/drawingml/2006/main" xmlns:r="http://schemas.openxmlformats.org/officeDocument/2006/relationships" xmlns:p="http://schemas.openxmlformats.org/presentationml/2006/main">
   <p:cSld>
     <p:spTree>
@@ -8917,407 +10312,6 @@
     <p:extLst>
       <p:ext uri="{BB962C8B-B14F-4D97-AF65-F5344CB8AC3E}">
         <p14:creationId xmlns:p14="http://schemas.microsoft.com/office/powerpoint/2010/main" val="2838695008"/>
-      </p:ext>
-    </p:extLst>
-  </p:cSld>
-  <p:clrMapOvr>
-    <a:masterClrMapping/>
-  </p:clrMapOvr>
-</p:sld>
-</file>
-
-<file path=ppt/slides/slide8.xml><?xml version="1.0" encoding="utf-8"?>
-<p:sld xmlns:a="http://schemas.openxmlformats.org/drawingml/2006/main" xmlns:r="http://schemas.openxmlformats.org/officeDocument/2006/relationships" xmlns:p="http://schemas.openxmlformats.org/presentationml/2006/main">
-  <p:cSld>
-    <p:spTree>
-      <p:nvGrpSpPr>
-        <p:cNvPr id="1" name=""/>
-        <p:cNvGrpSpPr/>
-        <p:nvPr/>
-      </p:nvGrpSpPr>
-      <p:grpSpPr>
-        <a:xfrm>
-          <a:off x="0" y="0"/>
-          <a:ext cx="0" cy="0"/>
-          <a:chOff x="0" y="0"/>
-          <a:chExt cx="0" cy="0"/>
-        </a:xfrm>
-      </p:grpSpPr>
-      <p:pic>
-        <p:nvPicPr>
-          <p:cNvPr id="3" name="Picture 2">
-            <a:extLst>
-              <a:ext uri="{FF2B5EF4-FFF2-40B4-BE49-F238E27FC236}">
-                <a16:creationId xmlns:a16="http://schemas.microsoft.com/office/drawing/2014/main" id="{C1C2B21D-7D7F-3380-A39A-A7F5C07557E7}"/>
-              </a:ext>
-            </a:extLst>
-          </p:cNvPr>
-          <p:cNvPicPr>
-            <a:picLocks noChangeAspect="1"/>
-          </p:cNvPicPr>
-          <p:nvPr/>
-        </p:nvPicPr>
-        <p:blipFill>
-          <a:blip r:embed="rId2"/>
-          <a:stretch>
-            <a:fillRect/>
-          </a:stretch>
-        </p:blipFill>
-        <p:spPr>
-          <a:xfrm>
-            <a:off x="320510" y="0"/>
-            <a:ext cx="11519555" cy="6858000"/>
-          </a:xfrm>
-          <a:prstGeom prst="rect">
-            <a:avLst/>
-          </a:prstGeom>
-        </p:spPr>
-      </p:pic>
-    </p:spTree>
-    <p:extLst>
-      <p:ext uri="{BB962C8B-B14F-4D97-AF65-F5344CB8AC3E}">
-        <p14:creationId xmlns:p14="http://schemas.microsoft.com/office/powerpoint/2010/main" val="1333697852"/>
-      </p:ext>
-    </p:extLst>
-  </p:cSld>
-  <p:clrMapOvr>
-    <a:masterClrMapping/>
-  </p:clrMapOvr>
-</p:sld>
-</file>
-
-<file path=ppt/slides/slide9.xml><?xml version="1.0" encoding="utf-8"?>
-<p:sld xmlns:a="http://schemas.openxmlformats.org/drawingml/2006/main" xmlns:r="http://schemas.openxmlformats.org/officeDocument/2006/relationships" xmlns:p="http://schemas.openxmlformats.org/presentationml/2006/main">
-  <p:cSld>
-    <p:spTree>
-      <p:nvGrpSpPr>
-        <p:cNvPr id="1" name=""/>
-        <p:cNvGrpSpPr/>
-        <p:nvPr/>
-      </p:nvGrpSpPr>
-      <p:grpSpPr>
-        <a:xfrm>
-          <a:off x="0" y="0"/>
-          <a:ext cx="0" cy="0"/>
-          <a:chOff x="0" y="0"/>
-          <a:chExt cx="0" cy="0"/>
-        </a:xfrm>
-      </p:grpSpPr>
-      <p:sp>
-        <p:nvSpPr>
-          <p:cNvPr id="3" name="TextBox 2">
-            <a:extLst>
-              <a:ext uri="{FF2B5EF4-FFF2-40B4-BE49-F238E27FC236}">
-                <a16:creationId xmlns:a16="http://schemas.microsoft.com/office/drawing/2014/main" id="{34BEC984-CCFD-BD77-37E8-5FEA7930EC06}"/>
-              </a:ext>
-            </a:extLst>
-          </p:cNvPr>
-          <p:cNvSpPr txBox="1"/>
-          <p:nvPr/>
-        </p:nvSpPr>
-        <p:spPr>
-          <a:xfrm>
-            <a:off x="707010" y="780631"/>
-            <a:ext cx="8434633" cy="5578450"/>
-          </a:xfrm>
-          <a:prstGeom prst="rect">
-            <a:avLst/>
-          </a:prstGeom>
-          <a:noFill/>
-        </p:spPr>
-        <p:txBody>
-          <a:bodyPr wrap="square">
-            <a:spAutoFit/>
-          </a:bodyPr>
-          <a:lstStyle/>
-          <a:p>
-            <a:pPr algn="l">
-              <a:lnSpc>
-                <a:spcPts val="2400"/>
-              </a:lnSpc>
-              <a:spcBef>
-                <a:spcPts val="2400"/>
-              </a:spcBef>
-              <a:spcAft>
-                <a:spcPts val="1200"/>
-              </a:spcAft>
-              <a:buNone/>
-            </a:pPr>
-            <a:r>
-              <a:rPr lang="en-GB" b="1" dirty="0">
-                <a:solidFill>
-                  <a:srgbClr val="0F1115"/>
-                </a:solidFill>
-                <a:effectLst/>
-                <a:latin typeface="quote-cjk-patch"/>
-              </a:rPr>
-              <a:t>Key Insight:</a:t>
-            </a:r>
-          </a:p>
-          <a:p>
-            <a:pPr algn="l">
-              <a:spcBef>
-                <a:spcPts val="1200"/>
-              </a:spcBef>
-              <a:spcAft>
-                <a:spcPts val="1200"/>
-              </a:spcAft>
-              <a:buNone/>
-            </a:pPr>
-            <a:r>
-              <a:rPr lang="en-GB" b="0" i="0" dirty="0">
-                <a:solidFill>
-                  <a:srgbClr val="0F1115"/>
-                </a:solidFill>
-                <a:effectLst/>
-                <a:latin typeface="quote-cjk-patch"/>
-              </a:rPr>
-              <a:t>The </a:t>
-            </a:r>
-            <a:r>
-              <a:rPr lang="en-GB" b="1" i="0" dirty="0">
-                <a:solidFill>
-                  <a:srgbClr val="0F1115"/>
-                </a:solidFill>
-                <a:effectLst/>
-                <a:latin typeface="quote-cjk-patch"/>
-              </a:rPr>
-              <a:t>Multi-dim Validation</a:t>
-            </a:r>
-            <a:r>
-              <a:rPr lang="en-GB" b="0" i="0" dirty="0">
-                <a:solidFill>
-                  <a:srgbClr val="0F1115"/>
-                </a:solidFill>
-                <a:effectLst/>
-                <a:latin typeface="quote-cjk-patch"/>
-              </a:rPr>
-              <a:t> layer provides the </a:t>
-            </a:r>
-            <a:r>
-              <a:rPr lang="en-GB" b="1" i="0" dirty="0">
-                <a:solidFill>
-                  <a:srgbClr val="0F1115"/>
-                </a:solidFill>
-                <a:effectLst/>
-                <a:latin typeface="quote-cjk-patch"/>
-              </a:rPr>
-              <a:t>analytical foundation</a:t>
-            </a:r>
-            <a:r>
-              <a:rPr lang="en-GB" b="0" i="0" dirty="0">
-                <a:solidFill>
-                  <a:srgbClr val="0F1115"/>
-                </a:solidFill>
-                <a:effectLst/>
-                <a:latin typeface="quote-cjk-patch"/>
-              </a:rPr>
-              <a:t> that enables the specialized detectors to be so precise. Instead of each detector working in isolation, they all leverage these four verification dimensions, making the identification system:</a:t>
-            </a:r>
-          </a:p>
-          <a:p>
-            <a:pPr algn="l">
-              <a:spcBef>
-                <a:spcPts val="1200"/>
-              </a:spcBef>
-              <a:spcAft>
-                <a:spcPts val="1200"/>
-              </a:spcAft>
-              <a:buFont typeface="Arial" panose="020B0604020202020204" pitchFamily="34" charset="0"/>
-              <a:buChar char="•"/>
-            </a:pPr>
-            <a:r>
-              <a:rPr lang="en-GB" b="1" i="0" dirty="0">
-                <a:solidFill>
-                  <a:srgbClr val="0F1115"/>
-                </a:solidFill>
-                <a:effectLst/>
-                <a:latin typeface="quote-cjk-patch"/>
-              </a:rPr>
-              <a:t>More robust</a:t>
-            </a:r>
-            <a:r>
-              <a:rPr lang="en-GB" b="0" i="0" dirty="0">
-                <a:solidFill>
-                  <a:srgbClr val="0F1115"/>
-                </a:solidFill>
-                <a:effectLst/>
-                <a:latin typeface="quote-cjk-patch"/>
-              </a:rPr>
-              <a:t> (multiple validation angles)</a:t>
-            </a:r>
-          </a:p>
-          <a:p>
-            <a:pPr algn="l">
-              <a:spcBef>
-                <a:spcPts val="450"/>
-              </a:spcBef>
-              <a:spcAft>
-                <a:spcPts val="1200"/>
-              </a:spcAft>
-              <a:buFont typeface="Arial" panose="020B0604020202020204" pitchFamily="34" charset="0"/>
-              <a:buChar char="•"/>
-            </a:pPr>
-            <a:r>
-              <a:rPr lang="en-GB" b="1" i="0" dirty="0">
-                <a:solidFill>
-                  <a:srgbClr val="0F1115"/>
-                </a:solidFill>
-                <a:effectLst/>
-                <a:latin typeface="quote-cjk-patch"/>
-              </a:rPr>
-              <a:t>More accurate</a:t>
-            </a:r>
-            <a:r>
-              <a:rPr lang="en-GB" b="0" i="0" dirty="0">
-                <a:solidFill>
-                  <a:srgbClr val="0F1115"/>
-                </a:solidFill>
-                <a:effectLst/>
-                <a:latin typeface="quote-cjk-patch"/>
-              </a:rPr>
-              <a:t> (cross-dimensional consistency checking)</a:t>
-            </a:r>
-          </a:p>
-          <a:p>
-            <a:pPr algn="l">
-              <a:spcBef>
-                <a:spcPts val="450"/>
-              </a:spcBef>
-              <a:spcAft>
-                <a:spcPts val="1200"/>
-              </a:spcAft>
-              <a:buFont typeface="Arial" panose="020B0604020202020204" pitchFamily="34" charset="0"/>
-              <a:buChar char="•"/>
-            </a:pPr>
-            <a:r>
-              <a:rPr lang="en-GB" b="1" i="0" dirty="0">
-                <a:solidFill>
-                  <a:srgbClr val="0F1115"/>
-                </a:solidFill>
-                <a:effectLst/>
-                <a:latin typeface="quote-cjk-patch"/>
-              </a:rPr>
-              <a:t>More scalable</a:t>
-            </a:r>
-            <a:r>
-              <a:rPr lang="en-GB" b="0" i="0" dirty="0">
-                <a:solidFill>
-                  <a:srgbClr val="0F1115"/>
-                </a:solidFill>
-                <a:effectLst/>
-                <a:latin typeface="quote-cjk-patch"/>
-              </a:rPr>
-              <a:t> (reusable validation patterns)</a:t>
-            </a:r>
-          </a:p>
-          <a:p>
-            <a:pPr algn="l">
-              <a:spcBef>
-                <a:spcPts val="450"/>
-              </a:spcBef>
-              <a:spcAft>
-                <a:spcPts val="1200"/>
-              </a:spcAft>
-              <a:buFont typeface="Arial" panose="020B0604020202020204" pitchFamily="34" charset="0"/>
-              <a:buChar char="•"/>
-            </a:pPr>
-            <a:r>
-              <a:rPr lang="en-GB" b="1" i="0" dirty="0">
-                <a:solidFill>
-                  <a:srgbClr val="0F1115"/>
-                </a:solidFill>
-                <a:effectLst/>
-                <a:latin typeface="quote-cjk-patch"/>
-              </a:rPr>
-              <a:t>More explainable</a:t>
-            </a:r>
-            <a:r>
-              <a:rPr lang="en-GB" b="0" i="0" dirty="0">
-                <a:solidFill>
-                  <a:srgbClr val="0F1115"/>
-                </a:solidFill>
-                <a:effectLst/>
-                <a:latin typeface="quote-cjk-patch"/>
-              </a:rPr>
-              <a:t> (clear which dimension detected the issue)</a:t>
-            </a:r>
-          </a:p>
-          <a:p>
-            <a:r>
-              <a:rPr lang="en-IN" b="1" dirty="0"/>
-              <a:t>Multi-dim Validation Applied:</a:t>
-            </a:r>
-          </a:p>
-          <a:p>
-            <a:r>
-              <a:rPr lang="en-IN" b="1" dirty="0"/>
-              <a:t>Statistical Analysis</a:t>
-            </a:r>
-            <a:r>
-              <a:rPr lang="en-IN" dirty="0"/>
-              <a:t>: Checks if command structure matches AWS CLI patterns</a:t>
-            </a:r>
-          </a:p>
-          <a:p>
-            <a:r>
-              <a:rPr lang="en-IN" b="1" dirty="0"/>
-              <a:t>Temporal Reasoning</a:t>
-            </a:r>
-            <a:r>
-              <a:rPr lang="en-IN" dirty="0"/>
-              <a:t>: Validates command syntax against current AWS CLI version</a:t>
-            </a:r>
-          </a:p>
-          <a:p>
-            <a:r>
-              <a:rPr lang="en-IN" b="1" dirty="0"/>
-              <a:t>Geospatial Validation</a:t>
-            </a:r>
-            <a:r>
-              <a:rPr lang="en-IN" dirty="0"/>
-              <a:t>: Confirms this is valid AWS syntax (not Azure/GCP)</a:t>
-            </a:r>
-          </a:p>
-          <a:p>
-            <a:r>
-              <a:rPr lang="en-IN" b="1" dirty="0"/>
-              <a:t>Entity Consistency</a:t>
-            </a:r>
-            <a:r>
-              <a:rPr lang="en-IN" dirty="0"/>
-              <a:t>: Ensures encrypt subcommand exists for </a:t>
-            </a:r>
-            <a:r>
-              <a:rPr lang="en-IN" dirty="0" err="1"/>
-              <a:t>aws</a:t>
-            </a:r>
-            <a:r>
-              <a:rPr lang="en-IN" dirty="0"/>
-              <a:t> s3 entity</a:t>
-            </a:r>
-          </a:p>
-          <a:p>
-            <a:pPr algn="l">
-              <a:spcBef>
-                <a:spcPts val="1200"/>
-              </a:spcBef>
-              <a:buNone/>
-            </a:pPr>
-            <a:endParaRPr lang="en-GB" b="0" i="0" dirty="0">
-              <a:solidFill>
-                <a:srgbClr val="0F1115"/>
-              </a:solidFill>
-              <a:effectLst/>
-              <a:latin typeface="quote-cjk-patch"/>
-            </a:endParaRPr>
-          </a:p>
-        </p:txBody>
-      </p:sp>
-    </p:spTree>
-    <p:extLst>
-      <p:ext uri="{BB962C8B-B14F-4D97-AF65-F5344CB8AC3E}">
-        <p14:creationId xmlns:p14="http://schemas.microsoft.com/office/powerpoint/2010/main" val="3323442572"/>
       </p:ext>
     </p:extLst>
   </p:cSld>

--- a/VeriFactAI-Presentation.pptx
+++ b/VeriFactAI-Presentation.pptx
@@ -11,13 +11,14 @@
     <p:sldId id="268" r:id="rId5"/>
     <p:sldId id="260" r:id="rId6"/>
     <p:sldId id="271" r:id="rId7"/>
-    <p:sldId id="272" r:id="rId8"/>
-    <p:sldId id="261" r:id="rId9"/>
-    <p:sldId id="264" r:id="rId10"/>
-    <p:sldId id="265" r:id="rId11"/>
-    <p:sldId id="266" r:id="rId12"/>
-    <p:sldId id="267" r:id="rId13"/>
-    <p:sldId id="269" r:id="rId14"/>
+    <p:sldId id="273" r:id="rId8"/>
+    <p:sldId id="272" r:id="rId9"/>
+    <p:sldId id="261" r:id="rId10"/>
+    <p:sldId id="264" r:id="rId11"/>
+    <p:sldId id="265" r:id="rId12"/>
+    <p:sldId id="266" r:id="rId13"/>
+    <p:sldId id="267" r:id="rId14"/>
+    <p:sldId id="269" r:id="rId15"/>
   </p:sldIdLst>
   <p:sldSz cx="12192000" cy="6858000"/>
   <p:notesSz cx="6858000" cy="9144000"/>
@@ -273,7 +274,7 @@
           <a:p>
             <a:fld id="{52A21325-2BBA-48B6-B2D5-B14725B2CE53}" type="datetimeFigureOut">
               <a:rPr lang="en-IN" smtClean="0"/>
-              <a:t>2025-10-05</a:t>
+              <a:t>2025-10-07</a:t>
             </a:fld>
             <a:endParaRPr lang="en-IN"/>
           </a:p>
@@ -473,7 +474,7 @@
           <a:p>
             <a:fld id="{52A21325-2BBA-48B6-B2D5-B14725B2CE53}" type="datetimeFigureOut">
               <a:rPr lang="en-IN" smtClean="0"/>
-              <a:t>2025-10-05</a:t>
+              <a:t>2025-10-07</a:t>
             </a:fld>
             <a:endParaRPr lang="en-IN"/>
           </a:p>
@@ -683,7 +684,7 @@
           <a:p>
             <a:fld id="{52A21325-2BBA-48B6-B2D5-B14725B2CE53}" type="datetimeFigureOut">
               <a:rPr lang="en-IN" smtClean="0"/>
-              <a:t>2025-10-05</a:t>
+              <a:t>2025-10-07</a:t>
             </a:fld>
             <a:endParaRPr lang="en-IN"/>
           </a:p>
@@ -883,7 +884,7 @@
           <a:p>
             <a:fld id="{52A21325-2BBA-48B6-B2D5-B14725B2CE53}" type="datetimeFigureOut">
               <a:rPr lang="en-IN" smtClean="0"/>
-              <a:t>2025-10-05</a:t>
+              <a:t>2025-10-07</a:t>
             </a:fld>
             <a:endParaRPr lang="en-IN"/>
           </a:p>
@@ -1159,7 +1160,7 @@
           <a:p>
             <a:fld id="{52A21325-2BBA-48B6-B2D5-B14725B2CE53}" type="datetimeFigureOut">
               <a:rPr lang="en-IN" smtClean="0"/>
-              <a:t>2025-10-05</a:t>
+              <a:t>2025-10-07</a:t>
             </a:fld>
             <a:endParaRPr lang="en-IN"/>
           </a:p>
@@ -1427,7 +1428,7 @@
           <a:p>
             <a:fld id="{52A21325-2BBA-48B6-B2D5-B14725B2CE53}" type="datetimeFigureOut">
               <a:rPr lang="en-IN" smtClean="0"/>
-              <a:t>2025-10-05</a:t>
+              <a:t>2025-10-07</a:t>
             </a:fld>
             <a:endParaRPr lang="en-IN"/>
           </a:p>
@@ -1842,7 +1843,7 @@
           <a:p>
             <a:fld id="{52A21325-2BBA-48B6-B2D5-B14725B2CE53}" type="datetimeFigureOut">
               <a:rPr lang="en-IN" smtClean="0"/>
-              <a:t>2025-10-05</a:t>
+              <a:t>2025-10-07</a:t>
             </a:fld>
             <a:endParaRPr lang="en-IN"/>
           </a:p>
@@ -1984,7 +1985,7 @@
           <a:p>
             <a:fld id="{52A21325-2BBA-48B6-B2D5-B14725B2CE53}" type="datetimeFigureOut">
               <a:rPr lang="en-IN" smtClean="0"/>
-              <a:t>2025-10-05</a:t>
+              <a:t>2025-10-07</a:t>
             </a:fld>
             <a:endParaRPr lang="en-IN"/>
           </a:p>
@@ -2097,7 +2098,7 @@
           <a:p>
             <a:fld id="{52A21325-2BBA-48B6-B2D5-B14725B2CE53}" type="datetimeFigureOut">
               <a:rPr lang="en-IN" smtClean="0"/>
-              <a:t>2025-10-05</a:t>
+              <a:t>2025-10-07</a:t>
             </a:fld>
             <a:endParaRPr lang="en-IN"/>
           </a:p>
@@ -2410,7 +2411,7 @@
           <a:p>
             <a:fld id="{52A21325-2BBA-48B6-B2D5-B14725B2CE53}" type="datetimeFigureOut">
               <a:rPr lang="en-IN" smtClean="0"/>
-              <a:t>2025-10-05</a:t>
+              <a:t>2025-10-07</a:t>
             </a:fld>
             <a:endParaRPr lang="en-IN"/>
           </a:p>
@@ -2699,7 +2700,7 @@
           <a:p>
             <a:fld id="{52A21325-2BBA-48B6-B2D5-B14725B2CE53}" type="datetimeFigureOut">
               <a:rPr lang="en-IN" smtClean="0"/>
-              <a:t>2025-10-05</a:t>
+              <a:t>2025-10-07</a:t>
             </a:fld>
             <a:endParaRPr lang="en-IN"/>
           </a:p>
@@ -2942,7 +2943,7 @@
           <a:p>
             <a:fld id="{52A21325-2BBA-48B6-B2D5-B14725B2CE53}" type="datetimeFigureOut">
               <a:rPr lang="en-IN" smtClean="0"/>
-              <a:t>2025-10-05</a:t>
+              <a:t>2025-10-07</a:t>
             </a:fld>
             <a:endParaRPr lang="en-IN"/>
           </a:p>
@@ -3694,6 +3695,66 @@
           <p:cNvPr id="3" name="Picture 2">
             <a:extLst>
               <a:ext uri="{FF2B5EF4-FFF2-40B4-BE49-F238E27FC236}">
+                <a16:creationId xmlns:a16="http://schemas.microsoft.com/office/drawing/2014/main" id="{3C7F5984-332F-29D6-0B84-5B37CF9BFF59}"/>
+              </a:ext>
+            </a:extLst>
+          </p:cNvPr>
+          <p:cNvPicPr>
+            <a:picLocks noChangeAspect="1"/>
+          </p:cNvPicPr>
+          <p:nvPr/>
+        </p:nvPicPr>
+        <p:blipFill>
+          <a:blip r:embed="rId2"/>
+          <a:stretch>
+            <a:fillRect/>
+          </a:stretch>
+        </p:blipFill>
+        <p:spPr>
+          <a:xfrm>
+            <a:off x="0" y="343626"/>
+            <a:ext cx="12192000" cy="6170747"/>
+          </a:xfrm>
+          <a:prstGeom prst="rect">
+            <a:avLst/>
+          </a:prstGeom>
+        </p:spPr>
+      </p:pic>
+    </p:spTree>
+    <p:extLst>
+      <p:ext uri="{BB962C8B-B14F-4D97-AF65-F5344CB8AC3E}">
+        <p14:creationId xmlns:p14="http://schemas.microsoft.com/office/powerpoint/2010/main" val="2838695008"/>
+      </p:ext>
+    </p:extLst>
+  </p:cSld>
+  <p:clrMapOvr>
+    <a:masterClrMapping/>
+  </p:clrMapOvr>
+</p:sld>
+</file>
+
+<file path=ppt/slides/slide11.xml><?xml version="1.0" encoding="utf-8"?>
+<p:sld xmlns:a="http://schemas.openxmlformats.org/drawingml/2006/main" xmlns:r="http://schemas.openxmlformats.org/officeDocument/2006/relationships" xmlns:p="http://schemas.openxmlformats.org/presentationml/2006/main">
+  <p:cSld>
+    <p:spTree>
+      <p:nvGrpSpPr>
+        <p:cNvPr id="1" name=""/>
+        <p:cNvGrpSpPr/>
+        <p:nvPr/>
+      </p:nvGrpSpPr>
+      <p:grpSpPr>
+        <a:xfrm>
+          <a:off x="0" y="0"/>
+          <a:ext cx="0" cy="0"/>
+          <a:chOff x="0" y="0"/>
+          <a:chExt cx="0" cy="0"/>
+        </a:xfrm>
+      </p:grpSpPr>
+      <p:pic>
+        <p:nvPicPr>
+          <p:cNvPr id="3" name="Picture 2">
+            <a:extLst>
+              <a:ext uri="{FF2B5EF4-FFF2-40B4-BE49-F238E27FC236}">
                 <a16:creationId xmlns:a16="http://schemas.microsoft.com/office/drawing/2014/main" id="{C1C2B21D-7D7F-3380-A39A-A7F5C07557E7}"/>
               </a:ext>
             </a:extLst>
@@ -3732,7 +3793,7 @@
 </p:sld>
 </file>
 
-<file path=ppt/slides/slide11.xml><?xml version="1.0" encoding="utf-8"?>
+<file path=ppt/slides/slide12.xml><?xml version="1.0" encoding="utf-8"?>
 <p:sld xmlns:a="http://schemas.openxmlformats.org/drawingml/2006/main" xmlns:r="http://schemas.openxmlformats.org/officeDocument/2006/relationships" xmlns:p="http://schemas.openxmlformats.org/presentationml/2006/main">
   <p:cSld>
     <p:spTree>
@@ -4073,7 +4134,7 @@
 </p:sld>
 </file>
 
-<file path=ppt/slides/slide12.xml><?xml version="1.0" encoding="utf-8"?>
+<file path=ppt/slides/slide13.xml><?xml version="1.0" encoding="utf-8"?>
 <p:sld xmlns:a="http://schemas.openxmlformats.org/drawingml/2006/main" xmlns:r="http://schemas.openxmlformats.org/officeDocument/2006/relationships" xmlns:p="http://schemas.openxmlformats.org/presentationml/2006/main">
   <p:cSld>
     <p:spTree>
@@ -4133,7 +4194,7 @@
 </p:sld>
 </file>
 
-<file path=ppt/slides/slide13.xml><?xml version="1.0" encoding="utf-8"?>
+<file path=ppt/slides/slide14.xml><?xml version="1.0" encoding="utf-8"?>
 <p:sld xmlns:a="http://schemas.openxmlformats.org/drawingml/2006/main" xmlns:r="http://schemas.openxmlformats.org/officeDocument/2006/relationships" xmlns:p="http://schemas.openxmlformats.org/presentationml/2006/main">
   <p:cSld>
     <p:spTree>
@@ -8085,23 +8146,23 @@
                         <a:buNone/>
                       </a:pPr>
                       <a:r>
-                        <a:rPr lang="en-IN" sz="1100" kern="100">
+                        <a:rPr lang="en-IN" sz="1100" kern="100" dirty="0">
                           <a:effectLst/>
                         </a:rPr>
                         <a:t>Provenance Resolver</a:t>
                       </a:r>
                       <a:br>
-                        <a:rPr lang="en-IN" sz="1100" kern="100">
+                        <a:rPr lang="en-IN" sz="1100" kern="100" dirty="0">
                           <a:effectLst/>
                         </a:rPr>
                       </a:br>
                       <a:r>
-                        <a:rPr lang="en-IN" sz="1100" kern="100">
+                        <a:rPr lang="en-IN" sz="1100" kern="100" dirty="0">
                           <a:effectLst/>
                         </a:rPr>
                         <a:t>Provides accurate qualification</a:t>
                       </a:r>
-                      <a:endParaRPr lang="en-IN" sz="1100" kern="100">
+                      <a:endParaRPr lang="en-IN" sz="1100" kern="100" dirty="0">
                         <a:effectLst/>
                         <a:latin typeface="Calibri" panose="020F0502020204030204" pitchFamily="34" charset="0"/>
                         <a:ea typeface="Calibri" panose="020F0502020204030204" pitchFamily="34" charset="0"/>
@@ -9011,6 +9072,1581 @@
           <a:chExt cx="0" cy="0"/>
         </a:xfrm>
       </p:grpSpPr>
+      <p:graphicFrame>
+        <p:nvGraphicFramePr>
+          <p:cNvPr id="2" name="Table 1">
+            <a:extLst>
+              <a:ext uri="{FF2B5EF4-FFF2-40B4-BE49-F238E27FC236}">
+                <a16:creationId xmlns:a16="http://schemas.microsoft.com/office/drawing/2014/main" id="{23148BEE-2C84-1E8F-262B-1F81FF59C828}"/>
+              </a:ext>
+            </a:extLst>
+          </p:cNvPr>
+          <p:cNvGraphicFramePr>
+            <a:graphicFrameLocks noGrp="1"/>
+          </p:cNvGraphicFramePr>
+          <p:nvPr>
+            <p:extLst>
+              <p:ext uri="{D42A27DB-BD31-4B8C-83A1-F6EECF244321}">
+                <p14:modId xmlns:p14="http://schemas.microsoft.com/office/powerpoint/2010/main" val="1665482623"/>
+              </p:ext>
+            </p:extLst>
+          </p:nvPr>
+        </p:nvGraphicFramePr>
+        <p:xfrm>
+          <a:off x="1734532" y="1635767"/>
+          <a:ext cx="8865102" cy="4731055"/>
+        </p:xfrm>
+        <a:graphic>
+          <a:graphicData uri="http://schemas.openxmlformats.org/drawingml/2006/table">
+            <a:tbl>
+              <a:tblPr/>
+              <a:tblGrid>
+                <a:gridCol w="1912890">
+                  <a:extLst>
+                    <a:ext uri="{9D8B030D-6E8A-4147-A177-3AD203B41FA5}">
+                      <a16:colId xmlns:a16="http://schemas.microsoft.com/office/drawing/2014/main" val="1928490084"/>
+                    </a:ext>
+                  </a:extLst>
+                </a:gridCol>
+                <a:gridCol w="2317404">
+                  <a:extLst>
+                    <a:ext uri="{9D8B030D-6E8A-4147-A177-3AD203B41FA5}">
+                      <a16:colId xmlns:a16="http://schemas.microsoft.com/office/drawing/2014/main" val="563810046"/>
+                    </a:ext>
+                  </a:extLst>
+                </a:gridCol>
+                <a:gridCol w="2317404">
+                  <a:extLst>
+                    <a:ext uri="{9D8B030D-6E8A-4147-A177-3AD203B41FA5}">
+                      <a16:colId xmlns:a16="http://schemas.microsoft.com/office/drawing/2014/main" val="3486189343"/>
+                    </a:ext>
+                  </a:extLst>
+                </a:gridCol>
+                <a:gridCol w="2317404">
+                  <a:extLst>
+                    <a:ext uri="{9D8B030D-6E8A-4147-A177-3AD203B41FA5}">
+                      <a16:colId xmlns:a16="http://schemas.microsoft.com/office/drawing/2014/main" val="618539858"/>
+                    </a:ext>
+                  </a:extLst>
+                </a:gridCol>
+              </a:tblGrid>
+              <a:tr h="337229">
+                <a:tc>
+                  <a:txBody>
+                    <a:bodyPr/>
+                    <a:lstStyle/>
+                    <a:p>
+                      <a:pPr algn="l">
+                        <a:lnSpc>
+                          <a:spcPts val="1875"/>
+                        </a:lnSpc>
+                        <a:buNone/>
+                      </a:pPr>
+                      <a:r>
+                        <a:rPr lang="en-IN" sz="1500" b="1">
+                          <a:effectLst/>
+                          <a:latin typeface="quote-cjk-patch"/>
+                        </a:rPr>
+                        <a:t>Extraction Method</a:t>
+                      </a:r>
+                    </a:p>
+                  </a:txBody>
+                  <a:tcPr marL="78324" marR="104432" marT="65270" marB="65270" anchor="ctr">
+                    <a:lnL>
+                      <a:noFill/>
+                    </a:lnL>
+                    <a:lnR>
+                      <a:noFill/>
+                    </a:lnR>
+                    <a:lnT>
+                      <a:noFill/>
+                    </a:lnT>
+                    <a:lnB>
+                      <a:noFill/>
+                    </a:lnB>
+                    <a:noFill/>
+                  </a:tcPr>
+                </a:tc>
+                <a:tc>
+                  <a:txBody>
+                    <a:bodyPr/>
+                    <a:lstStyle/>
+                    <a:p>
+                      <a:pPr algn="l">
+                        <a:lnSpc>
+                          <a:spcPts val="1875"/>
+                        </a:lnSpc>
+                        <a:buNone/>
+                      </a:pPr>
+                      <a:r>
+                        <a:rPr lang="en-IN" sz="1500" b="1">
+                          <a:effectLst/>
+                          <a:latin typeface="quote-cjk-patch"/>
+                        </a:rPr>
+                        <a:t>Specializes In</a:t>
+                      </a:r>
+                    </a:p>
+                  </a:txBody>
+                  <a:tcPr marL="104432" marR="104432" marT="65270" marB="65270" anchor="ctr">
+                    <a:lnL>
+                      <a:noFill/>
+                    </a:lnL>
+                    <a:lnR>
+                      <a:noFill/>
+                    </a:lnR>
+                    <a:lnT>
+                      <a:noFill/>
+                    </a:lnT>
+                    <a:lnB>
+                      <a:noFill/>
+                    </a:lnB>
+                    <a:noFill/>
+                  </a:tcPr>
+                </a:tc>
+                <a:tc>
+                  <a:txBody>
+                    <a:bodyPr/>
+                    <a:lstStyle/>
+                    <a:p>
+                      <a:pPr algn="l">
+                        <a:lnSpc>
+                          <a:spcPts val="1875"/>
+                        </a:lnSpc>
+                        <a:buNone/>
+                      </a:pPr>
+                      <a:r>
+                        <a:rPr lang="en-IN" sz="1500" b="1">
+                          <a:effectLst/>
+                          <a:latin typeface="quote-cjk-patch"/>
+                        </a:rPr>
+                        <a:t>Simple Test</a:t>
+                      </a:r>
+                    </a:p>
+                  </a:txBody>
+                  <a:tcPr marL="104432" marR="104432" marT="65270" marB="65270" anchor="ctr">
+                    <a:lnL>
+                      <a:noFill/>
+                    </a:lnL>
+                    <a:lnR>
+                      <a:noFill/>
+                    </a:lnR>
+                    <a:lnT>
+                      <a:noFill/>
+                    </a:lnT>
+                    <a:lnB>
+                      <a:noFill/>
+                    </a:lnB>
+                    <a:noFill/>
+                  </a:tcPr>
+                </a:tc>
+                <a:tc>
+                  <a:txBody>
+                    <a:bodyPr/>
+                    <a:lstStyle/>
+                    <a:p>
+                      <a:pPr algn="l">
+                        <a:lnSpc>
+                          <a:spcPts val="1875"/>
+                        </a:lnSpc>
+                        <a:buNone/>
+                      </a:pPr>
+                      <a:r>
+                        <a:rPr lang="en-IN" sz="1500" b="1" dirty="0">
+                          <a:effectLst/>
+                          <a:latin typeface="quote-cjk-patch"/>
+                        </a:rPr>
+                        <a:t>Pipeline Impact</a:t>
+                      </a:r>
+                    </a:p>
+                  </a:txBody>
+                  <a:tcPr marL="104432" marR="104432" marT="65270" marB="65270" anchor="ctr">
+                    <a:lnL>
+                      <a:noFill/>
+                    </a:lnL>
+                    <a:lnR>
+                      <a:noFill/>
+                    </a:lnR>
+                    <a:lnT>
+                      <a:noFill/>
+                    </a:lnT>
+                    <a:lnB>
+                      <a:noFill/>
+                    </a:lnB>
+                    <a:noFill/>
+                  </a:tcPr>
+                </a:tc>
+                <a:extLst>
+                  <a:ext uri="{0D108BD9-81ED-4DB2-BD59-A6C34878D82A}">
+                    <a16:rowId xmlns:a16="http://schemas.microsoft.com/office/drawing/2014/main" val="2027821370"/>
+                  </a:ext>
+                </a:extLst>
+              </a:tr>
+              <a:tr h="543917">
+                <a:tc>
+                  <a:txBody>
+                    <a:bodyPr/>
+                    <a:lstStyle/>
+                    <a:p>
+                      <a:pPr>
+                        <a:lnSpc>
+                          <a:spcPts val="1875"/>
+                        </a:lnSpc>
+                        <a:buNone/>
+                      </a:pPr>
+                      <a:r>
+                        <a:rPr lang="en-IN" sz="1500" b="1">
+                          <a:effectLst/>
+                          <a:latin typeface="quote-cjk-patch"/>
+                        </a:rPr>
+                        <a:t>Multi-level Segmentation</a:t>
+                      </a:r>
+                      <a:endParaRPr lang="en-IN" sz="1500" b="0">
+                        <a:effectLst/>
+                        <a:latin typeface="quote-cjk-patch"/>
+                      </a:endParaRPr>
+                    </a:p>
+                  </a:txBody>
+                  <a:tcPr marL="78324" marR="104432" marT="65270" marB="65270" anchor="ctr">
+                    <a:lnL>
+                      <a:noFill/>
+                    </a:lnL>
+                    <a:lnR>
+                      <a:noFill/>
+                    </a:lnR>
+                    <a:lnT>
+                      <a:noFill/>
+                    </a:lnT>
+                    <a:lnB>
+                      <a:noFill/>
+                    </a:lnB>
+                    <a:noFill/>
+                  </a:tcPr>
+                </a:tc>
+                <a:tc>
+                  <a:txBody>
+                    <a:bodyPr/>
+                    <a:lstStyle/>
+                    <a:p>
+                      <a:pPr>
+                        <a:lnSpc>
+                          <a:spcPts val="1875"/>
+                        </a:lnSpc>
+                        <a:buNone/>
+                      </a:pPr>
+                      <a:r>
+                        <a:rPr lang="en-GB" sz="1500" b="0" dirty="0">
+                          <a:effectLst/>
+                          <a:latin typeface="quote-cjk-patch"/>
+                        </a:rPr>
+                        <a:t>Breaking complex text into claims</a:t>
+                      </a:r>
+                    </a:p>
+                  </a:txBody>
+                  <a:tcPr marL="104432" marR="104432" marT="65270" marB="65270" anchor="ctr">
+                    <a:lnL>
+                      <a:noFill/>
+                    </a:lnL>
+                    <a:lnR>
+                      <a:noFill/>
+                    </a:lnR>
+                    <a:lnT>
+                      <a:noFill/>
+                    </a:lnT>
+                    <a:lnB>
+                      <a:noFill/>
+                    </a:lnB>
+                    <a:noFill/>
+                  </a:tcPr>
+                </a:tc>
+                <a:tc>
+                  <a:txBody>
+                    <a:bodyPr/>
+                    <a:lstStyle/>
+                    <a:p>
+                      <a:pPr>
+                        <a:lnSpc>
+                          <a:spcPts val="1875"/>
+                        </a:lnSpc>
+                        <a:buNone/>
+                      </a:pPr>
+                      <a:r>
+                        <a:rPr lang="en-IN" sz="1500" b="0">
+                          <a:effectLst/>
+                          <a:latin typeface="quote-cjk-patch"/>
+                        </a:rPr>
+                        <a:t>"Multiple actions in one sentence?"</a:t>
+                      </a:r>
+                    </a:p>
+                  </a:txBody>
+                  <a:tcPr marL="104432" marR="104432" marT="65270" marB="65270" anchor="ctr">
+                    <a:lnL>
+                      <a:noFill/>
+                    </a:lnL>
+                    <a:lnR>
+                      <a:noFill/>
+                    </a:lnR>
+                    <a:lnT>
+                      <a:noFill/>
+                    </a:lnT>
+                    <a:lnB>
+                      <a:noFill/>
+                    </a:lnB>
+                    <a:noFill/>
+                  </a:tcPr>
+                </a:tc>
+                <a:tc>
+                  <a:txBody>
+                    <a:bodyPr/>
+                    <a:lstStyle/>
+                    <a:p>
+                      <a:pPr>
+                        <a:lnSpc>
+                          <a:spcPts val="1875"/>
+                        </a:lnSpc>
+                        <a:buNone/>
+                      </a:pPr>
+                      <a:r>
+                        <a:rPr lang="en-IN" sz="1500" b="0">
+                          <a:effectLst/>
+                          <a:latin typeface="quote-cjk-patch"/>
+                        </a:rPr>
+                        <a:t>Prevents missing critical claims</a:t>
+                      </a:r>
+                    </a:p>
+                  </a:txBody>
+                  <a:tcPr marL="104432" marR="78324" marT="65270" marB="65270" anchor="ctr">
+                    <a:lnL>
+                      <a:noFill/>
+                    </a:lnL>
+                    <a:lnR>
+                      <a:noFill/>
+                    </a:lnR>
+                    <a:lnT>
+                      <a:noFill/>
+                    </a:lnT>
+                    <a:lnB>
+                      <a:noFill/>
+                    </a:lnB>
+                    <a:noFill/>
+                  </a:tcPr>
+                </a:tc>
+                <a:extLst>
+                  <a:ext uri="{0D108BD9-81ED-4DB2-BD59-A6C34878D82A}">
+                    <a16:rowId xmlns:a16="http://schemas.microsoft.com/office/drawing/2014/main" val="734517856"/>
+                  </a:ext>
+                </a:extLst>
+              </a:tr>
+              <a:tr h="543917">
+                <a:tc>
+                  <a:txBody>
+                    <a:bodyPr/>
+                    <a:lstStyle/>
+                    <a:p>
+                      <a:pPr>
+                        <a:lnSpc>
+                          <a:spcPts val="1875"/>
+                        </a:lnSpc>
+                        <a:buNone/>
+                      </a:pPr>
+                      <a:r>
+                        <a:rPr lang="en-IN" sz="1500" b="1">
+                          <a:effectLst/>
+                          <a:latin typeface="quote-cjk-patch"/>
+                        </a:rPr>
+                        <a:t>Context-aware Boundaries</a:t>
+                      </a:r>
+                      <a:endParaRPr lang="en-IN" sz="1500" b="0">
+                        <a:effectLst/>
+                        <a:latin typeface="quote-cjk-patch"/>
+                      </a:endParaRPr>
+                    </a:p>
+                  </a:txBody>
+                  <a:tcPr marL="78324" marR="104432" marT="65270" marB="65270" anchor="ctr">
+                    <a:lnL>
+                      <a:noFill/>
+                    </a:lnL>
+                    <a:lnR>
+                      <a:noFill/>
+                    </a:lnR>
+                    <a:lnT>
+                      <a:noFill/>
+                    </a:lnT>
+                    <a:lnB>
+                      <a:noFill/>
+                    </a:lnB>
+                    <a:noFill/>
+                  </a:tcPr>
+                </a:tc>
+                <a:tc>
+                  <a:txBody>
+                    <a:bodyPr/>
+                    <a:lstStyle/>
+                    <a:p>
+                      <a:pPr>
+                        <a:lnSpc>
+                          <a:spcPts val="1875"/>
+                        </a:lnSpc>
+                        <a:buNone/>
+                      </a:pPr>
+                      <a:r>
+                        <a:rPr lang="en-GB" sz="1500" b="0">
+                          <a:effectLst/>
+                          <a:latin typeface="quote-cjk-patch"/>
+                        </a:rPr>
+                        <a:t>Finding where to split/merge</a:t>
+                      </a:r>
+                    </a:p>
+                  </a:txBody>
+                  <a:tcPr marL="104432" marR="104432" marT="65270" marB="65270" anchor="ctr">
+                    <a:lnL>
+                      <a:noFill/>
+                    </a:lnL>
+                    <a:lnR>
+                      <a:noFill/>
+                    </a:lnR>
+                    <a:lnT>
+                      <a:noFill/>
+                    </a:lnT>
+                    <a:lnB>
+                      <a:noFill/>
+                    </a:lnB>
+                    <a:noFill/>
+                  </a:tcPr>
+                </a:tc>
+                <a:tc>
+                  <a:txBody>
+                    <a:bodyPr/>
+                    <a:lstStyle/>
+                    <a:p>
+                      <a:pPr>
+                        <a:lnSpc>
+                          <a:spcPts val="1875"/>
+                        </a:lnSpc>
+                        <a:buNone/>
+                      </a:pPr>
+                      <a:r>
+                        <a:rPr lang="en-GB" sz="1500" b="0">
+                          <a:effectLst/>
+                          <a:latin typeface="quote-cjk-patch"/>
+                        </a:rPr>
+                        <a:t>"But/however/then in text?"</a:t>
+                      </a:r>
+                    </a:p>
+                  </a:txBody>
+                  <a:tcPr marL="104432" marR="104432" marT="65270" marB="65270" anchor="ctr">
+                    <a:lnL>
+                      <a:noFill/>
+                    </a:lnL>
+                    <a:lnR>
+                      <a:noFill/>
+                    </a:lnR>
+                    <a:lnT>
+                      <a:noFill/>
+                    </a:lnT>
+                    <a:lnB>
+                      <a:noFill/>
+                    </a:lnB>
+                    <a:noFill/>
+                  </a:tcPr>
+                </a:tc>
+                <a:tc>
+                  <a:txBody>
+                    <a:bodyPr/>
+                    <a:lstStyle/>
+                    <a:p>
+                      <a:pPr>
+                        <a:lnSpc>
+                          <a:spcPts val="1875"/>
+                        </a:lnSpc>
+                        <a:buNone/>
+                      </a:pPr>
+                      <a:r>
+                        <a:rPr lang="en-IN" sz="1500" b="0">
+                          <a:effectLst/>
+                          <a:latin typeface="quote-cjk-patch"/>
+                        </a:rPr>
+                        <a:t>Ensures proper claim isolation</a:t>
+                      </a:r>
+                    </a:p>
+                  </a:txBody>
+                  <a:tcPr marL="104432" marR="78324" marT="65270" marB="65270" anchor="ctr">
+                    <a:lnL>
+                      <a:noFill/>
+                    </a:lnL>
+                    <a:lnR>
+                      <a:noFill/>
+                    </a:lnR>
+                    <a:lnT>
+                      <a:noFill/>
+                    </a:lnT>
+                    <a:lnB>
+                      <a:noFill/>
+                    </a:lnB>
+                    <a:noFill/>
+                  </a:tcPr>
+                </a:tc>
+                <a:extLst>
+                  <a:ext uri="{0D108BD9-81ED-4DB2-BD59-A6C34878D82A}">
+                    <a16:rowId xmlns:a16="http://schemas.microsoft.com/office/drawing/2014/main" val="658199809"/>
+                  </a:ext>
+                </a:extLst>
+              </a:tr>
+              <a:tr h="543917">
+                <a:tc>
+                  <a:txBody>
+                    <a:bodyPr/>
+                    <a:lstStyle/>
+                    <a:p>
+                      <a:pPr>
+                        <a:lnSpc>
+                          <a:spcPts val="1875"/>
+                        </a:lnSpc>
+                        <a:buNone/>
+                      </a:pPr>
+                      <a:r>
+                        <a:rPr lang="en-IN" sz="1500" b="1">
+                          <a:effectLst/>
+                          <a:latin typeface="quote-cjk-patch"/>
+                        </a:rPr>
+                        <a:t>Discourse Analysis</a:t>
+                      </a:r>
+                      <a:endParaRPr lang="en-IN" sz="1500" b="0">
+                        <a:effectLst/>
+                        <a:latin typeface="quote-cjk-patch"/>
+                      </a:endParaRPr>
+                    </a:p>
+                  </a:txBody>
+                  <a:tcPr marL="78324" marR="104432" marT="65270" marB="65270" anchor="ctr">
+                    <a:lnL>
+                      <a:noFill/>
+                    </a:lnL>
+                    <a:lnR>
+                      <a:noFill/>
+                    </a:lnR>
+                    <a:lnT>
+                      <a:noFill/>
+                    </a:lnT>
+                    <a:lnB>
+                      <a:noFill/>
+                    </a:lnB>
+                    <a:noFill/>
+                  </a:tcPr>
+                </a:tc>
+                <a:tc>
+                  <a:txBody>
+                    <a:bodyPr/>
+                    <a:lstStyle/>
+                    <a:p>
+                      <a:pPr>
+                        <a:lnSpc>
+                          <a:spcPts val="1875"/>
+                        </a:lnSpc>
+                        <a:buNone/>
+                      </a:pPr>
+                      <a:r>
+                        <a:rPr lang="en-IN" sz="1500" b="0">
+                          <a:effectLst/>
+                          <a:latin typeface="quote-cjk-patch"/>
+                        </a:rPr>
+                        <a:t>Understanding relationships</a:t>
+                      </a:r>
+                    </a:p>
+                  </a:txBody>
+                  <a:tcPr marL="104432" marR="104432" marT="65270" marB="65270" anchor="ctr">
+                    <a:lnL>
+                      <a:noFill/>
+                    </a:lnL>
+                    <a:lnR>
+                      <a:noFill/>
+                    </a:lnR>
+                    <a:lnT>
+                      <a:noFill/>
+                    </a:lnT>
+                    <a:lnB>
+                      <a:noFill/>
+                    </a:lnB>
+                    <a:noFill/>
+                  </a:tcPr>
+                </a:tc>
+                <a:tc>
+                  <a:txBody>
+                    <a:bodyPr/>
+                    <a:lstStyle/>
+                    <a:p>
+                      <a:pPr>
+                        <a:lnSpc>
+                          <a:spcPts val="1875"/>
+                        </a:lnSpc>
+                        <a:buNone/>
+                      </a:pPr>
+                      <a:r>
+                        <a:rPr lang="en-IN" sz="1500" b="0">
+                          <a:effectLst/>
+                          <a:latin typeface="quote-cjk-patch"/>
+                        </a:rPr>
+                        <a:t>"Because/therefore in text?"</a:t>
+                      </a:r>
+                    </a:p>
+                  </a:txBody>
+                  <a:tcPr marL="104432" marR="104432" marT="65270" marB="65270" anchor="ctr">
+                    <a:lnL>
+                      <a:noFill/>
+                    </a:lnL>
+                    <a:lnR>
+                      <a:noFill/>
+                    </a:lnR>
+                    <a:lnT>
+                      <a:noFill/>
+                    </a:lnT>
+                    <a:lnB>
+                      <a:noFill/>
+                    </a:lnB>
+                    <a:noFill/>
+                  </a:tcPr>
+                </a:tc>
+                <a:tc>
+                  <a:txBody>
+                    <a:bodyPr/>
+                    <a:lstStyle/>
+                    <a:p>
+                      <a:pPr>
+                        <a:lnSpc>
+                          <a:spcPts val="1875"/>
+                        </a:lnSpc>
+                        <a:buNone/>
+                      </a:pPr>
+                      <a:r>
+                        <a:rPr lang="en-IN" sz="1500" b="0">
+                          <a:effectLst/>
+                          <a:latin typeface="quote-cjk-patch"/>
+                        </a:rPr>
+                        <a:t>Catches misleading justifications</a:t>
+                      </a:r>
+                    </a:p>
+                  </a:txBody>
+                  <a:tcPr marL="104432" marR="78324" marT="65270" marB="65270" anchor="ctr">
+                    <a:lnL>
+                      <a:noFill/>
+                    </a:lnL>
+                    <a:lnR>
+                      <a:noFill/>
+                    </a:lnR>
+                    <a:lnT>
+                      <a:noFill/>
+                    </a:lnT>
+                    <a:lnB>
+                      <a:noFill/>
+                    </a:lnB>
+                    <a:noFill/>
+                  </a:tcPr>
+                </a:tc>
+                <a:extLst>
+                  <a:ext uri="{0D108BD9-81ED-4DB2-BD59-A6C34878D82A}">
+                    <a16:rowId xmlns:a16="http://schemas.microsoft.com/office/drawing/2014/main" val="2173144812"/>
+                  </a:ext>
+                </a:extLst>
+              </a:tr>
+              <a:tr h="543917">
+                <a:tc>
+                  <a:txBody>
+                    <a:bodyPr/>
+                    <a:lstStyle/>
+                    <a:p>
+                      <a:pPr>
+                        <a:lnSpc>
+                          <a:spcPts val="1875"/>
+                        </a:lnSpc>
+                        <a:buNone/>
+                      </a:pPr>
+                      <a:r>
+                        <a:rPr lang="en-IN" sz="1500" b="1">
+                          <a:effectLst/>
+                          <a:latin typeface="quote-cjk-patch"/>
+                        </a:rPr>
+                        <a:t>Hierarchical Typing</a:t>
+                      </a:r>
+                      <a:endParaRPr lang="en-IN" sz="1500" b="0">
+                        <a:effectLst/>
+                        <a:latin typeface="quote-cjk-patch"/>
+                      </a:endParaRPr>
+                    </a:p>
+                  </a:txBody>
+                  <a:tcPr marL="78324" marR="104432" marT="65270" marB="65270" anchor="ctr">
+                    <a:lnL>
+                      <a:noFill/>
+                    </a:lnL>
+                    <a:lnR>
+                      <a:noFill/>
+                    </a:lnR>
+                    <a:lnT>
+                      <a:noFill/>
+                    </a:lnT>
+                    <a:lnB>
+                      <a:noFill/>
+                    </a:lnB>
+                    <a:noFill/>
+                  </a:tcPr>
+                </a:tc>
+                <a:tc>
+                  <a:txBody>
+                    <a:bodyPr/>
+                    <a:lstStyle/>
+                    <a:p>
+                      <a:pPr>
+                        <a:lnSpc>
+                          <a:spcPts val="1875"/>
+                        </a:lnSpc>
+                        <a:buNone/>
+                      </a:pPr>
+                      <a:r>
+                        <a:rPr lang="en-IN" sz="1500" b="0">
+                          <a:effectLst/>
+                          <a:latin typeface="quote-cjk-patch"/>
+                        </a:rPr>
+                        <a:t>Categorizing claim types</a:t>
+                      </a:r>
+                    </a:p>
+                  </a:txBody>
+                  <a:tcPr marL="104432" marR="104432" marT="65270" marB="65270" anchor="ctr">
+                    <a:lnL>
+                      <a:noFill/>
+                    </a:lnL>
+                    <a:lnR>
+                      <a:noFill/>
+                    </a:lnR>
+                    <a:lnT>
+                      <a:noFill/>
+                    </a:lnT>
+                    <a:lnB>
+                      <a:noFill/>
+                    </a:lnB>
+                    <a:noFill/>
+                  </a:tcPr>
+                </a:tc>
+                <a:tc>
+                  <a:txBody>
+                    <a:bodyPr/>
+                    <a:lstStyle/>
+                    <a:p>
+                      <a:pPr>
+                        <a:lnSpc>
+                          <a:spcPts val="1875"/>
+                        </a:lnSpc>
+                        <a:buNone/>
+                      </a:pPr>
+                      <a:r>
+                        <a:rPr lang="en-IN" sz="1500" b="0">
+                          <a:effectLst/>
+                          <a:latin typeface="quote-cjk-patch"/>
+                        </a:rPr>
+                        <a:t>"Security/command/reference?"</a:t>
+                      </a:r>
+                    </a:p>
+                  </a:txBody>
+                  <a:tcPr marL="104432" marR="104432" marT="65270" marB="65270" anchor="ctr">
+                    <a:lnL>
+                      <a:noFill/>
+                    </a:lnL>
+                    <a:lnR>
+                      <a:noFill/>
+                    </a:lnR>
+                    <a:lnT>
+                      <a:noFill/>
+                    </a:lnT>
+                    <a:lnB>
+                      <a:noFill/>
+                    </a:lnB>
+                    <a:noFill/>
+                  </a:tcPr>
+                </a:tc>
+                <a:tc>
+                  <a:txBody>
+                    <a:bodyPr/>
+                    <a:lstStyle/>
+                    <a:p>
+                      <a:pPr>
+                        <a:lnSpc>
+                          <a:spcPts val="1875"/>
+                        </a:lnSpc>
+                        <a:buNone/>
+                      </a:pPr>
+                      <a:r>
+                        <a:rPr lang="en-GB" sz="1500" b="0">
+                          <a:effectLst/>
+                          <a:latin typeface="quote-cjk-patch"/>
+                        </a:rPr>
+                        <a:t>Routes to right verification engine</a:t>
+                      </a:r>
+                    </a:p>
+                  </a:txBody>
+                  <a:tcPr marL="104432" marR="78324" marT="65270" marB="65270" anchor="ctr">
+                    <a:lnL>
+                      <a:noFill/>
+                    </a:lnL>
+                    <a:lnR>
+                      <a:noFill/>
+                    </a:lnR>
+                    <a:lnT>
+                      <a:noFill/>
+                    </a:lnT>
+                    <a:lnB>
+                      <a:noFill/>
+                    </a:lnB>
+                    <a:noFill/>
+                  </a:tcPr>
+                </a:tc>
+                <a:extLst>
+                  <a:ext uri="{0D108BD9-81ED-4DB2-BD59-A6C34878D82A}">
+                    <a16:rowId xmlns:a16="http://schemas.microsoft.com/office/drawing/2014/main" val="3931558534"/>
+                  </a:ext>
+                </a:extLst>
+              </a:tr>
+              <a:tr h="750606">
+                <a:tc>
+                  <a:txBody>
+                    <a:bodyPr/>
+                    <a:lstStyle/>
+                    <a:p>
+                      <a:pPr>
+                        <a:lnSpc>
+                          <a:spcPts val="1875"/>
+                        </a:lnSpc>
+                        <a:buNone/>
+                      </a:pPr>
+                      <a:r>
+                        <a:rPr lang="en-IN" sz="1500" b="1">
+                          <a:effectLst/>
+                          <a:latin typeface="quote-cjk-patch"/>
+                        </a:rPr>
+                        <a:t>Semantic Understanding</a:t>
+                      </a:r>
+                      <a:endParaRPr lang="en-IN" sz="1500" b="0">
+                        <a:effectLst/>
+                        <a:latin typeface="quote-cjk-patch"/>
+                      </a:endParaRPr>
+                    </a:p>
+                  </a:txBody>
+                  <a:tcPr marL="78324" marR="104432" marT="65270" marB="65270" anchor="ctr">
+                    <a:lnL>
+                      <a:noFill/>
+                    </a:lnL>
+                    <a:lnR>
+                      <a:noFill/>
+                    </a:lnR>
+                    <a:lnT>
+                      <a:noFill/>
+                    </a:lnT>
+                    <a:lnB>
+                      <a:noFill/>
+                    </a:lnB>
+                    <a:noFill/>
+                  </a:tcPr>
+                </a:tc>
+                <a:tc>
+                  <a:txBody>
+                    <a:bodyPr/>
+                    <a:lstStyle/>
+                    <a:p>
+                      <a:pPr>
+                        <a:lnSpc>
+                          <a:spcPts val="1875"/>
+                        </a:lnSpc>
+                        <a:buNone/>
+                      </a:pPr>
+                      <a:r>
+                        <a:rPr lang="en-IN" sz="1500" b="0">
+                          <a:effectLst/>
+                          <a:latin typeface="quote-cjk-patch"/>
+                        </a:rPr>
+                        <a:t>Deep command parsing</a:t>
+                      </a:r>
+                    </a:p>
+                  </a:txBody>
+                  <a:tcPr marL="104432" marR="104432" marT="65270" marB="65270" anchor="ctr">
+                    <a:lnL>
+                      <a:noFill/>
+                    </a:lnL>
+                    <a:lnR>
+                      <a:noFill/>
+                    </a:lnR>
+                    <a:lnT>
+                      <a:noFill/>
+                    </a:lnT>
+                    <a:lnB>
+                      <a:noFill/>
+                    </a:lnB>
+                    <a:noFill/>
+                  </a:tcPr>
+                </a:tc>
+                <a:tc>
+                  <a:txBody>
+                    <a:bodyPr/>
+                    <a:lstStyle/>
+                    <a:p>
+                      <a:pPr>
+                        <a:lnSpc>
+                          <a:spcPts val="1875"/>
+                        </a:lnSpc>
+                        <a:buNone/>
+                      </a:pPr>
+                      <a:r>
+                        <a:rPr lang="en-IN" sz="1500" b="0">
+                          <a:effectLst/>
+                          <a:latin typeface="quote-cjk-patch"/>
+                        </a:rPr>
+                        <a:t>"Technical command syntax?"</a:t>
+                      </a:r>
+                    </a:p>
+                  </a:txBody>
+                  <a:tcPr marL="104432" marR="104432" marT="65270" marB="65270" anchor="ctr">
+                    <a:lnL>
+                      <a:noFill/>
+                    </a:lnL>
+                    <a:lnR>
+                      <a:noFill/>
+                    </a:lnR>
+                    <a:lnT>
+                      <a:noFill/>
+                    </a:lnT>
+                    <a:lnB>
+                      <a:noFill/>
+                    </a:lnB>
+                    <a:noFill/>
+                  </a:tcPr>
+                </a:tc>
+                <a:tc>
+                  <a:txBody>
+                    <a:bodyPr/>
+                    <a:lstStyle/>
+                    <a:p>
+                      <a:pPr>
+                        <a:lnSpc>
+                          <a:spcPts val="1875"/>
+                        </a:lnSpc>
+                        <a:buNone/>
+                      </a:pPr>
+                      <a:r>
+                        <a:rPr lang="en-IN" sz="1500" b="0">
+                          <a:effectLst/>
+                          <a:latin typeface="quote-cjk-patch"/>
+                        </a:rPr>
+                        <a:t>Catches incomplete/partial commands</a:t>
+                      </a:r>
+                    </a:p>
+                  </a:txBody>
+                  <a:tcPr marL="104432" marR="78324" marT="65270" marB="65270" anchor="ctr">
+                    <a:lnL>
+                      <a:noFill/>
+                    </a:lnL>
+                    <a:lnR>
+                      <a:noFill/>
+                    </a:lnR>
+                    <a:lnT>
+                      <a:noFill/>
+                    </a:lnT>
+                    <a:lnB>
+                      <a:noFill/>
+                    </a:lnB>
+                    <a:noFill/>
+                  </a:tcPr>
+                </a:tc>
+                <a:extLst>
+                  <a:ext uri="{0D108BD9-81ED-4DB2-BD59-A6C34878D82A}">
+                    <a16:rowId xmlns:a16="http://schemas.microsoft.com/office/drawing/2014/main" val="3989751842"/>
+                  </a:ext>
+                </a:extLst>
+              </a:tr>
+              <a:tr h="543917">
+                <a:tc>
+                  <a:txBody>
+                    <a:bodyPr/>
+                    <a:lstStyle/>
+                    <a:p>
+                      <a:pPr>
+                        <a:lnSpc>
+                          <a:spcPts val="1875"/>
+                        </a:lnSpc>
+                        <a:buNone/>
+                      </a:pPr>
+                      <a:r>
+                        <a:rPr lang="en-IN" sz="1500" b="1">
+                          <a:effectLst/>
+                          <a:latin typeface="quote-cjk-patch"/>
+                        </a:rPr>
+                        <a:t>Claim Context Isolation</a:t>
+                      </a:r>
+                      <a:endParaRPr lang="en-IN" sz="1500" b="0">
+                        <a:effectLst/>
+                        <a:latin typeface="quote-cjk-patch"/>
+                      </a:endParaRPr>
+                    </a:p>
+                  </a:txBody>
+                  <a:tcPr marL="78324" marR="104432" marT="65270" marB="65270" anchor="ctr">
+                    <a:lnL>
+                      <a:noFill/>
+                    </a:lnL>
+                    <a:lnR>
+                      <a:noFill/>
+                    </a:lnR>
+                    <a:lnT>
+                      <a:noFill/>
+                    </a:lnT>
+                    <a:lnB>
+                      <a:noFill/>
+                    </a:lnB>
+                    <a:noFill/>
+                  </a:tcPr>
+                </a:tc>
+                <a:tc>
+                  <a:txBody>
+                    <a:bodyPr/>
+                    <a:lstStyle/>
+                    <a:p>
+                      <a:pPr>
+                        <a:lnSpc>
+                          <a:spcPts val="1875"/>
+                        </a:lnSpc>
+                        <a:buNone/>
+                      </a:pPr>
+                      <a:r>
+                        <a:rPr lang="en-IN" sz="1500" b="0">
+                          <a:effectLst/>
+                          <a:latin typeface="quote-cjk-patch"/>
+                        </a:rPr>
+                        <a:t>Separating facts from references</a:t>
+                      </a:r>
+                    </a:p>
+                  </a:txBody>
+                  <a:tcPr marL="104432" marR="104432" marT="65270" marB="65270" anchor="ctr">
+                    <a:lnL>
+                      <a:noFill/>
+                    </a:lnL>
+                    <a:lnR>
+                      <a:noFill/>
+                    </a:lnR>
+                    <a:lnT>
+                      <a:noFill/>
+                    </a:lnT>
+                    <a:lnB>
+                      <a:noFill/>
+                    </a:lnB>
+                    <a:noFill/>
+                  </a:tcPr>
+                </a:tc>
+                <a:tc>
+                  <a:txBody>
+                    <a:bodyPr/>
+                    <a:lstStyle/>
+                    <a:p>
+                      <a:pPr>
+                        <a:lnSpc>
+                          <a:spcPts val="1875"/>
+                        </a:lnSpc>
+                        <a:buNone/>
+                      </a:pPr>
+                      <a:r>
+                        <a:rPr lang="en-IN" sz="1500" b="0">
+                          <a:effectLst/>
+                          <a:latin typeface="quote-cjk-patch"/>
+                        </a:rPr>
+                        <a:t>"Cites standards/docs?"</a:t>
+                      </a:r>
+                    </a:p>
+                  </a:txBody>
+                  <a:tcPr marL="104432" marR="104432" marT="65270" marB="65270" anchor="ctr">
+                    <a:lnL>
+                      <a:noFill/>
+                    </a:lnL>
+                    <a:lnR>
+                      <a:noFill/>
+                    </a:lnR>
+                    <a:lnT>
+                      <a:noFill/>
+                    </a:lnT>
+                    <a:lnB>
+                      <a:noFill/>
+                    </a:lnB>
+                    <a:noFill/>
+                  </a:tcPr>
+                </a:tc>
+                <a:tc>
+                  <a:txBody>
+                    <a:bodyPr/>
+                    <a:lstStyle/>
+                    <a:p>
+                      <a:pPr>
+                        <a:lnSpc>
+                          <a:spcPts val="1875"/>
+                        </a:lnSpc>
+                        <a:buNone/>
+                      </a:pPr>
+                      <a:r>
+                        <a:rPr lang="en-IN" sz="1500" b="0">
+                          <a:effectLst/>
+                          <a:latin typeface="quote-cjk-patch"/>
+                        </a:rPr>
+                        <a:t>Prevents citation misrepresentations</a:t>
+                      </a:r>
+                    </a:p>
+                  </a:txBody>
+                  <a:tcPr marL="104432" marR="78324" marT="65270" marB="65270" anchor="ctr">
+                    <a:lnL>
+                      <a:noFill/>
+                    </a:lnL>
+                    <a:lnR>
+                      <a:noFill/>
+                    </a:lnR>
+                    <a:lnT>
+                      <a:noFill/>
+                    </a:lnT>
+                    <a:lnB>
+                      <a:noFill/>
+                    </a:lnB>
+                    <a:noFill/>
+                  </a:tcPr>
+                </a:tc>
+                <a:extLst>
+                  <a:ext uri="{0D108BD9-81ED-4DB2-BD59-A6C34878D82A}">
+                    <a16:rowId xmlns:a16="http://schemas.microsoft.com/office/drawing/2014/main" val="1136476065"/>
+                  </a:ext>
+                </a:extLst>
+              </a:tr>
+              <a:tr h="543917">
+                <a:tc>
+                  <a:txBody>
+                    <a:bodyPr/>
+                    <a:lstStyle/>
+                    <a:p>
+                      <a:pPr>
+                        <a:lnSpc>
+                          <a:spcPts val="1875"/>
+                        </a:lnSpc>
+                        <a:buNone/>
+                      </a:pPr>
+                      <a:r>
+                        <a:rPr lang="en-IN" sz="1500" b="1">
+                          <a:effectLst/>
+                          <a:latin typeface="quote-cjk-patch"/>
+                        </a:rPr>
+                        <a:t>Logical Flow Analysis</a:t>
+                      </a:r>
+                      <a:endParaRPr lang="en-IN" sz="1500" b="0">
+                        <a:effectLst/>
+                        <a:latin typeface="quote-cjk-patch"/>
+                      </a:endParaRPr>
+                    </a:p>
+                  </a:txBody>
+                  <a:tcPr marL="78324" marR="104432" marT="65270" marB="65270" anchor="ctr">
+                    <a:lnL>
+                      <a:noFill/>
+                    </a:lnL>
+                    <a:lnR>
+                      <a:noFill/>
+                    </a:lnR>
+                    <a:lnT>
+                      <a:noFill/>
+                    </a:lnT>
+                    <a:lnB>
+                      <a:noFill/>
+                    </a:lnB>
+                    <a:noFill/>
+                  </a:tcPr>
+                </a:tc>
+                <a:tc>
+                  <a:txBody>
+                    <a:bodyPr/>
+                    <a:lstStyle/>
+                    <a:p>
+                      <a:pPr>
+                        <a:lnSpc>
+                          <a:spcPts val="1875"/>
+                        </a:lnSpc>
+                        <a:buNone/>
+                      </a:pPr>
+                      <a:r>
+                        <a:rPr lang="en-IN" sz="1500" b="0">
+                          <a:effectLst/>
+                          <a:latin typeface="quote-cjk-patch"/>
+                        </a:rPr>
+                        <a:t>Analyzing conditions/dependencies</a:t>
+                      </a:r>
+                    </a:p>
+                  </a:txBody>
+                  <a:tcPr marL="104432" marR="104432" marT="65270" marB="65270" anchor="ctr">
+                    <a:lnL>
+                      <a:noFill/>
+                    </a:lnL>
+                    <a:lnR>
+                      <a:noFill/>
+                    </a:lnR>
+                    <a:lnT>
+                      <a:noFill/>
+                    </a:lnT>
+                    <a:lnB>
+                      <a:noFill/>
+                    </a:lnB>
+                    <a:noFill/>
+                  </a:tcPr>
+                </a:tc>
+                <a:tc>
+                  <a:txBody>
+                    <a:bodyPr/>
+                    <a:lstStyle/>
+                    <a:p>
+                      <a:pPr>
+                        <a:lnSpc>
+                          <a:spcPts val="1875"/>
+                        </a:lnSpc>
+                        <a:buNone/>
+                      </a:pPr>
+                      <a:r>
+                        <a:rPr lang="en-IN" sz="1500" b="0">
+                          <a:effectLst/>
+                          <a:latin typeface="quote-cjk-patch"/>
+                        </a:rPr>
+                        <a:t>"If/then logic?"</a:t>
+                      </a:r>
+                    </a:p>
+                  </a:txBody>
+                  <a:tcPr marL="104432" marR="104432" marT="65270" marB="65270" anchor="ctr">
+                    <a:lnL>
+                      <a:noFill/>
+                    </a:lnL>
+                    <a:lnR>
+                      <a:noFill/>
+                    </a:lnR>
+                    <a:lnT>
+                      <a:noFill/>
+                    </a:lnT>
+                    <a:lnB>
+                      <a:noFill/>
+                    </a:lnB>
+                    <a:noFill/>
+                  </a:tcPr>
+                </a:tc>
+                <a:tc>
+                  <a:txBody>
+                    <a:bodyPr/>
+                    <a:lstStyle/>
+                    <a:p>
+                      <a:pPr>
+                        <a:lnSpc>
+                          <a:spcPts val="1875"/>
+                        </a:lnSpc>
+                        <a:buNone/>
+                      </a:pPr>
+                      <a:r>
+                        <a:rPr lang="en-IN" sz="1500" b="0" dirty="0">
+                          <a:effectLst/>
+                          <a:latin typeface="quote-cjk-patch"/>
+                        </a:rPr>
+                        <a:t>Prevents runtime logic failures</a:t>
+                      </a:r>
+                    </a:p>
+                  </a:txBody>
+                  <a:tcPr marL="104432" marR="78324" marT="65270" marB="65270" anchor="ctr">
+                    <a:lnL>
+                      <a:noFill/>
+                    </a:lnL>
+                    <a:lnR>
+                      <a:noFill/>
+                    </a:lnR>
+                    <a:lnT>
+                      <a:noFill/>
+                    </a:lnT>
+                    <a:lnB>
+                      <a:noFill/>
+                    </a:lnB>
+                    <a:noFill/>
+                  </a:tcPr>
+                </a:tc>
+                <a:extLst>
+                  <a:ext uri="{0D108BD9-81ED-4DB2-BD59-A6C34878D82A}">
+                    <a16:rowId xmlns:a16="http://schemas.microsoft.com/office/drawing/2014/main" val="2950502989"/>
+                  </a:ext>
+                </a:extLst>
+              </a:tr>
+            </a:tbl>
+          </a:graphicData>
+        </a:graphic>
+      </p:graphicFrame>
+      <p:sp>
+        <p:nvSpPr>
+          <p:cNvPr id="3" name="Rectangle 1">
+            <a:extLst>
+              <a:ext uri="{FF2B5EF4-FFF2-40B4-BE49-F238E27FC236}">
+                <a16:creationId xmlns:a16="http://schemas.microsoft.com/office/drawing/2014/main" id="{9DE6E52D-E04D-06FF-B341-6D7CCC849CB6}"/>
+              </a:ext>
+            </a:extLst>
+          </p:cNvPr>
+          <p:cNvSpPr>
+            <a:spLocks noChangeArrowheads="1"/>
+          </p:cNvSpPr>
+          <p:nvPr/>
+        </p:nvSpPr>
+        <p:spPr bwMode="auto">
+          <a:xfrm>
+            <a:off x="1734532" y="599862"/>
+            <a:ext cx="8946037" cy="830900"/>
+          </a:xfrm>
+          <a:prstGeom prst="rect">
+            <a:avLst/>
+          </a:prstGeom>
+          <a:solidFill>
+            <a:srgbClr val="FFFFFF"/>
+          </a:solidFill>
+          <a:ln>
+            <a:noFill/>
+          </a:ln>
+          <a:effectLst/>
+          <a:extLst>
+            <a:ext uri="{91240B29-F687-4F45-9708-019B960494DF}">
+              <a14:hiddenLine xmlns:a14="http://schemas.microsoft.com/office/drawing/2010/main" w="9525">
+                <a:solidFill>
+                  <a:schemeClr val="tx1"/>
+                </a:solidFill>
+                <a:miter lim="800000"/>
+                <a:headEnd/>
+                <a:tailEnd/>
+              </a14:hiddenLine>
+            </a:ext>
+            <a:ext uri="{AF507438-7753-43E0-B8FC-AC1667EBCBE1}">
+              <a14:hiddenEffects xmlns:a14="http://schemas.microsoft.com/office/drawing/2010/main">
+                <a:effectLst>
+                  <a:outerShdw dist="35921" dir="2700000" algn="ctr" rotWithShape="0">
+                    <a:schemeClr val="bg2"/>
+                  </a:outerShdw>
+                </a:effectLst>
+              </a14:hiddenEffects>
+            </a:ext>
+          </a:extLst>
+        </p:spPr>
+        <p:txBody>
+          <a:bodyPr vert="horz" wrap="square" lIns="0" tIns="203136" rIns="0" bIns="101568" numCol="1" anchor="ctr" anchorCtr="0" compatLnSpc="1">
+            <a:prstTxWarp prst="textNoShape">
+              <a:avLst/>
+            </a:prstTxWarp>
+            <a:spAutoFit/>
+          </a:bodyPr>
+          <a:lstStyle>
+            <a:lvl1pPr eaLnBrk="0" fontAlgn="base" hangingPunct="0">
+              <a:spcBef>
+                <a:spcPct val="0"/>
+              </a:spcBef>
+              <a:spcAft>
+                <a:spcPct val="0"/>
+              </a:spcAft>
+              <a:defRPr>
+                <a:solidFill>
+                  <a:schemeClr val="tx1"/>
+                </a:solidFill>
+                <a:latin typeface="Arial" panose="020B0604020202020204" pitchFamily="34" charset="0"/>
+              </a:defRPr>
+            </a:lvl1pPr>
+            <a:lvl2pPr eaLnBrk="0" fontAlgn="base" hangingPunct="0">
+              <a:spcBef>
+                <a:spcPct val="0"/>
+              </a:spcBef>
+              <a:spcAft>
+                <a:spcPct val="0"/>
+              </a:spcAft>
+              <a:defRPr>
+                <a:solidFill>
+                  <a:schemeClr val="tx1"/>
+                </a:solidFill>
+                <a:latin typeface="Arial" panose="020B0604020202020204" pitchFamily="34" charset="0"/>
+              </a:defRPr>
+            </a:lvl2pPr>
+            <a:lvl3pPr eaLnBrk="0" fontAlgn="base" hangingPunct="0">
+              <a:spcBef>
+                <a:spcPct val="0"/>
+              </a:spcBef>
+              <a:spcAft>
+                <a:spcPct val="0"/>
+              </a:spcAft>
+              <a:defRPr>
+                <a:solidFill>
+                  <a:schemeClr val="tx1"/>
+                </a:solidFill>
+                <a:latin typeface="Arial" panose="020B0604020202020204" pitchFamily="34" charset="0"/>
+              </a:defRPr>
+            </a:lvl3pPr>
+            <a:lvl4pPr eaLnBrk="0" fontAlgn="base" hangingPunct="0">
+              <a:spcBef>
+                <a:spcPct val="0"/>
+              </a:spcBef>
+              <a:spcAft>
+                <a:spcPct val="0"/>
+              </a:spcAft>
+              <a:defRPr>
+                <a:solidFill>
+                  <a:schemeClr val="tx1"/>
+                </a:solidFill>
+                <a:latin typeface="Arial" panose="020B0604020202020204" pitchFamily="34" charset="0"/>
+              </a:defRPr>
+            </a:lvl4pPr>
+            <a:lvl5pPr eaLnBrk="0" fontAlgn="base" hangingPunct="0">
+              <a:spcBef>
+                <a:spcPct val="0"/>
+              </a:spcBef>
+              <a:spcAft>
+                <a:spcPct val="0"/>
+              </a:spcAft>
+              <a:defRPr>
+                <a:solidFill>
+                  <a:schemeClr val="tx1"/>
+                </a:solidFill>
+                <a:latin typeface="Arial" panose="020B0604020202020204" pitchFamily="34" charset="0"/>
+              </a:defRPr>
+            </a:lvl5pPr>
+            <a:lvl6pPr eaLnBrk="0" fontAlgn="base" hangingPunct="0">
+              <a:spcBef>
+                <a:spcPct val="0"/>
+              </a:spcBef>
+              <a:spcAft>
+                <a:spcPct val="0"/>
+              </a:spcAft>
+              <a:defRPr>
+                <a:solidFill>
+                  <a:schemeClr val="tx1"/>
+                </a:solidFill>
+                <a:latin typeface="Arial" panose="020B0604020202020204" pitchFamily="34" charset="0"/>
+              </a:defRPr>
+            </a:lvl6pPr>
+            <a:lvl7pPr eaLnBrk="0" fontAlgn="base" hangingPunct="0">
+              <a:spcBef>
+                <a:spcPct val="0"/>
+              </a:spcBef>
+              <a:spcAft>
+                <a:spcPct val="0"/>
+              </a:spcAft>
+              <a:defRPr>
+                <a:solidFill>
+                  <a:schemeClr val="tx1"/>
+                </a:solidFill>
+                <a:latin typeface="Arial" panose="020B0604020202020204" pitchFamily="34" charset="0"/>
+              </a:defRPr>
+            </a:lvl7pPr>
+            <a:lvl8pPr eaLnBrk="0" fontAlgn="base" hangingPunct="0">
+              <a:spcBef>
+                <a:spcPct val="0"/>
+              </a:spcBef>
+              <a:spcAft>
+                <a:spcPct val="0"/>
+              </a:spcAft>
+              <a:defRPr>
+                <a:solidFill>
+                  <a:schemeClr val="tx1"/>
+                </a:solidFill>
+                <a:latin typeface="Arial" panose="020B0604020202020204" pitchFamily="34" charset="0"/>
+              </a:defRPr>
+            </a:lvl8pPr>
+            <a:lvl9pPr eaLnBrk="0" fontAlgn="base" hangingPunct="0">
+              <a:spcBef>
+                <a:spcPct val="0"/>
+              </a:spcBef>
+              <a:spcAft>
+                <a:spcPct val="0"/>
+              </a:spcAft>
+              <a:defRPr>
+                <a:solidFill>
+                  <a:schemeClr val="tx1"/>
+                </a:solidFill>
+                <a:latin typeface="Arial" panose="020B0604020202020204" pitchFamily="34" charset="0"/>
+              </a:defRPr>
+            </a:lvl9pPr>
+          </a:lstStyle>
+          <a:p>
+            <a:pPr marL="0" marR="0" lvl="0" indent="0" algn="l" defTabSz="914400" rtl="0" eaLnBrk="0" fontAlgn="base" latinLnBrk="0" hangingPunct="0">
+              <a:lnSpc>
+                <a:spcPct val="100000"/>
+              </a:lnSpc>
+              <a:spcBef>
+                <a:spcPct val="0"/>
+              </a:spcBef>
+              <a:spcAft>
+                <a:spcPct val="0"/>
+              </a:spcAft>
+              <a:buClrTx/>
+              <a:buSzTx/>
+              <a:buFontTx/>
+              <a:buNone/>
+              <a:tabLst/>
+            </a:pPr>
+            <a:r>
+              <a:rPr kumimoji="0" lang="en-US" altLang="en-US" sz="1600" b="1" i="0" u="none" strike="noStrike" cap="none" normalizeH="0" baseline="0">
+                <a:ln>
+                  <a:noFill/>
+                </a:ln>
+                <a:solidFill>
+                  <a:srgbClr val="0F1115"/>
+                </a:solidFill>
+                <a:effectLst/>
+                <a:latin typeface="quote-cjk-patch"/>
+              </a:rPr>
+              <a:t>🎯 Summary: What Each Extraction Specializes In</a:t>
+            </a:r>
+          </a:p>
+          <a:p>
+            <a:pPr marL="0" marR="0" lvl="0" indent="0" algn="l" defTabSz="914400" rtl="0" eaLnBrk="0" fontAlgn="base" latinLnBrk="0" hangingPunct="0">
+              <a:lnSpc>
+                <a:spcPct val="100000"/>
+              </a:lnSpc>
+              <a:spcBef>
+                <a:spcPct val="0"/>
+              </a:spcBef>
+              <a:spcAft>
+                <a:spcPct val="0"/>
+              </a:spcAft>
+              <a:buClrTx/>
+              <a:buSzTx/>
+              <a:buFontTx/>
+              <a:buNone/>
+              <a:tabLst/>
+            </a:pPr>
+            <a:endParaRPr kumimoji="0" lang="en-US" altLang="en-US" sz="1800" b="0" i="0" u="none" strike="noStrike" cap="none" normalizeH="0" baseline="0">
+              <a:ln>
+                <a:noFill/>
+              </a:ln>
+              <a:solidFill>
+                <a:schemeClr val="tx1"/>
+              </a:solidFill>
+              <a:effectLst/>
+              <a:latin typeface="Arial" panose="020B0604020202020204" pitchFamily="34" charset="0"/>
+            </a:endParaRPr>
+          </a:p>
+        </p:txBody>
+      </p:sp>
+    </p:spTree>
+    <p:extLst>
+      <p:ext uri="{BB962C8B-B14F-4D97-AF65-F5344CB8AC3E}">
+        <p14:creationId xmlns:p14="http://schemas.microsoft.com/office/powerpoint/2010/main" val="698496279"/>
+      </p:ext>
+    </p:extLst>
+  </p:cSld>
+  <p:clrMapOvr>
+    <a:masterClrMapping/>
+  </p:clrMapOvr>
+</p:sld>
+</file>
+
+<file path=ppt/slides/slide8.xml><?xml version="1.0" encoding="utf-8"?>
+<p:sld xmlns:a="http://schemas.openxmlformats.org/drawingml/2006/main" xmlns:r="http://schemas.openxmlformats.org/officeDocument/2006/relationships" xmlns:p="http://schemas.openxmlformats.org/presentationml/2006/main">
+  <p:cSld>
+    <p:spTree>
+      <p:nvGrpSpPr>
+        <p:cNvPr id="1" name=""/>
+        <p:cNvGrpSpPr/>
+        <p:nvPr/>
+      </p:nvGrpSpPr>
+      <p:grpSpPr>
+        <a:xfrm>
+          <a:off x="0" y="0"/>
+          <a:ext cx="0" cy="0"/>
+          <a:chOff x="0" y="0"/>
+          <a:chExt cx="0" cy="0"/>
+        </a:xfrm>
+      </p:grpSpPr>
       <p:sp>
         <p:nvSpPr>
           <p:cNvPr id="3" name="TextBox 2">
@@ -9508,7 +11144,7 @@
 </p:sld>
 </file>
 
-<file path=ppt/slides/slide8.xml><?xml version="1.0" encoding="utf-8"?>
+<file path=ppt/slides/slide9.xml><?xml version="1.0" encoding="utf-8"?>
 <p:sld xmlns:a="http://schemas.openxmlformats.org/drawingml/2006/main" xmlns:r="http://schemas.openxmlformats.org/officeDocument/2006/relationships" xmlns:p="http://schemas.openxmlformats.org/presentationml/2006/main">
   <p:cSld>
     <p:spTree>
@@ -10252,66 +11888,6 @@
     <p:extLst>
       <p:ext uri="{BB962C8B-B14F-4D97-AF65-F5344CB8AC3E}">
         <p14:creationId xmlns:p14="http://schemas.microsoft.com/office/powerpoint/2010/main" val="2692545616"/>
-      </p:ext>
-    </p:extLst>
-  </p:cSld>
-  <p:clrMapOvr>
-    <a:masterClrMapping/>
-  </p:clrMapOvr>
-</p:sld>
-</file>
-
-<file path=ppt/slides/slide9.xml><?xml version="1.0" encoding="utf-8"?>
-<p:sld xmlns:a="http://schemas.openxmlformats.org/drawingml/2006/main" xmlns:r="http://schemas.openxmlformats.org/officeDocument/2006/relationships" xmlns:p="http://schemas.openxmlformats.org/presentationml/2006/main">
-  <p:cSld>
-    <p:spTree>
-      <p:nvGrpSpPr>
-        <p:cNvPr id="1" name=""/>
-        <p:cNvGrpSpPr/>
-        <p:nvPr/>
-      </p:nvGrpSpPr>
-      <p:grpSpPr>
-        <a:xfrm>
-          <a:off x="0" y="0"/>
-          <a:ext cx="0" cy="0"/>
-          <a:chOff x="0" y="0"/>
-          <a:chExt cx="0" cy="0"/>
-        </a:xfrm>
-      </p:grpSpPr>
-      <p:pic>
-        <p:nvPicPr>
-          <p:cNvPr id="3" name="Picture 2">
-            <a:extLst>
-              <a:ext uri="{FF2B5EF4-FFF2-40B4-BE49-F238E27FC236}">
-                <a16:creationId xmlns:a16="http://schemas.microsoft.com/office/drawing/2014/main" id="{3C7F5984-332F-29D6-0B84-5B37CF9BFF59}"/>
-              </a:ext>
-            </a:extLst>
-          </p:cNvPr>
-          <p:cNvPicPr>
-            <a:picLocks noChangeAspect="1"/>
-          </p:cNvPicPr>
-          <p:nvPr/>
-        </p:nvPicPr>
-        <p:blipFill>
-          <a:blip r:embed="rId2"/>
-          <a:stretch>
-            <a:fillRect/>
-          </a:stretch>
-        </p:blipFill>
-        <p:spPr>
-          <a:xfrm>
-            <a:off x="0" y="343626"/>
-            <a:ext cx="12192000" cy="6170747"/>
-          </a:xfrm>
-          <a:prstGeom prst="rect">
-            <a:avLst/>
-          </a:prstGeom>
-        </p:spPr>
-      </p:pic>
-    </p:spTree>
-    <p:extLst>
-      <p:ext uri="{BB962C8B-B14F-4D97-AF65-F5344CB8AC3E}">
-        <p14:creationId xmlns:p14="http://schemas.microsoft.com/office/powerpoint/2010/main" val="2838695008"/>
       </p:ext>
     </p:extLst>
   </p:cSld>

--- a/VeriFactAI-Presentation.pptx
+++ b/VeriFactAI-Presentation.pptx
@@ -5,20 +5,22 @@
     <p:sldMasterId id="2147483648" r:id="rId1"/>
   </p:sldMasterIdLst>
   <p:sldIdLst>
-    <p:sldId id="257" r:id="rId2"/>
+    <p:sldId id="274" r:id="rId2"/>
     <p:sldId id="263" r:id="rId3"/>
-    <p:sldId id="270" r:id="rId4"/>
-    <p:sldId id="268" r:id="rId5"/>
-    <p:sldId id="260" r:id="rId6"/>
-    <p:sldId id="271" r:id="rId7"/>
-    <p:sldId id="273" r:id="rId8"/>
-    <p:sldId id="272" r:id="rId9"/>
-    <p:sldId id="261" r:id="rId10"/>
+    <p:sldId id="257" r:id="rId4"/>
+    <p:sldId id="260" r:id="rId5"/>
+    <p:sldId id="271" r:id="rId6"/>
+    <p:sldId id="273" r:id="rId7"/>
+    <p:sldId id="272" r:id="rId8"/>
+    <p:sldId id="261" r:id="rId9"/>
+    <p:sldId id="275" r:id="rId10"/>
     <p:sldId id="264" r:id="rId11"/>
     <p:sldId id="265" r:id="rId12"/>
     <p:sldId id="266" r:id="rId13"/>
     <p:sldId id="267" r:id="rId14"/>
     <p:sldId id="269" r:id="rId15"/>
+    <p:sldId id="268" r:id="rId16"/>
+    <p:sldId id="270" r:id="rId17"/>
   </p:sldIdLst>
   <p:sldSz cx="12192000" cy="6858000"/>
   <p:notesSz cx="6858000" cy="9144000"/>
@@ -274,7 +276,7 @@
           <a:p>
             <a:fld id="{52A21325-2BBA-48B6-B2D5-B14725B2CE53}" type="datetimeFigureOut">
               <a:rPr lang="en-IN" smtClean="0"/>
-              <a:t>2025-10-07</a:t>
+              <a:t>2025-10-12</a:t>
             </a:fld>
             <a:endParaRPr lang="en-IN"/>
           </a:p>
@@ -474,7 +476,7 @@
           <a:p>
             <a:fld id="{52A21325-2BBA-48B6-B2D5-B14725B2CE53}" type="datetimeFigureOut">
               <a:rPr lang="en-IN" smtClean="0"/>
-              <a:t>2025-10-07</a:t>
+              <a:t>2025-10-12</a:t>
             </a:fld>
             <a:endParaRPr lang="en-IN"/>
           </a:p>
@@ -684,7 +686,7 @@
           <a:p>
             <a:fld id="{52A21325-2BBA-48B6-B2D5-B14725B2CE53}" type="datetimeFigureOut">
               <a:rPr lang="en-IN" smtClean="0"/>
-              <a:t>2025-10-07</a:t>
+              <a:t>2025-10-12</a:t>
             </a:fld>
             <a:endParaRPr lang="en-IN"/>
           </a:p>
@@ -884,7 +886,7 @@
           <a:p>
             <a:fld id="{52A21325-2BBA-48B6-B2D5-B14725B2CE53}" type="datetimeFigureOut">
               <a:rPr lang="en-IN" smtClean="0"/>
-              <a:t>2025-10-07</a:t>
+              <a:t>2025-10-12</a:t>
             </a:fld>
             <a:endParaRPr lang="en-IN"/>
           </a:p>
@@ -1160,7 +1162,7 @@
           <a:p>
             <a:fld id="{52A21325-2BBA-48B6-B2D5-B14725B2CE53}" type="datetimeFigureOut">
               <a:rPr lang="en-IN" smtClean="0"/>
-              <a:t>2025-10-07</a:t>
+              <a:t>2025-10-12</a:t>
             </a:fld>
             <a:endParaRPr lang="en-IN"/>
           </a:p>
@@ -1428,7 +1430,7 @@
           <a:p>
             <a:fld id="{52A21325-2BBA-48B6-B2D5-B14725B2CE53}" type="datetimeFigureOut">
               <a:rPr lang="en-IN" smtClean="0"/>
-              <a:t>2025-10-07</a:t>
+              <a:t>2025-10-12</a:t>
             </a:fld>
             <a:endParaRPr lang="en-IN"/>
           </a:p>
@@ -1843,7 +1845,7 @@
           <a:p>
             <a:fld id="{52A21325-2BBA-48B6-B2D5-B14725B2CE53}" type="datetimeFigureOut">
               <a:rPr lang="en-IN" smtClean="0"/>
-              <a:t>2025-10-07</a:t>
+              <a:t>2025-10-12</a:t>
             </a:fld>
             <a:endParaRPr lang="en-IN"/>
           </a:p>
@@ -1985,7 +1987,7 @@
           <a:p>
             <a:fld id="{52A21325-2BBA-48B6-B2D5-B14725B2CE53}" type="datetimeFigureOut">
               <a:rPr lang="en-IN" smtClean="0"/>
-              <a:t>2025-10-07</a:t>
+              <a:t>2025-10-12</a:t>
             </a:fld>
             <a:endParaRPr lang="en-IN"/>
           </a:p>
@@ -2098,7 +2100,7 @@
           <a:p>
             <a:fld id="{52A21325-2BBA-48B6-B2D5-B14725B2CE53}" type="datetimeFigureOut">
               <a:rPr lang="en-IN" smtClean="0"/>
-              <a:t>2025-10-07</a:t>
+              <a:t>2025-10-12</a:t>
             </a:fld>
             <a:endParaRPr lang="en-IN"/>
           </a:p>
@@ -2411,7 +2413,7 @@
           <a:p>
             <a:fld id="{52A21325-2BBA-48B6-B2D5-B14725B2CE53}" type="datetimeFigureOut">
               <a:rPr lang="en-IN" smtClean="0"/>
-              <a:t>2025-10-07</a:t>
+              <a:t>2025-10-12</a:t>
             </a:fld>
             <a:endParaRPr lang="en-IN"/>
           </a:p>
@@ -2700,7 +2702,7 @@
           <a:p>
             <a:fld id="{52A21325-2BBA-48B6-B2D5-B14725B2CE53}" type="datetimeFigureOut">
               <a:rPr lang="en-IN" smtClean="0"/>
-              <a:t>2025-10-07</a:t>
+              <a:t>2025-10-12</a:t>
             </a:fld>
             <a:endParaRPr lang="en-IN"/>
           </a:p>
@@ -2943,7 +2945,7 @@
           <a:p>
             <a:fld id="{52A21325-2BBA-48B6-B2D5-B14725B2CE53}" type="datetimeFigureOut">
               <a:rPr lang="en-IN" smtClean="0"/>
-              <a:t>2025-10-07</a:t>
+              <a:t>2025-10-12</a:t>
             </a:fld>
             <a:endParaRPr lang="en-IN"/>
           </a:p>
@@ -3365,6 +3367,3279 @@
           <p:cNvPr id="3" name="Picture 2">
             <a:extLst>
               <a:ext uri="{FF2B5EF4-FFF2-40B4-BE49-F238E27FC236}">
+                <a16:creationId xmlns:a16="http://schemas.microsoft.com/office/drawing/2014/main" id="{AA95A1AE-FDD0-821C-84FE-AF6053B13C67}"/>
+              </a:ext>
+            </a:extLst>
+          </p:cNvPr>
+          <p:cNvPicPr>
+            <a:picLocks noChangeAspect="1"/>
+          </p:cNvPicPr>
+          <p:nvPr/>
+        </p:nvPicPr>
+        <p:blipFill>
+          <a:blip r:embed="rId2"/>
+          <a:stretch>
+            <a:fillRect/>
+          </a:stretch>
+        </p:blipFill>
+        <p:spPr>
+          <a:xfrm>
+            <a:off x="79545" y="4749594"/>
+            <a:ext cx="5047969" cy="2090395"/>
+          </a:xfrm>
+          <a:prstGeom prst="rect">
+            <a:avLst/>
+          </a:prstGeom>
+        </p:spPr>
+      </p:pic>
+      <p:pic>
+        <p:nvPicPr>
+          <p:cNvPr id="5" name="Picture 4">
+            <a:extLst>
+              <a:ext uri="{FF2B5EF4-FFF2-40B4-BE49-F238E27FC236}">
+                <a16:creationId xmlns:a16="http://schemas.microsoft.com/office/drawing/2014/main" id="{B6BC0E94-8DBF-B8F7-3D92-B511405FD25B}"/>
+              </a:ext>
+            </a:extLst>
+          </p:cNvPr>
+          <p:cNvPicPr>
+            <a:picLocks noChangeAspect="1"/>
+          </p:cNvPicPr>
+          <p:nvPr/>
+        </p:nvPicPr>
+        <p:blipFill>
+          <a:blip r:embed="rId3"/>
+          <a:stretch>
+            <a:fillRect/>
+          </a:stretch>
+        </p:blipFill>
+        <p:spPr>
+          <a:xfrm>
+            <a:off x="8758264" y="18011"/>
+            <a:ext cx="3458213" cy="2125744"/>
+          </a:xfrm>
+          <a:prstGeom prst="rect">
+            <a:avLst/>
+          </a:prstGeom>
+        </p:spPr>
+      </p:pic>
+      <p:pic>
+        <p:nvPicPr>
+          <p:cNvPr id="9" name="Picture 8">
+            <a:extLst>
+              <a:ext uri="{FF2B5EF4-FFF2-40B4-BE49-F238E27FC236}">
+                <a16:creationId xmlns:a16="http://schemas.microsoft.com/office/drawing/2014/main" id="{48B89908-9D4D-5AD6-831F-D6FE9D31362E}"/>
+              </a:ext>
+            </a:extLst>
+          </p:cNvPr>
+          <p:cNvPicPr>
+            <a:picLocks noChangeAspect="1"/>
+          </p:cNvPicPr>
+          <p:nvPr/>
+        </p:nvPicPr>
+        <p:blipFill>
+          <a:blip r:embed="rId4"/>
+          <a:stretch>
+            <a:fillRect/>
+          </a:stretch>
+        </p:blipFill>
+        <p:spPr>
+          <a:xfrm>
+            <a:off x="5127514" y="18009"/>
+            <a:ext cx="3630750" cy="2125743"/>
+          </a:xfrm>
+          <a:prstGeom prst="rect">
+            <a:avLst/>
+          </a:prstGeom>
+        </p:spPr>
+      </p:pic>
+      <p:pic>
+        <p:nvPicPr>
+          <p:cNvPr id="12" name="Picture 11">
+            <a:extLst>
+              <a:ext uri="{FF2B5EF4-FFF2-40B4-BE49-F238E27FC236}">
+                <a16:creationId xmlns:a16="http://schemas.microsoft.com/office/drawing/2014/main" id="{11A9CA2F-6908-5A97-2006-E7EE0D03172F}"/>
+              </a:ext>
+            </a:extLst>
+          </p:cNvPr>
+          <p:cNvPicPr>
+            <a:picLocks noChangeAspect="1"/>
+          </p:cNvPicPr>
+          <p:nvPr/>
+        </p:nvPicPr>
+        <p:blipFill>
+          <a:blip r:embed="rId5"/>
+          <a:stretch>
+            <a:fillRect/>
+          </a:stretch>
+        </p:blipFill>
+        <p:spPr>
+          <a:xfrm>
+            <a:off x="5194168" y="3882106"/>
+            <a:ext cx="6645897" cy="2773217"/>
+          </a:xfrm>
+          <a:prstGeom prst="rect">
+            <a:avLst/>
+          </a:prstGeom>
+        </p:spPr>
+      </p:pic>
+      <p:pic>
+        <p:nvPicPr>
+          <p:cNvPr id="14" name="Picture 13">
+            <a:extLst>
+              <a:ext uri="{FF2B5EF4-FFF2-40B4-BE49-F238E27FC236}">
+                <a16:creationId xmlns:a16="http://schemas.microsoft.com/office/drawing/2014/main" id="{7D0BCC5D-9668-3722-2F4F-6985561987D7}"/>
+              </a:ext>
+            </a:extLst>
+          </p:cNvPr>
+          <p:cNvPicPr>
+            <a:picLocks noChangeAspect="1"/>
+          </p:cNvPicPr>
+          <p:nvPr/>
+        </p:nvPicPr>
+        <p:blipFill>
+          <a:blip r:embed="rId6"/>
+          <a:stretch>
+            <a:fillRect/>
+          </a:stretch>
+        </p:blipFill>
+        <p:spPr>
+          <a:xfrm>
+            <a:off x="8562394" y="2143756"/>
+            <a:ext cx="748044" cy="1738350"/>
+          </a:xfrm>
+          <a:prstGeom prst="rect">
+            <a:avLst/>
+          </a:prstGeom>
+        </p:spPr>
+      </p:pic>
+      <p:pic>
+        <p:nvPicPr>
+          <p:cNvPr id="15" name="Picture 14">
+            <a:extLst>
+              <a:ext uri="{FF2B5EF4-FFF2-40B4-BE49-F238E27FC236}">
+                <a16:creationId xmlns:a16="http://schemas.microsoft.com/office/drawing/2014/main" id="{6E93DAC9-EB3F-C837-AF00-B4352945076A}"/>
+              </a:ext>
+            </a:extLst>
+          </p:cNvPr>
+          <p:cNvPicPr>
+            <a:picLocks noChangeAspect="1"/>
+          </p:cNvPicPr>
+          <p:nvPr/>
+        </p:nvPicPr>
+        <p:blipFill>
+          <a:blip r:embed="rId6"/>
+          <a:stretch>
+            <a:fillRect/>
+          </a:stretch>
+        </p:blipFill>
+        <p:spPr>
+          <a:xfrm>
+            <a:off x="10540892" y="2143752"/>
+            <a:ext cx="748044" cy="1738353"/>
+          </a:xfrm>
+          <a:prstGeom prst="rect">
+            <a:avLst/>
+          </a:prstGeom>
+        </p:spPr>
+      </p:pic>
+      <p:pic>
+        <p:nvPicPr>
+          <p:cNvPr id="16" name="Picture 15">
+            <a:extLst>
+              <a:ext uri="{FF2B5EF4-FFF2-40B4-BE49-F238E27FC236}">
+                <a16:creationId xmlns:a16="http://schemas.microsoft.com/office/drawing/2014/main" id="{93674511-24BA-468C-2AFD-54F9B3B58EF4}"/>
+              </a:ext>
+            </a:extLst>
+          </p:cNvPr>
+          <p:cNvPicPr>
+            <a:picLocks noChangeAspect="1"/>
+          </p:cNvPicPr>
+          <p:nvPr/>
+        </p:nvPicPr>
+        <p:blipFill>
+          <a:blip r:embed="rId6"/>
+          <a:stretch>
+            <a:fillRect/>
+          </a:stretch>
+        </p:blipFill>
+        <p:spPr>
+          <a:xfrm>
+            <a:off x="6583896" y="2151989"/>
+            <a:ext cx="748044" cy="1738353"/>
+          </a:xfrm>
+          <a:prstGeom prst="rect">
+            <a:avLst/>
+          </a:prstGeom>
+        </p:spPr>
+      </p:pic>
+      <p:sp>
+        <p:nvSpPr>
+          <p:cNvPr id="18" name="TextBox 17">
+            <a:extLst>
+              <a:ext uri="{FF2B5EF4-FFF2-40B4-BE49-F238E27FC236}">
+                <a16:creationId xmlns:a16="http://schemas.microsoft.com/office/drawing/2014/main" id="{DDF9FCE9-486E-4DBC-A463-F2C3E4CE2624}"/>
+              </a:ext>
+            </a:extLst>
+          </p:cNvPr>
+          <p:cNvSpPr txBox="1"/>
+          <p:nvPr/>
+        </p:nvSpPr>
+        <p:spPr>
+          <a:xfrm>
+            <a:off x="1573" y="18011"/>
+            <a:ext cx="5125941" cy="4801314"/>
+          </a:xfrm>
+          <a:prstGeom prst="rect">
+            <a:avLst/>
+          </a:prstGeom>
+          <a:noFill/>
+        </p:spPr>
+        <p:txBody>
+          <a:bodyPr wrap="square">
+            <a:spAutoFit/>
+          </a:bodyPr>
+          <a:lstStyle/>
+          <a:p>
+            <a:r>
+              <a:rPr lang="en-GB" sz="1600" b="1" dirty="0"/>
+              <a:t>LLM hallucinations</a:t>
+            </a:r>
+          </a:p>
+          <a:p>
+            <a:r>
+              <a:rPr lang="en-GB" sz="1600" dirty="0"/>
+              <a:t>Even when a warning appears, if users ignore it and use the output blindly — hallucinations can propagate downstream.</a:t>
+            </a:r>
+          </a:p>
+          <a:p>
+            <a:r>
+              <a:rPr lang="en-GB" sz="1600" b="1" dirty="0"/>
+              <a:t>Hallucination = AI confidently asserts falsehoods.</a:t>
+            </a:r>
+            <a:br>
+              <a:rPr lang="en-GB" sz="1600" dirty="0"/>
+            </a:br>
+            <a:r>
+              <a:rPr lang="en-GB" sz="1600" dirty="0"/>
+              <a:t>For Example:</a:t>
+            </a:r>
+          </a:p>
+          <a:p>
+            <a:pPr marL="742950" lvl="1" indent="-285750">
+              <a:buFont typeface="Wingdings" panose="05000000000000000000" pitchFamily="2" charset="2"/>
+              <a:buChar char="§"/>
+            </a:pPr>
+            <a:r>
+              <a:rPr lang="en-GB" sz="1600" dirty="0" err="1"/>
+              <a:t>Nonexistent</a:t>
+            </a:r>
+            <a:r>
+              <a:rPr lang="en-GB" sz="1600" dirty="0"/>
+              <a:t> API endpoints (“GET /</a:t>
+            </a:r>
+            <a:r>
+              <a:rPr lang="en-GB" sz="1600" dirty="0" err="1"/>
+              <a:t>api</a:t>
+            </a:r>
+            <a:r>
+              <a:rPr lang="en-GB" sz="1600" dirty="0"/>
+              <a:t>/v2/users/</a:t>
+            </a:r>
+            <a:r>
+              <a:rPr lang="en-GB" sz="1600" dirty="0" err="1"/>
+              <a:t>listAll</a:t>
+            </a:r>
+            <a:r>
+              <a:rPr lang="en-GB" sz="1600" dirty="0"/>
+              <a:t>” when none exists).</a:t>
+            </a:r>
+          </a:p>
+          <a:p>
+            <a:pPr marL="742950" lvl="1" indent="-285750">
+              <a:buFont typeface="Wingdings" panose="05000000000000000000" pitchFamily="2" charset="2"/>
+              <a:buChar char="§"/>
+            </a:pPr>
+            <a:r>
+              <a:rPr lang="en-GB" sz="1600" dirty="0"/>
+              <a:t>Invented citations, functions, or parameters.</a:t>
+            </a:r>
+          </a:p>
+          <a:p>
+            <a:pPr marL="742950" lvl="1" indent="-285750">
+              <a:buFont typeface="Wingdings" panose="05000000000000000000" pitchFamily="2" charset="2"/>
+              <a:buChar char="§"/>
+            </a:pPr>
+            <a:r>
+              <a:rPr lang="en-GB" sz="1600" dirty="0"/>
+              <a:t>Fabricated factual claims (“In 2021, Bitbucket merged with GitHub”).</a:t>
+            </a:r>
+          </a:p>
+          <a:p>
+            <a:pPr marL="742950" lvl="1" indent="-285750">
+              <a:buFont typeface="Wingdings" panose="05000000000000000000" pitchFamily="2" charset="2"/>
+              <a:buChar char="§"/>
+            </a:pPr>
+            <a:r>
+              <a:rPr lang="en-GB" sz="1600" dirty="0"/>
+              <a:t>Overgeneralized logic (“Python decorators always take two arguments”).</a:t>
+            </a:r>
+          </a:p>
+          <a:p>
+            <a:r>
+              <a:rPr lang="en-GB" sz="1600" dirty="0"/>
+              <a:t>Warnings:-</a:t>
+            </a:r>
+          </a:p>
+          <a:p>
+            <a:pPr marL="742950" lvl="1" indent="-285750">
+              <a:buFont typeface="Wingdings" panose="05000000000000000000" pitchFamily="2" charset="2"/>
+              <a:buChar char="§"/>
+            </a:pPr>
+            <a:r>
+              <a:rPr lang="en-GB" sz="1600" dirty="0"/>
+              <a:t> This response is AI-generated, for reference only.</a:t>
+            </a:r>
+          </a:p>
+          <a:p>
+            <a:pPr marL="742950" lvl="1" indent="-285750">
+              <a:buFont typeface="Wingdings" panose="05000000000000000000" pitchFamily="2" charset="2"/>
+              <a:buChar char="§"/>
+            </a:pPr>
+            <a:r>
+              <a:rPr lang="en-GB" sz="1600" dirty="0"/>
+              <a:t> </a:t>
+            </a:r>
+            <a:r>
+              <a:rPr lang="en-IN" sz="1600" dirty="0"/>
+              <a:t>ChatGPT can make mistakes.,</a:t>
+            </a:r>
+            <a:r>
+              <a:rPr lang="en-GB" sz="1600" dirty="0"/>
+              <a:t> </a:t>
+            </a:r>
+          </a:p>
+          <a:p>
+            <a:pPr marL="742950" lvl="1" indent="-285750">
+              <a:buFont typeface="Wingdings" panose="05000000000000000000" pitchFamily="2" charset="2"/>
+              <a:buChar char="§"/>
+            </a:pPr>
+            <a:r>
+              <a:rPr lang="en-GB" sz="1600" dirty="0"/>
+              <a:t>This output may be inaccurate or incomplete.,</a:t>
+            </a:r>
+          </a:p>
+          <a:p>
+            <a:pPr marL="742950" lvl="1" indent="-285750">
+              <a:buFont typeface="Wingdings" panose="05000000000000000000" pitchFamily="2" charset="2"/>
+              <a:buChar char="§"/>
+            </a:pPr>
+            <a:r>
+              <a:rPr lang="en-GB" sz="1600" dirty="0"/>
+              <a:t>Use at your own discretion., </a:t>
+            </a:r>
+          </a:p>
+          <a:p>
+            <a:pPr marL="742950" lvl="1" indent="-285750">
+              <a:buFont typeface="Wingdings" panose="05000000000000000000" pitchFamily="2" charset="2"/>
+              <a:buChar char="§"/>
+            </a:pPr>
+            <a:r>
+              <a:rPr lang="en-GB" sz="1600" dirty="0"/>
+              <a:t>Does not substitute professional judgment.</a:t>
+            </a:r>
+            <a:endParaRPr lang="en-IN" sz="1600" dirty="0"/>
+          </a:p>
+          <a:p>
+            <a:pPr marL="742950" lvl="1" indent="-285750">
+              <a:buFont typeface="Wingdings" panose="05000000000000000000" pitchFamily="2" charset="2"/>
+              <a:buChar char="§"/>
+            </a:pPr>
+            <a:endParaRPr lang="en-GB" dirty="0"/>
+          </a:p>
+        </p:txBody>
+      </p:sp>
+    </p:spTree>
+    <p:extLst>
+      <p:ext uri="{BB962C8B-B14F-4D97-AF65-F5344CB8AC3E}">
+        <p14:creationId xmlns:p14="http://schemas.microsoft.com/office/powerpoint/2010/main" val="3449094979"/>
+      </p:ext>
+    </p:extLst>
+  </p:cSld>
+  <p:clrMapOvr>
+    <a:masterClrMapping/>
+  </p:clrMapOvr>
+</p:sld>
+</file>
+
+<file path=ppt/slides/slide10.xml><?xml version="1.0" encoding="utf-8"?>
+<p:sld xmlns:a="http://schemas.openxmlformats.org/drawingml/2006/main" xmlns:r="http://schemas.openxmlformats.org/officeDocument/2006/relationships" xmlns:p="http://schemas.openxmlformats.org/presentationml/2006/main">
+  <p:cSld>
+    <p:spTree>
+      <p:nvGrpSpPr>
+        <p:cNvPr id="1" name=""/>
+        <p:cNvGrpSpPr/>
+        <p:nvPr/>
+      </p:nvGrpSpPr>
+      <p:grpSpPr>
+        <a:xfrm>
+          <a:off x="0" y="0"/>
+          <a:ext cx="0" cy="0"/>
+          <a:chOff x="0" y="0"/>
+          <a:chExt cx="0" cy="0"/>
+        </a:xfrm>
+      </p:grpSpPr>
+      <p:pic>
+        <p:nvPicPr>
+          <p:cNvPr id="3" name="Picture 2">
+            <a:extLst>
+              <a:ext uri="{FF2B5EF4-FFF2-40B4-BE49-F238E27FC236}">
+                <a16:creationId xmlns:a16="http://schemas.microsoft.com/office/drawing/2014/main" id="{3C7F5984-332F-29D6-0B84-5B37CF9BFF59}"/>
+              </a:ext>
+            </a:extLst>
+          </p:cNvPr>
+          <p:cNvPicPr>
+            <a:picLocks noChangeAspect="1"/>
+          </p:cNvPicPr>
+          <p:nvPr/>
+        </p:nvPicPr>
+        <p:blipFill>
+          <a:blip r:embed="rId2"/>
+          <a:stretch>
+            <a:fillRect/>
+          </a:stretch>
+        </p:blipFill>
+        <p:spPr>
+          <a:xfrm>
+            <a:off x="0" y="343626"/>
+            <a:ext cx="12192000" cy="6170747"/>
+          </a:xfrm>
+          <a:prstGeom prst="rect">
+            <a:avLst/>
+          </a:prstGeom>
+        </p:spPr>
+      </p:pic>
+    </p:spTree>
+    <p:extLst>
+      <p:ext uri="{BB962C8B-B14F-4D97-AF65-F5344CB8AC3E}">
+        <p14:creationId xmlns:p14="http://schemas.microsoft.com/office/powerpoint/2010/main" val="2838695008"/>
+      </p:ext>
+    </p:extLst>
+  </p:cSld>
+  <p:clrMapOvr>
+    <a:masterClrMapping/>
+  </p:clrMapOvr>
+</p:sld>
+</file>
+
+<file path=ppt/slides/slide11.xml><?xml version="1.0" encoding="utf-8"?>
+<p:sld xmlns:a="http://schemas.openxmlformats.org/drawingml/2006/main" xmlns:r="http://schemas.openxmlformats.org/officeDocument/2006/relationships" xmlns:p="http://schemas.openxmlformats.org/presentationml/2006/main">
+  <p:cSld>
+    <p:spTree>
+      <p:nvGrpSpPr>
+        <p:cNvPr id="1" name=""/>
+        <p:cNvGrpSpPr/>
+        <p:nvPr/>
+      </p:nvGrpSpPr>
+      <p:grpSpPr>
+        <a:xfrm>
+          <a:off x="0" y="0"/>
+          <a:ext cx="0" cy="0"/>
+          <a:chOff x="0" y="0"/>
+          <a:chExt cx="0" cy="0"/>
+        </a:xfrm>
+      </p:grpSpPr>
+      <p:pic>
+        <p:nvPicPr>
+          <p:cNvPr id="3" name="Picture 2">
+            <a:extLst>
+              <a:ext uri="{FF2B5EF4-FFF2-40B4-BE49-F238E27FC236}">
+                <a16:creationId xmlns:a16="http://schemas.microsoft.com/office/drawing/2014/main" id="{C1C2B21D-7D7F-3380-A39A-A7F5C07557E7}"/>
+              </a:ext>
+            </a:extLst>
+          </p:cNvPr>
+          <p:cNvPicPr>
+            <a:picLocks noChangeAspect="1"/>
+          </p:cNvPicPr>
+          <p:nvPr/>
+        </p:nvPicPr>
+        <p:blipFill>
+          <a:blip r:embed="rId2"/>
+          <a:stretch>
+            <a:fillRect/>
+          </a:stretch>
+        </p:blipFill>
+        <p:spPr>
+          <a:xfrm>
+            <a:off x="320510" y="0"/>
+            <a:ext cx="11519555" cy="6858000"/>
+          </a:xfrm>
+          <a:prstGeom prst="rect">
+            <a:avLst/>
+          </a:prstGeom>
+        </p:spPr>
+      </p:pic>
+    </p:spTree>
+    <p:extLst>
+      <p:ext uri="{BB962C8B-B14F-4D97-AF65-F5344CB8AC3E}">
+        <p14:creationId xmlns:p14="http://schemas.microsoft.com/office/powerpoint/2010/main" val="1333697852"/>
+      </p:ext>
+    </p:extLst>
+  </p:cSld>
+  <p:clrMapOvr>
+    <a:masterClrMapping/>
+  </p:clrMapOvr>
+</p:sld>
+</file>
+
+<file path=ppt/slides/slide12.xml><?xml version="1.0" encoding="utf-8"?>
+<p:sld xmlns:a="http://schemas.openxmlformats.org/drawingml/2006/main" xmlns:r="http://schemas.openxmlformats.org/officeDocument/2006/relationships" xmlns:p="http://schemas.openxmlformats.org/presentationml/2006/main">
+  <p:cSld>
+    <p:spTree>
+      <p:nvGrpSpPr>
+        <p:cNvPr id="1" name=""/>
+        <p:cNvGrpSpPr/>
+        <p:nvPr/>
+      </p:nvGrpSpPr>
+      <p:grpSpPr>
+        <a:xfrm>
+          <a:off x="0" y="0"/>
+          <a:ext cx="0" cy="0"/>
+          <a:chOff x="0" y="0"/>
+          <a:chExt cx="0" cy="0"/>
+        </a:xfrm>
+      </p:grpSpPr>
+      <p:sp>
+        <p:nvSpPr>
+          <p:cNvPr id="3" name="TextBox 2">
+            <a:extLst>
+              <a:ext uri="{FF2B5EF4-FFF2-40B4-BE49-F238E27FC236}">
+                <a16:creationId xmlns:a16="http://schemas.microsoft.com/office/drawing/2014/main" id="{34BEC984-CCFD-BD77-37E8-5FEA7930EC06}"/>
+              </a:ext>
+            </a:extLst>
+          </p:cNvPr>
+          <p:cNvSpPr txBox="1"/>
+          <p:nvPr/>
+        </p:nvSpPr>
+        <p:spPr>
+          <a:xfrm>
+            <a:off x="707010" y="780631"/>
+            <a:ext cx="8434633" cy="5578450"/>
+          </a:xfrm>
+          <a:prstGeom prst="rect">
+            <a:avLst/>
+          </a:prstGeom>
+          <a:noFill/>
+        </p:spPr>
+        <p:txBody>
+          <a:bodyPr wrap="square">
+            <a:spAutoFit/>
+          </a:bodyPr>
+          <a:lstStyle/>
+          <a:p>
+            <a:pPr algn="l">
+              <a:lnSpc>
+                <a:spcPts val="2400"/>
+              </a:lnSpc>
+              <a:spcBef>
+                <a:spcPts val="2400"/>
+              </a:spcBef>
+              <a:spcAft>
+                <a:spcPts val="1200"/>
+              </a:spcAft>
+              <a:buNone/>
+            </a:pPr>
+            <a:r>
+              <a:rPr lang="en-GB" b="1" dirty="0">
+                <a:solidFill>
+                  <a:srgbClr val="0F1115"/>
+                </a:solidFill>
+                <a:effectLst/>
+                <a:latin typeface="quote-cjk-patch"/>
+              </a:rPr>
+              <a:t>Key Insight:</a:t>
+            </a:r>
+          </a:p>
+          <a:p>
+            <a:pPr algn="l">
+              <a:spcBef>
+                <a:spcPts val="1200"/>
+              </a:spcBef>
+              <a:spcAft>
+                <a:spcPts val="1200"/>
+              </a:spcAft>
+              <a:buNone/>
+            </a:pPr>
+            <a:r>
+              <a:rPr lang="en-GB" b="0" i="0" dirty="0">
+                <a:solidFill>
+                  <a:srgbClr val="0F1115"/>
+                </a:solidFill>
+                <a:effectLst/>
+                <a:latin typeface="quote-cjk-patch"/>
+              </a:rPr>
+              <a:t>The </a:t>
+            </a:r>
+            <a:r>
+              <a:rPr lang="en-GB" b="1" i="0" dirty="0">
+                <a:solidFill>
+                  <a:srgbClr val="0F1115"/>
+                </a:solidFill>
+                <a:effectLst/>
+                <a:latin typeface="quote-cjk-patch"/>
+              </a:rPr>
+              <a:t>Multi-dim Validation</a:t>
+            </a:r>
+            <a:r>
+              <a:rPr lang="en-GB" b="0" i="0" dirty="0">
+                <a:solidFill>
+                  <a:srgbClr val="0F1115"/>
+                </a:solidFill>
+                <a:effectLst/>
+                <a:latin typeface="quote-cjk-patch"/>
+              </a:rPr>
+              <a:t> layer provides the </a:t>
+            </a:r>
+            <a:r>
+              <a:rPr lang="en-GB" b="1" i="0" dirty="0">
+                <a:solidFill>
+                  <a:srgbClr val="0F1115"/>
+                </a:solidFill>
+                <a:effectLst/>
+                <a:latin typeface="quote-cjk-patch"/>
+              </a:rPr>
+              <a:t>analytical foundation</a:t>
+            </a:r>
+            <a:r>
+              <a:rPr lang="en-GB" b="0" i="0" dirty="0">
+                <a:solidFill>
+                  <a:srgbClr val="0F1115"/>
+                </a:solidFill>
+                <a:effectLst/>
+                <a:latin typeface="quote-cjk-patch"/>
+              </a:rPr>
+              <a:t> that enables the specialized detectors to be so precise. Instead of each detector working in isolation, they all leverage these four verification dimensions, making the identification system:</a:t>
+            </a:r>
+          </a:p>
+          <a:p>
+            <a:pPr algn="l">
+              <a:spcBef>
+                <a:spcPts val="1200"/>
+              </a:spcBef>
+              <a:spcAft>
+                <a:spcPts val="1200"/>
+              </a:spcAft>
+              <a:buFont typeface="Arial" panose="020B0604020202020204" pitchFamily="34" charset="0"/>
+              <a:buChar char="•"/>
+            </a:pPr>
+            <a:r>
+              <a:rPr lang="en-GB" b="1" i="0" dirty="0">
+                <a:solidFill>
+                  <a:srgbClr val="0F1115"/>
+                </a:solidFill>
+                <a:effectLst/>
+                <a:latin typeface="quote-cjk-patch"/>
+              </a:rPr>
+              <a:t>More robust</a:t>
+            </a:r>
+            <a:r>
+              <a:rPr lang="en-GB" b="0" i="0" dirty="0">
+                <a:solidFill>
+                  <a:srgbClr val="0F1115"/>
+                </a:solidFill>
+                <a:effectLst/>
+                <a:latin typeface="quote-cjk-patch"/>
+              </a:rPr>
+              <a:t> (multiple validation angles)</a:t>
+            </a:r>
+          </a:p>
+          <a:p>
+            <a:pPr algn="l">
+              <a:spcBef>
+                <a:spcPts val="450"/>
+              </a:spcBef>
+              <a:spcAft>
+                <a:spcPts val="1200"/>
+              </a:spcAft>
+              <a:buFont typeface="Arial" panose="020B0604020202020204" pitchFamily="34" charset="0"/>
+              <a:buChar char="•"/>
+            </a:pPr>
+            <a:r>
+              <a:rPr lang="en-GB" b="1" i="0" dirty="0">
+                <a:solidFill>
+                  <a:srgbClr val="0F1115"/>
+                </a:solidFill>
+                <a:effectLst/>
+                <a:latin typeface="quote-cjk-patch"/>
+              </a:rPr>
+              <a:t>More accurate</a:t>
+            </a:r>
+            <a:r>
+              <a:rPr lang="en-GB" b="0" i="0" dirty="0">
+                <a:solidFill>
+                  <a:srgbClr val="0F1115"/>
+                </a:solidFill>
+                <a:effectLst/>
+                <a:latin typeface="quote-cjk-patch"/>
+              </a:rPr>
+              <a:t> (cross-dimensional consistency checking)</a:t>
+            </a:r>
+          </a:p>
+          <a:p>
+            <a:pPr algn="l">
+              <a:spcBef>
+                <a:spcPts val="450"/>
+              </a:spcBef>
+              <a:spcAft>
+                <a:spcPts val="1200"/>
+              </a:spcAft>
+              <a:buFont typeface="Arial" panose="020B0604020202020204" pitchFamily="34" charset="0"/>
+              <a:buChar char="•"/>
+            </a:pPr>
+            <a:r>
+              <a:rPr lang="en-GB" b="1" i="0" dirty="0">
+                <a:solidFill>
+                  <a:srgbClr val="0F1115"/>
+                </a:solidFill>
+                <a:effectLst/>
+                <a:latin typeface="quote-cjk-patch"/>
+              </a:rPr>
+              <a:t>More scalable</a:t>
+            </a:r>
+            <a:r>
+              <a:rPr lang="en-GB" b="0" i="0" dirty="0">
+                <a:solidFill>
+                  <a:srgbClr val="0F1115"/>
+                </a:solidFill>
+                <a:effectLst/>
+                <a:latin typeface="quote-cjk-patch"/>
+              </a:rPr>
+              <a:t> (reusable validation patterns)</a:t>
+            </a:r>
+          </a:p>
+          <a:p>
+            <a:pPr algn="l">
+              <a:spcBef>
+                <a:spcPts val="450"/>
+              </a:spcBef>
+              <a:spcAft>
+                <a:spcPts val="1200"/>
+              </a:spcAft>
+              <a:buFont typeface="Arial" panose="020B0604020202020204" pitchFamily="34" charset="0"/>
+              <a:buChar char="•"/>
+            </a:pPr>
+            <a:r>
+              <a:rPr lang="en-GB" b="1" i="0" dirty="0">
+                <a:solidFill>
+                  <a:srgbClr val="0F1115"/>
+                </a:solidFill>
+                <a:effectLst/>
+                <a:latin typeface="quote-cjk-patch"/>
+              </a:rPr>
+              <a:t>More explainable</a:t>
+            </a:r>
+            <a:r>
+              <a:rPr lang="en-GB" b="0" i="0" dirty="0">
+                <a:solidFill>
+                  <a:srgbClr val="0F1115"/>
+                </a:solidFill>
+                <a:effectLst/>
+                <a:latin typeface="quote-cjk-patch"/>
+              </a:rPr>
+              <a:t> (clear which dimension detected the issue)</a:t>
+            </a:r>
+          </a:p>
+          <a:p>
+            <a:r>
+              <a:rPr lang="en-IN" b="1" dirty="0"/>
+              <a:t>Multi-dim Validation Applied:</a:t>
+            </a:r>
+          </a:p>
+          <a:p>
+            <a:r>
+              <a:rPr lang="en-IN" b="1" dirty="0"/>
+              <a:t>Statistical Analysis</a:t>
+            </a:r>
+            <a:r>
+              <a:rPr lang="en-IN" dirty="0"/>
+              <a:t>: Checks if command structure matches AWS CLI patterns</a:t>
+            </a:r>
+          </a:p>
+          <a:p>
+            <a:r>
+              <a:rPr lang="en-IN" b="1" dirty="0"/>
+              <a:t>Temporal Reasoning</a:t>
+            </a:r>
+            <a:r>
+              <a:rPr lang="en-IN" dirty="0"/>
+              <a:t>: Validates command syntax against current AWS CLI version</a:t>
+            </a:r>
+          </a:p>
+          <a:p>
+            <a:r>
+              <a:rPr lang="en-IN" b="1" dirty="0"/>
+              <a:t>Geospatial Validation</a:t>
+            </a:r>
+            <a:r>
+              <a:rPr lang="en-IN" dirty="0"/>
+              <a:t>: Confirms this is valid AWS syntax (not Azure/GCP)</a:t>
+            </a:r>
+          </a:p>
+          <a:p>
+            <a:r>
+              <a:rPr lang="en-IN" b="1" dirty="0"/>
+              <a:t>Entity Consistency</a:t>
+            </a:r>
+            <a:r>
+              <a:rPr lang="en-IN" dirty="0"/>
+              <a:t>: Ensures encrypt subcommand exists for </a:t>
+            </a:r>
+            <a:r>
+              <a:rPr lang="en-IN" dirty="0" err="1"/>
+              <a:t>aws</a:t>
+            </a:r>
+            <a:r>
+              <a:rPr lang="en-IN" dirty="0"/>
+              <a:t> s3 entity</a:t>
+            </a:r>
+          </a:p>
+          <a:p>
+            <a:pPr algn="l">
+              <a:spcBef>
+                <a:spcPts val="1200"/>
+              </a:spcBef>
+              <a:buNone/>
+            </a:pPr>
+            <a:endParaRPr lang="en-GB" b="0" i="0" dirty="0">
+              <a:solidFill>
+                <a:srgbClr val="0F1115"/>
+              </a:solidFill>
+              <a:effectLst/>
+              <a:latin typeface="quote-cjk-patch"/>
+            </a:endParaRPr>
+          </a:p>
+        </p:txBody>
+      </p:sp>
+    </p:spTree>
+    <p:extLst>
+      <p:ext uri="{BB962C8B-B14F-4D97-AF65-F5344CB8AC3E}">
+        <p14:creationId xmlns:p14="http://schemas.microsoft.com/office/powerpoint/2010/main" val="3323442572"/>
+      </p:ext>
+    </p:extLst>
+  </p:cSld>
+  <p:clrMapOvr>
+    <a:masterClrMapping/>
+  </p:clrMapOvr>
+</p:sld>
+</file>
+
+<file path=ppt/slides/slide13.xml><?xml version="1.0" encoding="utf-8"?>
+<p:sld xmlns:a="http://schemas.openxmlformats.org/drawingml/2006/main" xmlns:r="http://schemas.openxmlformats.org/officeDocument/2006/relationships" xmlns:p="http://schemas.openxmlformats.org/presentationml/2006/main">
+  <p:cSld>
+    <p:spTree>
+      <p:nvGrpSpPr>
+        <p:cNvPr id="1" name=""/>
+        <p:cNvGrpSpPr/>
+        <p:nvPr/>
+      </p:nvGrpSpPr>
+      <p:grpSpPr>
+        <a:xfrm>
+          <a:off x="0" y="0"/>
+          <a:ext cx="0" cy="0"/>
+          <a:chOff x="0" y="0"/>
+          <a:chExt cx="0" cy="0"/>
+        </a:xfrm>
+      </p:grpSpPr>
+      <p:pic>
+        <p:nvPicPr>
+          <p:cNvPr id="3" name="Picture 2">
+            <a:extLst>
+              <a:ext uri="{FF2B5EF4-FFF2-40B4-BE49-F238E27FC236}">
+                <a16:creationId xmlns:a16="http://schemas.microsoft.com/office/drawing/2014/main" id="{C12E70FB-89B9-E87B-C6C7-BF0B97BF7FB2}"/>
+              </a:ext>
+            </a:extLst>
+          </p:cNvPr>
+          <p:cNvPicPr>
+            <a:picLocks noChangeAspect="1"/>
+          </p:cNvPicPr>
+          <p:nvPr/>
+        </p:nvPicPr>
+        <p:blipFill>
+          <a:blip r:embed="rId2"/>
+          <a:stretch>
+            <a:fillRect/>
+          </a:stretch>
+        </p:blipFill>
+        <p:spPr>
+          <a:xfrm>
+            <a:off x="886120" y="1976234"/>
+            <a:ext cx="9658676" cy="3764689"/>
+          </a:xfrm>
+          <a:prstGeom prst="rect">
+            <a:avLst/>
+          </a:prstGeom>
+        </p:spPr>
+      </p:pic>
+    </p:spTree>
+    <p:extLst>
+      <p:ext uri="{BB962C8B-B14F-4D97-AF65-F5344CB8AC3E}">
+        <p14:creationId xmlns:p14="http://schemas.microsoft.com/office/powerpoint/2010/main" val="1301239435"/>
+      </p:ext>
+    </p:extLst>
+  </p:cSld>
+  <p:clrMapOvr>
+    <a:masterClrMapping/>
+  </p:clrMapOvr>
+</p:sld>
+</file>
+
+<file path=ppt/slides/slide14.xml><?xml version="1.0" encoding="utf-8"?>
+<p:sld xmlns:a="http://schemas.openxmlformats.org/drawingml/2006/main" xmlns:r="http://schemas.openxmlformats.org/officeDocument/2006/relationships" xmlns:p="http://schemas.openxmlformats.org/presentationml/2006/main">
+  <p:cSld>
+    <p:spTree>
+      <p:nvGrpSpPr>
+        <p:cNvPr id="1" name=""/>
+        <p:cNvGrpSpPr/>
+        <p:nvPr/>
+      </p:nvGrpSpPr>
+      <p:grpSpPr>
+        <a:xfrm>
+          <a:off x="0" y="0"/>
+          <a:ext cx="0" cy="0"/>
+          <a:chOff x="0" y="0"/>
+          <a:chExt cx="0" cy="0"/>
+        </a:xfrm>
+      </p:grpSpPr>
+      <p:graphicFrame>
+        <p:nvGraphicFramePr>
+          <p:cNvPr id="2" name="Table 1">
+            <a:extLst>
+              <a:ext uri="{FF2B5EF4-FFF2-40B4-BE49-F238E27FC236}">
+                <a16:creationId xmlns:a16="http://schemas.microsoft.com/office/drawing/2014/main" id="{0B458BB6-33C0-2E70-67F4-508EFFAAE0D0}"/>
+              </a:ext>
+            </a:extLst>
+          </p:cNvPr>
+          <p:cNvGraphicFramePr>
+            <a:graphicFrameLocks noGrp="1"/>
+          </p:cNvGraphicFramePr>
+          <p:nvPr>
+            <p:extLst>
+              <p:ext uri="{D42A27DB-BD31-4B8C-83A1-F6EECF244321}">
+                <p14:modId xmlns:p14="http://schemas.microsoft.com/office/powerpoint/2010/main" val="158580318"/>
+              </p:ext>
+            </p:extLst>
+          </p:nvPr>
+        </p:nvGraphicFramePr>
+        <p:xfrm>
+          <a:off x="734505" y="0"/>
+          <a:ext cx="10515600" cy="2933700"/>
+        </p:xfrm>
+        <a:graphic>
+          <a:graphicData uri="http://schemas.openxmlformats.org/drawingml/2006/table">
+            <a:tbl>
+              <a:tblPr/>
+              <a:tblGrid>
+                <a:gridCol w="2399190">
+                  <a:extLst>
+                    <a:ext uri="{9D8B030D-6E8A-4147-A177-3AD203B41FA5}">
+                      <a16:colId xmlns:a16="http://schemas.microsoft.com/office/drawing/2014/main" val="3356889955"/>
+                    </a:ext>
+                  </a:extLst>
+                </a:gridCol>
+                <a:gridCol w="2705470">
+                  <a:extLst>
+                    <a:ext uri="{9D8B030D-6E8A-4147-A177-3AD203B41FA5}">
+                      <a16:colId xmlns:a16="http://schemas.microsoft.com/office/drawing/2014/main" val="2923194953"/>
+                    </a:ext>
+                  </a:extLst>
+                </a:gridCol>
+                <a:gridCol w="2705470">
+                  <a:extLst>
+                    <a:ext uri="{9D8B030D-6E8A-4147-A177-3AD203B41FA5}">
+                      <a16:colId xmlns:a16="http://schemas.microsoft.com/office/drawing/2014/main" val="571879987"/>
+                    </a:ext>
+                  </a:extLst>
+                </a:gridCol>
+                <a:gridCol w="2705470">
+                  <a:extLst>
+                    <a:ext uri="{9D8B030D-6E8A-4147-A177-3AD203B41FA5}">
+                      <a16:colId xmlns:a16="http://schemas.microsoft.com/office/drawing/2014/main" val="1821471162"/>
+                    </a:ext>
+                  </a:extLst>
+                </a:gridCol>
+              </a:tblGrid>
+              <a:tr h="300401">
+                <a:tc>
+                  <a:txBody>
+                    <a:bodyPr/>
+                    <a:lstStyle/>
+                    <a:p>
+                      <a:pPr algn="l">
+                        <a:lnSpc>
+                          <a:spcPts val="1875"/>
+                        </a:lnSpc>
+                        <a:buNone/>
+                      </a:pPr>
+                      <a:r>
+                        <a:rPr lang="en-IN" b="0" dirty="0">
+                          <a:effectLst/>
+                          <a:latin typeface="quote-cjk-patch"/>
+                        </a:rPr>
+                        <a:t>Patent</a:t>
+                      </a:r>
+                    </a:p>
+                  </a:txBody>
+                  <a:tcPr marR="121920" marT="76200" marB="76200" anchor="ctr">
+                    <a:lnL w="12700" cap="flat" cmpd="sng" algn="ctr">
+                      <a:solidFill>
+                        <a:schemeClr val="tx1"/>
+                      </a:solidFill>
+                      <a:prstDash val="solid"/>
+                      <a:round/>
+                      <a:headEnd type="none" w="med" len="med"/>
+                      <a:tailEnd type="none" w="med" len="med"/>
+                    </a:lnL>
+                    <a:lnR w="12700" cap="flat" cmpd="sng" algn="ctr">
+                      <a:solidFill>
+                        <a:schemeClr val="tx1"/>
+                      </a:solidFill>
+                      <a:prstDash val="solid"/>
+                      <a:round/>
+                      <a:headEnd type="none" w="med" len="med"/>
+                      <a:tailEnd type="none" w="med" len="med"/>
+                    </a:lnR>
+                    <a:lnT w="12700" cap="flat" cmpd="sng" algn="ctr">
+                      <a:solidFill>
+                        <a:schemeClr val="tx1"/>
+                      </a:solidFill>
+                      <a:prstDash val="solid"/>
+                      <a:round/>
+                      <a:headEnd type="none" w="med" len="med"/>
+                      <a:tailEnd type="none" w="med" len="med"/>
+                    </a:lnT>
+                    <a:lnB w="12700" cap="flat" cmpd="sng" algn="ctr">
+                      <a:solidFill>
+                        <a:schemeClr val="tx1"/>
+                      </a:solidFill>
+                      <a:prstDash val="solid"/>
+                      <a:round/>
+                      <a:headEnd type="none" w="med" len="med"/>
+                      <a:tailEnd type="none" w="med" len="med"/>
+                    </a:lnB>
+                    <a:solidFill>
+                      <a:srgbClr val="FFFFFF"/>
+                    </a:solidFill>
+                  </a:tcPr>
+                </a:tc>
+                <a:tc>
+                  <a:txBody>
+                    <a:bodyPr/>
+                    <a:lstStyle/>
+                    <a:p>
+                      <a:pPr algn="l">
+                        <a:lnSpc>
+                          <a:spcPts val="1875"/>
+                        </a:lnSpc>
+                        <a:buNone/>
+                      </a:pPr>
+                      <a:r>
+                        <a:rPr lang="en-IN" b="0">
+                          <a:effectLst/>
+                          <a:latin typeface="quote-cjk-patch"/>
+                        </a:rPr>
+                        <a:t>Core Innovation</a:t>
+                      </a:r>
+                    </a:p>
+                  </a:txBody>
+                  <a:tcPr marL="121920" marR="121920" marT="76200" marB="76200" anchor="ctr">
+                    <a:lnL w="12700" cap="flat" cmpd="sng" algn="ctr">
+                      <a:solidFill>
+                        <a:schemeClr val="tx1"/>
+                      </a:solidFill>
+                      <a:prstDash val="solid"/>
+                      <a:round/>
+                      <a:headEnd type="none" w="med" len="med"/>
+                      <a:tailEnd type="none" w="med" len="med"/>
+                    </a:lnL>
+                    <a:lnR w="12700" cap="flat" cmpd="sng" algn="ctr">
+                      <a:solidFill>
+                        <a:schemeClr val="tx1"/>
+                      </a:solidFill>
+                      <a:prstDash val="solid"/>
+                      <a:round/>
+                      <a:headEnd type="none" w="med" len="med"/>
+                      <a:tailEnd type="none" w="med" len="med"/>
+                    </a:lnR>
+                    <a:lnT w="12700" cap="flat" cmpd="sng" algn="ctr">
+                      <a:solidFill>
+                        <a:schemeClr val="tx1"/>
+                      </a:solidFill>
+                      <a:prstDash val="solid"/>
+                      <a:round/>
+                      <a:headEnd type="none" w="med" len="med"/>
+                      <a:tailEnd type="none" w="med" len="med"/>
+                    </a:lnT>
+                    <a:lnB w="12700" cap="flat" cmpd="sng" algn="ctr">
+                      <a:solidFill>
+                        <a:schemeClr val="tx1"/>
+                      </a:solidFill>
+                      <a:prstDash val="solid"/>
+                      <a:round/>
+                      <a:headEnd type="none" w="med" len="med"/>
+                      <a:tailEnd type="none" w="med" len="med"/>
+                    </a:lnB>
+                    <a:solidFill>
+                      <a:srgbClr val="FFFFFF"/>
+                    </a:solidFill>
+                  </a:tcPr>
+                </a:tc>
+                <a:tc>
+                  <a:txBody>
+                    <a:bodyPr/>
+                    <a:lstStyle/>
+                    <a:p>
+                      <a:pPr algn="l">
+                        <a:lnSpc>
+                          <a:spcPts val="1875"/>
+                        </a:lnSpc>
+                        <a:buNone/>
+                      </a:pPr>
+                      <a:r>
+                        <a:rPr lang="en-IN" b="0">
+                          <a:effectLst/>
+                          <a:latin typeface="quote-cjk-patch"/>
+                        </a:rPr>
+                        <a:t>Traditional Approach</a:t>
+                      </a:r>
+                    </a:p>
+                  </a:txBody>
+                  <a:tcPr marL="121920" marR="121920" marT="76200" marB="76200" anchor="ctr">
+                    <a:lnL w="12700" cap="flat" cmpd="sng" algn="ctr">
+                      <a:solidFill>
+                        <a:schemeClr val="tx1"/>
+                      </a:solidFill>
+                      <a:prstDash val="solid"/>
+                      <a:round/>
+                      <a:headEnd type="none" w="med" len="med"/>
+                      <a:tailEnd type="none" w="med" len="med"/>
+                    </a:lnL>
+                    <a:lnR w="12700" cap="flat" cmpd="sng" algn="ctr">
+                      <a:solidFill>
+                        <a:schemeClr val="tx1"/>
+                      </a:solidFill>
+                      <a:prstDash val="solid"/>
+                      <a:round/>
+                      <a:headEnd type="none" w="med" len="med"/>
+                      <a:tailEnd type="none" w="med" len="med"/>
+                    </a:lnR>
+                    <a:lnT w="12700" cap="flat" cmpd="sng" algn="ctr">
+                      <a:solidFill>
+                        <a:schemeClr val="tx1"/>
+                      </a:solidFill>
+                      <a:prstDash val="solid"/>
+                      <a:round/>
+                      <a:headEnd type="none" w="med" len="med"/>
+                      <a:tailEnd type="none" w="med" len="med"/>
+                    </a:lnT>
+                    <a:lnB w="12700" cap="flat" cmpd="sng" algn="ctr">
+                      <a:solidFill>
+                        <a:schemeClr val="tx1"/>
+                      </a:solidFill>
+                      <a:prstDash val="solid"/>
+                      <a:round/>
+                      <a:headEnd type="none" w="med" len="med"/>
+                      <a:tailEnd type="none" w="med" len="med"/>
+                    </a:lnB>
+                    <a:solidFill>
+                      <a:srgbClr val="FFFFFF"/>
+                    </a:solidFill>
+                  </a:tcPr>
+                </a:tc>
+                <a:tc>
+                  <a:txBody>
+                    <a:bodyPr/>
+                    <a:lstStyle/>
+                    <a:p>
+                      <a:pPr algn="l">
+                        <a:lnSpc>
+                          <a:spcPts val="1875"/>
+                        </a:lnSpc>
+                        <a:buNone/>
+                      </a:pPr>
+                      <a:r>
+                        <a:rPr lang="en-IN" b="0">
+                          <a:effectLst/>
+                          <a:latin typeface="quote-cjk-patch"/>
+                        </a:rPr>
+                        <a:t>VeriFactAI Novelty</a:t>
+                      </a:r>
+                    </a:p>
+                  </a:txBody>
+                  <a:tcPr marL="121920" marR="121920" marT="76200" marB="76200" anchor="ctr">
+                    <a:lnL w="12700" cap="flat" cmpd="sng" algn="ctr">
+                      <a:solidFill>
+                        <a:schemeClr val="tx1"/>
+                      </a:solidFill>
+                      <a:prstDash val="solid"/>
+                      <a:round/>
+                      <a:headEnd type="none" w="med" len="med"/>
+                      <a:tailEnd type="none" w="med" len="med"/>
+                    </a:lnL>
+                    <a:lnR w="12700" cap="flat" cmpd="sng" algn="ctr">
+                      <a:solidFill>
+                        <a:schemeClr val="tx1"/>
+                      </a:solidFill>
+                      <a:prstDash val="solid"/>
+                      <a:round/>
+                      <a:headEnd type="none" w="med" len="med"/>
+                      <a:tailEnd type="none" w="med" len="med"/>
+                    </a:lnR>
+                    <a:lnT w="12700" cap="flat" cmpd="sng" algn="ctr">
+                      <a:solidFill>
+                        <a:schemeClr val="tx1"/>
+                      </a:solidFill>
+                      <a:prstDash val="solid"/>
+                      <a:round/>
+                      <a:headEnd type="none" w="med" len="med"/>
+                      <a:tailEnd type="none" w="med" len="med"/>
+                    </a:lnT>
+                    <a:lnB w="12700" cap="flat" cmpd="sng" algn="ctr">
+                      <a:solidFill>
+                        <a:schemeClr val="tx1"/>
+                      </a:solidFill>
+                      <a:prstDash val="solid"/>
+                      <a:round/>
+                      <a:headEnd type="none" w="med" len="med"/>
+                      <a:tailEnd type="none" w="med" len="med"/>
+                    </a:lnB>
+                    <a:solidFill>
+                      <a:srgbClr val="FFFFFF"/>
+                    </a:solidFill>
+                  </a:tcPr>
+                </a:tc>
+                <a:extLst>
+                  <a:ext uri="{0D108BD9-81ED-4DB2-BD59-A6C34878D82A}">
+                    <a16:rowId xmlns:a16="http://schemas.microsoft.com/office/drawing/2014/main" val="2125972571"/>
+                  </a:ext>
+                </a:extLst>
+              </a:tr>
+              <a:tr h="484518">
+                <a:tc>
+                  <a:txBody>
+                    <a:bodyPr/>
+                    <a:lstStyle/>
+                    <a:p>
+                      <a:pPr>
+                        <a:lnSpc>
+                          <a:spcPts val="1875"/>
+                        </a:lnSpc>
+                        <a:buNone/>
+                      </a:pPr>
+                      <a:r>
+                        <a:rPr lang="en-IN" b="1" dirty="0">
+                          <a:effectLst/>
+                          <a:latin typeface="quote-cjk-patch"/>
+                        </a:rPr>
+                        <a:t>📜 Claim Extraction</a:t>
+                      </a:r>
+                      <a:endParaRPr lang="en-IN" b="0" dirty="0">
+                        <a:effectLst/>
+                        <a:latin typeface="quote-cjk-patch"/>
+                      </a:endParaRPr>
+                    </a:p>
+                  </a:txBody>
+                  <a:tcPr marR="121920" marT="76200" marB="76200" anchor="ctr">
+                    <a:lnL w="12700" cap="flat" cmpd="sng" algn="ctr">
+                      <a:solidFill>
+                        <a:schemeClr val="tx1"/>
+                      </a:solidFill>
+                      <a:prstDash val="solid"/>
+                      <a:round/>
+                      <a:headEnd type="none" w="med" len="med"/>
+                      <a:tailEnd type="none" w="med" len="med"/>
+                    </a:lnL>
+                    <a:lnR w="12700" cap="flat" cmpd="sng" algn="ctr">
+                      <a:solidFill>
+                        <a:schemeClr val="tx1"/>
+                      </a:solidFill>
+                      <a:prstDash val="solid"/>
+                      <a:round/>
+                      <a:headEnd type="none" w="med" len="med"/>
+                      <a:tailEnd type="none" w="med" len="med"/>
+                    </a:lnR>
+                    <a:lnT w="12700" cap="flat" cmpd="sng" algn="ctr">
+                      <a:solidFill>
+                        <a:schemeClr val="tx1"/>
+                      </a:solidFill>
+                      <a:prstDash val="solid"/>
+                      <a:round/>
+                      <a:headEnd type="none" w="med" len="med"/>
+                      <a:tailEnd type="none" w="med" len="med"/>
+                    </a:lnT>
+                    <a:lnB w="12700" cap="flat" cmpd="sng" algn="ctr">
+                      <a:solidFill>
+                        <a:schemeClr val="tx1"/>
+                      </a:solidFill>
+                      <a:prstDash val="solid"/>
+                      <a:round/>
+                      <a:headEnd type="none" w="med" len="med"/>
+                      <a:tailEnd type="none" w="med" len="med"/>
+                    </a:lnB>
+                    <a:solidFill>
+                      <a:srgbClr val="FFFFFF"/>
+                    </a:solidFill>
+                  </a:tcPr>
+                </a:tc>
+                <a:tc>
+                  <a:txBody>
+                    <a:bodyPr/>
+                    <a:lstStyle/>
+                    <a:p>
+                      <a:pPr>
+                        <a:lnSpc>
+                          <a:spcPts val="1875"/>
+                        </a:lnSpc>
+                        <a:buNone/>
+                      </a:pPr>
+                      <a:r>
+                        <a:rPr lang="en-IN" b="0" dirty="0">
+                          <a:effectLst/>
+                          <a:latin typeface="quote-cjk-patch"/>
+                        </a:rPr>
+                        <a:t>Semantic claim isolation</a:t>
+                      </a:r>
+                    </a:p>
+                  </a:txBody>
+                  <a:tcPr marL="121920" marR="121920" marT="76200" marB="76200" anchor="ctr">
+                    <a:lnL w="12700" cap="flat" cmpd="sng" algn="ctr">
+                      <a:solidFill>
+                        <a:schemeClr val="tx1"/>
+                      </a:solidFill>
+                      <a:prstDash val="solid"/>
+                      <a:round/>
+                      <a:headEnd type="none" w="med" len="med"/>
+                      <a:tailEnd type="none" w="med" len="med"/>
+                    </a:lnL>
+                    <a:lnR w="12700" cap="flat" cmpd="sng" algn="ctr">
+                      <a:solidFill>
+                        <a:schemeClr val="tx1"/>
+                      </a:solidFill>
+                      <a:prstDash val="solid"/>
+                      <a:round/>
+                      <a:headEnd type="none" w="med" len="med"/>
+                      <a:tailEnd type="none" w="med" len="med"/>
+                    </a:lnR>
+                    <a:lnT w="12700" cap="flat" cmpd="sng" algn="ctr">
+                      <a:solidFill>
+                        <a:schemeClr val="tx1"/>
+                      </a:solidFill>
+                      <a:prstDash val="solid"/>
+                      <a:round/>
+                      <a:headEnd type="none" w="med" len="med"/>
+                      <a:tailEnd type="none" w="med" len="med"/>
+                    </a:lnT>
+                    <a:lnB w="12700" cap="flat" cmpd="sng" algn="ctr">
+                      <a:solidFill>
+                        <a:schemeClr val="tx1"/>
+                      </a:solidFill>
+                      <a:prstDash val="solid"/>
+                      <a:round/>
+                      <a:headEnd type="none" w="med" len="med"/>
+                      <a:tailEnd type="none" w="med" len="med"/>
+                    </a:lnB>
+                    <a:solidFill>
+                      <a:srgbClr val="FFFFFF"/>
+                    </a:solidFill>
+                  </a:tcPr>
+                </a:tc>
+                <a:tc>
+                  <a:txBody>
+                    <a:bodyPr/>
+                    <a:lstStyle/>
+                    <a:p>
+                      <a:pPr>
+                        <a:lnSpc>
+                          <a:spcPts val="1875"/>
+                        </a:lnSpc>
+                        <a:buNone/>
+                      </a:pPr>
+                      <a:r>
+                        <a:rPr lang="en-IN" b="0" dirty="0">
+                          <a:effectLst/>
+                          <a:latin typeface="quote-cjk-patch"/>
+                        </a:rPr>
+                        <a:t>Simple sentence splitting</a:t>
+                      </a:r>
+                    </a:p>
+                  </a:txBody>
+                  <a:tcPr marL="121920" marR="121920" marT="76200" marB="76200" anchor="ctr">
+                    <a:lnL w="12700" cap="flat" cmpd="sng" algn="ctr">
+                      <a:solidFill>
+                        <a:schemeClr val="tx1"/>
+                      </a:solidFill>
+                      <a:prstDash val="solid"/>
+                      <a:round/>
+                      <a:headEnd type="none" w="med" len="med"/>
+                      <a:tailEnd type="none" w="med" len="med"/>
+                    </a:lnL>
+                    <a:lnR w="12700" cap="flat" cmpd="sng" algn="ctr">
+                      <a:solidFill>
+                        <a:schemeClr val="tx1"/>
+                      </a:solidFill>
+                      <a:prstDash val="solid"/>
+                      <a:round/>
+                      <a:headEnd type="none" w="med" len="med"/>
+                      <a:tailEnd type="none" w="med" len="med"/>
+                    </a:lnR>
+                    <a:lnT w="12700" cap="flat" cmpd="sng" algn="ctr">
+                      <a:solidFill>
+                        <a:schemeClr val="tx1"/>
+                      </a:solidFill>
+                      <a:prstDash val="solid"/>
+                      <a:round/>
+                      <a:headEnd type="none" w="med" len="med"/>
+                      <a:tailEnd type="none" w="med" len="med"/>
+                    </a:lnT>
+                    <a:lnB w="12700" cap="flat" cmpd="sng" algn="ctr">
+                      <a:solidFill>
+                        <a:schemeClr val="tx1"/>
+                      </a:solidFill>
+                      <a:prstDash val="solid"/>
+                      <a:round/>
+                      <a:headEnd type="none" w="med" len="med"/>
+                      <a:tailEnd type="none" w="med" len="med"/>
+                    </a:lnB>
+                    <a:solidFill>
+                      <a:srgbClr val="FFFFFF"/>
+                    </a:solidFill>
+                  </a:tcPr>
+                </a:tc>
+                <a:tc>
+                  <a:txBody>
+                    <a:bodyPr/>
+                    <a:lstStyle/>
+                    <a:p>
+                      <a:pPr>
+                        <a:lnSpc>
+                          <a:spcPts val="1875"/>
+                        </a:lnSpc>
+                        <a:buNone/>
+                      </a:pPr>
+                      <a:r>
+                        <a:rPr lang="en-IN" b="0">
+                          <a:effectLst/>
+                          <a:latin typeface="quote-cjk-patch"/>
+                        </a:rPr>
+                        <a:t>Multi-level contextual understanding</a:t>
+                      </a:r>
+                    </a:p>
+                  </a:txBody>
+                  <a:tcPr marL="121920" marT="76200" marB="76200" anchor="ctr">
+                    <a:lnL w="12700" cap="flat" cmpd="sng" algn="ctr">
+                      <a:solidFill>
+                        <a:schemeClr val="tx1"/>
+                      </a:solidFill>
+                      <a:prstDash val="solid"/>
+                      <a:round/>
+                      <a:headEnd type="none" w="med" len="med"/>
+                      <a:tailEnd type="none" w="med" len="med"/>
+                    </a:lnL>
+                    <a:lnR w="12700" cap="flat" cmpd="sng" algn="ctr">
+                      <a:solidFill>
+                        <a:schemeClr val="tx1"/>
+                      </a:solidFill>
+                      <a:prstDash val="solid"/>
+                      <a:round/>
+                      <a:headEnd type="none" w="med" len="med"/>
+                      <a:tailEnd type="none" w="med" len="med"/>
+                    </a:lnR>
+                    <a:lnT w="12700" cap="flat" cmpd="sng" algn="ctr">
+                      <a:solidFill>
+                        <a:schemeClr val="tx1"/>
+                      </a:solidFill>
+                      <a:prstDash val="solid"/>
+                      <a:round/>
+                      <a:headEnd type="none" w="med" len="med"/>
+                      <a:tailEnd type="none" w="med" len="med"/>
+                    </a:lnT>
+                    <a:lnB w="12700" cap="flat" cmpd="sng" algn="ctr">
+                      <a:solidFill>
+                        <a:schemeClr val="tx1"/>
+                      </a:solidFill>
+                      <a:prstDash val="solid"/>
+                      <a:round/>
+                      <a:headEnd type="none" w="med" len="med"/>
+                      <a:tailEnd type="none" w="med" len="med"/>
+                    </a:lnB>
+                    <a:solidFill>
+                      <a:srgbClr val="FFFFFF"/>
+                    </a:solidFill>
+                  </a:tcPr>
+                </a:tc>
+                <a:extLst>
+                  <a:ext uri="{0D108BD9-81ED-4DB2-BD59-A6C34878D82A}">
+                    <a16:rowId xmlns:a16="http://schemas.microsoft.com/office/drawing/2014/main" val="1406170684"/>
+                  </a:ext>
+                </a:extLst>
+              </a:tr>
+              <a:tr h="484518">
+                <a:tc>
+                  <a:txBody>
+                    <a:bodyPr/>
+                    <a:lstStyle/>
+                    <a:p>
+                      <a:pPr>
+                        <a:lnSpc>
+                          <a:spcPts val="1875"/>
+                        </a:lnSpc>
+                        <a:buNone/>
+                      </a:pPr>
+                      <a:r>
+                        <a:rPr lang="en-IN" b="1">
+                          <a:effectLst/>
+                          <a:latin typeface="quote-cjk-patch"/>
+                        </a:rPr>
+                        <a:t>📜 Identification</a:t>
+                      </a:r>
+                      <a:endParaRPr lang="en-IN" b="0">
+                        <a:effectLst/>
+                        <a:latin typeface="quote-cjk-patch"/>
+                      </a:endParaRPr>
+                    </a:p>
+                  </a:txBody>
+                  <a:tcPr marR="121920" marT="76200" marB="76200" anchor="ctr">
+                    <a:lnL w="12700" cap="flat" cmpd="sng" algn="ctr">
+                      <a:solidFill>
+                        <a:schemeClr val="tx1"/>
+                      </a:solidFill>
+                      <a:prstDash val="solid"/>
+                      <a:round/>
+                      <a:headEnd type="none" w="med" len="med"/>
+                      <a:tailEnd type="none" w="med" len="med"/>
+                    </a:lnL>
+                    <a:lnR w="12700" cap="flat" cmpd="sng" algn="ctr">
+                      <a:solidFill>
+                        <a:schemeClr val="tx1"/>
+                      </a:solidFill>
+                      <a:prstDash val="solid"/>
+                      <a:round/>
+                      <a:headEnd type="none" w="med" len="med"/>
+                      <a:tailEnd type="none" w="med" len="med"/>
+                    </a:lnR>
+                    <a:lnT w="12700" cap="flat" cmpd="sng" algn="ctr">
+                      <a:solidFill>
+                        <a:schemeClr val="tx1"/>
+                      </a:solidFill>
+                      <a:prstDash val="solid"/>
+                      <a:round/>
+                      <a:headEnd type="none" w="med" len="med"/>
+                      <a:tailEnd type="none" w="med" len="med"/>
+                    </a:lnT>
+                    <a:lnB w="12700" cap="flat" cmpd="sng" algn="ctr">
+                      <a:solidFill>
+                        <a:schemeClr val="tx1"/>
+                      </a:solidFill>
+                      <a:prstDash val="solid"/>
+                      <a:round/>
+                      <a:headEnd type="none" w="med" len="med"/>
+                      <a:tailEnd type="none" w="med" len="med"/>
+                    </a:lnB>
+                    <a:solidFill>
+                      <a:srgbClr val="FFFFFF"/>
+                    </a:solidFill>
+                  </a:tcPr>
+                </a:tc>
+                <a:tc>
+                  <a:txBody>
+                    <a:bodyPr/>
+                    <a:lstStyle/>
+                    <a:p>
+                      <a:pPr>
+                        <a:lnSpc>
+                          <a:spcPts val="1875"/>
+                        </a:lnSpc>
+                        <a:buNone/>
+                      </a:pPr>
+                      <a:r>
+                        <a:rPr lang="en-IN" b="0" dirty="0">
+                          <a:effectLst/>
+                          <a:latin typeface="quote-cjk-patch"/>
+                        </a:rPr>
+                        <a:t>Multi-dimensional validation</a:t>
+                      </a:r>
+                    </a:p>
+                  </a:txBody>
+                  <a:tcPr marL="121920" marR="121920" marT="76200" marB="76200" anchor="ctr">
+                    <a:lnL w="12700" cap="flat" cmpd="sng" algn="ctr">
+                      <a:solidFill>
+                        <a:schemeClr val="tx1"/>
+                      </a:solidFill>
+                      <a:prstDash val="solid"/>
+                      <a:round/>
+                      <a:headEnd type="none" w="med" len="med"/>
+                      <a:tailEnd type="none" w="med" len="med"/>
+                    </a:lnL>
+                    <a:lnR w="12700" cap="flat" cmpd="sng" algn="ctr">
+                      <a:solidFill>
+                        <a:schemeClr val="tx1"/>
+                      </a:solidFill>
+                      <a:prstDash val="solid"/>
+                      <a:round/>
+                      <a:headEnd type="none" w="med" len="med"/>
+                      <a:tailEnd type="none" w="med" len="med"/>
+                    </a:lnR>
+                    <a:lnT w="12700" cap="flat" cmpd="sng" algn="ctr">
+                      <a:solidFill>
+                        <a:schemeClr val="tx1"/>
+                      </a:solidFill>
+                      <a:prstDash val="solid"/>
+                      <a:round/>
+                      <a:headEnd type="none" w="med" len="med"/>
+                      <a:tailEnd type="none" w="med" len="med"/>
+                    </a:lnT>
+                    <a:lnB w="12700" cap="flat" cmpd="sng" algn="ctr">
+                      <a:solidFill>
+                        <a:schemeClr val="tx1"/>
+                      </a:solidFill>
+                      <a:prstDash val="solid"/>
+                      <a:round/>
+                      <a:headEnd type="none" w="med" len="med"/>
+                      <a:tailEnd type="none" w="med" len="med"/>
+                    </a:lnB>
+                    <a:solidFill>
+                      <a:srgbClr val="FFFFFF"/>
+                    </a:solidFill>
+                  </a:tcPr>
+                </a:tc>
+                <a:tc>
+                  <a:txBody>
+                    <a:bodyPr/>
+                    <a:lstStyle/>
+                    <a:p>
+                      <a:pPr>
+                        <a:lnSpc>
+                          <a:spcPts val="1875"/>
+                        </a:lnSpc>
+                        <a:buNone/>
+                      </a:pPr>
+                      <a:r>
+                        <a:rPr lang="en-IN" b="0" dirty="0">
+                          <a:effectLst/>
+                          <a:latin typeface="quote-cjk-patch"/>
+                        </a:rPr>
+                        <a:t>Single-source fact checking</a:t>
+                      </a:r>
+                    </a:p>
+                  </a:txBody>
+                  <a:tcPr marL="121920" marR="121920" marT="76200" marB="76200" anchor="ctr">
+                    <a:lnL w="12700" cap="flat" cmpd="sng" algn="ctr">
+                      <a:solidFill>
+                        <a:schemeClr val="tx1"/>
+                      </a:solidFill>
+                      <a:prstDash val="solid"/>
+                      <a:round/>
+                      <a:headEnd type="none" w="med" len="med"/>
+                      <a:tailEnd type="none" w="med" len="med"/>
+                    </a:lnL>
+                    <a:lnR w="12700" cap="flat" cmpd="sng" algn="ctr">
+                      <a:solidFill>
+                        <a:schemeClr val="tx1"/>
+                      </a:solidFill>
+                      <a:prstDash val="solid"/>
+                      <a:round/>
+                      <a:headEnd type="none" w="med" len="med"/>
+                      <a:tailEnd type="none" w="med" len="med"/>
+                    </a:lnR>
+                    <a:lnT w="12700" cap="flat" cmpd="sng" algn="ctr">
+                      <a:solidFill>
+                        <a:schemeClr val="tx1"/>
+                      </a:solidFill>
+                      <a:prstDash val="solid"/>
+                      <a:round/>
+                      <a:headEnd type="none" w="med" len="med"/>
+                      <a:tailEnd type="none" w="med" len="med"/>
+                    </a:lnT>
+                    <a:lnB w="12700" cap="flat" cmpd="sng" algn="ctr">
+                      <a:solidFill>
+                        <a:schemeClr val="tx1"/>
+                      </a:solidFill>
+                      <a:prstDash val="solid"/>
+                      <a:round/>
+                      <a:headEnd type="none" w="med" len="med"/>
+                      <a:tailEnd type="none" w="med" len="med"/>
+                    </a:lnB>
+                    <a:solidFill>
+                      <a:srgbClr val="FFFFFF"/>
+                    </a:solidFill>
+                  </a:tcPr>
+                </a:tc>
+                <a:tc>
+                  <a:txBody>
+                    <a:bodyPr/>
+                    <a:lstStyle/>
+                    <a:p>
+                      <a:pPr>
+                        <a:lnSpc>
+                          <a:spcPts val="1875"/>
+                        </a:lnSpc>
+                        <a:buNone/>
+                      </a:pPr>
+                      <a:r>
+                        <a:rPr lang="en-IN" b="0">
+                          <a:effectLst/>
+                          <a:latin typeface="quote-cjk-patch"/>
+                        </a:rPr>
+                        <a:t>Cross-source consensus scoring</a:t>
+                      </a:r>
+                    </a:p>
+                  </a:txBody>
+                  <a:tcPr marL="121920" marT="76200" marB="76200" anchor="ctr">
+                    <a:lnL w="12700" cap="flat" cmpd="sng" algn="ctr">
+                      <a:solidFill>
+                        <a:schemeClr val="tx1"/>
+                      </a:solidFill>
+                      <a:prstDash val="solid"/>
+                      <a:round/>
+                      <a:headEnd type="none" w="med" len="med"/>
+                      <a:tailEnd type="none" w="med" len="med"/>
+                    </a:lnL>
+                    <a:lnR w="12700" cap="flat" cmpd="sng" algn="ctr">
+                      <a:solidFill>
+                        <a:schemeClr val="tx1"/>
+                      </a:solidFill>
+                      <a:prstDash val="solid"/>
+                      <a:round/>
+                      <a:headEnd type="none" w="med" len="med"/>
+                      <a:tailEnd type="none" w="med" len="med"/>
+                    </a:lnR>
+                    <a:lnT w="12700" cap="flat" cmpd="sng" algn="ctr">
+                      <a:solidFill>
+                        <a:schemeClr val="tx1"/>
+                      </a:solidFill>
+                      <a:prstDash val="solid"/>
+                      <a:round/>
+                      <a:headEnd type="none" w="med" len="med"/>
+                      <a:tailEnd type="none" w="med" len="med"/>
+                    </a:lnT>
+                    <a:lnB w="12700" cap="flat" cmpd="sng" algn="ctr">
+                      <a:solidFill>
+                        <a:schemeClr val="tx1"/>
+                      </a:solidFill>
+                      <a:prstDash val="solid"/>
+                      <a:round/>
+                      <a:headEnd type="none" w="med" len="med"/>
+                      <a:tailEnd type="none" w="med" len="med"/>
+                    </a:lnB>
+                    <a:solidFill>
+                      <a:srgbClr val="FFFFFF"/>
+                    </a:solidFill>
+                  </a:tcPr>
+                </a:tc>
+                <a:extLst>
+                  <a:ext uri="{0D108BD9-81ED-4DB2-BD59-A6C34878D82A}">
+                    <a16:rowId xmlns:a16="http://schemas.microsoft.com/office/drawing/2014/main" val="1985337186"/>
+                  </a:ext>
+                </a:extLst>
+              </a:tr>
+              <a:tr h="484518">
+                <a:tc>
+                  <a:txBody>
+                    <a:bodyPr/>
+                    <a:lstStyle/>
+                    <a:p>
+                      <a:pPr>
+                        <a:lnSpc>
+                          <a:spcPts val="1875"/>
+                        </a:lnSpc>
+                        <a:buNone/>
+                      </a:pPr>
+                      <a:r>
+                        <a:rPr lang="en-IN" b="1">
+                          <a:effectLst/>
+                          <a:latin typeface="quote-cjk-patch"/>
+                        </a:rPr>
+                        <a:t>📜 Resolution</a:t>
+                      </a:r>
+                      <a:endParaRPr lang="en-IN" b="0">
+                        <a:effectLst/>
+                        <a:latin typeface="quote-cjk-patch"/>
+                      </a:endParaRPr>
+                    </a:p>
+                  </a:txBody>
+                  <a:tcPr marR="121920" marT="76200" marB="76200" anchor="ctr">
+                    <a:lnL w="12700" cap="flat" cmpd="sng" algn="ctr">
+                      <a:solidFill>
+                        <a:schemeClr val="tx1"/>
+                      </a:solidFill>
+                      <a:prstDash val="solid"/>
+                      <a:round/>
+                      <a:headEnd type="none" w="med" len="med"/>
+                      <a:tailEnd type="none" w="med" len="med"/>
+                    </a:lnL>
+                    <a:lnR w="12700" cap="flat" cmpd="sng" algn="ctr">
+                      <a:solidFill>
+                        <a:schemeClr val="tx1"/>
+                      </a:solidFill>
+                      <a:prstDash val="solid"/>
+                      <a:round/>
+                      <a:headEnd type="none" w="med" len="med"/>
+                      <a:tailEnd type="none" w="med" len="med"/>
+                    </a:lnR>
+                    <a:lnT w="12700" cap="flat" cmpd="sng" algn="ctr">
+                      <a:solidFill>
+                        <a:schemeClr val="tx1"/>
+                      </a:solidFill>
+                      <a:prstDash val="solid"/>
+                      <a:round/>
+                      <a:headEnd type="none" w="med" len="med"/>
+                      <a:tailEnd type="none" w="med" len="med"/>
+                    </a:lnT>
+                    <a:lnB w="12700" cap="flat" cmpd="sng" algn="ctr">
+                      <a:solidFill>
+                        <a:schemeClr val="tx1"/>
+                      </a:solidFill>
+                      <a:prstDash val="solid"/>
+                      <a:round/>
+                      <a:headEnd type="none" w="med" len="med"/>
+                      <a:tailEnd type="none" w="med" len="med"/>
+                    </a:lnB>
+                    <a:solidFill>
+                      <a:srgbClr val="FFFFFF"/>
+                    </a:solidFill>
+                  </a:tcPr>
+                </a:tc>
+                <a:tc>
+                  <a:txBody>
+                    <a:bodyPr/>
+                    <a:lstStyle/>
+                    <a:p>
+                      <a:pPr>
+                        <a:lnSpc>
+                          <a:spcPts val="1875"/>
+                        </a:lnSpc>
+                        <a:buNone/>
+                      </a:pPr>
+                      <a:r>
+                        <a:rPr lang="en-IN" b="0">
+                          <a:effectLst/>
+                          <a:latin typeface="quote-cjk-patch"/>
+                        </a:rPr>
+                        <a:t>Intelligent hallucination healing</a:t>
+                      </a:r>
+                    </a:p>
+                  </a:txBody>
+                  <a:tcPr marL="121920" marR="121920" marT="76200" marB="76200" anchor="ctr">
+                    <a:lnL w="12700" cap="flat" cmpd="sng" algn="ctr">
+                      <a:solidFill>
+                        <a:schemeClr val="tx1"/>
+                      </a:solidFill>
+                      <a:prstDash val="solid"/>
+                      <a:round/>
+                      <a:headEnd type="none" w="med" len="med"/>
+                      <a:tailEnd type="none" w="med" len="med"/>
+                    </a:lnL>
+                    <a:lnR w="12700" cap="flat" cmpd="sng" algn="ctr">
+                      <a:solidFill>
+                        <a:schemeClr val="tx1"/>
+                      </a:solidFill>
+                      <a:prstDash val="solid"/>
+                      <a:round/>
+                      <a:headEnd type="none" w="med" len="med"/>
+                      <a:tailEnd type="none" w="med" len="med"/>
+                    </a:lnR>
+                    <a:lnT w="12700" cap="flat" cmpd="sng" algn="ctr">
+                      <a:solidFill>
+                        <a:schemeClr val="tx1"/>
+                      </a:solidFill>
+                      <a:prstDash val="solid"/>
+                      <a:round/>
+                      <a:headEnd type="none" w="med" len="med"/>
+                      <a:tailEnd type="none" w="med" len="med"/>
+                    </a:lnT>
+                    <a:lnB w="12700" cap="flat" cmpd="sng" algn="ctr">
+                      <a:solidFill>
+                        <a:schemeClr val="tx1"/>
+                      </a:solidFill>
+                      <a:prstDash val="solid"/>
+                      <a:round/>
+                      <a:headEnd type="none" w="med" len="med"/>
+                      <a:tailEnd type="none" w="med" len="med"/>
+                    </a:lnB>
+                    <a:solidFill>
+                      <a:srgbClr val="FFFFFF"/>
+                    </a:solidFill>
+                  </a:tcPr>
+                </a:tc>
+                <a:tc>
+                  <a:txBody>
+                    <a:bodyPr/>
+                    <a:lstStyle/>
+                    <a:p>
+                      <a:pPr>
+                        <a:lnSpc>
+                          <a:spcPts val="1875"/>
+                        </a:lnSpc>
+                        <a:buNone/>
+                      </a:pPr>
+                      <a:r>
+                        <a:rPr lang="en-IN" b="0" dirty="0">
+                          <a:effectLst/>
+                          <a:latin typeface="quote-cjk-patch"/>
+                        </a:rPr>
+                        <a:t>Basic text replacement</a:t>
+                      </a:r>
+                    </a:p>
+                  </a:txBody>
+                  <a:tcPr marL="121920" marR="121920" marT="76200" marB="76200" anchor="ctr">
+                    <a:lnL w="12700" cap="flat" cmpd="sng" algn="ctr">
+                      <a:solidFill>
+                        <a:schemeClr val="tx1"/>
+                      </a:solidFill>
+                      <a:prstDash val="solid"/>
+                      <a:round/>
+                      <a:headEnd type="none" w="med" len="med"/>
+                      <a:tailEnd type="none" w="med" len="med"/>
+                    </a:lnL>
+                    <a:lnR w="12700" cap="flat" cmpd="sng" algn="ctr">
+                      <a:solidFill>
+                        <a:schemeClr val="tx1"/>
+                      </a:solidFill>
+                      <a:prstDash val="solid"/>
+                      <a:round/>
+                      <a:headEnd type="none" w="med" len="med"/>
+                      <a:tailEnd type="none" w="med" len="med"/>
+                    </a:lnR>
+                    <a:lnT w="12700" cap="flat" cmpd="sng" algn="ctr">
+                      <a:solidFill>
+                        <a:schemeClr val="tx1"/>
+                      </a:solidFill>
+                      <a:prstDash val="solid"/>
+                      <a:round/>
+                      <a:headEnd type="none" w="med" len="med"/>
+                      <a:tailEnd type="none" w="med" len="med"/>
+                    </a:lnT>
+                    <a:lnB w="12700" cap="flat" cmpd="sng" algn="ctr">
+                      <a:solidFill>
+                        <a:schemeClr val="tx1"/>
+                      </a:solidFill>
+                      <a:prstDash val="solid"/>
+                      <a:round/>
+                      <a:headEnd type="none" w="med" len="med"/>
+                      <a:tailEnd type="none" w="med" len="med"/>
+                    </a:lnB>
+                    <a:solidFill>
+                      <a:srgbClr val="FFFFFF"/>
+                    </a:solidFill>
+                  </a:tcPr>
+                </a:tc>
+                <a:tc>
+                  <a:txBody>
+                    <a:bodyPr/>
+                    <a:lstStyle/>
+                    <a:p>
+                      <a:pPr>
+                        <a:lnSpc>
+                          <a:spcPts val="1875"/>
+                        </a:lnSpc>
+                        <a:buNone/>
+                      </a:pPr>
+                      <a:r>
+                        <a:rPr lang="en-IN" b="0" dirty="0">
+                          <a:effectLst/>
+                          <a:latin typeface="quote-cjk-patch"/>
+                        </a:rPr>
+                        <a:t>Context-aware correction generation</a:t>
+                      </a:r>
+                    </a:p>
+                  </a:txBody>
+                  <a:tcPr marL="121920" marT="76200" marB="76200" anchor="ctr">
+                    <a:lnL w="12700" cap="flat" cmpd="sng" algn="ctr">
+                      <a:solidFill>
+                        <a:schemeClr val="tx1"/>
+                      </a:solidFill>
+                      <a:prstDash val="solid"/>
+                      <a:round/>
+                      <a:headEnd type="none" w="med" len="med"/>
+                      <a:tailEnd type="none" w="med" len="med"/>
+                    </a:lnL>
+                    <a:lnR w="12700" cap="flat" cmpd="sng" algn="ctr">
+                      <a:solidFill>
+                        <a:schemeClr val="tx1"/>
+                      </a:solidFill>
+                      <a:prstDash val="solid"/>
+                      <a:round/>
+                      <a:headEnd type="none" w="med" len="med"/>
+                      <a:tailEnd type="none" w="med" len="med"/>
+                    </a:lnR>
+                    <a:lnT w="12700" cap="flat" cmpd="sng" algn="ctr">
+                      <a:solidFill>
+                        <a:schemeClr val="tx1"/>
+                      </a:solidFill>
+                      <a:prstDash val="solid"/>
+                      <a:round/>
+                      <a:headEnd type="none" w="med" len="med"/>
+                      <a:tailEnd type="none" w="med" len="med"/>
+                    </a:lnT>
+                    <a:lnB w="12700" cap="flat" cmpd="sng" algn="ctr">
+                      <a:solidFill>
+                        <a:schemeClr val="tx1"/>
+                      </a:solidFill>
+                      <a:prstDash val="solid"/>
+                      <a:round/>
+                      <a:headEnd type="none" w="med" len="med"/>
+                      <a:tailEnd type="none" w="med" len="med"/>
+                    </a:lnB>
+                    <a:solidFill>
+                      <a:srgbClr val="FFFFFF"/>
+                    </a:solidFill>
+                  </a:tcPr>
+                </a:tc>
+                <a:extLst>
+                  <a:ext uri="{0D108BD9-81ED-4DB2-BD59-A6C34878D82A}">
+                    <a16:rowId xmlns:a16="http://schemas.microsoft.com/office/drawing/2014/main" val="1004681226"/>
+                  </a:ext>
+                </a:extLst>
+              </a:tr>
+              <a:tr h="484518">
+                <a:tc>
+                  <a:txBody>
+                    <a:bodyPr/>
+                    <a:lstStyle/>
+                    <a:p>
+                      <a:pPr>
+                        <a:lnSpc>
+                          <a:spcPts val="1875"/>
+                        </a:lnSpc>
+                        <a:buNone/>
+                      </a:pPr>
+                      <a:r>
+                        <a:rPr lang="en-IN" b="1">
+                          <a:effectLst/>
+                          <a:latin typeface="quote-cjk-patch"/>
+                        </a:rPr>
+                        <a:t>📜 Feedback</a:t>
+                      </a:r>
+                      <a:endParaRPr lang="en-IN" b="0">
+                        <a:effectLst/>
+                        <a:latin typeface="quote-cjk-patch"/>
+                      </a:endParaRPr>
+                    </a:p>
+                  </a:txBody>
+                  <a:tcPr marR="121920" marT="76200" marB="76200" anchor="ctr">
+                    <a:lnL w="12700" cap="flat" cmpd="sng" algn="ctr">
+                      <a:solidFill>
+                        <a:schemeClr val="tx1"/>
+                      </a:solidFill>
+                      <a:prstDash val="solid"/>
+                      <a:round/>
+                      <a:headEnd type="none" w="med" len="med"/>
+                      <a:tailEnd type="none" w="med" len="med"/>
+                    </a:lnL>
+                    <a:lnR w="12700" cap="flat" cmpd="sng" algn="ctr">
+                      <a:solidFill>
+                        <a:schemeClr val="tx1"/>
+                      </a:solidFill>
+                      <a:prstDash val="solid"/>
+                      <a:round/>
+                      <a:headEnd type="none" w="med" len="med"/>
+                      <a:tailEnd type="none" w="med" len="med"/>
+                    </a:lnR>
+                    <a:lnT w="12700" cap="flat" cmpd="sng" algn="ctr">
+                      <a:solidFill>
+                        <a:schemeClr val="tx1"/>
+                      </a:solidFill>
+                      <a:prstDash val="solid"/>
+                      <a:round/>
+                      <a:headEnd type="none" w="med" len="med"/>
+                      <a:tailEnd type="none" w="med" len="med"/>
+                    </a:lnT>
+                    <a:lnB w="12700" cap="flat" cmpd="sng" algn="ctr">
+                      <a:solidFill>
+                        <a:schemeClr val="tx1"/>
+                      </a:solidFill>
+                      <a:prstDash val="solid"/>
+                      <a:round/>
+                      <a:headEnd type="none" w="med" len="med"/>
+                      <a:tailEnd type="none" w="med" len="med"/>
+                    </a:lnB>
+                    <a:solidFill>
+                      <a:srgbClr val="FFFFFF"/>
+                    </a:solidFill>
+                  </a:tcPr>
+                </a:tc>
+                <a:tc>
+                  <a:txBody>
+                    <a:bodyPr/>
+                    <a:lstStyle/>
+                    <a:p>
+                      <a:pPr>
+                        <a:lnSpc>
+                          <a:spcPts val="1875"/>
+                        </a:lnSpc>
+                        <a:buNone/>
+                      </a:pPr>
+                      <a:r>
+                        <a:rPr lang="en-IN" b="0">
+                          <a:effectLst/>
+                          <a:latin typeface="quote-cjk-patch"/>
+                        </a:rPr>
+                        <a:t>Continuous self-learning</a:t>
+                      </a:r>
+                    </a:p>
+                  </a:txBody>
+                  <a:tcPr marL="121920" marR="121920" marT="76200" marB="76200" anchor="ctr">
+                    <a:lnL w="12700" cap="flat" cmpd="sng" algn="ctr">
+                      <a:solidFill>
+                        <a:schemeClr val="tx1"/>
+                      </a:solidFill>
+                      <a:prstDash val="solid"/>
+                      <a:round/>
+                      <a:headEnd type="none" w="med" len="med"/>
+                      <a:tailEnd type="none" w="med" len="med"/>
+                    </a:lnL>
+                    <a:lnR w="12700" cap="flat" cmpd="sng" algn="ctr">
+                      <a:solidFill>
+                        <a:schemeClr val="tx1"/>
+                      </a:solidFill>
+                      <a:prstDash val="solid"/>
+                      <a:round/>
+                      <a:headEnd type="none" w="med" len="med"/>
+                      <a:tailEnd type="none" w="med" len="med"/>
+                    </a:lnR>
+                    <a:lnT w="12700" cap="flat" cmpd="sng" algn="ctr">
+                      <a:solidFill>
+                        <a:schemeClr val="tx1"/>
+                      </a:solidFill>
+                      <a:prstDash val="solid"/>
+                      <a:round/>
+                      <a:headEnd type="none" w="med" len="med"/>
+                      <a:tailEnd type="none" w="med" len="med"/>
+                    </a:lnT>
+                    <a:lnB w="12700" cap="flat" cmpd="sng" algn="ctr">
+                      <a:solidFill>
+                        <a:schemeClr val="tx1"/>
+                      </a:solidFill>
+                      <a:prstDash val="solid"/>
+                      <a:round/>
+                      <a:headEnd type="none" w="med" len="med"/>
+                      <a:tailEnd type="none" w="med" len="med"/>
+                    </a:lnB>
+                    <a:solidFill>
+                      <a:srgbClr val="FFFFFF"/>
+                    </a:solidFill>
+                  </a:tcPr>
+                </a:tc>
+                <a:tc>
+                  <a:txBody>
+                    <a:bodyPr/>
+                    <a:lstStyle/>
+                    <a:p>
+                      <a:pPr>
+                        <a:lnSpc>
+                          <a:spcPts val="1875"/>
+                        </a:lnSpc>
+                        <a:buNone/>
+                      </a:pPr>
+                      <a:r>
+                        <a:rPr lang="en-IN" b="0" dirty="0">
+                          <a:effectLst/>
+                          <a:latin typeface="quote-cjk-patch"/>
+                        </a:rPr>
+                        <a:t>Manual knowledge updates</a:t>
+                      </a:r>
+                    </a:p>
+                  </a:txBody>
+                  <a:tcPr marL="121920" marR="121920" marT="76200" marB="76200" anchor="ctr">
+                    <a:lnL w="12700" cap="flat" cmpd="sng" algn="ctr">
+                      <a:solidFill>
+                        <a:schemeClr val="tx1"/>
+                      </a:solidFill>
+                      <a:prstDash val="solid"/>
+                      <a:round/>
+                      <a:headEnd type="none" w="med" len="med"/>
+                      <a:tailEnd type="none" w="med" len="med"/>
+                    </a:lnL>
+                    <a:lnR w="12700" cap="flat" cmpd="sng" algn="ctr">
+                      <a:solidFill>
+                        <a:schemeClr val="tx1"/>
+                      </a:solidFill>
+                      <a:prstDash val="solid"/>
+                      <a:round/>
+                      <a:headEnd type="none" w="med" len="med"/>
+                      <a:tailEnd type="none" w="med" len="med"/>
+                    </a:lnR>
+                    <a:lnT w="12700" cap="flat" cmpd="sng" algn="ctr">
+                      <a:solidFill>
+                        <a:schemeClr val="tx1"/>
+                      </a:solidFill>
+                      <a:prstDash val="solid"/>
+                      <a:round/>
+                      <a:headEnd type="none" w="med" len="med"/>
+                      <a:tailEnd type="none" w="med" len="med"/>
+                    </a:lnT>
+                    <a:lnB w="12700" cap="flat" cmpd="sng" algn="ctr">
+                      <a:solidFill>
+                        <a:schemeClr val="tx1"/>
+                      </a:solidFill>
+                      <a:prstDash val="solid"/>
+                      <a:round/>
+                      <a:headEnd type="none" w="med" len="med"/>
+                      <a:tailEnd type="none" w="med" len="med"/>
+                    </a:lnB>
+                    <a:solidFill>
+                      <a:srgbClr val="FFFFFF"/>
+                    </a:solidFill>
+                  </a:tcPr>
+                </a:tc>
+                <a:tc>
+                  <a:txBody>
+                    <a:bodyPr/>
+                    <a:lstStyle/>
+                    <a:p>
+                      <a:pPr>
+                        <a:lnSpc>
+                          <a:spcPts val="1875"/>
+                        </a:lnSpc>
+                        <a:buNone/>
+                      </a:pPr>
+                      <a:r>
+                        <a:rPr lang="en-IN" b="0" dirty="0">
+                          <a:effectLst/>
+                          <a:latin typeface="quote-cjk-patch"/>
+                        </a:rPr>
+                        <a:t>Real-time adaptive improvement</a:t>
+                      </a:r>
+                    </a:p>
+                  </a:txBody>
+                  <a:tcPr marL="121920" marT="76200" marB="76200" anchor="ctr">
+                    <a:lnL w="12700" cap="flat" cmpd="sng" algn="ctr">
+                      <a:solidFill>
+                        <a:schemeClr val="tx1"/>
+                      </a:solidFill>
+                      <a:prstDash val="solid"/>
+                      <a:round/>
+                      <a:headEnd type="none" w="med" len="med"/>
+                      <a:tailEnd type="none" w="med" len="med"/>
+                    </a:lnL>
+                    <a:lnR w="12700" cap="flat" cmpd="sng" algn="ctr">
+                      <a:solidFill>
+                        <a:schemeClr val="tx1"/>
+                      </a:solidFill>
+                      <a:prstDash val="solid"/>
+                      <a:round/>
+                      <a:headEnd type="none" w="med" len="med"/>
+                      <a:tailEnd type="none" w="med" len="med"/>
+                    </a:lnR>
+                    <a:lnT w="12700" cap="flat" cmpd="sng" algn="ctr">
+                      <a:solidFill>
+                        <a:schemeClr val="tx1"/>
+                      </a:solidFill>
+                      <a:prstDash val="solid"/>
+                      <a:round/>
+                      <a:headEnd type="none" w="med" len="med"/>
+                      <a:tailEnd type="none" w="med" len="med"/>
+                    </a:lnT>
+                    <a:lnB w="12700" cap="flat" cmpd="sng" algn="ctr">
+                      <a:solidFill>
+                        <a:schemeClr val="tx1"/>
+                      </a:solidFill>
+                      <a:prstDash val="solid"/>
+                      <a:round/>
+                      <a:headEnd type="none" w="med" len="med"/>
+                      <a:tailEnd type="none" w="med" len="med"/>
+                    </a:lnB>
+                    <a:solidFill>
+                      <a:srgbClr val="FFFFFF"/>
+                    </a:solidFill>
+                  </a:tcPr>
+                </a:tc>
+                <a:extLst>
+                  <a:ext uri="{0D108BD9-81ED-4DB2-BD59-A6C34878D82A}">
+                    <a16:rowId xmlns:a16="http://schemas.microsoft.com/office/drawing/2014/main" val="3712276447"/>
+                  </a:ext>
+                </a:extLst>
+              </a:tr>
+            </a:tbl>
+          </a:graphicData>
+        </a:graphic>
+      </p:graphicFrame>
+      <p:sp>
+        <p:nvSpPr>
+          <p:cNvPr id="4" name="TextBox 3">
+            <a:extLst>
+              <a:ext uri="{FF2B5EF4-FFF2-40B4-BE49-F238E27FC236}">
+                <a16:creationId xmlns:a16="http://schemas.microsoft.com/office/drawing/2014/main" id="{711726C6-0DAD-DA98-252A-3DA1A3C71B14}"/>
+              </a:ext>
+            </a:extLst>
+          </p:cNvPr>
+          <p:cNvSpPr txBox="1"/>
+          <p:nvPr/>
+        </p:nvSpPr>
+        <p:spPr>
+          <a:xfrm>
+            <a:off x="527901" y="2933700"/>
+            <a:ext cx="11585542" cy="4047262"/>
+          </a:xfrm>
+          <a:prstGeom prst="rect">
+            <a:avLst/>
+          </a:prstGeom>
+          <a:noFill/>
+        </p:spPr>
+        <p:txBody>
+          <a:bodyPr wrap="square">
+            <a:spAutoFit/>
+          </a:bodyPr>
+          <a:lstStyle/>
+          <a:p>
+            <a:pPr algn="l">
+              <a:spcBef>
+                <a:spcPts val="2400"/>
+              </a:spcBef>
+              <a:spcAft>
+                <a:spcPts val="1200"/>
+              </a:spcAft>
+              <a:buNone/>
+            </a:pPr>
+            <a:r>
+              <a:rPr lang="en-IN" sz="1600" b="1" dirty="0">
+                <a:solidFill>
+                  <a:srgbClr val="0F1115"/>
+                </a:solidFill>
+                <a:effectLst/>
+                <a:latin typeface="quote-cjk-patch"/>
+              </a:rPr>
+              <a:t>🎯 Integration Architecture Options</a:t>
+            </a:r>
+          </a:p>
+          <a:p>
+            <a:pPr algn="l">
+              <a:spcBef>
+                <a:spcPts val="2400"/>
+              </a:spcBef>
+              <a:spcAft>
+                <a:spcPts val="1200"/>
+              </a:spcAft>
+              <a:buNone/>
+            </a:pPr>
+            <a:r>
+              <a:rPr lang="en-IN" sz="1600" b="1" dirty="0">
+                <a:solidFill>
+                  <a:srgbClr val="0F1115"/>
+                </a:solidFill>
+                <a:effectLst/>
+                <a:latin typeface="quote-cjk-patch"/>
+              </a:rPr>
+              <a:t>Option A: API Gateway Pattern (Recommended)</a:t>
+            </a:r>
+          </a:p>
+          <a:p>
+            <a:pPr algn="l" latinLnBrk="1">
+              <a:spcBef>
+                <a:spcPts val="1200"/>
+              </a:spcBef>
+              <a:spcAft>
+                <a:spcPts val="857"/>
+              </a:spcAft>
+              <a:buNone/>
+            </a:pPr>
+            <a:r>
+              <a:rPr lang="en-IN" sz="1600" b="0" i="0" dirty="0">
+                <a:solidFill>
+                  <a:srgbClr val="0F1115"/>
+                </a:solidFill>
+                <a:effectLst/>
+                <a:latin typeface="Menlo"/>
+              </a:rPr>
+              <a:t>User → API Gateway → Enterprise LLM → </a:t>
+            </a:r>
+            <a:r>
+              <a:rPr lang="en-IN" sz="1600" b="0" i="0" dirty="0" err="1">
+                <a:solidFill>
+                  <a:srgbClr val="0F1115"/>
+                </a:solidFill>
+                <a:effectLst/>
+                <a:latin typeface="Menlo"/>
+              </a:rPr>
+              <a:t>VeriFactAI</a:t>
+            </a:r>
+            <a:r>
+              <a:rPr lang="en-IN" sz="1600" b="0" i="0" dirty="0">
+                <a:solidFill>
+                  <a:srgbClr val="0F1115"/>
+                </a:solidFill>
+                <a:effectLst/>
+                <a:latin typeface="Menlo"/>
+              </a:rPr>
+              <a:t> → Verified Response</a:t>
+            </a:r>
+          </a:p>
+          <a:p>
+            <a:pPr algn="l">
+              <a:spcBef>
+                <a:spcPts val="2400"/>
+              </a:spcBef>
+              <a:spcAft>
+                <a:spcPts val="1200"/>
+              </a:spcAft>
+              <a:buNone/>
+            </a:pPr>
+            <a:r>
+              <a:rPr lang="en-IN" sz="1600" b="1" dirty="0">
+                <a:solidFill>
+                  <a:srgbClr val="0F1115"/>
+                </a:solidFill>
+                <a:effectLst/>
+                <a:latin typeface="quote-cjk-patch"/>
+              </a:rPr>
+              <a:t>Option B: Sidecar Pattern (Cloud Native)</a:t>
+            </a:r>
+          </a:p>
+          <a:p>
+            <a:pPr algn="l" latinLnBrk="1">
+              <a:spcBef>
+                <a:spcPts val="1200"/>
+              </a:spcBef>
+              <a:spcAft>
+                <a:spcPts val="857"/>
+              </a:spcAft>
+              <a:buNone/>
+            </a:pPr>
+            <a:r>
+              <a:rPr lang="en-IN" sz="1600" b="0" i="0" dirty="0">
+                <a:solidFill>
+                  <a:srgbClr val="0F1115"/>
+                </a:solidFill>
+                <a:effectLst/>
+                <a:latin typeface="Menlo"/>
+              </a:rPr>
+              <a:t>Kubernetes Pod: [LLM Container + </a:t>
+            </a:r>
+            <a:r>
+              <a:rPr lang="en-IN" sz="1600" b="0" i="0" dirty="0" err="1">
+                <a:solidFill>
+                  <a:srgbClr val="0F1115"/>
+                </a:solidFill>
+                <a:effectLst/>
+                <a:latin typeface="Menlo"/>
+              </a:rPr>
+              <a:t>VeriFactAI</a:t>
+            </a:r>
+            <a:r>
+              <a:rPr lang="en-IN" sz="1600" b="0" i="0" dirty="0">
+                <a:solidFill>
+                  <a:srgbClr val="0F1115"/>
+                </a:solidFill>
+                <a:effectLst/>
+                <a:latin typeface="Menlo"/>
+              </a:rPr>
+              <a:t> Sidecar]</a:t>
+            </a:r>
+          </a:p>
+          <a:p>
+            <a:pPr algn="l">
+              <a:spcBef>
+                <a:spcPts val="2400"/>
+              </a:spcBef>
+              <a:spcAft>
+                <a:spcPts val="1200"/>
+              </a:spcAft>
+              <a:buNone/>
+            </a:pPr>
+            <a:r>
+              <a:rPr lang="en-IN" sz="1600" b="1" dirty="0">
+                <a:solidFill>
+                  <a:srgbClr val="0F1115"/>
+                </a:solidFill>
+                <a:effectLst/>
+                <a:latin typeface="quote-cjk-patch"/>
+              </a:rPr>
+              <a:t>Option C: Plugin Architecture (High Performance)</a:t>
+            </a:r>
+          </a:p>
+          <a:p>
+            <a:pPr algn="l" latinLnBrk="1">
+              <a:spcBef>
+                <a:spcPts val="1200"/>
+              </a:spcBef>
+              <a:spcAft>
+                <a:spcPts val="857"/>
+              </a:spcAft>
+              <a:buNone/>
+            </a:pPr>
+            <a:r>
+              <a:rPr lang="en-IN" sz="1600" b="0" i="0" dirty="0">
+                <a:solidFill>
+                  <a:srgbClr val="0F1115"/>
+                </a:solidFill>
+                <a:effectLst/>
+                <a:latin typeface="Menlo"/>
+              </a:rPr>
+              <a:t>Enhanced LLM with built-in </a:t>
+            </a:r>
+            <a:r>
+              <a:rPr lang="en-IN" sz="1600" b="0" i="0" dirty="0" err="1">
+                <a:solidFill>
+                  <a:srgbClr val="0F1115"/>
+                </a:solidFill>
+                <a:effectLst/>
+                <a:latin typeface="Menlo"/>
+              </a:rPr>
+              <a:t>VeriFactAI</a:t>
+            </a:r>
+            <a:r>
+              <a:rPr lang="en-IN" sz="1600" b="0" i="0" dirty="0">
+                <a:solidFill>
+                  <a:srgbClr val="0F1115"/>
+                </a:solidFill>
+                <a:effectLst/>
+                <a:latin typeface="Menlo"/>
+              </a:rPr>
+              <a:t> verification plugin</a:t>
+            </a:r>
+          </a:p>
+        </p:txBody>
+      </p:sp>
+    </p:spTree>
+    <p:extLst>
+      <p:ext uri="{BB962C8B-B14F-4D97-AF65-F5344CB8AC3E}">
+        <p14:creationId xmlns:p14="http://schemas.microsoft.com/office/powerpoint/2010/main" val="1462508531"/>
+      </p:ext>
+    </p:extLst>
+  </p:cSld>
+  <p:clrMapOvr>
+    <a:masterClrMapping/>
+  </p:clrMapOvr>
+</p:sld>
+</file>
+
+<file path=ppt/slides/slide15.xml><?xml version="1.0" encoding="utf-8"?>
+<p:sld xmlns:a="http://schemas.openxmlformats.org/drawingml/2006/main" xmlns:r="http://schemas.openxmlformats.org/officeDocument/2006/relationships" xmlns:p="http://schemas.openxmlformats.org/presentationml/2006/main">
+  <p:cSld>
+    <p:spTree>
+      <p:nvGrpSpPr>
+        <p:cNvPr id="1" name=""/>
+        <p:cNvGrpSpPr/>
+        <p:nvPr/>
+      </p:nvGrpSpPr>
+      <p:grpSpPr>
+        <a:xfrm>
+          <a:off x="0" y="0"/>
+          <a:ext cx="0" cy="0"/>
+          <a:chOff x="0" y="0"/>
+          <a:chExt cx="0" cy="0"/>
+        </a:xfrm>
+      </p:grpSpPr>
+      <p:pic>
+        <p:nvPicPr>
+          <p:cNvPr id="3" name="Picture 2">
+            <a:extLst>
+              <a:ext uri="{FF2B5EF4-FFF2-40B4-BE49-F238E27FC236}">
+                <a16:creationId xmlns:a16="http://schemas.microsoft.com/office/drawing/2014/main" id="{0CD4AB37-5097-F794-0D6E-62D608FA68AE}"/>
+              </a:ext>
+            </a:extLst>
+          </p:cNvPr>
+          <p:cNvPicPr>
+            <a:picLocks noChangeAspect="1"/>
+          </p:cNvPicPr>
+          <p:nvPr/>
+        </p:nvPicPr>
+        <p:blipFill>
+          <a:blip r:embed="rId2"/>
+          <a:stretch>
+            <a:fillRect/>
+          </a:stretch>
+        </p:blipFill>
+        <p:spPr>
+          <a:xfrm>
+            <a:off x="0" y="103695"/>
+            <a:ext cx="12192000" cy="6754305"/>
+          </a:xfrm>
+          <a:prstGeom prst="rect">
+            <a:avLst/>
+          </a:prstGeom>
+        </p:spPr>
+      </p:pic>
+    </p:spTree>
+    <p:extLst>
+      <p:ext uri="{BB962C8B-B14F-4D97-AF65-F5344CB8AC3E}">
+        <p14:creationId xmlns:p14="http://schemas.microsoft.com/office/powerpoint/2010/main" val="3563284087"/>
+      </p:ext>
+    </p:extLst>
+  </p:cSld>
+  <p:clrMapOvr>
+    <a:masterClrMapping/>
+  </p:clrMapOvr>
+</p:sld>
+</file>
+
+<file path=ppt/slides/slide16.xml><?xml version="1.0" encoding="utf-8"?>
+<p:sld xmlns:a="http://schemas.openxmlformats.org/drawingml/2006/main" xmlns:r="http://schemas.openxmlformats.org/officeDocument/2006/relationships" xmlns:p="http://schemas.openxmlformats.org/presentationml/2006/main">
+  <p:cSld>
+    <p:spTree>
+      <p:nvGrpSpPr>
+        <p:cNvPr id="1" name=""/>
+        <p:cNvGrpSpPr/>
+        <p:nvPr/>
+      </p:nvGrpSpPr>
+      <p:grpSpPr>
+        <a:xfrm>
+          <a:off x="0" y="0"/>
+          <a:ext cx="0" cy="0"/>
+          <a:chOff x="0" y="0"/>
+          <a:chExt cx="0" cy="0"/>
+        </a:xfrm>
+      </p:grpSpPr>
+      <p:pic>
+        <p:nvPicPr>
+          <p:cNvPr id="5" name="Picture 4">
+            <a:extLst>
+              <a:ext uri="{FF2B5EF4-FFF2-40B4-BE49-F238E27FC236}">
+                <a16:creationId xmlns:a16="http://schemas.microsoft.com/office/drawing/2014/main" id="{72B0F519-7047-877D-D588-347CD84EB349}"/>
+              </a:ext>
+            </a:extLst>
+          </p:cNvPr>
+          <p:cNvPicPr>
+            <a:picLocks noChangeAspect="1"/>
+          </p:cNvPicPr>
+          <p:nvPr/>
+        </p:nvPicPr>
+        <p:blipFill>
+          <a:blip r:embed="rId2"/>
+          <a:stretch>
+            <a:fillRect/>
+          </a:stretch>
+        </p:blipFill>
+        <p:spPr>
+          <a:xfrm>
+            <a:off x="0" y="618811"/>
+            <a:ext cx="12192000" cy="5620378"/>
+          </a:xfrm>
+          <a:prstGeom prst="rect">
+            <a:avLst/>
+          </a:prstGeom>
+        </p:spPr>
+      </p:pic>
+    </p:spTree>
+    <p:extLst>
+      <p:ext uri="{BB962C8B-B14F-4D97-AF65-F5344CB8AC3E}">
+        <p14:creationId xmlns:p14="http://schemas.microsoft.com/office/powerpoint/2010/main" val="789983000"/>
+      </p:ext>
+    </p:extLst>
+  </p:cSld>
+  <p:clrMapOvr>
+    <a:masterClrMapping/>
+  </p:clrMapOvr>
+</p:sld>
+</file>
+
+<file path=ppt/slides/slide2.xml><?xml version="1.0" encoding="utf-8"?>
+<p:sld xmlns:a="http://schemas.openxmlformats.org/drawingml/2006/main" xmlns:r="http://schemas.openxmlformats.org/officeDocument/2006/relationships" xmlns:p="http://schemas.openxmlformats.org/presentationml/2006/main">
+  <p:cSld>
+    <p:spTree>
+      <p:nvGrpSpPr>
+        <p:cNvPr id="1" name=""/>
+        <p:cNvGrpSpPr/>
+        <p:nvPr/>
+      </p:nvGrpSpPr>
+      <p:grpSpPr>
+        <a:xfrm>
+          <a:off x="0" y="0"/>
+          <a:ext cx="0" cy="0"/>
+          <a:chOff x="0" y="0"/>
+          <a:chExt cx="0" cy="0"/>
+        </a:xfrm>
+      </p:grpSpPr>
+      <p:sp>
+        <p:nvSpPr>
+          <p:cNvPr id="2" name="Title 1">
+            <a:extLst>
+              <a:ext uri="{FF2B5EF4-FFF2-40B4-BE49-F238E27FC236}">
+                <a16:creationId xmlns:a16="http://schemas.microsoft.com/office/drawing/2014/main" id="{24823CD8-9C7D-F49D-3189-DD28BB3858C2}"/>
+              </a:ext>
+            </a:extLst>
+          </p:cNvPr>
+          <p:cNvSpPr>
+            <a:spLocks noGrp="1"/>
+          </p:cNvSpPr>
+          <p:nvPr>
+            <p:ph type="title"/>
+          </p:nvPr>
+        </p:nvSpPr>
+        <p:spPr>
+          <a:xfrm>
+            <a:off x="107185" y="49060"/>
+            <a:ext cx="7401059" cy="1336430"/>
+          </a:xfrm>
+          <a:ln>
+            <a:solidFill>
+              <a:schemeClr val="tx1"/>
+            </a:solidFill>
+          </a:ln>
+        </p:spPr>
+        <p:txBody>
+          <a:bodyPr>
+            <a:normAutofit fontScale="90000"/>
+          </a:bodyPr>
+          <a:lstStyle/>
+          <a:p>
+            <a:pPr latinLnBrk="1">
+              <a:lnSpc>
+                <a:spcPct val="100000"/>
+              </a:lnSpc>
+            </a:pPr>
+            <a:r>
+              <a:rPr lang="en-IN" sz="1800" b="1" dirty="0"/>
+              <a:t>			</a:t>
+            </a:r>
+            <a:r>
+              <a:rPr lang="en-IN" sz="2200" b="1" dirty="0"/>
+              <a:t>Patent – Architecture</a:t>
+            </a:r>
+            <a:br>
+              <a:rPr lang="en-IN" sz="1800" b="1" dirty="0"/>
+            </a:br>
+            <a:br>
+              <a:rPr lang="en-IN" sz="1800" b="1" dirty="0"/>
+            </a:br>
+            <a:r>
+              <a:rPr lang="en-IN" sz="1800" b="1" dirty="0"/>
+              <a:t>🔍 EXTRACTION → ⚖️ IDENTIFICATION → 🔧 RESOLUTION → 🔄 FEEDBACK</a:t>
+            </a:r>
+            <a:br>
+              <a:rPr lang="en-IN" sz="1800" b="1" dirty="0"/>
+            </a:br>
+            <a:r>
+              <a:rPr lang="en-IN" sz="1800" b="1" dirty="0"/>
+              <a:t>             Intelligent Healing (Cross-cutting capability)</a:t>
+            </a:r>
+            <a:br>
+              <a:rPr lang="en-IN" sz="1800" dirty="0"/>
+            </a:br>
+            <a:endParaRPr lang="en-IN" sz="1800" dirty="0"/>
+          </a:p>
+        </p:txBody>
+      </p:sp>
+      <p:sp>
+        <p:nvSpPr>
+          <p:cNvPr id="3" name="Content Placeholder 2">
+            <a:extLst>
+              <a:ext uri="{FF2B5EF4-FFF2-40B4-BE49-F238E27FC236}">
+                <a16:creationId xmlns:a16="http://schemas.microsoft.com/office/drawing/2014/main" id="{DE193656-6EA0-5831-E276-B3670A209ABE}"/>
+              </a:ext>
+            </a:extLst>
+          </p:cNvPr>
+          <p:cNvSpPr>
+            <a:spLocks noGrp="1"/>
+          </p:cNvSpPr>
+          <p:nvPr>
+            <p:ph sz="half" idx="1"/>
+          </p:nvPr>
+        </p:nvSpPr>
+        <p:spPr>
+          <a:xfrm>
+            <a:off x="107186" y="1385490"/>
+            <a:ext cx="3665126" cy="3592863"/>
+          </a:xfrm>
+          <a:ln>
+            <a:solidFill>
+              <a:schemeClr val="tx1"/>
+            </a:solidFill>
+          </a:ln>
+        </p:spPr>
+        <p:txBody>
+          <a:bodyPr>
+            <a:normAutofit/>
+          </a:bodyPr>
+          <a:lstStyle/>
+          <a:p>
+            <a:pPr marL="0" indent="0" latinLnBrk="1">
+              <a:buNone/>
+            </a:pPr>
+            <a:r>
+              <a:rPr lang="en-IN" sz="1300" dirty="0"/>
+              <a:t>IDENTIFICATION PATENT</a:t>
+            </a:r>
+          </a:p>
+          <a:p>
+            <a:pPr marL="0" indent="0" latinLnBrk="1">
+              <a:buNone/>
+            </a:pPr>
+            <a:r>
+              <a:rPr lang="en-IN" sz="1300" dirty="0"/>
+              <a:t>🚨 CRITICAL ERRORS:</a:t>
+            </a:r>
+          </a:p>
+          <a:p>
+            <a:pPr latinLnBrk="1">
+              <a:buFont typeface="Wingdings" panose="05000000000000000000" pitchFamily="2" charset="2"/>
+              <a:buChar char="Ø"/>
+            </a:pPr>
+            <a:r>
+              <a:rPr lang="en-IN" sz="1300" dirty="0"/>
+              <a:t>OOD Claim Detector → Complete Fabrication</a:t>
+            </a:r>
+          </a:p>
+          <a:p>
+            <a:pPr latinLnBrk="1">
+              <a:buFont typeface="Wingdings" panose="05000000000000000000" pitchFamily="2" charset="2"/>
+              <a:buChar char="Ø"/>
+            </a:pPr>
+            <a:r>
+              <a:rPr lang="en-IN" sz="1300" dirty="0"/>
+              <a:t>Contextual Discontinuity Detector → Config/Security Errors</a:t>
+            </a:r>
+          </a:p>
+          <a:p>
+            <a:pPr marL="0" indent="0" latinLnBrk="1">
+              <a:buNone/>
+            </a:pPr>
+            <a:r>
+              <a:rPr lang="en-IN" sz="1300" dirty="0"/>
+              <a:t>⚠️ ACCURACY ERRORS:  </a:t>
+            </a:r>
+          </a:p>
+          <a:p>
+            <a:pPr latinLnBrk="1">
+              <a:buFont typeface="Wingdings" panose="05000000000000000000" pitchFamily="2" charset="2"/>
+              <a:buChar char="Ø"/>
+            </a:pPr>
+            <a:r>
+              <a:rPr lang="en-IN" sz="1300" dirty="0"/>
+              <a:t>Temporal-Context Detector → Temporal Errors</a:t>
+            </a:r>
+          </a:p>
+          <a:p>
+            <a:pPr latinLnBrk="1">
+              <a:buFont typeface="Wingdings" panose="05000000000000000000" pitchFamily="2" charset="2"/>
+              <a:buChar char="Ø"/>
+            </a:pPr>
+            <a:r>
+              <a:rPr lang="en-IN" sz="1300" dirty="0"/>
+              <a:t>Statistical Outlier Detector → Numerical Errors</a:t>
+            </a:r>
+          </a:p>
+          <a:p>
+            <a:pPr latinLnBrk="1">
+              <a:buFont typeface="Wingdings" panose="05000000000000000000" pitchFamily="2" charset="2"/>
+              <a:buChar char="Ø"/>
+            </a:pPr>
+            <a:r>
+              <a:rPr lang="en-IN" sz="1300" dirty="0"/>
+              <a:t>KG Lookup Validator → Partial Truth/Inaccuracy</a:t>
+            </a:r>
+          </a:p>
+          <a:p>
+            <a:pPr marL="0" indent="0" latinLnBrk="1">
+              <a:buNone/>
+            </a:pPr>
+            <a:r>
+              <a:rPr lang="en-IN" sz="1300" dirty="0"/>
+              <a:t>📚 REFERENCE ERRORS:</a:t>
+            </a:r>
+          </a:p>
+          <a:p>
+            <a:pPr latinLnBrk="1">
+              <a:buFont typeface="Wingdings" panose="05000000000000000000" pitchFamily="2" charset="2"/>
+              <a:buChar char="Ø"/>
+            </a:pPr>
+            <a:r>
+              <a:rPr lang="en-IN" sz="1300" dirty="0"/>
+              <a:t>Citation Verifier → Source Citation Errors</a:t>
+            </a:r>
+          </a:p>
+          <a:p>
+            <a:pPr latinLnBrk="1">
+              <a:buFont typeface="Wingdings" panose="05000000000000000000" pitchFamily="2" charset="2"/>
+              <a:buChar char="Ø"/>
+            </a:pPr>
+            <a:r>
+              <a:rPr lang="en-IN" sz="1300" dirty="0"/>
+              <a:t>Semantic Logic Analyzer → Logical Errors</a:t>
+            </a:r>
+          </a:p>
+          <a:p>
+            <a:pPr marL="0" indent="0">
+              <a:buNone/>
+            </a:pPr>
+            <a:endParaRPr lang="en-IN" sz="1600" dirty="0"/>
+          </a:p>
+        </p:txBody>
+      </p:sp>
+      <p:sp>
+        <p:nvSpPr>
+          <p:cNvPr id="4" name="Content Placeholder 3">
+            <a:extLst>
+              <a:ext uri="{FF2B5EF4-FFF2-40B4-BE49-F238E27FC236}">
+                <a16:creationId xmlns:a16="http://schemas.microsoft.com/office/drawing/2014/main" id="{87FBDF37-8670-4D79-B029-D325A4E98139}"/>
+              </a:ext>
+            </a:extLst>
+          </p:cNvPr>
+          <p:cNvSpPr>
+            <a:spLocks noGrp="1"/>
+          </p:cNvSpPr>
+          <p:nvPr>
+            <p:ph sz="half" idx="2"/>
+          </p:nvPr>
+        </p:nvSpPr>
+        <p:spPr>
+          <a:xfrm>
+            <a:off x="3772312" y="1385240"/>
+            <a:ext cx="3665127" cy="3558446"/>
+          </a:xfrm>
+          <a:ln>
+            <a:solidFill>
+              <a:schemeClr val="tx1"/>
+            </a:solidFill>
+          </a:ln>
+        </p:spPr>
+        <p:txBody>
+          <a:bodyPr>
+            <a:normAutofit/>
+          </a:bodyPr>
+          <a:lstStyle/>
+          <a:p>
+            <a:pPr marL="0" indent="0" latinLnBrk="1">
+              <a:buNone/>
+            </a:pPr>
+            <a:r>
+              <a:rPr lang="en-IN" sz="1300" dirty="0"/>
+              <a:t>RESOLUTION PATENT</a:t>
+            </a:r>
+          </a:p>
+          <a:p>
+            <a:pPr marL="0" indent="0" latinLnBrk="1">
+              <a:buNone/>
+            </a:pPr>
+            <a:r>
+              <a:rPr lang="en-IN" sz="1300" dirty="0"/>
+              <a:t>🛠️ SPECIALIZED RESOLVERS (Error-specific):</a:t>
+            </a:r>
+          </a:p>
+          <a:p>
+            <a:pPr latinLnBrk="1">
+              <a:buFont typeface="Wingdings" panose="05000000000000000000" pitchFamily="2" charset="2"/>
+              <a:buChar char="Ø"/>
+            </a:pPr>
+            <a:r>
+              <a:rPr lang="en-IN" sz="1300" dirty="0"/>
+              <a:t>Full Claim Replacement ← Complete Fabrication</a:t>
+            </a:r>
+          </a:p>
+          <a:p>
+            <a:pPr latinLnBrk="1">
+              <a:buFont typeface="Wingdings" panose="05000000000000000000" pitchFamily="2" charset="2"/>
+              <a:buChar char="Ø"/>
+            </a:pPr>
+            <a:r>
+              <a:rPr lang="en-IN" sz="1300" dirty="0"/>
+              <a:t>Geospatial Resolver ← Config/Security Errors</a:t>
+            </a:r>
+          </a:p>
+          <a:p>
+            <a:pPr marL="0" indent="0" latinLnBrk="1">
+              <a:buNone/>
+            </a:pPr>
+            <a:endParaRPr lang="en-IN" sz="1300" dirty="0"/>
+          </a:p>
+          <a:p>
+            <a:pPr latinLnBrk="1">
+              <a:buFont typeface="Wingdings" panose="05000000000000000000" pitchFamily="2" charset="2"/>
+              <a:buChar char="Ø"/>
+            </a:pPr>
+            <a:r>
+              <a:rPr lang="en-IN" sz="1300" dirty="0"/>
+              <a:t>Temporal Resolver ← Temporal Errors</a:t>
+            </a:r>
+          </a:p>
+          <a:p>
+            <a:pPr latinLnBrk="1">
+              <a:buFont typeface="Wingdings" panose="05000000000000000000" pitchFamily="2" charset="2"/>
+              <a:buChar char="Ø"/>
+            </a:pPr>
+            <a:r>
+              <a:rPr lang="en-IN" sz="1300" dirty="0"/>
+              <a:t>Numerical Resolver ← Numerical Errors</a:t>
+            </a:r>
+          </a:p>
+          <a:p>
+            <a:pPr latinLnBrk="1">
+              <a:buFont typeface="Wingdings" panose="05000000000000000000" pitchFamily="2" charset="2"/>
+              <a:buChar char="Ø"/>
+            </a:pPr>
+            <a:r>
+              <a:rPr lang="en-IN" sz="1300" dirty="0"/>
+              <a:t>Precision Correction ← Partial Truth/Inaccuracy  </a:t>
+            </a:r>
+          </a:p>
+          <a:p>
+            <a:pPr marL="0" indent="0" latinLnBrk="1">
+              <a:buNone/>
+            </a:pPr>
+            <a:endParaRPr lang="en-IN" sz="1300" dirty="0"/>
+          </a:p>
+          <a:p>
+            <a:pPr latinLnBrk="1">
+              <a:buFont typeface="Wingdings" panose="05000000000000000000" pitchFamily="2" charset="2"/>
+              <a:buChar char="Ø"/>
+            </a:pPr>
+            <a:r>
+              <a:rPr lang="en-IN" sz="1300" dirty="0"/>
+              <a:t>Provenance Resolver ← Source Citation Errors</a:t>
+            </a:r>
+          </a:p>
+          <a:p>
+            <a:pPr latinLnBrk="1">
+              <a:buFont typeface="Wingdings" panose="05000000000000000000" pitchFamily="2" charset="2"/>
+              <a:buChar char="Ø"/>
+            </a:pPr>
+            <a:r>
+              <a:rPr lang="en-IN" sz="1300" dirty="0"/>
+              <a:t>Logical Resolver ← Logical Errors</a:t>
+            </a:r>
+          </a:p>
+          <a:p>
+            <a:endParaRPr lang="en-IN" sz="1600" dirty="0"/>
+          </a:p>
+        </p:txBody>
+      </p:sp>
+      <p:sp>
+        <p:nvSpPr>
+          <p:cNvPr id="5" name="TextBox 4">
+            <a:extLst>
+              <a:ext uri="{FF2B5EF4-FFF2-40B4-BE49-F238E27FC236}">
+                <a16:creationId xmlns:a16="http://schemas.microsoft.com/office/drawing/2014/main" id="{820772F2-210D-0728-50C0-C0A1C2887367}"/>
+              </a:ext>
+            </a:extLst>
+          </p:cNvPr>
+          <p:cNvSpPr txBox="1"/>
+          <p:nvPr/>
+        </p:nvSpPr>
+        <p:spPr>
+          <a:xfrm>
+            <a:off x="107186" y="4943686"/>
+            <a:ext cx="7245722" cy="1815882"/>
+          </a:xfrm>
+          <a:prstGeom prst="rect">
+            <a:avLst/>
+          </a:prstGeom>
+          <a:noFill/>
+          <a:ln>
+            <a:solidFill>
+              <a:schemeClr val="tx1"/>
+            </a:solidFill>
+          </a:ln>
+        </p:spPr>
+        <p:txBody>
+          <a:bodyPr wrap="square" rtlCol="0">
+            <a:spAutoFit/>
+          </a:bodyPr>
+          <a:lstStyle/>
+          <a:p>
+            <a:pPr latinLnBrk="1"/>
+            <a:r>
+              <a:rPr lang="en-GB" sz="1400" dirty="0"/>
+              <a:t>🔧 INTELLIGENT HEALING (Cross-cutting):</a:t>
+            </a:r>
+          </a:p>
+          <a:p>
+            <a:pPr lvl="1" latinLnBrk="1"/>
+            <a:r>
+              <a:rPr lang="en-GB" sz="1400" dirty="0"/>
+              <a:t>-&gt; Context-aware Correction</a:t>
+            </a:r>
+          </a:p>
+          <a:p>
+            <a:pPr lvl="1" latinLnBrk="1"/>
+            <a:r>
+              <a:rPr lang="en-GB" sz="1400" dirty="0"/>
+              <a:t>-&gt; Multi-alternative Generation</a:t>
+            </a:r>
+          </a:p>
+          <a:p>
+            <a:pPr lvl="1" latinLnBrk="1"/>
+            <a:r>
+              <a:rPr lang="en-GB" sz="1400" dirty="0"/>
+              <a:t>-&gt; Confidence-based Selection</a:t>
+            </a:r>
+          </a:p>
+          <a:p>
+            <a:pPr lvl="1" latinLnBrk="1"/>
+            <a:r>
+              <a:rPr lang="en-GB" sz="1400" dirty="0"/>
+              <a:t>-&gt; Explainable Outputs</a:t>
+            </a:r>
+          </a:p>
+          <a:p>
+            <a:pPr latinLnBrk="1"/>
+            <a:r>
+              <a:rPr lang="en-GB" sz="1400" dirty="0"/>
+              <a:t>Specialized Resolver → Context-aware Correction → Multi-alternative Generation → </a:t>
+            </a:r>
+          </a:p>
+          <a:p>
+            <a:pPr latinLnBrk="1"/>
+            <a:r>
+              <a:rPr lang="en-GB" sz="1400" dirty="0"/>
+              <a:t>Confidence-based Selection → Explainable Outputs-&gt;Verified Response → Learning Feedback → Resolver Improvement</a:t>
+            </a:r>
+            <a:endParaRPr lang="en-IN" sz="1400" dirty="0"/>
+          </a:p>
+        </p:txBody>
+      </p:sp>
+      <p:pic>
+        <p:nvPicPr>
+          <p:cNvPr id="6" name="Picture 5">
+            <a:extLst>
+              <a:ext uri="{FF2B5EF4-FFF2-40B4-BE49-F238E27FC236}">
+                <a16:creationId xmlns:a16="http://schemas.microsoft.com/office/drawing/2014/main" id="{A7FED7FE-C57C-916A-FAB1-A9F976843308}"/>
+              </a:ext>
+            </a:extLst>
+          </p:cNvPr>
+          <p:cNvPicPr>
+            <a:picLocks noChangeAspect="1"/>
+          </p:cNvPicPr>
+          <p:nvPr/>
+        </p:nvPicPr>
+        <p:blipFill>
+          <a:blip r:embed="rId2"/>
+          <a:stretch>
+            <a:fillRect/>
+          </a:stretch>
+        </p:blipFill>
+        <p:spPr>
+          <a:xfrm>
+            <a:off x="9949888" y="59519"/>
+            <a:ext cx="2134927" cy="2153084"/>
+          </a:xfrm>
+          <a:prstGeom prst="rect">
+            <a:avLst/>
+          </a:prstGeom>
+        </p:spPr>
+      </p:pic>
+      <p:pic>
+        <p:nvPicPr>
+          <p:cNvPr id="9" name="Picture 8">
+            <a:extLst>
+              <a:ext uri="{FF2B5EF4-FFF2-40B4-BE49-F238E27FC236}">
+                <a16:creationId xmlns:a16="http://schemas.microsoft.com/office/drawing/2014/main" id="{C4DCA051-E3F1-DB28-5DB3-1C689868F292}"/>
+              </a:ext>
+            </a:extLst>
+          </p:cNvPr>
+          <p:cNvPicPr>
+            <a:picLocks noChangeAspect="1"/>
+          </p:cNvPicPr>
+          <p:nvPr/>
+        </p:nvPicPr>
+        <p:blipFill>
+          <a:blip r:embed="rId3"/>
+          <a:stretch>
+            <a:fillRect/>
+          </a:stretch>
+        </p:blipFill>
+        <p:spPr>
+          <a:xfrm>
+            <a:off x="10020692" y="3799002"/>
+            <a:ext cx="2134927" cy="2875143"/>
+          </a:xfrm>
+          <a:prstGeom prst="rect">
+            <a:avLst/>
+          </a:prstGeom>
+        </p:spPr>
+      </p:pic>
+      <p:pic>
+        <p:nvPicPr>
+          <p:cNvPr id="10" name="Picture 9">
+            <a:extLst>
+              <a:ext uri="{FF2B5EF4-FFF2-40B4-BE49-F238E27FC236}">
+                <a16:creationId xmlns:a16="http://schemas.microsoft.com/office/drawing/2014/main" id="{9A4F404E-4145-6267-D864-41873850A0B7}"/>
+              </a:ext>
+            </a:extLst>
+          </p:cNvPr>
+          <p:cNvPicPr>
+            <a:picLocks noChangeAspect="1"/>
+          </p:cNvPicPr>
+          <p:nvPr/>
+        </p:nvPicPr>
+        <p:blipFill>
+          <a:blip r:embed="rId4"/>
+          <a:stretch>
+            <a:fillRect/>
+          </a:stretch>
+        </p:blipFill>
+        <p:spPr>
+          <a:xfrm>
+            <a:off x="10709246" y="2212603"/>
+            <a:ext cx="748044" cy="1586399"/>
+          </a:xfrm>
+          <a:prstGeom prst="rect">
+            <a:avLst/>
+          </a:prstGeom>
+        </p:spPr>
+      </p:pic>
+      <p:pic>
+        <p:nvPicPr>
+          <p:cNvPr id="12" name="Picture 11">
+            <a:extLst>
+              <a:ext uri="{FF2B5EF4-FFF2-40B4-BE49-F238E27FC236}">
+                <a16:creationId xmlns:a16="http://schemas.microsoft.com/office/drawing/2014/main" id="{EFEA6CE6-1DB3-6E38-8FEA-8B0D964389A2}"/>
+              </a:ext>
+            </a:extLst>
+          </p:cNvPr>
+          <p:cNvPicPr>
+            <a:picLocks noChangeAspect="1"/>
+          </p:cNvPicPr>
+          <p:nvPr/>
+        </p:nvPicPr>
+        <p:blipFill>
+          <a:blip r:embed="rId5"/>
+          <a:stretch>
+            <a:fillRect/>
+          </a:stretch>
+        </p:blipFill>
+        <p:spPr>
+          <a:xfrm>
+            <a:off x="7352908" y="-59519"/>
+            <a:ext cx="2667785" cy="6858000"/>
+          </a:xfrm>
+          <a:prstGeom prst="rect">
+            <a:avLst/>
+          </a:prstGeom>
+        </p:spPr>
+      </p:pic>
+    </p:spTree>
+    <p:extLst>
+      <p:ext uri="{BB962C8B-B14F-4D97-AF65-F5344CB8AC3E}">
+        <p14:creationId xmlns:p14="http://schemas.microsoft.com/office/powerpoint/2010/main" val="2134237967"/>
+      </p:ext>
+    </p:extLst>
+  </p:cSld>
+  <p:clrMapOvr>
+    <a:masterClrMapping/>
+  </p:clrMapOvr>
+</p:sld>
+</file>
+
+<file path=ppt/slides/slide3.xml><?xml version="1.0" encoding="utf-8"?>
+<p:sld xmlns:a="http://schemas.openxmlformats.org/drawingml/2006/main" xmlns:r="http://schemas.openxmlformats.org/officeDocument/2006/relationships" xmlns:p="http://schemas.openxmlformats.org/presentationml/2006/main">
+  <p:cSld>
+    <p:spTree>
+      <p:nvGrpSpPr>
+        <p:cNvPr id="1" name=""/>
+        <p:cNvGrpSpPr/>
+        <p:nvPr/>
+      </p:nvGrpSpPr>
+      <p:grpSpPr>
+        <a:xfrm>
+          <a:off x="0" y="0"/>
+          <a:ext cx="0" cy="0"/>
+          <a:chOff x="0" y="0"/>
+          <a:chExt cx="0" cy="0"/>
+        </a:xfrm>
+      </p:grpSpPr>
+      <p:pic>
+        <p:nvPicPr>
+          <p:cNvPr id="3" name="Picture 2">
+            <a:extLst>
+              <a:ext uri="{FF2B5EF4-FFF2-40B4-BE49-F238E27FC236}">
                 <a16:creationId xmlns:a16="http://schemas.microsoft.com/office/drawing/2014/main" id="{68F2E03D-95F6-2B5E-1BEA-3BDBC3D43E78}"/>
               </a:ext>
             </a:extLst>
@@ -3660,6 +6935,186 @@
           </a:prstGeom>
         </p:spPr>
       </p:pic>
+      <p:pic>
+        <p:nvPicPr>
+          <p:cNvPr id="2" name="Picture 1">
+            <a:extLst>
+              <a:ext uri="{FF2B5EF4-FFF2-40B4-BE49-F238E27FC236}">
+                <a16:creationId xmlns:a16="http://schemas.microsoft.com/office/drawing/2014/main" id="{232A9E88-74BC-07AE-22D6-F31F6DD7E3DF}"/>
+              </a:ext>
+            </a:extLst>
+          </p:cNvPr>
+          <p:cNvPicPr>
+            <a:picLocks noChangeAspect="1"/>
+          </p:cNvPicPr>
+          <p:nvPr/>
+        </p:nvPicPr>
+        <p:blipFill>
+          <a:blip r:embed="rId12"/>
+          <a:stretch>
+            <a:fillRect/>
+          </a:stretch>
+        </p:blipFill>
+        <p:spPr>
+          <a:xfrm>
+            <a:off x="10330452" y="81260"/>
+            <a:ext cx="1861548" cy="1325778"/>
+          </a:xfrm>
+          <a:prstGeom prst="rect">
+            <a:avLst/>
+          </a:prstGeom>
+        </p:spPr>
+      </p:pic>
+      <p:pic>
+        <p:nvPicPr>
+          <p:cNvPr id="6" name="Picture 5">
+            <a:extLst>
+              <a:ext uri="{FF2B5EF4-FFF2-40B4-BE49-F238E27FC236}">
+                <a16:creationId xmlns:a16="http://schemas.microsoft.com/office/drawing/2014/main" id="{8FF4F765-B0F5-E362-D51D-998E962236A9}"/>
+              </a:ext>
+            </a:extLst>
+          </p:cNvPr>
+          <p:cNvPicPr>
+            <a:picLocks noChangeAspect="1"/>
+          </p:cNvPicPr>
+          <p:nvPr/>
+        </p:nvPicPr>
+        <p:blipFill>
+          <a:blip r:embed="rId13"/>
+          <a:stretch>
+            <a:fillRect/>
+          </a:stretch>
+        </p:blipFill>
+        <p:spPr>
+          <a:xfrm>
+            <a:off x="21619" y="1"/>
+            <a:ext cx="1839928" cy="1374314"/>
+          </a:xfrm>
+          <a:prstGeom prst="rect">
+            <a:avLst/>
+          </a:prstGeom>
+        </p:spPr>
+      </p:pic>
+      <p:pic>
+        <p:nvPicPr>
+          <p:cNvPr id="7" name="Picture 6">
+            <a:extLst>
+              <a:ext uri="{FF2B5EF4-FFF2-40B4-BE49-F238E27FC236}">
+                <a16:creationId xmlns:a16="http://schemas.microsoft.com/office/drawing/2014/main" id="{A6E6DED4-2EE9-4835-7B61-0FAF9C81CC32}"/>
+              </a:ext>
+            </a:extLst>
+          </p:cNvPr>
+          <p:cNvPicPr>
+            <a:picLocks noChangeAspect="1"/>
+          </p:cNvPicPr>
+          <p:nvPr/>
+        </p:nvPicPr>
+        <p:blipFill>
+          <a:blip r:embed="rId14"/>
+          <a:stretch>
+            <a:fillRect/>
+          </a:stretch>
+        </p:blipFill>
+        <p:spPr>
+          <a:xfrm>
+            <a:off x="10255235" y="4595947"/>
+            <a:ext cx="1763940" cy="2180793"/>
+          </a:xfrm>
+          <a:prstGeom prst="rect">
+            <a:avLst/>
+          </a:prstGeom>
+        </p:spPr>
+      </p:pic>
+      <p:pic>
+        <p:nvPicPr>
+          <p:cNvPr id="10" name="Picture 9">
+            <a:extLst>
+              <a:ext uri="{FF2B5EF4-FFF2-40B4-BE49-F238E27FC236}">
+                <a16:creationId xmlns:a16="http://schemas.microsoft.com/office/drawing/2014/main" id="{51B3E5F0-3D04-BE5F-0A84-4F3C86AA5D82}"/>
+              </a:ext>
+            </a:extLst>
+          </p:cNvPr>
+          <p:cNvPicPr>
+            <a:picLocks noChangeAspect="1"/>
+          </p:cNvPicPr>
+          <p:nvPr/>
+        </p:nvPicPr>
+        <p:blipFill>
+          <a:blip r:embed="rId14"/>
+          <a:stretch>
+            <a:fillRect/>
+          </a:stretch>
+        </p:blipFill>
+        <p:spPr>
+          <a:xfrm>
+            <a:off x="73790" y="4807938"/>
+            <a:ext cx="1763940" cy="2180793"/>
+          </a:xfrm>
+          <a:prstGeom prst="rect">
+            <a:avLst/>
+          </a:prstGeom>
+        </p:spPr>
+      </p:pic>
+      <p:pic>
+        <p:nvPicPr>
+          <p:cNvPr id="12" name="Picture 11">
+            <a:extLst>
+              <a:ext uri="{FF2B5EF4-FFF2-40B4-BE49-F238E27FC236}">
+                <a16:creationId xmlns:a16="http://schemas.microsoft.com/office/drawing/2014/main" id="{9894025C-3DF4-B306-D7AF-A79FBE7A918E}"/>
+              </a:ext>
+            </a:extLst>
+          </p:cNvPr>
+          <p:cNvPicPr>
+            <a:picLocks noChangeAspect="1"/>
+          </p:cNvPicPr>
+          <p:nvPr/>
+        </p:nvPicPr>
+        <p:blipFill>
+          <a:blip r:embed="rId15"/>
+          <a:stretch>
+            <a:fillRect/>
+          </a:stretch>
+        </p:blipFill>
+        <p:spPr>
+          <a:xfrm>
+            <a:off x="-410347" y="1569605"/>
+            <a:ext cx="748044" cy="3140372"/>
+          </a:xfrm>
+          <a:prstGeom prst="rect">
+            <a:avLst/>
+          </a:prstGeom>
+        </p:spPr>
+      </p:pic>
+      <p:pic>
+        <p:nvPicPr>
+          <p:cNvPr id="14" name="Picture 13">
+            <a:extLst>
+              <a:ext uri="{FF2B5EF4-FFF2-40B4-BE49-F238E27FC236}">
+                <a16:creationId xmlns:a16="http://schemas.microsoft.com/office/drawing/2014/main" id="{21AE1FB1-AA35-04E3-4AE5-F945B7141604}"/>
+              </a:ext>
+            </a:extLst>
+          </p:cNvPr>
+          <p:cNvPicPr>
+            <a:picLocks noChangeAspect="1"/>
+          </p:cNvPicPr>
+          <p:nvPr/>
+        </p:nvPicPr>
+        <p:blipFill>
+          <a:blip r:embed="rId15"/>
+          <a:stretch>
+            <a:fillRect/>
+          </a:stretch>
+        </p:blipFill>
+        <p:spPr>
+          <a:xfrm>
+            <a:off x="11605779" y="1374315"/>
+            <a:ext cx="748044" cy="3140372"/>
+          </a:xfrm>
+          <a:prstGeom prst="rect">
+            <a:avLst/>
+          </a:prstGeom>
+        </p:spPr>
+      </p:pic>
     </p:spTree>
     <p:extLst>
       <p:ext uri="{BB962C8B-B14F-4D97-AF65-F5344CB8AC3E}">
@@ -3673,2768 +7128,7 @@
 </p:sld>
 </file>
 
-<file path=ppt/slides/slide10.xml><?xml version="1.0" encoding="utf-8"?>
-<p:sld xmlns:a="http://schemas.openxmlformats.org/drawingml/2006/main" xmlns:r="http://schemas.openxmlformats.org/officeDocument/2006/relationships" xmlns:p="http://schemas.openxmlformats.org/presentationml/2006/main">
-  <p:cSld>
-    <p:spTree>
-      <p:nvGrpSpPr>
-        <p:cNvPr id="1" name=""/>
-        <p:cNvGrpSpPr/>
-        <p:nvPr/>
-      </p:nvGrpSpPr>
-      <p:grpSpPr>
-        <a:xfrm>
-          <a:off x="0" y="0"/>
-          <a:ext cx="0" cy="0"/>
-          <a:chOff x="0" y="0"/>
-          <a:chExt cx="0" cy="0"/>
-        </a:xfrm>
-      </p:grpSpPr>
-      <p:pic>
-        <p:nvPicPr>
-          <p:cNvPr id="3" name="Picture 2">
-            <a:extLst>
-              <a:ext uri="{FF2B5EF4-FFF2-40B4-BE49-F238E27FC236}">
-                <a16:creationId xmlns:a16="http://schemas.microsoft.com/office/drawing/2014/main" id="{3C7F5984-332F-29D6-0B84-5B37CF9BFF59}"/>
-              </a:ext>
-            </a:extLst>
-          </p:cNvPr>
-          <p:cNvPicPr>
-            <a:picLocks noChangeAspect="1"/>
-          </p:cNvPicPr>
-          <p:nvPr/>
-        </p:nvPicPr>
-        <p:blipFill>
-          <a:blip r:embed="rId2"/>
-          <a:stretch>
-            <a:fillRect/>
-          </a:stretch>
-        </p:blipFill>
-        <p:spPr>
-          <a:xfrm>
-            <a:off x="0" y="343626"/>
-            <a:ext cx="12192000" cy="6170747"/>
-          </a:xfrm>
-          <a:prstGeom prst="rect">
-            <a:avLst/>
-          </a:prstGeom>
-        </p:spPr>
-      </p:pic>
-    </p:spTree>
-    <p:extLst>
-      <p:ext uri="{BB962C8B-B14F-4D97-AF65-F5344CB8AC3E}">
-        <p14:creationId xmlns:p14="http://schemas.microsoft.com/office/powerpoint/2010/main" val="2838695008"/>
-      </p:ext>
-    </p:extLst>
-  </p:cSld>
-  <p:clrMapOvr>
-    <a:masterClrMapping/>
-  </p:clrMapOvr>
-</p:sld>
-</file>
-
-<file path=ppt/slides/slide11.xml><?xml version="1.0" encoding="utf-8"?>
-<p:sld xmlns:a="http://schemas.openxmlformats.org/drawingml/2006/main" xmlns:r="http://schemas.openxmlformats.org/officeDocument/2006/relationships" xmlns:p="http://schemas.openxmlformats.org/presentationml/2006/main">
-  <p:cSld>
-    <p:spTree>
-      <p:nvGrpSpPr>
-        <p:cNvPr id="1" name=""/>
-        <p:cNvGrpSpPr/>
-        <p:nvPr/>
-      </p:nvGrpSpPr>
-      <p:grpSpPr>
-        <a:xfrm>
-          <a:off x="0" y="0"/>
-          <a:ext cx="0" cy="0"/>
-          <a:chOff x="0" y="0"/>
-          <a:chExt cx="0" cy="0"/>
-        </a:xfrm>
-      </p:grpSpPr>
-      <p:pic>
-        <p:nvPicPr>
-          <p:cNvPr id="3" name="Picture 2">
-            <a:extLst>
-              <a:ext uri="{FF2B5EF4-FFF2-40B4-BE49-F238E27FC236}">
-                <a16:creationId xmlns:a16="http://schemas.microsoft.com/office/drawing/2014/main" id="{C1C2B21D-7D7F-3380-A39A-A7F5C07557E7}"/>
-              </a:ext>
-            </a:extLst>
-          </p:cNvPr>
-          <p:cNvPicPr>
-            <a:picLocks noChangeAspect="1"/>
-          </p:cNvPicPr>
-          <p:nvPr/>
-        </p:nvPicPr>
-        <p:blipFill>
-          <a:blip r:embed="rId2"/>
-          <a:stretch>
-            <a:fillRect/>
-          </a:stretch>
-        </p:blipFill>
-        <p:spPr>
-          <a:xfrm>
-            <a:off x="320510" y="0"/>
-            <a:ext cx="11519555" cy="6858000"/>
-          </a:xfrm>
-          <a:prstGeom prst="rect">
-            <a:avLst/>
-          </a:prstGeom>
-        </p:spPr>
-      </p:pic>
-    </p:spTree>
-    <p:extLst>
-      <p:ext uri="{BB962C8B-B14F-4D97-AF65-F5344CB8AC3E}">
-        <p14:creationId xmlns:p14="http://schemas.microsoft.com/office/powerpoint/2010/main" val="1333697852"/>
-      </p:ext>
-    </p:extLst>
-  </p:cSld>
-  <p:clrMapOvr>
-    <a:masterClrMapping/>
-  </p:clrMapOvr>
-</p:sld>
-</file>
-
-<file path=ppt/slides/slide12.xml><?xml version="1.0" encoding="utf-8"?>
-<p:sld xmlns:a="http://schemas.openxmlformats.org/drawingml/2006/main" xmlns:r="http://schemas.openxmlformats.org/officeDocument/2006/relationships" xmlns:p="http://schemas.openxmlformats.org/presentationml/2006/main">
-  <p:cSld>
-    <p:spTree>
-      <p:nvGrpSpPr>
-        <p:cNvPr id="1" name=""/>
-        <p:cNvGrpSpPr/>
-        <p:nvPr/>
-      </p:nvGrpSpPr>
-      <p:grpSpPr>
-        <a:xfrm>
-          <a:off x="0" y="0"/>
-          <a:ext cx="0" cy="0"/>
-          <a:chOff x="0" y="0"/>
-          <a:chExt cx="0" cy="0"/>
-        </a:xfrm>
-      </p:grpSpPr>
-      <p:sp>
-        <p:nvSpPr>
-          <p:cNvPr id="3" name="TextBox 2">
-            <a:extLst>
-              <a:ext uri="{FF2B5EF4-FFF2-40B4-BE49-F238E27FC236}">
-                <a16:creationId xmlns:a16="http://schemas.microsoft.com/office/drawing/2014/main" id="{34BEC984-CCFD-BD77-37E8-5FEA7930EC06}"/>
-              </a:ext>
-            </a:extLst>
-          </p:cNvPr>
-          <p:cNvSpPr txBox="1"/>
-          <p:nvPr/>
-        </p:nvSpPr>
-        <p:spPr>
-          <a:xfrm>
-            <a:off x="707010" y="780631"/>
-            <a:ext cx="8434633" cy="5578450"/>
-          </a:xfrm>
-          <a:prstGeom prst="rect">
-            <a:avLst/>
-          </a:prstGeom>
-          <a:noFill/>
-        </p:spPr>
-        <p:txBody>
-          <a:bodyPr wrap="square">
-            <a:spAutoFit/>
-          </a:bodyPr>
-          <a:lstStyle/>
-          <a:p>
-            <a:pPr algn="l">
-              <a:lnSpc>
-                <a:spcPts val="2400"/>
-              </a:lnSpc>
-              <a:spcBef>
-                <a:spcPts val="2400"/>
-              </a:spcBef>
-              <a:spcAft>
-                <a:spcPts val="1200"/>
-              </a:spcAft>
-              <a:buNone/>
-            </a:pPr>
-            <a:r>
-              <a:rPr lang="en-GB" b="1" dirty="0">
-                <a:solidFill>
-                  <a:srgbClr val="0F1115"/>
-                </a:solidFill>
-                <a:effectLst/>
-                <a:latin typeface="quote-cjk-patch"/>
-              </a:rPr>
-              <a:t>Key Insight:</a:t>
-            </a:r>
-          </a:p>
-          <a:p>
-            <a:pPr algn="l">
-              <a:spcBef>
-                <a:spcPts val="1200"/>
-              </a:spcBef>
-              <a:spcAft>
-                <a:spcPts val="1200"/>
-              </a:spcAft>
-              <a:buNone/>
-            </a:pPr>
-            <a:r>
-              <a:rPr lang="en-GB" b="0" i="0" dirty="0">
-                <a:solidFill>
-                  <a:srgbClr val="0F1115"/>
-                </a:solidFill>
-                <a:effectLst/>
-                <a:latin typeface="quote-cjk-patch"/>
-              </a:rPr>
-              <a:t>The </a:t>
-            </a:r>
-            <a:r>
-              <a:rPr lang="en-GB" b="1" i="0" dirty="0">
-                <a:solidFill>
-                  <a:srgbClr val="0F1115"/>
-                </a:solidFill>
-                <a:effectLst/>
-                <a:latin typeface="quote-cjk-patch"/>
-              </a:rPr>
-              <a:t>Multi-dim Validation</a:t>
-            </a:r>
-            <a:r>
-              <a:rPr lang="en-GB" b="0" i="0" dirty="0">
-                <a:solidFill>
-                  <a:srgbClr val="0F1115"/>
-                </a:solidFill>
-                <a:effectLst/>
-                <a:latin typeface="quote-cjk-patch"/>
-              </a:rPr>
-              <a:t> layer provides the </a:t>
-            </a:r>
-            <a:r>
-              <a:rPr lang="en-GB" b="1" i="0" dirty="0">
-                <a:solidFill>
-                  <a:srgbClr val="0F1115"/>
-                </a:solidFill>
-                <a:effectLst/>
-                <a:latin typeface="quote-cjk-patch"/>
-              </a:rPr>
-              <a:t>analytical foundation</a:t>
-            </a:r>
-            <a:r>
-              <a:rPr lang="en-GB" b="0" i="0" dirty="0">
-                <a:solidFill>
-                  <a:srgbClr val="0F1115"/>
-                </a:solidFill>
-                <a:effectLst/>
-                <a:latin typeface="quote-cjk-patch"/>
-              </a:rPr>
-              <a:t> that enables the specialized detectors to be so precise. Instead of each detector working in isolation, they all leverage these four verification dimensions, making the identification system:</a:t>
-            </a:r>
-          </a:p>
-          <a:p>
-            <a:pPr algn="l">
-              <a:spcBef>
-                <a:spcPts val="1200"/>
-              </a:spcBef>
-              <a:spcAft>
-                <a:spcPts val="1200"/>
-              </a:spcAft>
-              <a:buFont typeface="Arial" panose="020B0604020202020204" pitchFamily="34" charset="0"/>
-              <a:buChar char="•"/>
-            </a:pPr>
-            <a:r>
-              <a:rPr lang="en-GB" b="1" i="0" dirty="0">
-                <a:solidFill>
-                  <a:srgbClr val="0F1115"/>
-                </a:solidFill>
-                <a:effectLst/>
-                <a:latin typeface="quote-cjk-patch"/>
-              </a:rPr>
-              <a:t>More robust</a:t>
-            </a:r>
-            <a:r>
-              <a:rPr lang="en-GB" b="0" i="0" dirty="0">
-                <a:solidFill>
-                  <a:srgbClr val="0F1115"/>
-                </a:solidFill>
-                <a:effectLst/>
-                <a:latin typeface="quote-cjk-patch"/>
-              </a:rPr>
-              <a:t> (multiple validation angles)</a:t>
-            </a:r>
-          </a:p>
-          <a:p>
-            <a:pPr algn="l">
-              <a:spcBef>
-                <a:spcPts val="450"/>
-              </a:spcBef>
-              <a:spcAft>
-                <a:spcPts val="1200"/>
-              </a:spcAft>
-              <a:buFont typeface="Arial" panose="020B0604020202020204" pitchFamily="34" charset="0"/>
-              <a:buChar char="•"/>
-            </a:pPr>
-            <a:r>
-              <a:rPr lang="en-GB" b="1" i="0" dirty="0">
-                <a:solidFill>
-                  <a:srgbClr val="0F1115"/>
-                </a:solidFill>
-                <a:effectLst/>
-                <a:latin typeface="quote-cjk-patch"/>
-              </a:rPr>
-              <a:t>More accurate</a:t>
-            </a:r>
-            <a:r>
-              <a:rPr lang="en-GB" b="0" i="0" dirty="0">
-                <a:solidFill>
-                  <a:srgbClr val="0F1115"/>
-                </a:solidFill>
-                <a:effectLst/>
-                <a:latin typeface="quote-cjk-patch"/>
-              </a:rPr>
-              <a:t> (cross-dimensional consistency checking)</a:t>
-            </a:r>
-          </a:p>
-          <a:p>
-            <a:pPr algn="l">
-              <a:spcBef>
-                <a:spcPts val="450"/>
-              </a:spcBef>
-              <a:spcAft>
-                <a:spcPts val="1200"/>
-              </a:spcAft>
-              <a:buFont typeface="Arial" panose="020B0604020202020204" pitchFamily="34" charset="0"/>
-              <a:buChar char="•"/>
-            </a:pPr>
-            <a:r>
-              <a:rPr lang="en-GB" b="1" i="0" dirty="0">
-                <a:solidFill>
-                  <a:srgbClr val="0F1115"/>
-                </a:solidFill>
-                <a:effectLst/>
-                <a:latin typeface="quote-cjk-patch"/>
-              </a:rPr>
-              <a:t>More scalable</a:t>
-            </a:r>
-            <a:r>
-              <a:rPr lang="en-GB" b="0" i="0" dirty="0">
-                <a:solidFill>
-                  <a:srgbClr val="0F1115"/>
-                </a:solidFill>
-                <a:effectLst/>
-                <a:latin typeface="quote-cjk-patch"/>
-              </a:rPr>
-              <a:t> (reusable validation patterns)</a:t>
-            </a:r>
-          </a:p>
-          <a:p>
-            <a:pPr algn="l">
-              <a:spcBef>
-                <a:spcPts val="450"/>
-              </a:spcBef>
-              <a:spcAft>
-                <a:spcPts val="1200"/>
-              </a:spcAft>
-              <a:buFont typeface="Arial" panose="020B0604020202020204" pitchFamily="34" charset="0"/>
-              <a:buChar char="•"/>
-            </a:pPr>
-            <a:r>
-              <a:rPr lang="en-GB" b="1" i="0" dirty="0">
-                <a:solidFill>
-                  <a:srgbClr val="0F1115"/>
-                </a:solidFill>
-                <a:effectLst/>
-                <a:latin typeface="quote-cjk-patch"/>
-              </a:rPr>
-              <a:t>More explainable</a:t>
-            </a:r>
-            <a:r>
-              <a:rPr lang="en-GB" b="0" i="0" dirty="0">
-                <a:solidFill>
-                  <a:srgbClr val="0F1115"/>
-                </a:solidFill>
-                <a:effectLst/>
-                <a:latin typeface="quote-cjk-patch"/>
-              </a:rPr>
-              <a:t> (clear which dimension detected the issue)</a:t>
-            </a:r>
-          </a:p>
-          <a:p>
-            <a:r>
-              <a:rPr lang="en-IN" b="1" dirty="0"/>
-              <a:t>Multi-dim Validation Applied:</a:t>
-            </a:r>
-          </a:p>
-          <a:p>
-            <a:r>
-              <a:rPr lang="en-IN" b="1" dirty="0"/>
-              <a:t>Statistical Analysis</a:t>
-            </a:r>
-            <a:r>
-              <a:rPr lang="en-IN" dirty="0"/>
-              <a:t>: Checks if command structure matches AWS CLI patterns</a:t>
-            </a:r>
-          </a:p>
-          <a:p>
-            <a:r>
-              <a:rPr lang="en-IN" b="1" dirty="0"/>
-              <a:t>Temporal Reasoning</a:t>
-            </a:r>
-            <a:r>
-              <a:rPr lang="en-IN" dirty="0"/>
-              <a:t>: Validates command syntax against current AWS CLI version</a:t>
-            </a:r>
-          </a:p>
-          <a:p>
-            <a:r>
-              <a:rPr lang="en-IN" b="1" dirty="0"/>
-              <a:t>Geospatial Validation</a:t>
-            </a:r>
-            <a:r>
-              <a:rPr lang="en-IN" dirty="0"/>
-              <a:t>: Confirms this is valid AWS syntax (not Azure/GCP)</a:t>
-            </a:r>
-          </a:p>
-          <a:p>
-            <a:r>
-              <a:rPr lang="en-IN" b="1" dirty="0"/>
-              <a:t>Entity Consistency</a:t>
-            </a:r>
-            <a:r>
-              <a:rPr lang="en-IN" dirty="0"/>
-              <a:t>: Ensures encrypt subcommand exists for </a:t>
-            </a:r>
-            <a:r>
-              <a:rPr lang="en-IN" dirty="0" err="1"/>
-              <a:t>aws</a:t>
-            </a:r>
-            <a:r>
-              <a:rPr lang="en-IN" dirty="0"/>
-              <a:t> s3 entity</a:t>
-            </a:r>
-          </a:p>
-          <a:p>
-            <a:pPr algn="l">
-              <a:spcBef>
-                <a:spcPts val="1200"/>
-              </a:spcBef>
-              <a:buNone/>
-            </a:pPr>
-            <a:endParaRPr lang="en-GB" b="0" i="0" dirty="0">
-              <a:solidFill>
-                <a:srgbClr val="0F1115"/>
-              </a:solidFill>
-              <a:effectLst/>
-              <a:latin typeface="quote-cjk-patch"/>
-            </a:endParaRPr>
-          </a:p>
-        </p:txBody>
-      </p:sp>
-    </p:spTree>
-    <p:extLst>
-      <p:ext uri="{BB962C8B-B14F-4D97-AF65-F5344CB8AC3E}">
-        <p14:creationId xmlns:p14="http://schemas.microsoft.com/office/powerpoint/2010/main" val="3323442572"/>
-      </p:ext>
-    </p:extLst>
-  </p:cSld>
-  <p:clrMapOvr>
-    <a:masterClrMapping/>
-  </p:clrMapOvr>
-</p:sld>
-</file>
-
-<file path=ppt/slides/slide13.xml><?xml version="1.0" encoding="utf-8"?>
-<p:sld xmlns:a="http://schemas.openxmlformats.org/drawingml/2006/main" xmlns:r="http://schemas.openxmlformats.org/officeDocument/2006/relationships" xmlns:p="http://schemas.openxmlformats.org/presentationml/2006/main">
-  <p:cSld>
-    <p:spTree>
-      <p:nvGrpSpPr>
-        <p:cNvPr id="1" name=""/>
-        <p:cNvGrpSpPr/>
-        <p:nvPr/>
-      </p:nvGrpSpPr>
-      <p:grpSpPr>
-        <a:xfrm>
-          <a:off x="0" y="0"/>
-          <a:ext cx="0" cy="0"/>
-          <a:chOff x="0" y="0"/>
-          <a:chExt cx="0" cy="0"/>
-        </a:xfrm>
-      </p:grpSpPr>
-      <p:pic>
-        <p:nvPicPr>
-          <p:cNvPr id="3" name="Picture 2">
-            <a:extLst>
-              <a:ext uri="{FF2B5EF4-FFF2-40B4-BE49-F238E27FC236}">
-                <a16:creationId xmlns:a16="http://schemas.microsoft.com/office/drawing/2014/main" id="{C12E70FB-89B9-E87B-C6C7-BF0B97BF7FB2}"/>
-              </a:ext>
-            </a:extLst>
-          </p:cNvPr>
-          <p:cNvPicPr>
-            <a:picLocks noChangeAspect="1"/>
-          </p:cNvPicPr>
-          <p:nvPr/>
-        </p:nvPicPr>
-        <p:blipFill>
-          <a:blip r:embed="rId2"/>
-          <a:stretch>
-            <a:fillRect/>
-          </a:stretch>
-        </p:blipFill>
-        <p:spPr>
-          <a:xfrm>
-            <a:off x="886120" y="1976234"/>
-            <a:ext cx="9658676" cy="3764689"/>
-          </a:xfrm>
-          <a:prstGeom prst="rect">
-            <a:avLst/>
-          </a:prstGeom>
-        </p:spPr>
-      </p:pic>
-    </p:spTree>
-    <p:extLst>
-      <p:ext uri="{BB962C8B-B14F-4D97-AF65-F5344CB8AC3E}">
-        <p14:creationId xmlns:p14="http://schemas.microsoft.com/office/powerpoint/2010/main" val="1301239435"/>
-      </p:ext>
-    </p:extLst>
-  </p:cSld>
-  <p:clrMapOvr>
-    <a:masterClrMapping/>
-  </p:clrMapOvr>
-</p:sld>
-</file>
-
-<file path=ppt/slides/slide14.xml><?xml version="1.0" encoding="utf-8"?>
-<p:sld xmlns:a="http://schemas.openxmlformats.org/drawingml/2006/main" xmlns:r="http://schemas.openxmlformats.org/officeDocument/2006/relationships" xmlns:p="http://schemas.openxmlformats.org/presentationml/2006/main">
-  <p:cSld>
-    <p:spTree>
-      <p:nvGrpSpPr>
-        <p:cNvPr id="1" name=""/>
-        <p:cNvGrpSpPr/>
-        <p:nvPr/>
-      </p:nvGrpSpPr>
-      <p:grpSpPr>
-        <a:xfrm>
-          <a:off x="0" y="0"/>
-          <a:ext cx="0" cy="0"/>
-          <a:chOff x="0" y="0"/>
-          <a:chExt cx="0" cy="0"/>
-        </a:xfrm>
-      </p:grpSpPr>
-      <p:graphicFrame>
-        <p:nvGraphicFramePr>
-          <p:cNvPr id="2" name="Table 1">
-            <a:extLst>
-              <a:ext uri="{FF2B5EF4-FFF2-40B4-BE49-F238E27FC236}">
-                <a16:creationId xmlns:a16="http://schemas.microsoft.com/office/drawing/2014/main" id="{0B458BB6-33C0-2E70-67F4-508EFFAAE0D0}"/>
-              </a:ext>
-            </a:extLst>
-          </p:cNvPr>
-          <p:cNvGraphicFramePr>
-            <a:graphicFrameLocks noGrp="1"/>
-          </p:cNvGraphicFramePr>
-          <p:nvPr>
-            <p:extLst>
-              <p:ext uri="{D42A27DB-BD31-4B8C-83A1-F6EECF244321}">
-                <p14:modId xmlns:p14="http://schemas.microsoft.com/office/powerpoint/2010/main" val="158580318"/>
-              </p:ext>
-            </p:extLst>
-          </p:nvPr>
-        </p:nvGraphicFramePr>
-        <p:xfrm>
-          <a:off x="734505" y="0"/>
-          <a:ext cx="10515600" cy="2933700"/>
-        </p:xfrm>
-        <a:graphic>
-          <a:graphicData uri="http://schemas.openxmlformats.org/drawingml/2006/table">
-            <a:tbl>
-              <a:tblPr/>
-              <a:tblGrid>
-                <a:gridCol w="2399190">
-                  <a:extLst>
-                    <a:ext uri="{9D8B030D-6E8A-4147-A177-3AD203B41FA5}">
-                      <a16:colId xmlns:a16="http://schemas.microsoft.com/office/drawing/2014/main" val="3356889955"/>
-                    </a:ext>
-                  </a:extLst>
-                </a:gridCol>
-                <a:gridCol w="2705470">
-                  <a:extLst>
-                    <a:ext uri="{9D8B030D-6E8A-4147-A177-3AD203B41FA5}">
-                      <a16:colId xmlns:a16="http://schemas.microsoft.com/office/drawing/2014/main" val="2923194953"/>
-                    </a:ext>
-                  </a:extLst>
-                </a:gridCol>
-                <a:gridCol w="2705470">
-                  <a:extLst>
-                    <a:ext uri="{9D8B030D-6E8A-4147-A177-3AD203B41FA5}">
-                      <a16:colId xmlns:a16="http://schemas.microsoft.com/office/drawing/2014/main" val="571879987"/>
-                    </a:ext>
-                  </a:extLst>
-                </a:gridCol>
-                <a:gridCol w="2705470">
-                  <a:extLst>
-                    <a:ext uri="{9D8B030D-6E8A-4147-A177-3AD203B41FA5}">
-                      <a16:colId xmlns:a16="http://schemas.microsoft.com/office/drawing/2014/main" val="1821471162"/>
-                    </a:ext>
-                  </a:extLst>
-                </a:gridCol>
-              </a:tblGrid>
-              <a:tr h="300401">
-                <a:tc>
-                  <a:txBody>
-                    <a:bodyPr/>
-                    <a:lstStyle/>
-                    <a:p>
-                      <a:pPr algn="l">
-                        <a:lnSpc>
-                          <a:spcPts val="1875"/>
-                        </a:lnSpc>
-                        <a:buNone/>
-                      </a:pPr>
-                      <a:r>
-                        <a:rPr lang="en-IN" b="0" dirty="0">
-                          <a:effectLst/>
-                          <a:latin typeface="quote-cjk-patch"/>
-                        </a:rPr>
-                        <a:t>Patent</a:t>
-                      </a:r>
-                    </a:p>
-                  </a:txBody>
-                  <a:tcPr marR="121920" marT="76200" marB="76200" anchor="ctr">
-                    <a:lnL w="12700" cap="flat" cmpd="sng" algn="ctr">
-                      <a:solidFill>
-                        <a:schemeClr val="tx1"/>
-                      </a:solidFill>
-                      <a:prstDash val="solid"/>
-                      <a:round/>
-                      <a:headEnd type="none" w="med" len="med"/>
-                      <a:tailEnd type="none" w="med" len="med"/>
-                    </a:lnL>
-                    <a:lnR w="12700" cap="flat" cmpd="sng" algn="ctr">
-                      <a:solidFill>
-                        <a:schemeClr val="tx1"/>
-                      </a:solidFill>
-                      <a:prstDash val="solid"/>
-                      <a:round/>
-                      <a:headEnd type="none" w="med" len="med"/>
-                      <a:tailEnd type="none" w="med" len="med"/>
-                    </a:lnR>
-                    <a:lnT w="12700" cap="flat" cmpd="sng" algn="ctr">
-                      <a:solidFill>
-                        <a:schemeClr val="tx1"/>
-                      </a:solidFill>
-                      <a:prstDash val="solid"/>
-                      <a:round/>
-                      <a:headEnd type="none" w="med" len="med"/>
-                      <a:tailEnd type="none" w="med" len="med"/>
-                    </a:lnT>
-                    <a:lnB w="12700" cap="flat" cmpd="sng" algn="ctr">
-                      <a:solidFill>
-                        <a:schemeClr val="tx1"/>
-                      </a:solidFill>
-                      <a:prstDash val="solid"/>
-                      <a:round/>
-                      <a:headEnd type="none" w="med" len="med"/>
-                      <a:tailEnd type="none" w="med" len="med"/>
-                    </a:lnB>
-                    <a:solidFill>
-                      <a:srgbClr val="FFFFFF"/>
-                    </a:solidFill>
-                  </a:tcPr>
-                </a:tc>
-                <a:tc>
-                  <a:txBody>
-                    <a:bodyPr/>
-                    <a:lstStyle/>
-                    <a:p>
-                      <a:pPr algn="l">
-                        <a:lnSpc>
-                          <a:spcPts val="1875"/>
-                        </a:lnSpc>
-                        <a:buNone/>
-                      </a:pPr>
-                      <a:r>
-                        <a:rPr lang="en-IN" b="0">
-                          <a:effectLst/>
-                          <a:latin typeface="quote-cjk-patch"/>
-                        </a:rPr>
-                        <a:t>Core Innovation</a:t>
-                      </a:r>
-                    </a:p>
-                  </a:txBody>
-                  <a:tcPr marL="121920" marR="121920" marT="76200" marB="76200" anchor="ctr">
-                    <a:lnL w="12700" cap="flat" cmpd="sng" algn="ctr">
-                      <a:solidFill>
-                        <a:schemeClr val="tx1"/>
-                      </a:solidFill>
-                      <a:prstDash val="solid"/>
-                      <a:round/>
-                      <a:headEnd type="none" w="med" len="med"/>
-                      <a:tailEnd type="none" w="med" len="med"/>
-                    </a:lnL>
-                    <a:lnR w="12700" cap="flat" cmpd="sng" algn="ctr">
-                      <a:solidFill>
-                        <a:schemeClr val="tx1"/>
-                      </a:solidFill>
-                      <a:prstDash val="solid"/>
-                      <a:round/>
-                      <a:headEnd type="none" w="med" len="med"/>
-                      <a:tailEnd type="none" w="med" len="med"/>
-                    </a:lnR>
-                    <a:lnT w="12700" cap="flat" cmpd="sng" algn="ctr">
-                      <a:solidFill>
-                        <a:schemeClr val="tx1"/>
-                      </a:solidFill>
-                      <a:prstDash val="solid"/>
-                      <a:round/>
-                      <a:headEnd type="none" w="med" len="med"/>
-                      <a:tailEnd type="none" w="med" len="med"/>
-                    </a:lnT>
-                    <a:lnB w="12700" cap="flat" cmpd="sng" algn="ctr">
-                      <a:solidFill>
-                        <a:schemeClr val="tx1"/>
-                      </a:solidFill>
-                      <a:prstDash val="solid"/>
-                      <a:round/>
-                      <a:headEnd type="none" w="med" len="med"/>
-                      <a:tailEnd type="none" w="med" len="med"/>
-                    </a:lnB>
-                    <a:solidFill>
-                      <a:srgbClr val="FFFFFF"/>
-                    </a:solidFill>
-                  </a:tcPr>
-                </a:tc>
-                <a:tc>
-                  <a:txBody>
-                    <a:bodyPr/>
-                    <a:lstStyle/>
-                    <a:p>
-                      <a:pPr algn="l">
-                        <a:lnSpc>
-                          <a:spcPts val="1875"/>
-                        </a:lnSpc>
-                        <a:buNone/>
-                      </a:pPr>
-                      <a:r>
-                        <a:rPr lang="en-IN" b="0">
-                          <a:effectLst/>
-                          <a:latin typeface="quote-cjk-patch"/>
-                        </a:rPr>
-                        <a:t>Traditional Approach</a:t>
-                      </a:r>
-                    </a:p>
-                  </a:txBody>
-                  <a:tcPr marL="121920" marR="121920" marT="76200" marB="76200" anchor="ctr">
-                    <a:lnL w="12700" cap="flat" cmpd="sng" algn="ctr">
-                      <a:solidFill>
-                        <a:schemeClr val="tx1"/>
-                      </a:solidFill>
-                      <a:prstDash val="solid"/>
-                      <a:round/>
-                      <a:headEnd type="none" w="med" len="med"/>
-                      <a:tailEnd type="none" w="med" len="med"/>
-                    </a:lnL>
-                    <a:lnR w="12700" cap="flat" cmpd="sng" algn="ctr">
-                      <a:solidFill>
-                        <a:schemeClr val="tx1"/>
-                      </a:solidFill>
-                      <a:prstDash val="solid"/>
-                      <a:round/>
-                      <a:headEnd type="none" w="med" len="med"/>
-                      <a:tailEnd type="none" w="med" len="med"/>
-                    </a:lnR>
-                    <a:lnT w="12700" cap="flat" cmpd="sng" algn="ctr">
-                      <a:solidFill>
-                        <a:schemeClr val="tx1"/>
-                      </a:solidFill>
-                      <a:prstDash val="solid"/>
-                      <a:round/>
-                      <a:headEnd type="none" w="med" len="med"/>
-                      <a:tailEnd type="none" w="med" len="med"/>
-                    </a:lnT>
-                    <a:lnB w="12700" cap="flat" cmpd="sng" algn="ctr">
-                      <a:solidFill>
-                        <a:schemeClr val="tx1"/>
-                      </a:solidFill>
-                      <a:prstDash val="solid"/>
-                      <a:round/>
-                      <a:headEnd type="none" w="med" len="med"/>
-                      <a:tailEnd type="none" w="med" len="med"/>
-                    </a:lnB>
-                    <a:solidFill>
-                      <a:srgbClr val="FFFFFF"/>
-                    </a:solidFill>
-                  </a:tcPr>
-                </a:tc>
-                <a:tc>
-                  <a:txBody>
-                    <a:bodyPr/>
-                    <a:lstStyle/>
-                    <a:p>
-                      <a:pPr algn="l">
-                        <a:lnSpc>
-                          <a:spcPts val="1875"/>
-                        </a:lnSpc>
-                        <a:buNone/>
-                      </a:pPr>
-                      <a:r>
-                        <a:rPr lang="en-IN" b="0">
-                          <a:effectLst/>
-                          <a:latin typeface="quote-cjk-patch"/>
-                        </a:rPr>
-                        <a:t>VeriFactAI Novelty</a:t>
-                      </a:r>
-                    </a:p>
-                  </a:txBody>
-                  <a:tcPr marL="121920" marR="121920" marT="76200" marB="76200" anchor="ctr">
-                    <a:lnL w="12700" cap="flat" cmpd="sng" algn="ctr">
-                      <a:solidFill>
-                        <a:schemeClr val="tx1"/>
-                      </a:solidFill>
-                      <a:prstDash val="solid"/>
-                      <a:round/>
-                      <a:headEnd type="none" w="med" len="med"/>
-                      <a:tailEnd type="none" w="med" len="med"/>
-                    </a:lnL>
-                    <a:lnR w="12700" cap="flat" cmpd="sng" algn="ctr">
-                      <a:solidFill>
-                        <a:schemeClr val="tx1"/>
-                      </a:solidFill>
-                      <a:prstDash val="solid"/>
-                      <a:round/>
-                      <a:headEnd type="none" w="med" len="med"/>
-                      <a:tailEnd type="none" w="med" len="med"/>
-                    </a:lnR>
-                    <a:lnT w="12700" cap="flat" cmpd="sng" algn="ctr">
-                      <a:solidFill>
-                        <a:schemeClr val="tx1"/>
-                      </a:solidFill>
-                      <a:prstDash val="solid"/>
-                      <a:round/>
-                      <a:headEnd type="none" w="med" len="med"/>
-                      <a:tailEnd type="none" w="med" len="med"/>
-                    </a:lnT>
-                    <a:lnB w="12700" cap="flat" cmpd="sng" algn="ctr">
-                      <a:solidFill>
-                        <a:schemeClr val="tx1"/>
-                      </a:solidFill>
-                      <a:prstDash val="solid"/>
-                      <a:round/>
-                      <a:headEnd type="none" w="med" len="med"/>
-                      <a:tailEnd type="none" w="med" len="med"/>
-                    </a:lnB>
-                    <a:solidFill>
-                      <a:srgbClr val="FFFFFF"/>
-                    </a:solidFill>
-                  </a:tcPr>
-                </a:tc>
-                <a:extLst>
-                  <a:ext uri="{0D108BD9-81ED-4DB2-BD59-A6C34878D82A}">
-                    <a16:rowId xmlns:a16="http://schemas.microsoft.com/office/drawing/2014/main" val="2125972571"/>
-                  </a:ext>
-                </a:extLst>
-              </a:tr>
-              <a:tr h="484518">
-                <a:tc>
-                  <a:txBody>
-                    <a:bodyPr/>
-                    <a:lstStyle/>
-                    <a:p>
-                      <a:pPr>
-                        <a:lnSpc>
-                          <a:spcPts val="1875"/>
-                        </a:lnSpc>
-                        <a:buNone/>
-                      </a:pPr>
-                      <a:r>
-                        <a:rPr lang="en-IN" b="1" dirty="0">
-                          <a:effectLst/>
-                          <a:latin typeface="quote-cjk-patch"/>
-                        </a:rPr>
-                        <a:t>📜 Claim Extraction</a:t>
-                      </a:r>
-                      <a:endParaRPr lang="en-IN" b="0" dirty="0">
-                        <a:effectLst/>
-                        <a:latin typeface="quote-cjk-patch"/>
-                      </a:endParaRPr>
-                    </a:p>
-                  </a:txBody>
-                  <a:tcPr marR="121920" marT="76200" marB="76200" anchor="ctr">
-                    <a:lnL w="12700" cap="flat" cmpd="sng" algn="ctr">
-                      <a:solidFill>
-                        <a:schemeClr val="tx1"/>
-                      </a:solidFill>
-                      <a:prstDash val="solid"/>
-                      <a:round/>
-                      <a:headEnd type="none" w="med" len="med"/>
-                      <a:tailEnd type="none" w="med" len="med"/>
-                    </a:lnL>
-                    <a:lnR w="12700" cap="flat" cmpd="sng" algn="ctr">
-                      <a:solidFill>
-                        <a:schemeClr val="tx1"/>
-                      </a:solidFill>
-                      <a:prstDash val="solid"/>
-                      <a:round/>
-                      <a:headEnd type="none" w="med" len="med"/>
-                      <a:tailEnd type="none" w="med" len="med"/>
-                    </a:lnR>
-                    <a:lnT w="12700" cap="flat" cmpd="sng" algn="ctr">
-                      <a:solidFill>
-                        <a:schemeClr val="tx1"/>
-                      </a:solidFill>
-                      <a:prstDash val="solid"/>
-                      <a:round/>
-                      <a:headEnd type="none" w="med" len="med"/>
-                      <a:tailEnd type="none" w="med" len="med"/>
-                    </a:lnT>
-                    <a:lnB w="12700" cap="flat" cmpd="sng" algn="ctr">
-                      <a:solidFill>
-                        <a:schemeClr val="tx1"/>
-                      </a:solidFill>
-                      <a:prstDash val="solid"/>
-                      <a:round/>
-                      <a:headEnd type="none" w="med" len="med"/>
-                      <a:tailEnd type="none" w="med" len="med"/>
-                    </a:lnB>
-                    <a:solidFill>
-                      <a:srgbClr val="FFFFFF"/>
-                    </a:solidFill>
-                  </a:tcPr>
-                </a:tc>
-                <a:tc>
-                  <a:txBody>
-                    <a:bodyPr/>
-                    <a:lstStyle/>
-                    <a:p>
-                      <a:pPr>
-                        <a:lnSpc>
-                          <a:spcPts val="1875"/>
-                        </a:lnSpc>
-                        <a:buNone/>
-                      </a:pPr>
-                      <a:r>
-                        <a:rPr lang="en-IN" b="0" dirty="0">
-                          <a:effectLst/>
-                          <a:latin typeface="quote-cjk-patch"/>
-                        </a:rPr>
-                        <a:t>Semantic claim isolation</a:t>
-                      </a:r>
-                    </a:p>
-                  </a:txBody>
-                  <a:tcPr marL="121920" marR="121920" marT="76200" marB="76200" anchor="ctr">
-                    <a:lnL w="12700" cap="flat" cmpd="sng" algn="ctr">
-                      <a:solidFill>
-                        <a:schemeClr val="tx1"/>
-                      </a:solidFill>
-                      <a:prstDash val="solid"/>
-                      <a:round/>
-                      <a:headEnd type="none" w="med" len="med"/>
-                      <a:tailEnd type="none" w="med" len="med"/>
-                    </a:lnL>
-                    <a:lnR w="12700" cap="flat" cmpd="sng" algn="ctr">
-                      <a:solidFill>
-                        <a:schemeClr val="tx1"/>
-                      </a:solidFill>
-                      <a:prstDash val="solid"/>
-                      <a:round/>
-                      <a:headEnd type="none" w="med" len="med"/>
-                      <a:tailEnd type="none" w="med" len="med"/>
-                    </a:lnR>
-                    <a:lnT w="12700" cap="flat" cmpd="sng" algn="ctr">
-                      <a:solidFill>
-                        <a:schemeClr val="tx1"/>
-                      </a:solidFill>
-                      <a:prstDash val="solid"/>
-                      <a:round/>
-                      <a:headEnd type="none" w="med" len="med"/>
-                      <a:tailEnd type="none" w="med" len="med"/>
-                    </a:lnT>
-                    <a:lnB w="12700" cap="flat" cmpd="sng" algn="ctr">
-                      <a:solidFill>
-                        <a:schemeClr val="tx1"/>
-                      </a:solidFill>
-                      <a:prstDash val="solid"/>
-                      <a:round/>
-                      <a:headEnd type="none" w="med" len="med"/>
-                      <a:tailEnd type="none" w="med" len="med"/>
-                    </a:lnB>
-                    <a:solidFill>
-                      <a:srgbClr val="FFFFFF"/>
-                    </a:solidFill>
-                  </a:tcPr>
-                </a:tc>
-                <a:tc>
-                  <a:txBody>
-                    <a:bodyPr/>
-                    <a:lstStyle/>
-                    <a:p>
-                      <a:pPr>
-                        <a:lnSpc>
-                          <a:spcPts val="1875"/>
-                        </a:lnSpc>
-                        <a:buNone/>
-                      </a:pPr>
-                      <a:r>
-                        <a:rPr lang="en-IN" b="0" dirty="0">
-                          <a:effectLst/>
-                          <a:latin typeface="quote-cjk-patch"/>
-                        </a:rPr>
-                        <a:t>Simple sentence splitting</a:t>
-                      </a:r>
-                    </a:p>
-                  </a:txBody>
-                  <a:tcPr marL="121920" marR="121920" marT="76200" marB="76200" anchor="ctr">
-                    <a:lnL w="12700" cap="flat" cmpd="sng" algn="ctr">
-                      <a:solidFill>
-                        <a:schemeClr val="tx1"/>
-                      </a:solidFill>
-                      <a:prstDash val="solid"/>
-                      <a:round/>
-                      <a:headEnd type="none" w="med" len="med"/>
-                      <a:tailEnd type="none" w="med" len="med"/>
-                    </a:lnL>
-                    <a:lnR w="12700" cap="flat" cmpd="sng" algn="ctr">
-                      <a:solidFill>
-                        <a:schemeClr val="tx1"/>
-                      </a:solidFill>
-                      <a:prstDash val="solid"/>
-                      <a:round/>
-                      <a:headEnd type="none" w="med" len="med"/>
-                      <a:tailEnd type="none" w="med" len="med"/>
-                    </a:lnR>
-                    <a:lnT w="12700" cap="flat" cmpd="sng" algn="ctr">
-                      <a:solidFill>
-                        <a:schemeClr val="tx1"/>
-                      </a:solidFill>
-                      <a:prstDash val="solid"/>
-                      <a:round/>
-                      <a:headEnd type="none" w="med" len="med"/>
-                      <a:tailEnd type="none" w="med" len="med"/>
-                    </a:lnT>
-                    <a:lnB w="12700" cap="flat" cmpd="sng" algn="ctr">
-                      <a:solidFill>
-                        <a:schemeClr val="tx1"/>
-                      </a:solidFill>
-                      <a:prstDash val="solid"/>
-                      <a:round/>
-                      <a:headEnd type="none" w="med" len="med"/>
-                      <a:tailEnd type="none" w="med" len="med"/>
-                    </a:lnB>
-                    <a:solidFill>
-                      <a:srgbClr val="FFFFFF"/>
-                    </a:solidFill>
-                  </a:tcPr>
-                </a:tc>
-                <a:tc>
-                  <a:txBody>
-                    <a:bodyPr/>
-                    <a:lstStyle/>
-                    <a:p>
-                      <a:pPr>
-                        <a:lnSpc>
-                          <a:spcPts val="1875"/>
-                        </a:lnSpc>
-                        <a:buNone/>
-                      </a:pPr>
-                      <a:r>
-                        <a:rPr lang="en-IN" b="0">
-                          <a:effectLst/>
-                          <a:latin typeface="quote-cjk-patch"/>
-                        </a:rPr>
-                        <a:t>Multi-level contextual understanding</a:t>
-                      </a:r>
-                    </a:p>
-                  </a:txBody>
-                  <a:tcPr marL="121920" marT="76200" marB="76200" anchor="ctr">
-                    <a:lnL w="12700" cap="flat" cmpd="sng" algn="ctr">
-                      <a:solidFill>
-                        <a:schemeClr val="tx1"/>
-                      </a:solidFill>
-                      <a:prstDash val="solid"/>
-                      <a:round/>
-                      <a:headEnd type="none" w="med" len="med"/>
-                      <a:tailEnd type="none" w="med" len="med"/>
-                    </a:lnL>
-                    <a:lnR w="12700" cap="flat" cmpd="sng" algn="ctr">
-                      <a:solidFill>
-                        <a:schemeClr val="tx1"/>
-                      </a:solidFill>
-                      <a:prstDash val="solid"/>
-                      <a:round/>
-                      <a:headEnd type="none" w="med" len="med"/>
-                      <a:tailEnd type="none" w="med" len="med"/>
-                    </a:lnR>
-                    <a:lnT w="12700" cap="flat" cmpd="sng" algn="ctr">
-                      <a:solidFill>
-                        <a:schemeClr val="tx1"/>
-                      </a:solidFill>
-                      <a:prstDash val="solid"/>
-                      <a:round/>
-                      <a:headEnd type="none" w="med" len="med"/>
-                      <a:tailEnd type="none" w="med" len="med"/>
-                    </a:lnT>
-                    <a:lnB w="12700" cap="flat" cmpd="sng" algn="ctr">
-                      <a:solidFill>
-                        <a:schemeClr val="tx1"/>
-                      </a:solidFill>
-                      <a:prstDash val="solid"/>
-                      <a:round/>
-                      <a:headEnd type="none" w="med" len="med"/>
-                      <a:tailEnd type="none" w="med" len="med"/>
-                    </a:lnB>
-                    <a:solidFill>
-                      <a:srgbClr val="FFFFFF"/>
-                    </a:solidFill>
-                  </a:tcPr>
-                </a:tc>
-                <a:extLst>
-                  <a:ext uri="{0D108BD9-81ED-4DB2-BD59-A6C34878D82A}">
-                    <a16:rowId xmlns:a16="http://schemas.microsoft.com/office/drawing/2014/main" val="1406170684"/>
-                  </a:ext>
-                </a:extLst>
-              </a:tr>
-              <a:tr h="484518">
-                <a:tc>
-                  <a:txBody>
-                    <a:bodyPr/>
-                    <a:lstStyle/>
-                    <a:p>
-                      <a:pPr>
-                        <a:lnSpc>
-                          <a:spcPts val="1875"/>
-                        </a:lnSpc>
-                        <a:buNone/>
-                      </a:pPr>
-                      <a:r>
-                        <a:rPr lang="en-IN" b="1">
-                          <a:effectLst/>
-                          <a:latin typeface="quote-cjk-patch"/>
-                        </a:rPr>
-                        <a:t>📜 Identification</a:t>
-                      </a:r>
-                      <a:endParaRPr lang="en-IN" b="0">
-                        <a:effectLst/>
-                        <a:latin typeface="quote-cjk-patch"/>
-                      </a:endParaRPr>
-                    </a:p>
-                  </a:txBody>
-                  <a:tcPr marR="121920" marT="76200" marB="76200" anchor="ctr">
-                    <a:lnL w="12700" cap="flat" cmpd="sng" algn="ctr">
-                      <a:solidFill>
-                        <a:schemeClr val="tx1"/>
-                      </a:solidFill>
-                      <a:prstDash val="solid"/>
-                      <a:round/>
-                      <a:headEnd type="none" w="med" len="med"/>
-                      <a:tailEnd type="none" w="med" len="med"/>
-                    </a:lnL>
-                    <a:lnR w="12700" cap="flat" cmpd="sng" algn="ctr">
-                      <a:solidFill>
-                        <a:schemeClr val="tx1"/>
-                      </a:solidFill>
-                      <a:prstDash val="solid"/>
-                      <a:round/>
-                      <a:headEnd type="none" w="med" len="med"/>
-                      <a:tailEnd type="none" w="med" len="med"/>
-                    </a:lnR>
-                    <a:lnT w="12700" cap="flat" cmpd="sng" algn="ctr">
-                      <a:solidFill>
-                        <a:schemeClr val="tx1"/>
-                      </a:solidFill>
-                      <a:prstDash val="solid"/>
-                      <a:round/>
-                      <a:headEnd type="none" w="med" len="med"/>
-                      <a:tailEnd type="none" w="med" len="med"/>
-                    </a:lnT>
-                    <a:lnB w="12700" cap="flat" cmpd="sng" algn="ctr">
-                      <a:solidFill>
-                        <a:schemeClr val="tx1"/>
-                      </a:solidFill>
-                      <a:prstDash val="solid"/>
-                      <a:round/>
-                      <a:headEnd type="none" w="med" len="med"/>
-                      <a:tailEnd type="none" w="med" len="med"/>
-                    </a:lnB>
-                    <a:solidFill>
-                      <a:srgbClr val="FFFFFF"/>
-                    </a:solidFill>
-                  </a:tcPr>
-                </a:tc>
-                <a:tc>
-                  <a:txBody>
-                    <a:bodyPr/>
-                    <a:lstStyle/>
-                    <a:p>
-                      <a:pPr>
-                        <a:lnSpc>
-                          <a:spcPts val="1875"/>
-                        </a:lnSpc>
-                        <a:buNone/>
-                      </a:pPr>
-                      <a:r>
-                        <a:rPr lang="en-IN" b="0" dirty="0">
-                          <a:effectLst/>
-                          <a:latin typeface="quote-cjk-patch"/>
-                        </a:rPr>
-                        <a:t>Multi-dimensional validation</a:t>
-                      </a:r>
-                    </a:p>
-                  </a:txBody>
-                  <a:tcPr marL="121920" marR="121920" marT="76200" marB="76200" anchor="ctr">
-                    <a:lnL w="12700" cap="flat" cmpd="sng" algn="ctr">
-                      <a:solidFill>
-                        <a:schemeClr val="tx1"/>
-                      </a:solidFill>
-                      <a:prstDash val="solid"/>
-                      <a:round/>
-                      <a:headEnd type="none" w="med" len="med"/>
-                      <a:tailEnd type="none" w="med" len="med"/>
-                    </a:lnL>
-                    <a:lnR w="12700" cap="flat" cmpd="sng" algn="ctr">
-                      <a:solidFill>
-                        <a:schemeClr val="tx1"/>
-                      </a:solidFill>
-                      <a:prstDash val="solid"/>
-                      <a:round/>
-                      <a:headEnd type="none" w="med" len="med"/>
-                      <a:tailEnd type="none" w="med" len="med"/>
-                    </a:lnR>
-                    <a:lnT w="12700" cap="flat" cmpd="sng" algn="ctr">
-                      <a:solidFill>
-                        <a:schemeClr val="tx1"/>
-                      </a:solidFill>
-                      <a:prstDash val="solid"/>
-                      <a:round/>
-                      <a:headEnd type="none" w="med" len="med"/>
-                      <a:tailEnd type="none" w="med" len="med"/>
-                    </a:lnT>
-                    <a:lnB w="12700" cap="flat" cmpd="sng" algn="ctr">
-                      <a:solidFill>
-                        <a:schemeClr val="tx1"/>
-                      </a:solidFill>
-                      <a:prstDash val="solid"/>
-                      <a:round/>
-                      <a:headEnd type="none" w="med" len="med"/>
-                      <a:tailEnd type="none" w="med" len="med"/>
-                    </a:lnB>
-                    <a:solidFill>
-                      <a:srgbClr val="FFFFFF"/>
-                    </a:solidFill>
-                  </a:tcPr>
-                </a:tc>
-                <a:tc>
-                  <a:txBody>
-                    <a:bodyPr/>
-                    <a:lstStyle/>
-                    <a:p>
-                      <a:pPr>
-                        <a:lnSpc>
-                          <a:spcPts val="1875"/>
-                        </a:lnSpc>
-                        <a:buNone/>
-                      </a:pPr>
-                      <a:r>
-                        <a:rPr lang="en-IN" b="0" dirty="0">
-                          <a:effectLst/>
-                          <a:latin typeface="quote-cjk-patch"/>
-                        </a:rPr>
-                        <a:t>Single-source fact checking</a:t>
-                      </a:r>
-                    </a:p>
-                  </a:txBody>
-                  <a:tcPr marL="121920" marR="121920" marT="76200" marB="76200" anchor="ctr">
-                    <a:lnL w="12700" cap="flat" cmpd="sng" algn="ctr">
-                      <a:solidFill>
-                        <a:schemeClr val="tx1"/>
-                      </a:solidFill>
-                      <a:prstDash val="solid"/>
-                      <a:round/>
-                      <a:headEnd type="none" w="med" len="med"/>
-                      <a:tailEnd type="none" w="med" len="med"/>
-                    </a:lnL>
-                    <a:lnR w="12700" cap="flat" cmpd="sng" algn="ctr">
-                      <a:solidFill>
-                        <a:schemeClr val="tx1"/>
-                      </a:solidFill>
-                      <a:prstDash val="solid"/>
-                      <a:round/>
-                      <a:headEnd type="none" w="med" len="med"/>
-                      <a:tailEnd type="none" w="med" len="med"/>
-                    </a:lnR>
-                    <a:lnT w="12700" cap="flat" cmpd="sng" algn="ctr">
-                      <a:solidFill>
-                        <a:schemeClr val="tx1"/>
-                      </a:solidFill>
-                      <a:prstDash val="solid"/>
-                      <a:round/>
-                      <a:headEnd type="none" w="med" len="med"/>
-                      <a:tailEnd type="none" w="med" len="med"/>
-                    </a:lnT>
-                    <a:lnB w="12700" cap="flat" cmpd="sng" algn="ctr">
-                      <a:solidFill>
-                        <a:schemeClr val="tx1"/>
-                      </a:solidFill>
-                      <a:prstDash val="solid"/>
-                      <a:round/>
-                      <a:headEnd type="none" w="med" len="med"/>
-                      <a:tailEnd type="none" w="med" len="med"/>
-                    </a:lnB>
-                    <a:solidFill>
-                      <a:srgbClr val="FFFFFF"/>
-                    </a:solidFill>
-                  </a:tcPr>
-                </a:tc>
-                <a:tc>
-                  <a:txBody>
-                    <a:bodyPr/>
-                    <a:lstStyle/>
-                    <a:p>
-                      <a:pPr>
-                        <a:lnSpc>
-                          <a:spcPts val="1875"/>
-                        </a:lnSpc>
-                        <a:buNone/>
-                      </a:pPr>
-                      <a:r>
-                        <a:rPr lang="en-IN" b="0">
-                          <a:effectLst/>
-                          <a:latin typeface="quote-cjk-patch"/>
-                        </a:rPr>
-                        <a:t>Cross-source consensus scoring</a:t>
-                      </a:r>
-                    </a:p>
-                  </a:txBody>
-                  <a:tcPr marL="121920" marT="76200" marB="76200" anchor="ctr">
-                    <a:lnL w="12700" cap="flat" cmpd="sng" algn="ctr">
-                      <a:solidFill>
-                        <a:schemeClr val="tx1"/>
-                      </a:solidFill>
-                      <a:prstDash val="solid"/>
-                      <a:round/>
-                      <a:headEnd type="none" w="med" len="med"/>
-                      <a:tailEnd type="none" w="med" len="med"/>
-                    </a:lnL>
-                    <a:lnR w="12700" cap="flat" cmpd="sng" algn="ctr">
-                      <a:solidFill>
-                        <a:schemeClr val="tx1"/>
-                      </a:solidFill>
-                      <a:prstDash val="solid"/>
-                      <a:round/>
-                      <a:headEnd type="none" w="med" len="med"/>
-                      <a:tailEnd type="none" w="med" len="med"/>
-                    </a:lnR>
-                    <a:lnT w="12700" cap="flat" cmpd="sng" algn="ctr">
-                      <a:solidFill>
-                        <a:schemeClr val="tx1"/>
-                      </a:solidFill>
-                      <a:prstDash val="solid"/>
-                      <a:round/>
-                      <a:headEnd type="none" w="med" len="med"/>
-                      <a:tailEnd type="none" w="med" len="med"/>
-                    </a:lnT>
-                    <a:lnB w="12700" cap="flat" cmpd="sng" algn="ctr">
-                      <a:solidFill>
-                        <a:schemeClr val="tx1"/>
-                      </a:solidFill>
-                      <a:prstDash val="solid"/>
-                      <a:round/>
-                      <a:headEnd type="none" w="med" len="med"/>
-                      <a:tailEnd type="none" w="med" len="med"/>
-                    </a:lnB>
-                    <a:solidFill>
-                      <a:srgbClr val="FFFFFF"/>
-                    </a:solidFill>
-                  </a:tcPr>
-                </a:tc>
-                <a:extLst>
-                  <a:ext uri="{0D108BD9-81ED-4DB2-BD59-A6C34878D82A}">
-                    <a16:rowId xmlns:a16="http://schemas.microsoft.com/office/drawing/2014/main" val="1985337186"/>
-                  </a:ext>
-                </a:extLst>
-              </a:tr>
-              <a:tr h="484518">
-                <a:tc>
-                  <a:txBody>
-                    <a:bodyPr/>
-                    <a:lstStyle/>
-                    <a:p>
-                      <a:pPr>
-                        <a:lnSpc>
-                          <a:spcPts val="1875"/>
-                        </a:lnSpc>
-                        <a:buNone/>
-                      </a:pPr>
-                      <a:r>
-                        <a:rPr lang="en-IN" b="1">
-                          <a:effectLst/>
-                          <a:latin typeface="quote-cjk-patch"/>
-                        </a:rPr>
-                        <a:t>📜 Resolution</a:t>
-                      </a:r>
-                      <a:endParaRPr lang="en-IN" b="0">
-                        <a:effectLst/>
-                        <a:latin typeface="quote-cjk-patch"/>
-                      </a:endParaRPr>
-                    </a:p>
-                  </a:txBody>
-                  <a:tcPr marR="121920" marT="76200" marB="76200" anchor="ctr">
-                    <a:lnL w="12700" cap="flat" cmpd="sng" algn="ctr">
-                      <a:solidFill>
-                        <a:schemeClr val="tx1"/>
-                      </a:solidFill>
-                      <a:prstDash val="solid"/>
-                      <a:round/>
-                      <a:headEnd type="none" w="med" len="med"/>
-                      <a:tailEnd type="none" w="med" len="med"/>
-                    </a:lnL>
-                    <a:lnR w="12700" cap="flat" cmpd="sng" algn="ctr">
-                      <a:solidFill>
-                        <a:schemeClr val="tx1"/>
-                      </a:solidFill>
-                      <a:prstDash val="solid"/>
-                      <a:round/>
-                      <a:headEnd type="none" w="med" len="med"/>
-                      <a:tailEnd type="none" w="med" len="med"/>
-                    </a:lnR>
-                    <a:lnT w="12700" cap="flat" cmpd="sng" algn="ctr">
-                      <a:solidFill>
-                        <a:schemeClr val="tx1"/>
-                      </a:solidFill>
-                      <a:prstDash val="solid"/>
-                      <a:round/>
-                      <a:headEnd type="none" w="med" len="med"/>
-                      <a:tailEnd type="none" w="med" len="med"/>
-                    </a:lnT>
-                    <a:lnB w="12700" cap="flat" cmpd="sng" algn="ctr">
-                      <a:solidFill>
-                        <a:schemeClr val="tx1"/>
-                      </a:solidFill>
-                      <a:prstDash val="solid"/>
-                      <a:round/>
-                      <a:headEnd type="none" w="med" len="med"/>
-                      <a:tailEnd type="none" w="med" len="med"/>
-                    </a:lnB>
-                    <a:solidFill>
-                      <a:srgbClr val="FFFFFF"/>
-                    </a:solidFill>
-                  </a:tcPr>
-                </a:tc>
-                <a:tc>
-                  <a:txBody>
-                    <a:bodyPr/>
-                    <a:lstStyle/>
-                    <a:p>
-                      <a:pPr>
-                        <a:lnSpc>
-                          <a:spcPts val="1875"/>
-                        </a:lnSpc>
-                        <a:buNone/>
-                      </a:pPr>
-                      <a:r>
-                        <a:rPr lang="en-IN" b="0">
-                          <a:effectLst/>
-                          <a:latin typeface="quote-cjk-patch"/>
-                        </a:rPr>
-                        <a:t>Intelligent hallucination healing</a:t>
-                      </a:r>
-                    </a:p>
-                  </a:txBody>
-                  <a:tcPr marL="121920" marR="121920" marT="76200" marB="76200" anchor="ctr">
-                    <a:lnL w="12700" cap="flat" cmpd="sng" algn="ctr">
-                      <a:solidFill>
-                        <a:schemeClr val="tx1"/>
-                      </a:solidFill>
-                      <a:prstDash val="solid"/>
-                      <a:round/>
-                      <a:headEnd type="none" w="med" len="med"/>
-                      <a:tailEnd type="none" w="med" len="med"/>
-                    </a:lnL>
-                    <a:lnR w="12700" cap="flat" cmpd="sng" algn="ctr">
-                      <a:solidFill>
-                        <a:schemeClr val="tx1"/>
-                      </a:solidFill>
-                      <a:prstDash val="solid"/>
-                      <a:round/>
-                      <a:headEnd type="none" w="med" len="med"/>
-                      <a:tailEnd type="none" w="med" len="med"/>
-                    </a:lnR>
-                    <a:lnT w="12700" cap="flat" cmpd="sng" algn="ctr">
-                      <a:solidFill>
-                        <a:schemeClr val="tx1"/>
-                      </a:solidFill>
-                      <a:prstDash val="solid"/>
-                      <a:round/>
-                      <a:headEnd type="none" w="med" len="med"/>
-                      <a:tailEnd type="none" w="med" len="med"/>
-                    </a:lnT>
-                    <a:lnB w="12700" cap="flat" cmpd="sng" algn="ctr">
-                      <a:solidFill>
-                        <a:schemeClr val="tx1"/>
-                      </a:solidFill>
-                      <a:prstDash val="solid"/>
-                      <a:round/>
-                      <a:headEnd type="none" w="med" len="med"/>
-                      <a:tailEnd type="none" w="med" len="med"/>
-                    </a:lnB>
-                    <a:solidFill>
-                      <a:srgbClr val="FFFFFF"/>
-                    </a:solidFill>
-                  </a:tcPr>
-                </a:tc>
-                <a:tc>
-                  <a:txBody>
-                    <a:bodyPr/>
-                    <a:lstStyle/>
-                    <a:p>
-                      <a:pPr>
-                        <a:lnSpc>
-                          <a:spcPts val="1875"/>
-                        </a:lnSpc>
-                        <a:buNone/>
-                      </a:pPr>
-                      <a:r>
-                        <a:rPr lang="en-IN" b="0" dirty="0">
-                          <a:effectLst/>
-                          <a:latin typeface="quote-cjk-patch"/>
-                        </a:rPr>
-                        <a:t>Basic text replacement</a:t>
-                      </a:r>
-                    </a:p>
-                  </a:txBody>
-                  <a:tcPr marL="121920" marR="121920" marT="76200" marB="76200" anchor="ctr">
-                    <a:lnL w="12700" cap="flat" cmpd="sng" algn="ctr">
-                      <a:solidFill>
-                        <a:schemeClr val="tx1"/>
-                      </a:solidFill>
-                      <a:prstDash val="solid"/>
-                      <a:round/>
-                      <a:headEnd type="none" w="med" len="med"/>
-                      <a:tailEnd type="none" w="med" len="med"/>
-                    </a:lnL>
-                    <a:lnR w="12700" cap="flat" cmpd="sng" algn="ctr">
-                      <a:solidFill>
-                        <a:schemeClr val="tx1"/>
-                      </a:solidFill>
-                      <a:prstDash val="solid"/>
-                      <a:round/>
-                      <a:headEnd type="none" w="med" len="med"/>
-                      <a:tailEnd type="none" w="med" len="med"/>
-                    </a:lnR>
-                    <a:lnT w="12700" cap="flat" cmpd="sng" algn="ctr">
-                      <a:solidFill>
-                        <a:schemeClr val="tx1"/>
-                      </a:solidFill>
-                      <a:prstDash val="solid"/>
-                      <a:round/>
-                      <a:headEnd type="none" w="med" len="med"/>
-                      <a:tailEnd type="none" w="med" len="med"/>
-                    </a:lnT>
-                    <a:lnB w="12700" cap="flat" cmpd="sng" algn="ctr">
-                      <a:solidFill>
-                        <a:schemeClr val="tx1"/>
-                      </a:solidFill>
-                      <a:prstDash val="solid"/>
-                      <a:round/>
-                      <a:headEnd type="none" w="med" len="med"/>
-                      <a:tailEnd type="none" w="med" len="med"/>
-                    </a:lnB>
-                    <a:solidFill>
-                      <a:srgbClr val="FFFFFF"/>
-                    </a:solidFill>
-                  </a:tcPr>
-                </a:tc>
-                <a:tc>
-                  <a:txBody>
-                    <a:bodyPr/>
-                    <a:lstStyle/>
-                    <a:p>
-                      <a:pPr>
-                        <a:lnSpc>
-                          <a:spcPts val="1875"/>
-                        </a:lnSpc>
-                        <a:buNone/>
-                      </a:pPr>
-                      <a:r>
-                        <a:rPr lang="en-IN" b="0" dirty="0">
-                          <a:effectLst/>
-                          <a:latin typeface="quote-cjk-patch"/>
-                        </a:rPr>
-                        <a:t>Context-aware correction generation</a:t>
-                      </a:r>
-                    </a:p>
-                  </a:txBody>
-                  <a:tcPr marL="121920" marT="76200" marB="76200" anchor="ctr">
-                    <a:lnL w="12700" cap="flat" cmpd="sng" algn="ctr">
-                      <a:solidFill>
-                        <a:schemeClr val="tx1"/>
-                      </a:solidFill>
-                      <a:prstDash val="solid"/>
-                      <a:round/>
-                      <a:headEnd type="none" w="med" len="med"/>
-                      <a:tailEnd type="none" w="med" len="med"/>
-                    </a:lnL>
-                    <a:lnR w="12700" cap="flat" cmpd="sng" algn="ctr">
-                      <a:solidFill>
-                        <a:schemeClr val="tx1"/>
-                      </a:solidFill>
-                      <a:prstDash val="solid"/>
-                      <a:round/>
-                      <a:headEnd type="none" w="med" len="med"/>
-                      <a:tailEnd type="none" w="med" len="med"/>
-                    </a:lnR>
-                    <a:lnT w="12700" cap="flat" cmpd="sng" algn="ctr">
-                      <a:solidFill>
-                        <a:schemeClr val="tx1"/>
-                      </a:solidFill>
-                      <a:prstDash val="solid"/>
-                      <a:round/>
-                      <a:headEnd type="none" w="med" len="med"/>
-                      <a:tailEnd type="none" w="med" len="med"/>
-                    </a:lnT>
-                    <a:lnB w="12700" cap="flat" cmpd="sng" algn="ctr">
-                      <a:solidFill>
-                        <a:schemeClr val="tx1"/>
-                      </a:solidFill>
-                      <a:prstDash val="solid"/>
-                      <a:round/>
-                      <a:headEnd type="none" w="med" len="med"/>
-                      <a:tailEnd type="none" w="med" len="med"/>
-                    </a:lnB>
-                    <a:solidFill>
-                      <a:srgbClr val="FFFFFF"/>
-                    </a:solidFill>
-                  </a:tcPr>
-                </a:tc>
-                <a:extLst>
-                  <a:ext uri="{0D108BD9-81ED-4DB2-BD59-A6C34878D82A}">
-                    <a16:rowId xmlns:a16="http://schemas.microsoft.com/office/drawing/2014/main" val="1004681226"/>
-                  </a:ext>
-                </a:extLst>
-              </a:tr>
-              <a:tr h="484518">
-                <a:tc>
-                  <a:txBody>
-                    <a:bodyPr/>
-                    <a:lstStyle/>
-                    <a:p>
-                      <a:pPr>
-                        <a:lnSpc>
-                          <a:spcPts val="1875"/>
-                        </a:lnSpc>
-                        <a:buNone/>
-                      </a:pPr>
-                      <a:r>
-                        <a:rPr lang="en-IN" b="1">
-                          <a:effectLst/>
-                          <a:latin typeface="quote-cjk-patch"/>
-                        </a:rPr>
-                        <a:t>📜 Feedback</a:t>
-                      </a:r>
-                      <a:endParaRPr lang="en-IN" b="0">
-                        <a:effectLst/>
-                        <a:latin typeface="quote-cjk-patch"/>
-                      </a:endParaRPr>
-                    </a:p>
-                  </a:txBody>
-                  <a:tcPr marR="121920" marT="76200" marB="76200" anchor="ctr">
-                    <a:lnL w="12700" cap="flat" cmpd="sng" algn="ctr">
-                      <a:solidFill>
-                        <a:schemeClr val="tx1"/>
-                      </a:solidFill>
-                      <a:prstDash val="solid"/>
-                      <a:round/>
-                      <a:headEnd type="none" w="med" len="med"/>
-                      <a:tailEnd type="none" w="med" len="med"/>
-                    </a:lnL>
-                    <a:lnR w="12700" cap="flat" cmpd="sng" algn="ctr">
-                      <a:solidFill>
-                        <a:schemeClr val="tx1"/>
-                      </a:solidFill>
-                      <a:prstDash val="solid"/>
-                      <a:round/>
-                      <a:headEnd type="none" w="med" len="med"/>
-                      <a:tailEnd type="none" w="med" len="med"/>
-                    </a:lnR>
-                    <a:lnT w="12700" cap="flat" cmpd="sng" algn="ctr">
-                      <a:solidFill>
-                        <a:schemeClr val="tx1"/>
-                      </a:solidFill>
-                      <a:prstDash val="solid"/>
-                      <a:round/>
-                      <a:headEnd type="none" w="med" len="med"/>
-                      <a:tailEnd type="none" w="med" len="med"/>
-                    </a:lnT>
-                    <a:lnB w="12700" cap="flat" cmpd="sng" algn="ctr">
-                      <a:solidFill>
-                        <a:schemeClr val="tx1"/>
-                      </a:solidFill>
-                      <a:prstDash val="solid"/>
-                      <a:round/>
-                      <a:headEnd type="none" w="med" len="med"/>
-                      <a:tailEnd type="none" w="med" len="med"/>
-                    </a:lnB>
-                    <a:solidFill>
-                      <a:srgbClr val="FFFFFF"/>
-                    </a:solidFill>
-                  </a:tcPr>
-                </a:tc>
-                <a:tc>
-                  <a:txBody>
-                    <a:bodyPr/>
-                    <a:lstStyle/>
-                    <a:p>
-                      <a:pPr>
-                        <a:lnSpc>
-                          <a:spcPts val="1875"/>
-                        </a:lnSpc>
-                        <a:buNone/>
-                      </a:pPr>
-                      <a:r>
-                        <a:rPr lang="en-IN" b="0">
-                          <a:effectLst/>
-                          <a:latin typeface="quote-cjk-patch"/>
-                        </a:rPr>
-                        <a:t>Continuous self-learning</a:t>
-                      </a:r>
-                    </a:p>
-                  </a:txBody>
-                  <a:tcPr marL="121920" marR="121920" marT="76200" marB="76200" anchor="ctr">
-                    <a:lnL w="12700" cap="flat" cmpd="sng" algn="ctr">
-                      <a:solidFill>
-                        <a:schemeClr val="tx1"/>
-                      </a:solidFill>
-                      <a:prstDash val="solid"/>
-                      <a:round/>
-                      <a:headEnd type="none" w="med" len="med"/>
-                      <a:tailEnd type="none" w="med" len="med"/>
-                    </a:lnL>
-                    <a:lnR w="12700" cap="flat" cmpd="sng" algn="ctr">
-                      <a:solidFill>
-                        <a:schemeClr val="tx1"/>
-                      </a:solidFill>
-                      <a:prstDash val="solid"/>
-                      <a:round/>
-                      <a:headEnd type="none" w="med" len="med"/>
-                      <a:tailEnd type="none" w="med" len="med"/>
-                    </a:lnR>
-                    <a:lnT w="12700" cap="flat" cmpd="sng" algn="ctr">
-                      <a:solidFill>
-                        <a:schemeClr val="tx1"/>
-                      </a:solidFill>
-                      <a:prstDash val="solid"/>
-                      <a:round/>
-                      <a:headEnd type="none" w="med" len="med"/>
-                      <a:tailEnd type="none" w="med" len="med"/>
-                    </a:lnT>
-                    <a:lnB w="12700" cap="flat" cmpd="sng" algn="ctr">
-                      <a:solidFill>
-                        <a:schemeClr val="tx1"/>
-                      </a:solidFill>
-                      <a:prstDash val="solid"/>
-                      <a:round/>
-                      <a:headEnd type="none" w="med" len="med"/>
-                      <a:tailEnd type="none" w="med" len="med"/>
-                    </a:lnB>
-                    <a:solidFill>
-                      <a:srgbClr val="FFFFFF"/>
-                    </a:solidFill>
-                  </a:tcPr>
-                </a:tc>
-                <a:tc>
-                  <a:txBody>
-                    <a:bodyPr/>
-                    <a:lstStyle/>
-                    <a:p>
-                      <a:pPr>
-                        <a:lnSpc>
-                          <a:spcPts val="1875"/>
-                        </a:lnSpc>
-                        <a:buNone/>
-                      </a:pPr>
-                      <a:r>
-                        <a:rPr lang="en-IN" b="0" dirty="0">
-                          <a:effectLst/>
-                          <a:latin typeface="quote-cjk-patch"/>
-                        </a:rPr>
-                        <a:t>Manual knowledge updates</a:t>
-                      </a:r>
-                    </a:p>
-                  </a:txBody>
-                  <a:tcPr marL="121920" marR="121920" marT="76200" marB="76200" anchor="ctr">
-                    <a:lnL w="12700" cap="flat" cmpd="sng" algn="ctr">
-                      <a:solidFill>
-                        <a:schemeClr val="tx1"/>
-                      </a:solidFill>
-                      <a:prstDash val="solid"/>
-                      <a:round/>
-                      <a:headEnd type="none" w="med" len="med"/>
-                      <a:tailEnd type="none" w="med" len="med"/>
-                    </a:lnL>
-                    <a:lnR w="12700" cap="flat" cmpd="sng" algn="ctr">
-                      <a:solidFill>
-                        <a:schemeClr val="tx1"/>
-                      </a:solidFill>
-                      <a:prstDash val="solid"/>
-                      <a:round/>
-                      <a:headEnd type="none" w="med" len="med"/>
-                      <a:tailEnd type="none" w="med" len="med"/>
-                    </a:lnR>
-                    <a:lnT w="12700" cap="flat" cmpd="sng" algn="ctr">
-                      <a:solidFill>
-                        <a:schemeClr val="tx1"/>
-                      </a:solidFill>
-                      <a:prstDash val="solid"/>
-                      <a:round/>
-                      <a:headEnd type="none" w="med" len="med"/>
-                      <a:tailEnd type="none" w="med" len="med"/>
-                    </a:lnT>
-                    <a:lnB w="12700" cap="flat" cmpd="sng" algn="ctr">
-                      <a:solidFill>
-                        <a:schemeClr val="tx1"/>
-                      </a:solidFill>
-                      <a:prstDash val="solid"/>
-                      <a:round/>
-                      <a:headEnd type="none" w="med" len="med"/>
-                      <a:tailEnd type="none" w="med" len="med"/>
-                    </a:lnB>
-                    <a:solidFill>
-                      <a:srgbClr val="FFFFFF"/>
-                    </a:solidFill>
-                  </a:tcPr>
-                </a:tc>
-                <a:tc>
-                  <a:txBody>
-                    <a:bodyPr/>
-                    <a:lstStyle/>
-                    <a:p>
-                      <a:pPr>
-                        <a:lnSpc>
-                          <a:spcPts val="1875"/>
-                        </a:lnSpc>
-                        <a:buNone/>
-                      </a:pPr>
-                      <a:r>
-                        <a:rPr lang="en-IN" b="0" dirty="0">
-                          <a:effectLst/>
-                          <a:latin typeface="quote-cjk-patch"/>
-                        </a:rPr>
-                        <a:t>Real-time adaptive improvement</a:t>
-                      </a:r>
-                    </a:p>
-                  </a:txBody>
-                  <a:tcPr marL="121920" marT="76200" marB="76200" anchor="ctr">
-                    <a:lnL w="12700" cap="flat" cmpd="sng" algn="ctr">
-                      <a:solidFill>
-                        <a:schemeClr val="tx1"/>
-                      </a:solidFill>
-                      <a:prstDash val="solid"/>
-                      <a:round/>
-                      <a:headEnd type="none" w="med" len="med"/>
-                      <a:tailEnd type="none" w="med" len="med"/>
-                    </a:lnL>
-                    <a:lnR w="12700" cap="flat" cmpd="sng" algn="ctr">
-                      <a:solidFill>
-                        <a:schemeClr val="tx1"/>
-                      </a:solidFill>
-                      <a:prstDash val="solid"/>
-                      <a:round/>
-                      <a:headEnd type="none" w="med" len="med"/>
-                      <a:tailEnd type="none" w="med" len="med"/>
-                    </a:lnR>
-                    <a:lnT w="12700" cap="flat" cmpd="sng" algn="ctr">
-                      <a:solidFill>
-                        <a:schemeClr val="tx1"/>
-                      </a:solidFill>
-                      <a:prstDash val="solid"/>
-                      <a:round/>
-                      <a:headEnd type="none" w="med" len="med"/>
-                      <a:tailEnd type="none" w="med" len="med"/>
-                    </a:lnT>
-                    <a:lnB w="12700" cap="flat" cmpd="sng" algn="ctr">
-                      <a:solidFill>
-                        <a:schemeClr val="tx1"/>
-                      </a:solidFill>
-                      <a:prstDash val="solid"/>
-                      <a:round/>
-                      <a:headEnd type="none" w="med" len="med"/>
-                      <a:tailEnd type="none" w="med" len="med"/>
-                    </a:lnB>
-                    <a:solidFill>
-                      <a:srgbClr val="FFFFFF"/>
-                    </a:solidFill>
-                  </a:tcPr>
-                </a:tc>
-                <a:extLst>
-                  <a:ext uri="{0D108BD9-81ED-4DB2-BD59-A6C34878D82A}">
-                    <a16:rowId xmlns:a16="http://schemas.microsoft.com/office/drawing/2014/main" val="3712276447"/>
-                  </a:ext>
-                </a:extLst>
-              </a:tr>
-            </a:tbl>
-          </a:graphicData>
-        </a:graphic>
-      </p:graphicFrame>
-      <p:sp>
-        <p:nvSpPr>
-          <p:cNvPr id="4" name="TextBox 3">
-            <a:extLst>
-              <a:ext uri="{FF2B5EF4-FFF2-40B4-BE49-F238E27FC236}">
-                <a16:creationId xmlns:a16="http://schemas.microsoft.com/office/drawing/2014/main" id="{711726C6-0DAD-DA98-252A-3DA1A3C71B14}"/>
-              </a:ext>
-            </a:extLst>
-          </p:cNvPr>
-          <p:cNvSpPr txBox="1"/>
-          <p:nvPr/>
-        </p:nvSpPr>
-        <p:spPr>
-          <a:xfrm>
-            <a:off x="527901" y="2933700"/>
-            <a:ext cx="11585542" cy="4047262"/>
-          </a:xfrm>
-          <a:prstGeom prst="rect">
-            <a:avLst/>
-          </a:prstGeom>
-          <a:noFill/>
-        </p:spPr>
-        <p:txBody>
-          <a:bodyPr wrap="square">
-            <a:spAutoFit/>
-          </a:bodyPr>
-          <a:lstStyle/>
-          <a:p>
-            <a:pPr algn="l">
-              <a:spcBef>
-                <a:spcPts val="2400"/>
-              </a:spcBef>
-              <a:spcAft>
-                <a:spcPts val="1200"/>
-              </a:spcAft>
-              <a:buNone/>
-            </a:pPr>
-            <a:r>
-              <a:rPr lang="en-IN" sz="1600" b="1" dirty="0">
-                <a:solidFill>
-                  <a:srgbClr val="0F1115"/>
-                </a:solidFill>
-                <a:effectLst/>
-                <a:latin typeface="quote-cjk-patch"/>
-              </a:rPr>
-              <a:t>🎯 Integration Architecture Options</a:t>
-            </a:r>
-          </a:p>
-          <a:p>
-            <a:pPr algn="l">
-              <a:spcBef>
-                <a:spcPts val="2400"/>
-              </a:spcBef>
-              <a:spcAft>
-                <a:spcPts val="1200"/>
-              </a:spcAft>
-              <a:buNone/>
-            </a:pPr>
-            <a:r>
-              <a:rPr lang="en-IN" sz="1600" b="1" dirty="0">
-                <a:solidFill>
-                  <a:srgbClr val="0F1115"/>
-                </a:solidFill>
-                <a:effectLst/>
-                <a:latin typeface="quote-cjk-patch"/>
-              </a:rPr>
-              <a:t>Option A: API Gateway Pattern (Recommended)</a:t>
-            </a:r>
-          </a:p>
-          <a:p>
-            <a:pPr algn="l" latinLnBrk="1">
-              <a:spcBef>
-                <a:spcPts val="1200"/>
-              </a:spcBef>
-              <a:spcAft>
-                <a:spcPts val="857"/>
-              </a:spcAft>
-              <a:buNone/>
-            </a:pPr>
-            <a:r>
-              <a:rPr lang="en-IN" sz="1600" b="0" i="0" dirty="0">
-                <a:solidFill>
-                  <a:srgbClr val="0F1115"/>
-                </a:solidFill>
-                <a:effectLst/>
-                <a:latin typeface="Menlo"/>
-              </a:rPr>
-              <a:t>User → API Gateway → Enterprise LLM → </a:t>
-            </a:r>
-            <a:r>
-              <a:rPr lang="en-IN" sz="1600" b="0" i="0" dirty="0" err="1">
-                <a:solidFill>
-                  <a:srgbClr val="0F1115"/>
-                </a:solidFill>
-                <a:effectLst/>
-                <a:latin typeface="Menlo"/>
-              </a:rPr>
-              <a:t>VeriFactAI</a:t>
-            </a:r>
-            <a:r>
-              <a:rPr lang="en-IN" sz="1600" b="0" i="0" dirty="0">
-                <a:solidFill>
-                  <a:srgbClr val="0F1115"/>
-                </a:solidFill>
-                <a:effectLst/>
-                <a:latin typeface="Menlo"/>
-              </a:rPr>
-              <a:t> → Verified Response</a:t>
-            </a:r>
-          </a:p>
-          <a:p>
-            <a:pPr algn="l">
-              <a:spcBef>
-                <a:spcPts val="2400"/>
-              </a:spcBef>
-              <a:spcAft>
-                <a:spcPts val="1200"/>
-              </a:spcAft>
-              <a:buNone/>
-            </a:pPr>
-            <a:r>
-              <a:rPr lang="en-IN" sz="1600" b="1" dirty="0">
-                <a:solidFill>
-                  <a:srgbClr val="0F1115"/>
-                </a:solidFill>
-                <a:effectLst/>
-                <a:latin typeface="quote-cjk-patch"/>
-              </a:rPr>
-              <a:t>Option B: Sidecar Pattern (Cloud Native)</a:t>
-            </a:r>
-          </a:p>
-          <a:p>
-            <a:pPr algn="l" latinLnBrk="1">
-              <a:spcBef>
-                <a:spcPts val="1200"/>
-              </a:spcBef>
-              <a:spcAft>
-                <a:spcPts val="857"/>
-              </a:spcAft>
-              <a:buNone/>
-            </a:pPr>
-            <a:r>
-              <a:rPr lang="en-IN" sz="1600" b="0" i="0" dirty="0">
-                <a:solidFill>
-                  <a:srgbClr val="0F1115"/>
-                </a:solidFill>
-                <a:effectLst/>
-                <a:latin typeface="Menlo"/>
-              </a:rPr>
-              <a:t>Kubernetes Pod: [LLM Container + </a:t>
-            </a:r>
-            <a:r>
-              <a:rPr lang="en-IN" sz="1600" b="0" i="0" dirty="0" err="1">
-                <a:solidFill>
-                  <a:srgbClr val="0F1115"/>
-                </a:solidFill>
-                <a:effectLst/>
-                <a:latin typeface="Menlo"/>
-              </a:rPr>
-              <a:t>VeriFactAI</a:t>
-            </a:r>
-            <a:r>
-              <a:rPr lang="en-IN" sz="1600" b="0" i="0" dirty="0">
-                <a:solidFill>
-                  <a:srgbClr val="0F1115"/>
-                </a:solidFill>
-                <a:effectLst/>
-                <a:latin typeface="Menlo"/>
-              </a:rPr>
-              <a:t> Sidecar]</a:t>
-            </a:r>
-          </a:p>
-          <a:p>
-            <a:pPr algn="l">
-              <a:spcBef>
-                <a:spcPts val="2400"/>
-              </a:spcBef>
-              <a:spcAft>
-                <a:spcPts val="1200"/>
-              </a:spcAft>
-              <a:buNone/>
-            </a:pPr>
-            <a:r>
-              <a:rPr lang="en-IN" sz="1600" b="1" dirty="0">
-                <a:solidFill>
-                  <a:srgbClr val="0F1115"/>
-                </a:solidFill>
-                <a:effectLst/>
-                <a:latin typeface="quote-cjk-patch"/>
-              </a:rPr>
-              <a:t>Option C: Plugin Architecture (High Performance)</a:t>
-            </a:r>
-          </a:p>
-          <a:p>
-            <a:pPr algn="l" latinLnBrk="1">
-              <a:spcBef>
-                <a:spcPts val="1200"/>
-              </a:spcBef>
-              <a:spcAft>
-                <a:spcPts val="857"/>
-              </a:spcAft>
-              <a:buNone/>
-            </a:pPr>
-            <a:r>
-              <a:rPr lang="en-IN" sz="1600" b="0" i="0" dirty="0">
-                <a:solidFill>
-                  <a:srgbClr val="0F1115"/>
-                </a:solidFill>
-                <a:effectLst/>
-                <a:latin typeface="Menlo"/>
-              </a:rPr>
-              <a:t>Enhanced LLM with built-in </a:t>
-            </a:r>
-            <a:r>
-              <a:rPr lang="en-IN" sz="1600" b="0" i="0" dirty="0" err="1">
-                <a:solidFill>
-                  <a:srgbClr val="0F1115"/>
-                </a:solidFill>
-                <a:effectLst/>
-                <a:latin typeface="Menlo"/>
-              </a:rPr>
-              <a:t>VeriFactAI</a:t>
-            </a:r>
-            <a:r>
-              <a:rPr lang="en-IN" sz="1600" b="0" i="0" dirty="0">
-                <a:solidFill>
-                  <a:srgbClr val="0F1115"/>
-                </a:solidFill>
-                <a:effectLst/>
-                <a:latin typeface="Menlo"/>
-              </a:rPr>
-              <a:t> verification plugin</a:t>
-            </a:r>
-          </a:p>
-        </p:txBody>
-      </p:sp>
-    </p:spTree>
-    <p:extLst>
-      <p:ext uri="{BB962C8B-B14F-4D97-AF65-F5344CB8AC3E}">
-        <p14:creationId xmlns:p14="http://schemas.microsoft.com/office/powerpoint/2010/main" val="1462508531"/>
-      </p:ext>
-    </p:extLst>
-  </p:cSld>
-  <p:clrMapOvr>
-    <a:masterClrMapping/>
-  </p:clrMapOvr>
-</p:sld>
-</file>
-
-<file path=ppt/slides/slide2.xml><?xml version="1.0" encoding="utf-8"?>
-<p:sld xmlns:a="http://schemas.openxmlformats.org/drawingml/2006/main" xmlns:r="http://schemas.openxmlformats.org/officeDocument/2006/relationships" xmlns:p="http://schemas.openxmlformats.org/presentationml/2006/main">
-  <p:cSld>
-    <p:spTree>
-      <p:nvGrpSpPr>
-        <p:cNvPr id="1" name=""/>
-        <p:cNvGrpSpPr/>
-        <p:nvPr/>
-      </p:nvGrpSpPr>
-      <p:grpSpPr>
-        <a:xfrm>
-          <a:off x="0" y="0"/>
-          <a:ext cx="0" cy="0"/>
-          <a:chOff x="0" y="0"/>
-          <a:chExt cx="0" cy="0"/>
-        </a:xfrm>
-      </p:grpSpPr>
-      <p:sp>
-        <p:nvSpPr>
-          <p:cNvPr id="2" name="Title 1">
-            <a:extLst>
-              <a:ext uri="{FF2B5EF4-FFF2-40B4-BE49-F238E27FC236}">
-                <a16:creationId xmlns:a16="http://schemas.microsoft.com/office/drawing/2014/main" id="{24823CD8-9C7D-F49D-3189-DD28BB3858C2}"/>
-              </a:ext>
-            </a:extLst>
-          </p:cNvPr>
-          <p:cNvSpPr>
-            <a:spLocks noGrp="1"/>
-          </p:cNvSpPr>
-          <p:nvPr>
-            <p:ph type="title"/>
-          </p:nvPr>
-        </p:nvSpPr>
-        <p:spPr>
-          <a:xfrm>
-            <a:off x="838200" y="1"/>
-            <a:ext cx="10439400" cy="1336430"/>
-          </a:xfrm>
-          <a:ln>
-            <a:solidFill>
-              <a:schemeClr val="tx1"/>
-            </a:solidFill>
-          </a:ln>
-        </p:spPr>
-        <p:txBody>
-          <a:bodyPr>
-            <a:normAutofit fontScale="90000"/>
-          </a:bodyPr>
-          <a:lstStyle/>
-          <a:p>
-            <a:pPr latinLnBrk="1">
-              <a:lnSpc>
-                <a:spcPct val="100000"/>
-              </a:lnSpc>
-            </a:pPr>
-            <a:r>
-              <a:rPr lang="en-IN" sz="1800" b="1" dirty="0"/>
-              <a:t>			</a:t>
-            </a:r>
-            <a:r>
-              <a:rPr lang="en-IN" sz="2200" b="1" dirty="0">
-                <a:highlight>
-                  <a:srgbClr val="FFFF00"/>
-                </a:highlight>
-              </a:rPr>
-              <a:t>Parent Patent – Architecture</a:t>
-            </a:r>
-            <a:br>
-              <a:rPr lang="en-IN" sz="1800" b="1" dirty="0"/>
-            </a:br>
-            <a:br>
-              <a:rPr lang="en-IN" sz="1800" b="1" dirty="0"/>
-            </a:br>
-            <a:r>
-              <a:rPr lang="en-IN" sz="1800" b="1" dirty="0"/>
-              <a:t>🔍 EXTRACTION → ⚖️ IDENTIFICATION → 🔧 RESOLUTION → 🔄 FEEDBACK</a:t>
-            </a:r>
-            <a:br>
-              <a:rPr lang="en-IN" sz="1800" b="1" dirty="0"/>
-            </a:br>
-            <a:r>
-              <a:rPr lang="en-IN" sz="1800" b="1" dirty="0"/>
-              <a:t>             Intelligent Healing (Cross-cutting capability)</a:t>
-            </a:r>
-            <a:br>
-              <a:rPr lang="en-IN" sz="1800" dirty="0"/>
-            </a:br>
-            <a:endParaRPr lang="en-IN" sz="1800" dirty="0"/>
-          </a:p>
-        </p:txBody>
-      </p:sp>
-      <p:sp>
-        <p:nvSpPr>
-          <p:cNvPr id="3" name="Content Placeholder 2">
-            <a:extLst>
-              <a:ext uri="{FF2B5EF4-FFF2-40B4-BE49-F238E27FC236}">
-                <a16:creationId xmlns:a16="http://schemas.microsoft.com/office/drawing/2014/main" id="{DE193656-6EA0-5831-E276-B3670A209ABE}"/>
-              </a:ext>
-            </a:extLst>
-          </p:cNvPr>
-          <p:cNvSpPr>
-            <a:spLocks noGrp="1"/>
-          </p:cNvSpPr>
-          <p:nvPr>
-            <p:ph sz="half" idx="1"/>
-          </p:nvPr>
-        </p:nvSpPr>
-        <p:spPr>
-          <a:xfrm>
-            <a:off x="838201" y="1337356"/>
-            <a:ext cx="5181600" cy="3696558"/>
-          </a:xfrm>
-          <a:ln>
-            <a:solidFill>
-              <a:schemeClr val="tx1"/>
-            </a:solidFill>
-          </a:ln>
-        </p:spPr>
-        <p:txBody>
-          <a:bodyPr>
-            <a:normAutofit/>
-          </a:bodyPr>
-          <a:lstStyle/>
-          <a:p>
-            <a:pPr marL="0" indent="0" latinLnBrk="1">
-              <a:buNone/>
-            </a:pPr>
-            <a:r>
-              <a:rPr lang="en-IN" sz="1400" dirty="0"/>
-              <a:t>IDENTIFICATION PATENT</a:t>
-            </a:r>
-          </a:p>
-          <a:p>
-            <a:pPr marL="0" indent="0" latinLnBrk="1">
-              <a:buNone/>
-            </a:pPr>
-            <a:r>
-              <a:rPr lang="en-IN" sz="1600" dirty="0"/>
-              <a:t>🚨</a:t>
-            </a:r>
-            <a:r>
-              <a:rPr lang="en-IN" sz="1400" dirty="0"/>
-              <a:t> CRITICAL ERRORS:</a:t>
-            </a:r>
-          </a:p>
-          <a:p>
-            <a:pPr latinLnBrk="1">
-              <a:buFont typeface="Wingdings" panose="05000000000000000000" pitchFamily="2" charset="2"/>
-              <a:buChar char="Ø"/>
-            </a:pPr>
-            <a:r>
-              <a:rPr lang="en-IN" sz="1400" dirty="0"/>
-              <a:t>OOD Claim Detector → Complete Fabrication</a:t>
-            </a:r>
-          </a:p>
-          <a:p>
-            <a:pPr latinLnBrk="1">
-              <a:buFont typeface="Wingdings" panose="05000000000000000000" pitchFamily="2" charset="2"/>
-              <a:buChar char="Ø"/>
-            </a:pPr>
-            <a:r>
-              <a:rPr lang="en-IN" sz="1400" dirty="0"/>
-              <a:t>Contextual Discontinuity Detector → Config/Security Errors</a:t>
-            </a:r>
-          </a:p>
-          <a:p>
-            <a:pPr marL="0" indent="0" latinLnBrk="1">
-              <a:buNone/>
-            </a:pPr>
-            <a:r>
-              <a:rPr lang="en-IN" sz="1600" dirty="0"/>
-              <a:t>⚠️</a:t>
-            </a:r>
-            <a:r>
-              <a:rPr lang="en-IN" sz="1400" dirty="0"/>
-              <a:t> ACCURACY ERRORS:  </a:t>
-            </a:r>
-          </a:p>
-          <a:p>
-            <a:pPr latinLnBrk="1">
-              <a:buFont typeface="Wingdings" panose="05000000000000000000" pitchFamily="2" charset="2"/>
-              <a:buChar char="Ø"/>
-            </a:pPr>
-            <a:r>
-              <a:rPr lang="en-IN" sz="1400" dirty="0"/>
-              <a:t>Temporal-Context Detector → Temporal Errors</a:t>
-            </a:r>
-          </a:p>
-          <a:p>
-            <a:pPr latinLnBrk="1">
-              <a:buFont typeface="Wingdings" panose="05000000000000000000" pitchFamily="2" charset="2"/>
-              <a:buChar char="Ø"/>
-            </a:pPr>
-            <a:r>
-              <a:rPr lang="en-IN" sz="1400" dirty="0"/>
-              <a:t>Statistical Outlier Detector → Numerical Errors</a:t>
-            </a:r>
-          </a:p>
-          <a:p>
-            <a:pPr latinLnBrk="1">
-              <a:buFont typeface="Wingdings" panose="05000000000000000000" pitchFamily="2" charset="2"/>
-              <a:buChar char="Ø"/>
-            </a:pPr>
-            <a:r>
-              <a:rPr lang="en-IN" sz="1400" dirty="0"/>
-              <a:t>KG Lookup Validator → Partial Truth/Inaccuracy</a:t>
-            </a:r>
-          </a:p>
-          <a:p>
-            <a:pPr marL="0" indent="0" latinLnBrk="1">
-              <a:buNone/>
-            </a:pPr>
-            <a:r>
-              <a:rPr lang="en-IN" sz="1600" dirty="0"/>
-              <a:t>📚</a:t>
-            </a:r>
-            <a:r>
-              <a:rPr lang="en-IN" sz="1400" dirty="0"/>
-              <a:t> REFERENCE ERRORS:</a:t>
-            </a:r>
-          </a:p>
-          <a:p>
-            <a:pPr latinLnBrk="1">
-              <a:buFont typeface="Wingdings" panose="05000000000000000000" pitchFamily="2" charset="2"/>
-              <a:buChar char="Ø"/>
-            </a:pPr>
-            <a:r>
-              <a:rPr lang="en-IN" sz="1400" dirty="0"/>
-              <a:t>Citation Verifier → Source Citation Errors</a:t>
-            </a:r>
-          </a:p>
-          <a:p>
-            <a:pPr latinLnBrk="1">
-              <a:buFont typeface="Wingdings" panose="05000000000000000000" pitchFamily="2" charset="2"/>
-              <a:buChar char="Ø"/>
-            </a:pPr>
-            <a:r>
-              <a:rPr lang="en-IN" sz="1400" dirty="0"/>
-              <a:t>Semantic Logic Analyzer → Logical Errors</a:t>
-            </a:r>
-          </a:p>
-          <a:p>
-            <a:pPr marL="0" indent="0">
-              <a:buNone/>
-            </a:pPr>
-            <a:endParaRPr lang="en-IN" sz="1600" dirty="0"/>
-          </a:p>
-        </p:txBody>
-      </p:sp>
-      <p:sp>
-        <p:nvSpPr>
-          <p:cNvPr id="4" name="Content Placeholder 3">
-            <a:extLst>
-              <a:ext uri="{FF2B5EF4-FFF2-40B4-BE49-F238E27FC236}">
-                <a16:creationId xmlns:a16="http://schemas.microsoft.com/office/drawing/2014/main" id="{87FBDF37-8670-4D79-B029-D325A4E98139}"/>
-              </a:ext>
-            </a:extLst>
-          </p:cNvPr>
-          <p:cNvSpPr>
-            <a:spLocks noGrp="1"/>
-          </p:cNvSpPr>
-          <p:nvPr>
-            <p:ph sz="half" idx="2"/>
-          </p:nvPr>
-        </p:nvSpPr>
-        <p:spPr>
-          <a:xfrm>
-            <a:off x="6096000" y="1337356"/>
-            <a:ext cx="5181600" cy="3696558"/>
-          </a:xfrm>
-          <a:ln>
-            <a:solidFill>
-              <a:schemeClr val="tx1"/>
-            </a:solidFill>
-          </a:ln>
-        </p:spPr>
-        <p:txBody>
-          <a:bodyPr>
-            <a:normAutofit/>
-          </a:bodyPr>
-          <a:lstStyle/>
-          <a:p>
-            <a:pPr marL="0" indent="0" latinLnBrk="1">
-              <a:buNone/>
-            </a:pPr>
-            <a:r>
-              <a:rPr lang="en-IN" sz="1400" dirty="0"/>
-              <a:t>RESOLUTION PATENT</a:t>
-            </a:r>
-          </a:p>
-          <a:p>
-            <a:pPr marL="0" indent="0" latinLnBrk="1">
-              <a:buNone/>
-            </a:pPr>
-            <a:r>
-              <a:rPr lang="en-IN" sz="2000" dirty="0"/>
-              <a:t>🛠️</a:t>
-            </a:r>
-            <a:r>
-              <a:rPr lang="en-IN" sz="1400" dirty="0"/>
-              <a:t> SPECIALIZED RESOLVERS (Error-specific):</a:t>
-            </a:r>
-          </a:p>
-          <a:p>
-            <a:pPr latinLnBrk="1">
-              <a:buFont typeface="Wingdings" panose="05000000000000000000" pitchFamily="2" charset="2"/>
-              <a:buChar char="Ø"/>
-            </a:pPr>
-            <a:r>
-              <a:rPr lang="en-IN" sz="1400" dirty="0"/>
-              <a:t>Full Claim Replacement ← Complete Fabrication</a:t>
-            </a:r>
-          </a:p>
-          <a:p>
-            <a:pPr latinLnBrk="1">
-              <a:buFont typeface="Wingdings" panose="05000000000000000000" pitchFamily="2" charset="2"/>
-              <a:buChar char="Ø"/>
-            </a:pPr>
-            <a:r>
-              <a:rPr lang="en-IN" sz="1400" dirty="0"/>
-              <a:t>Geospatial Resolver ← Config/Security Errors</a:t>
-            </a:r>
-          </a:p>
-          <a:p>
-            <a:pPr marL="0" indent="0" latinLnBrk="1">
-              <a:buNone/>
-            </a:pPr>
-            <a:endParaRPr lang="en-IN" sz="1400" dirty="0"/>
-          </a:p>
-          <a:p>
-            <a:pPr latinLnBrk="1">
-              <a:buFont typeface="Wingdings" panose="05000000000000000000" pitchFamily="2" charset="2"/>
-              <a:buChar char="Ø"/>
-            </a:pPr>
-            <a:r>
-              <a:rPr lang="en-IN" sz="1400" dirty="0"/>
-              <a:t>Temporal Resolver ← Temporal Errors</a:t>
-            </a:r>
-          </a:p>
-          <a:p>
-            <a:pPr latinLnBrk="1">
-              <a:buFont typeface="Wingdings" panose="05000000000000000000" pitchFamily="2" charset="2"/>
-              <a:buChar char="Ø"/>
-            </a:pPr>
-            <a:r>
-              <a:rPr lang="en-IN" sz="1400" dirty="0"/>
-              <a:t>Numerical Resolver ← Numerical Errors</a:t>
-            </a:r>
-          </a:p>
-          <a:p>
-            <a:pPr latinLnBrk="1">
-              <a:buFont typeface="Wingdings" panose="05000000000000000000" pitchFamily="2" charset="2"/>
-              <a:buChar char="Ø"/>
-            </a:pPr>
-            <a:r>
-              <a:rPr lang="en-IN" sz="1400" dirty="0"/>
-              <a:t>Precision Correction ← Partial Truth/Inaccuracy  </a:t>
-            </a:r>
-          </a:p>
-          <a:p>
-            <a:pPr marL="0" indent="0" latinLnBrk="1">
-              <a:buNone/>
-            </a:pPr>
-            <a:endParaRPr lang="en-IN" sz="1400" dirty="0"/>
-          </a:p>
-          <a:p>
-            <a:pPr latinLnBrk="1">
-              <a:buFont typeface="Wingdings" panose="05000000000000000000" pitchFamily="2" charset="2"/>
-              <a:buChar char="Ø"/>
-            </a:pPr>
-            <a:r>
-              <a:rPr lang="en-IN" sz="1400" dirty="0"/>
-              <a:t>Provenance Resolver ← Source Citation Errors</a:t>
-            </a:r>
-          </a:p>
-          <a:p>
-            <a:pPr latinLnBrk="1">
-              <a:buFont typeface="Wingdings" panose="05000000000000000000" pitchFamily="2" charset="2"/>
-              <a:buChar char="Ø"/>
-            </a:pPr>
-            <a:r>
-              <a:rPr lang="en-IN" sz="1400" dirty="0"/>
-              <a:t>Logical Resolver ← Logical Errors</a:t>
-            </a:r>
-          </a:p>
-          <a:p>
-            <a:endParaRPr lang="en-IN" sz="1600" dirty="0"/>
-          </a:p>
-        </p:txBody>
-      </p:sp>
-      <p:sp>
-        <p:nvSpPr>
-          <p:cNvPr id="5" name="TextBox 4">
-            <a:extLst>
-              <a:ext uri="{FF2B5EF4-FFF2-40B4-BE49-F238E27FC236}">
-                <a16:creationId xmlns:a16="http://schemas.microsoft.com/office/drawing/2014/main" id="{820772F2-210D-0728-50C0-C0A1C2887367}"/>
-              </a:ext>
-            </a:extLst>
-          </p:cNvPr>
-          <p:cNvSpPr txBox="1"/>
-          <p:nvPr/>
-        </p:nvSpPr>
-        <p:spPr>
-          <a:xfrm>
-            <a:off x="800100" y="5103674"/>
-            <a:ext cx="10439400" cy="2462213"/>
-          </a:xfrm>
-          <a:prstGeom prst="rect">
-            <a:avLst/>
-          </a:prstGeom>
-          <a:noFill/>
-          <a:ln>
-            <a:solidFill>
-              <a:schemeClr val="tx1"/>
-            </a:solidFill>
-          </a:ln>
-        </p:spPr>
-        <p:txBody>
-          <a:bodyPr wrap="square" rtlCol="0">
-            <a:spAutoFit/>
-          </a:bodyPr>
-          <a:lstStyle/>
-          <a:p>
-            <a:pPr lvl="1" latinLnBrk="1"/>
-            <a:r>
-              <a:rPr lang="en-GB" sz="2400" dirty="0"/>
-              <a:t>                                🔧</a:t>
-            </a:r>
-            <a:r>
-              <a:rPr lang="en-GB" sz="1400" dirty="0"/>
-              <a:t>INTELLIGENT HEALING (Cross-cutting):</a:t>
-            </a:r>
-          </a:p>
-          <a:p>
-            <a:pPr lvl="2" latinLnBrk="1"/>
-            <a:r>
-              <a:rPr lang="en-GB" sz="1400" dirty="0"/>
-              <a:t>                                                       -&gt; Context-aware Correction</a:t>
-            </a:r>
-          </a:p>
-          <a:p>
-            <a:pPr lvl="2" latinLnBrk="1"/>
-            <a:r>
-              <a:rPr lang="en-GB" sz="1400" dirty="0"/>
-              <a:t>		         -&gt; Multi-alternative Generation</a:t>
-            </a:r>
-          </a:p>
-          <a:p>
-            <a:pPr lvl="2" latinLnBrk="1"/>
-            <a:r>
-              <a:rPr lang="en-GB" sz="1400" dirty="0"/>
-              <a:t>		         -&gt; Confidence-based Selection</a:t>
-            </a:r>
-          </a:p>
-          <a:p>
-            <a:pPr lvl="2" latinLnBrk="1"/>
-            <a:r>
-              <a:rPr lang="en-GB" sz="1400" dirty="0"/>
-              <a:t>		         -&gt; Explainable Outputs</a:t>
-            </a:r>
-          </a:p>
-          <a:p>
-            <a:pPr latinLnBrk="1"/>
-            <a:r>
-              <a:rPr lang="en-GB" sz="1400" dirty="0"/>
-              <a:t>Specialized Resolver → Context-aware Correction → Multi-alternative Generation → Confidence-based Selection → Explainable Outputs</a:t>
-            </a:r>
-          </a:p>
-          <a:p>
-            <a:pPr latinLnBrk="1"/>
-            <a:r>
-              <a:rPr lang="en-GB" sz="1400" dirty="0"/>
-              <a:t>Verified Response → Learning Feedback → Resolver Improvement</a:t>
-            </a:r>
-          </a:p>
-          <a:p>
-            <a:pPr lvl="8" latinLnBrk="1"/>
-            <a:endParaRPr lang="en-GB" sz="1400" dirty="0"/>
-          </a:p>
-          <a:p>
-            <a:pPr lvl="8" latinLnBrk="1"/>
-            <a:endParaRPr lang="en-GB" sz="1400" dirty="0"/>
-          </a:p>
-          <a:p>
-            <a:endParaRPr lang="en-IN" dirty="0"/>
-          </a:p>
-        </p:txBody>
-      </p:sp>
-    </p:spTree>
-    <p:extLst>
-      <p:ext uri="{BB962C8B-B14F-4D97-AF65-F5344CB8AC3E}">
-        <p14:creationId xmlns:p14="http://schemas.microsoft.com/office/powerpoint/2010/main" val="2134237967"/>
-      </p:ext>
-    </p:extLst>
-  </p:cSld>
-  <p:clrMapOvr>
-    <a:masterClrMapping/>
-  </p:clrMapOvr>
-</p:sld>
-</file>
-
-<file path=ppt/slides/slide3.xml><?xml version="1.0" encoding="utf-8"?>
-<p:sld xmlns:a="http://schemas.openxmlformats.org/drawingml/2006/main" xmlns:r="http://schemas.openxmlformats.org/officeDocument/2006/relationships" xmlns:p="http://schemas.openxmlformats.org/presentationml/2006/main">
-  <p:cSld>
-    <p:spTree>
-      <p:nvGrpSpPr>
-        <p:cNvPr id="1" name=""/>
-        <p:cNvGrpSpPr/>
-        <p:nvPr/>
-      </p:nvGrpSpPr>
-      <p:grpSpPr>
-        <a:xfrm>
-          <a:off x="0" y="0"/>
-          <a:ext cx="0" cy="0"/>
-          <a:chOff x="0" y="0"/>
-          <a:chExt cx="0" cy="0"/>
-        </a:xfrm>
-      </p:grpSpPr>
-      <p:pic>
-        <p:nvPicPr>
-          <p:cNvPr id="5" name="Picture 4">
-            <a:extLst>
-              <a:ext uri="{FF2B5EF4-FFF2-40B4-BE49-F238E27FC236}">
-                <a16:creationId xmlns:a16="http://schemas.microsoft.com/office/drawing/2014/main" id="{72B0F519-7047-877D-D588-347CD84EB349}"/>
-              </a:ext>
-            </a:extLst>
-          </p:cNvPr>
-          <p:cNvPicPr>
-            <a:picLocks noChangeAspect="1"/>
-          </p:cNvPicPr>
-          <p:nvPr/>
-        </p:nvPicPr>
-        <p:blipFill>
-          <a:blip r:embed="rId2"/>
-          <a:stretch>
-            <a:fillRect/>
-          </a:stretch>
-        </p:blipFill>
-        <p:spPr>
-          <a:xfrm>
-            <a:off x="0" y="618811"/>
-            <a:ext cx="12192000" cy="5620378"/>
-          </a:xfrm>
-          <a:prstGeom prst="rect">
-            <a:avLst/>
-          </a:prstGeom>
-        </p:spPr>
-      </p:pic>
-    </p:spTree>
-    <p:extLst>
-      <p:ext uri="{BB962C8B-B14F-4D97-AF65-F5344CB8AC3E}">
-        <p14:creationId xmlns:p14="http://schemas.microsoft.com/office/powerpoint/2010/main" val="789983000"/>
-      </p:ext>
-    </p:extLst>
-  </p:cSld>
-  <p:clrMapOvr>
-    <a:masterClrMapping/>
-  </p:clrMapOvr>
-</p:sld>
-</file>
-
 <file path=ppt/slides/slide4.xml><?xml version="1.0" encoding="utf-8"?>
-<p:sld xmlns:a="http://schemas.openxmlformats.org/drawingml/2006/main" xmlns:r="http://schemas.openxmlformats.org/officeDocument/2006/relationships" xmlns:p="http://schemas.openxmlformats.org/presentationml/2006/main">
-  <p:cSld>
-    <p:spTree>
-      <p:nvGrpSpPr>
-        <p:cNvPr id="1" name=""/>
-        <p:cNvGrpSpPr/>
-        <p:nvPr/>
-      </p:nvGrpSpPr>
-      <p:grpSpPr>
-        <a:xfrm>
-          <a:off x="0" y="0"/>
-          <a:ext cx="0" cy="0"/>
-          <a:chOff x="0" y="0"/>
-          <a:chExt cx="0" cy="0"/>
-        </a:xfrm>
-      </p:grpSpPr>
-      <p:pic>
-        <p:nvPicPr>
-          <p:cNvPr id="3" name="Picture 2">
-            <a:extLst>
-              <a:ext uri="{FF2B5EF4-FFF2-40B4-BE49-F238E27FC236}">
-                <a16:creationId xmlns:a16="http://schemas.microsoft.com/office/drawing/2014/main" id="{0CD4AB37-5097-F794-0D6E-62D608FA68AE}"/>
-              </a:ext>
-            </a:extLst>
-          </p:cNvPr>
-          <p:cNvPicPr>
-            <a:picLocks noChangeAspect="1"/>
-          </p:cNvPicPr>
-          <p:nvPr/>
-        </p:nvPicPr>
-        <p:blipFill>
-          <a:blip r:embed="rId2"/>
-          <a:stretch>
-            <a:fillRect/>
-          </a:stretch>
-        </p:blipFill>
-        <p:spPr>
-          <a:xfrm>
-            <a:off x="0" y="103695"/>
-            <a:ext cx="12192000" cy="6754305"/>
-          </a:xfrm>
-          <a:prstGeom prst="rect">
-            <a:avLst/>
-          </a:prstGeom>
-        </p:spPr>
-      </p:pic>
-    </p:spTree>
-    <p:extLst>
-      <p:ext uri="{BB962C8B-B14F-4D97-AF65-F5344CB8AC3E}">
-        <p14:creationId xmlns:p14="http://schemas.microsoft.com/office/powerpoint/2010/main" val="3563284087"/>
-      </p:ext>
-    </p:extLst>
-  </p:cSld>
-  <p:clrMapOvr>
-    <a:masterClrMapping/>
-  </p:clrMapOvr>
-</p:sld>
-</file>
-
-<file path=ppt/slides/slide5.xml><?xml version="1.0" encoding="utf-8"?>
 <p:sld xmlns:a="http://schemas.openxmlformats.org/drawingml/2006/main" xmlns:r="http://schemas.openxmlformats.org/officeDocument/2006/relationships" xmlns:p="http://schemas.openxmlformats.org/presentationml/2006/main">
   <p:cSld>
     <p:spTree>
@@ -6466,7 +7160,7 @@
           <p:nvPr>
             <p:extLst>
               <p:ext uri="{D42A27DB-BD31-4B8C-83A1-F6EECF244321}">
-                <p14:modId xmlns:p14="http://schemas.microsoft.com/office/powerpoint/2010/main" val="3749300675"/>
+                <p14:modId xmlns:p14="http://schemas.microsoft.com/office/powerpoint/2010/main" val="2392296377"/>
               </p:ext>
             </p:extLst>
           </p:nvPr>
@@ -6489,14 +7183,14 @@
                     </a:ext>
                   </a:extLst>
                 </a:gridCol>
-                <a:gridCol w="1348033">
+                <a:gridCol w="1329180">
                   <a:extLst>
                     <a:ext uri="{9D8B030D-6E8A-4147-A177-3AD203B41FA5}">
                       <a16:colId xmlns:a16="http://schemas.microsoft.com/office/drawing/2014/main" val="3493351043"/>
                     </a:ext>
                   </a:extLst>
                 </a:gridCol>
-                <a:gridCol w="1630837">
+                <a:gridCol w="1649690">
                   <a:extLst>
                     <a:ext uri="{9D8B030D-6E8A-4147-A177-3AD203B41FA5}">
                       <a16:colId xmlns:a16="http://schemas.microsoft.com/office/drawing/2014/main" val="2981735539"/>
@@ -6768,8 +7462,17 @@
                         <a:buNone/>
                       </a:pPr>
                       <a:r>
-                        <a:rPr lang="en-IN" sz="1100" kern="100" dirty="0">
-                          <a:effectLst/>
+                        <a:rPr lang="en-IN" sz="1100" b="1" kern="100" dirty="0">
+                          <a:solidFill>
+                            <a:schemeClr val="tx1"/>
+                          </a:solidFill>
+                          <a:effectLst/>
+                          <a:highlight>
+                            <a:srgbClr val="FFFF00"/>
+                          </a:highlight>
+                          <a:latin typeface="+mn-lt"/>
+                          <a:ea typeface="+mn-ea"/>
+                          <a:cs typeface="+mn-cs"/>
                         </a:rPr>
                         <a:t>OOD Claim Detector</a:t>
                       </a:r>
@@ -6809,8 +7512,11 @@
                         <a:buNone/>
                       </a:pPr>
                       <a:r>
-                        <a:rPr lang="en-IN" sz="1100" kern="100" dirty="0">
-                          <a:effectLst/>
+                        <a:rPr lang="en-IN" sz="1100" b="1" kern="100" dirty="0">
+                          <a:effectLst/>
+                          <a:highlight>
+                            <a:srgbClr val="FFFF00"/>
+                          </a:highlight>
                         </a:rPr>
                         <a:t>Full Claim Replacement</a:t>
                       </a:r>
@@ -6850,8 +7556,11 @@
                         <a:buNone/>
                       </a:pPr>
                       <a:r>
-                        <a:rPr lang="en-IN" sz="1100" kern="100" dirty="0">
-                          <a:effectLst/>
+                        <a:rPr lang="en-IN" sz="1100" b="1" kern="100" dirty="0">
+                          <a:effectLst/>
+                          <a:highlight>
+                            <a:srgbClr val="FFFF00"/>
+                          </a:highlight>
                         </a:rPr>
                         <a:t>Context-aware Correction</a:t>
                       </a:r>
@@ -6891,8 +7600,17 @@
                         <a:buNone/>
                       </a:pPr>
                       <a:r>
-                        <a:rPr lang="en-IN" sz="1100" kern="100" dirty="0">
-                          <a:effectLst/>
+                        <a:rPr lang="en-IN" sz="1100" b="1" kern="100" dirty="0">
+                          <a:solidFill>
+                            <a:schemeClr val="dk1"/>
+                          </a:solidFill>
+                          <a:effectLst/>
+                          <a:highlight>
+                            <a:srgbClr val="FFFF00"/>
+                          </a:highlight>
+                          <a:latin typeface="+mn-lt"/>
+                          <a:ea typeface="+mn-ea"/>
+                          <a:cs typeface="+mn-cs"/>
                         </a:rPr>
                         <a:t>Complete Fabrication:</a:t>
                       </a:r>
@@ -7069,23 +7787,29 @@
                         <a:buNone/>
                       </a:pPr>
                       <a:r>
-                        <a:rPr lang="en-IN" sz="1100" kern="100">
-                          <a:effectLst/>
+                        <a:rPr lang="en-IN" sz="1100" b="1" kern="100" dirty="0">
+                          <a:solidFill>
+                            <a:schemeClr val="tx1"/>
+                          </a:solidFill>
+                          <a:effectLst/>
+                          <a:highlight>
+                            <a:srgbClr val="FFFF00"/>
+                          </a:highlight>
                         </a:rPr>
                         <a:t>Temporal-Context Detector</a:t>
                       </a:r>
                       <a:br>
-                        <a:rPr lang="en-IN" sz="1100" kern="100">
+                        <a:rPr lang="en-IN" sz="1100" kern="100" dirty="0">
                           <a:effectLst/>
                         </a:rPr>
                       </a:br>
                       <a:r>
-                        <a:rPr lang="en-IN" sz="1100" kern="100">
+                        <a:rPr lang="en-IN" sz="1100" kern="100" dirty="0">
                           <a:effectLst/>
                         </a:rPr>
                         <a:t>Identifies deprecated package manager usage</a:t>
                       </a:r>
-                      <a:endParaRPr lang="en-IN" sz="1100" kern="100">
+                      <a:endParaRPr lang="en-IN" sz="1100" kern="100" dirty="0">
                         <a:effectLst/>
                         <a:latin typeface="Calibri" panose="020F0502020204030204" pitchFamily="34" charset="0"/>
                         <a:ea typeface="Calibri" panose="020F0502020204030204" pitchFamily="34" charset="0"/>
@@ -7110,23 +7834,32 @@
                         <a:buNone/>
                       </a:pPr>
                       <a:r>
-                        <a:rPr lang="en-IN" sz="1100" kern="100">
-                          <a:effectLst/>
+                        <a:rPr lang="en-IN" sz="1100" b="1" kern="100" dirty="0">
+                          <a:solidFill>
+                            <a:schemeClr val="tx1"/>
+                          </a:solidFill>
+                          <a:effectLst/>
+                          <a:highlight>
+                            <a:srgbClr val="FFFF00"/>
+                          </a:highlight>
+                          <a:latin typeface="+mn-lt"/>
+                          <a:ea typeface="+mn-ea"/>
+                          <a:cs typeface="+mn-cs"/>
                         </a:rPr>
                         <a:t>Temporal Resolver</a:t>
                       </a:r>
                       <a:br>
-                        <a:rPr lang="en-IN" sz="1100" kern="100">
+                        <a:rPr lang="en-IN" sz="1100" kern="100" dirty="0">
                           <a:effectLst/>
                         </a:rPr>
                       </a:br>
                       <a:r>
-                        <a:rPr lang="en-IN" sz="1100" kern="100">
+                        <a:rPr lang="en-IN" sz="1100" kern="100" dirty="0">
                           <a:effectLst/>
                         </a:rPr>
                         <a:t>Updates to current package manager</a:t>
                       </a:r>
-                      <a:endParaRPr lang="en-IN" sz="1100" kern="100">
+                      <a:endParaRPr lang="en-IN" sz="1100" kern="100" dirty="0">
                         <a:effectLst/>
                         <a:latin typeface="Calibri" panose="020F0502020204030204" pitchFamily="34" charset="0"/>
                         <a:ea typeface="Calibri" panose="020F0502020204030204" pitchFamily="34" charset="0"/>
@@ -7151,23 +7884,26 @@
                         <a:buNone/>
                       </a:pPr>
                       <a:r>
-                        <a:rPr lang="en-IN" sz="1100" kern="100">
-                          <a:effectLst/>
+                        <a:rPr lang="en-IN" sz="1100" b="1" kern="100" dirty="0">
+                          <a:effectLst/>
+                          <a:highlight>
+                            <a:srgbClr val="FFFF00"/>
+                          </a:highlight>
                         </a:rPr>
                         <a:t>Multi-alternative Generation</a:t>
                       </a:r>
                       <a:br>
-                        <a:rPr lang="en-IN" sz="1100" kern="100">
+                        <a:rPr lang="en-IN" sz="1100" kern="100" dirty="0">
                           <a:effectLst/>
                         </a:rPr>
                       </a:br>
                       <a:r>
-                        <a:rPr lang="en-IN" sz="1100" kern="100">
+                        <a:rPr lang="en-IN" sz="1100" kern="100" dirty="0">
                           <a:effectLst/>
                         </a:rPr>
                         <a:t>Provides multiple installation methods</a:t>
                       </a:r>
-                      <a:endParaRPr lang="en-IN" sz="1100" kern="100">
+                      <a:endParaRPr lang="en-IN" sz="1100" kern="100" dirty="0">
                         <a:effectLst/>
                         <a:latin typeface="Calibri" panose="020F0502020204030204" pitchFamily="34" charset="0"/>
                         <a:ea typeface="Calibri" panose="020F0502020204030204" pitchFamily="34" charset="0"/>
@@ -7192,8 +7928,17 @@
                         <a:buNone/>
                       </a:pPr>
                       <a:r>
-                        <a:rPr lang="en-IN" sz="1100" kern="100" dirty="0">
-                          <a:effectLst/>
+                        <a:rPr lang="en-IN" sz="1100" b="1" kern="100" dirty="0">
+                          <a:solidFill>
+                            <a:schemeClr val="dk1"/>
+                          </a:solidFill>
+                          <a:effectLst/>
+                          <a:highlight>
+                            <a:srgbClr val="FFFF00"/>
+                          </a:highlight>
+                          <a:latin typeface="+mn-lt"/>
+                          <a:ea typeface="+mn-ea"/>
+                          <a:cs typeface="+mn-cs"/>
                         </a:rPr>
                         <a:t>Temporal Error:</a:t>
                       </a:r>
@@ -7346,23 +8091,26 @@
                         <a:buNone/>
                       </a:pPr>
                       <a:r>
-                        <a:rPr lang="en-IN" sz="1100" kern="100">
-                          <a:effectLst/>
+                        <a:rPr lang="en-IN" sz="1100" b="1" kern="100" dirty="0">
+                          <a:effectLst/>
+                          <a:highlight>
+                            <a:srgbClr val="FFFF00"/>
+                          </a:highlight>
                         </a:rPr>
                         <a:t>Contextual Discontinuity Detector</a:t>
                       </a:r>
                       <a:br>
-                        <a:rPr lang="en-IN" sz="1100" kern="100">
+                        <a:rPr lang="en-IN" sz="1100" kern="100" dirty="0">
                           <a:effectLst/>
                         </a:rPr>
                       </a:br>
                       <a:r>
-                        <a:rPr lang="en-IN" sz="1100" kern="100">
+                        <a:rPr lang="en-IN" sz="1100" kern="100" dirty="0">
                           <a:effectLst/>
                         </a:rPr>
                         <a:t>Flags security policy violations</a:t>
                       </a:r>
-                      <a:endParaRPr lang="en-IN" sz="1100" kern="100">
+                      <a:endParaRPr lang="en-IN" sz="1100" kern="100" dirty="0">
                         <a:effectLst/>
                         <a:latin typeface="Calibri" panose="020F0502020204030204" pitchFamily="34" charset="0"/>
                         <a:ea typeface="Calibri" panose="020F0502020204030204" pitchFamily="34" charset="0"/>
@@ -7387,23 +8135,32 @@
                         <a:buNone/>
                       </a:pPr>
                       <a:r>
-                        <a:rPr lang="en-IN" sz="1100" kern="100">
-                          <a:effectLst/>
+                        <a:rPr lang="en-IN" sz="1100" b="1" kern="100" dirty="0">
+                          <a:solidFill>
+                            <a:schemeClr val="tx1"/>
+                          </a:solidFill>
+                          <a:effectLst/>
+                          <a:highlight>
+                            <a:srgbClr val="FFFF00"/>
+                          </a:highlight>
+                          <a:latin typeface="+mn-lt"/>
+                          <a:ea typeface="+mn-ea"/>
+                          <a:cs typeface="+mn-cs"/>
                         </a:rPr>
                         <a:t>Geospatial Resolver</a:t>
                       </a:r>
                       <a:br>
-                        <a:rPr lang="en-IN" sz="1100" kern="100">
+                        <a:rPr lang="en-IN" sz="1100" kern="100" dirty="0">
                           <a:effectLst/>
                         </a:rPr>
                       </a:br>
                       <a:r>
-                        <a:rPr lang="en-IN" sz="1100" kern="100">
+                        <a:rPr lang="en-IN" sz="1100" kern="100" dirty="0">
                           <a:effectLst/>
                         </a:rPr>
                         <a:t>Applies least privilege principles</a:t>
                       </a:r>
-                      <a:endParaRPr lang="en-IN" sz="1100" kern="100">
+                      <a:endParaRPr lang="en-IN" sz="1100" kern="100" dirty="0">
                         <a:effectLst/>
                         <a:latin typeface="Calibri" panose="020F0502020204030204" pitchFamily="34" charset="0"/>
                         <a:ea typeface="Calibri" panose="020F0502020204030204" pitchFamily="34" charset="0"/>
@@ -7428,23 +8185,26 @@
                         <a:buNone/>
                       </a:pPr>
                       <a:r>
-                        <a:rPr lang="en-IN" sz="1100" kern="100">
-                          <a:effectLst/>
+                        <a:rPr lang="en-IN" sz="1100" b="1" kern="100" dirty="0">
+                          <a:effectLst/>
+                          <a:highlight>
+                            <a:srgbClr val="FFFF00"/>
+                          </a:highlight>
                         </a:rPr>
                         <a:t>Confidence-based Selection</a:t>
                       </a:r>
                       <a:br>
-                        <a:rPr lang="en-IN" sz="1100" kern="100">
+                        <a:rPr lang="en-IN" sz="1100" kern="100" dirty="0">
                           <a:effectLst/>
                         </a:rPr>
                       </a:br>
                       <a:r>
-                        <a:rPr lang="en-IN" sz="1100" kern="100">
+                        <a:rPr lang="en-IN" sz="1100" kern="100" dirty="0">
                           <a:effectLst/>
                         </a:rPr>
                         <a:t>Chooses most secure proven approach</a:t>
                       </a:r>
-                      <a:endParaRPr lang="en-IN" sz="1100" kern="100">
+                      <a:endParaRPr lang="en-IN" sz="1100" kern="100" dirty="0">
                         <a:effectLst/>
                         <a:latin typeface="Calibri" panose="020F0502020204030204" pitchFamily="34" charset="0"/>
                         <a:ea typeface="Calibri" panose="020F0502020204030204" pitchFamily="34" charset="0"/>
@@ -7469,8 +8229,17 @@
                         <a:buNone/>
                       </a:pPr>
                       <a:r>
-                        <a:rPr lang="en-IN" sz="1100" kern="100" dirty="0">
-                          <a:effectLst/>
+                        <a:rPr lang="en-IN" sz="1100" b="1" kern="100" dirty="0">
+                          <a:solidFill>
+                            <a:schemeClr val="dk1"/>
+                          </a:solidFill>
+                          <a:effectLst/>
+                          <a:highlight>
+                            <a:srgbClr val="FFFF00"/>
+                          </a:highlight>
+                          <a:latin typeface="+mn-lt"/>
+                          <a:ea typeface="+mn-ea"/>
+                          <a:cs typeface="+mn-cs"/>
                         </a:rPr>
                         <a:t>Config/Security Error:</a:t>
                       </a:r>
@@ -7599,23 +8368,26 @@
                         <a:buNone/>
                       </a:pPr>
                       <a:r>
-                        <a:rPr lang="en-IN" sz="1100" kern="100">
-                          <a:effectLst/>
+                        <a:rPr lang="en-IN" sz="1100" b="1" kern="100" dirty="0">
+                          <a:effectLst/>
+                          <a:highlight>
+                            <a:srgbClr val="FFFF00"/>
+                          </a:highlight>
                         </a:rPr>
                         <a:t>Statistical Outlier Detector</a:t>
                       </a:r>
                       <a:br>
-                        <a:rPr lang="en-IN" sz="1100" kern="100">
+                        <a:rPr lang="en-IN" sz="1100" kern="100" dirty="0">
                           <a:effectLst/>
                         </a:rPr>
                       </a:br>
                       <a:r>
-                        <a:rPr lang="en-IN" sz="1100" kern="100">
+                        <a:rPr lang="en-IN" sz="1100" kern="100" dirty="0">
                           <a:effectLst/>
                         </a:rPr>
                         <a:t>Detects unrealistic memory allocation</a:t>
                       </a:r>
-                      <a:endParaRPr lang="en-IN" sz="1100" kern="100">
+                      <a:endParaRPr lang="en-IN" sz="1100" kern="100" dirty="0">
                         <a:effectLst/>
                         <a:latin typeface="Calibri" panose="020F0502020204030204" pitchFamily="34" charset="0"/>
                         <a:ea typeface="Calibri" panose="020F0502020204030204" pitchFamily="34" charset="0"/>
@@ -7640,23 +8412,32 @@
                         <a:buNone/>
                       </a:pPr>
                       <a:r>
-                        <a:rPr lang="en-IN" sz="1100" kern="100">
-                          <a:effectLst/>
+                        <a:rPr lang="en-IN" sz="1100" b="1" kern="100" dirty="0">
+                          <a:solidFill>
+                            <a:schemeClr val="tx1"/>
+                          </a:solidFill>
+                          <a:effectLst/>
+                          <a:highlight>
+                            <a:srgbClr val="FFFF00"/>
+                          </a:highlight>
+                          <a:latin typeface="+mn-lt"/>
+                          <a:ea typeface="+mn-ea"/>
+                          <a:cs typeface="+mn-cs"/>
                         </a:rPr>
                         <a:t>Numerical Resolver</a:t>
                       </a:r>
                       <a:br>
-                        <a:rPr lang="en-IN" sz="1100" kern="100">
+                        <a:rPr lang="en-IN" sz="1100" kern="100" dirty="0">
                           <a:effectLst/>
                         </a:rPr>
                       </a:br>
                       <a:r>
-                        <a:rPr lang="en-IN" sz="1100" kern="100">
+                        <a:rPr lang="en-IN" sz="1100" kern="100" dirty="0">
                           <a:effectLst/>
                         </a:rPr>
                         <a:t>Provides statistically appropriate values</a:t>
                       </a:r>
-                      <a:endParaRPr lang="en-IN" sz="1100" kern="100">
+                      <a:endParaRPr lang="en-IN" sz="1100" kern="100" dirty="0">
                         <a:effectLst/>
                         <a:latin typeface="Calibri" panose="020F0502020204030204" pitchFamily="34" charset="0"/>
                         <a:ea typeface="Calibri" panose="020F0502020204030204" pitchFamily="34" charset="0"/>
@@ -7681,23 +8462,26 @@
                         <a:buNone/>
                       </a:pPr>
                       <a:r>
-                        <a:rPr lang="en-IN" sz="1100" kern="100">
-                          <a:effectLst/>
+                        <a:rPr lang="en-IN" sz="1100" b="1" kern="100" dirty="0">
+                          <a:effectLst/>
+                          <a:highlight>
+                            <a:srgbClr val="FFFF00"/>
+                          </a:highlight>
                         </a:rPr>
                         <a:t>Explainable Outputs</a:t>
                       </a:r>
                       <a:br>
-                        <a:rPr lang="en-IN" sz="1100" kern="100">
+                        <a:rPr lang="en-IN" sz="1100" kern="100" dirty="0">
                           <a:effectLst/>
                         </a:rPr>
                       </a:br>
                       <a:r>
-                        <a:rPr lang="en-IN" sz="1100" kern="100">
+                        <a:rPr lang="en-IN" sz="1100" kern="100" dirty="0">
                           <a:effectLst/>
                         </a:rPr>
                         <a:t>Shows reasoning for correction</a:t>
                       </a:r>
-                      <a:endParaRPr lang="en-IN" sz="1100" kern="100">
+                      <a:endParaRPr lang="en-IN" sz="1100" kern="100" dirty="0">
                         <a:effectLst/>
                         <a:latin typeface="Calibri" panose="020F0502020204030204" pitchFamily="34" charset="0"/>
                         <a:ea typeface="Calibri" panose="020F0502020204030204" pitchFamily="34" charset="0"/>
@@ -7722,8 +8506,17 @@
                         <a:buNone/>
                       </a:pPr>
                       <a:r>
-                        <a:rPr lang="en-IN" sz="1100" kern="100" dirty="0">
-                          <a:effectLst/>
+                        <a:rPr lang="en-IN" sz="1100" b="1" kern="100" dirty="0">
+                          <a:solidFill>
+                            <a:schemeClr val="dk1"/>
+                          </a:solidFill>
+                          <a:effectLst/>
+                          <a:highlight>
+                            <a:srgbClr val="FFFF00"/>
+                          </a:highlight>
+                          <a:latin typeface="+mn-lt"/>
+                          <a:ea typeface="+mn-ea"/>
+                          <a:cs typeface="+mn-cs"/>
                         </a:rPr>
                         <a:t>Statistical Error:</a:t>
                       </a:r>
@@ -7852,23 +8645,26 @@
                         <a:buNone/>
                       </a:pPr>
                       <a:r>
-                        <a:rPr lang="en-IN" sz="1100" kern="100">
-                          <a:effectLst/>
+                        <a:rPr lang="en-IN" sz="1100" b="1" kern="100" dirty="0">
+                          <a:effectLst/>
+                          <a:highlight>
+                            <a:srgbClr val="FFFF00"/>
+                          </a:highlight>
                         </a:rPr>
                         <a:t>KG Lookup Validator</a:t>
                       </a:r>
                       <a:br>
-                        <a:rPr lang="en-IN" sz="1100" kern="100">
+                        <a:rPr lang="en-IN" sz="1100" kern="100" dirty="0">
                           <a:effectLst/>
                         </a:rPr>
                       </a:br>
                       <a:r>
-                        <a:rPr lang="en-IN" sz="1100" kern="100">
+                        <a:rPr lang="en-IN" sz="1100" kern="100" dirty="0">
                           <a:effectLst/>
                         </a:rPr>
                         <a:t>Validates flag names against knowledge base</a:t>
                       </a:r>
-                      <a:endParaRPr lang="en-IN" sz="1100" kern="100">
+                      <a:endParaRPr lang="en-IN" sz="1100" kern="100" dirty="0">
                         <a:effectLst/>
                         <a:latin typeface="Calibri" panose="020F0502020204030204" pitchFamily="34" charset="0"/>
                         <a:ea typeface="Calibri" panose="020F0502020204030204" pitchFamily="34" charset="0"/>
@@ -7893,23 +8689,32 @@
                         <a:buNone/>
                       </a:pPr>
                       <a:r>
-                        <a:rPr lang="en-IN" sz="1100" kern="100">
-                          <a:effectLst/>
+                        <a:rPr lang="en-IN" sz="1100" b="1" kern="100" dirty="0">
+                          <a:solidFill>
+                            <a:schemeClr val="tx1"/>
+                          </a:solidFill>
+                          <a:effectLst/>
+                          <a:highlight>
+                            <a:srgbClr val="FFFF00"/>
+                          </a:highlight>
+                          <a:latin typeface="+mn-lt"/>
+                          <a:ea typeface="+mn-ea"/>
+                          <a:cs typeface="+mn-cs"/>
                         </a:rPr>
                         <a:t>Precision Correction</a:t>
                       </a:r>
                       <a:br>
-                        <a:rPr lang="en-IN" sz="1100" kern="100">
+                        <a:rPr lang="en-IN" sz="1100" kern="100" dirty="0">
                           <a:effectLst/>
                         </a:rPr>
                       </a:br>
                       <a:r>
-                        <a:rPr lang="en-IN" sz="1100" kern="100">
+                        <a:rPr lang="en-IN" sz="1100" kern="100" dirty="0">
                           <a:effectLst/>
                         </a:rPr>
                         <a:t>Fixes specific parameter inaccuracies</a:t>
                       </a:r>
-                      <a:endParaRPr lang="en-IN" sz="1100" kern="100">
+                      <a:endParaRPr lang="en-IN" sz="1100" kern="100" dirty="0">
                         <a:effectLst/>
                         <a:latin typeface="Calibri" panose="020F0502020204030204" pitchFamily="34" charset="0"/>
                         <a:ea typeface="Calibri" panose="020F0502020204030204" pitchFamily="34" charset="0"/>
@@ -7934,23 +8739,26 @@
                         <a:buNone/>
                       </a:pPr>
                       <a:r>
-                        <a:rPr lang="en-IN" sz="1100" kern="100">
-                          <a:effectLst/>
+                        <a:rPr lang="en-IN" sz="1100" b="1" kern="100" dirty="0">
+                          <a:effectLst/>
+                          <a:highlight>
+                            <a:srgbClr val="FFFF00"/>
+                          </a:highlight>
                         </a:rPr>
                         <a:t>Context-aware Correction</a:t>
                       </a:r>
                       <a:br>
-                        <a:rPr lang="en-IN" sz="1100" kern="100">
+                        <a:rPr lang="en-IN" sz="1100" kern="100" dirty="0">
                           <a:effectLst/>
                         </a:rPr>
                       </a:br>
                       <a:r>
-                        <a:rPr lang="en-IN" sz="1100" kern="100">
+                        <a:rPr lang="en-IN" sz="1100" kern="100" dirty="0">
                           <a:effectLst/>
                         </a:rPr>
                         <a:t>Maintains tool functionality intent</a:t>
                       </a:r>
-                      <a:endParaRPr lang="en-IN" sz="1100" kern="100">
+                      <a:endParaRPr lang="en-IN" sz="1100" kern="100" dirty="0">
                         <a:effectLst/>
                         <a:latin typeface="Calibri" panose="020F0502020204030204" pitchFamily="34" charset="0"/>
                         <a:ea typeface="Calibri" panose="020F0502020204030204" pitchFamily="34" charset="0"/>
@@ -7975,8 +8783,11 @@
                         <a:buNone/>
                       </a:pPr>
                       <a:r>
-                        <a:rPr lang="en-IN" sz="1100" kern="100" dirty="0">
-                          <a:effectLst/>
+                        <a:rPr lang="en-IN" sz="1100" b="1" kern="100" dirty="0">
+                          <a:effectLst/>
+                          <a:highlight>
+                            <a:srgbClr val="FFFF00"/>
+                          </a:highlight>
                         </a:rPr>
                         <a:t>Partial Truth/Inaccuracy:</a:t>
                       </a:r>
@@ -8105,51 +8916,13 @@
                         <a:buNone/>
                       </a:pPr>
                       <a:r>
-                        <a:rPr lang="en-IN" sz="1100" kern="100">
-                          <a:effectLst/>
+                        <a:rPr lang="en-IN" sz="1100" b="1" kern="100" dirty="0">
+                          <a:effectLst/>
+                          <a:highlight>
+                            <a:srgbClr val="FFFF00"/>
+                          </a:highlight>
                         </a:rPr>
                         <a:t>Citation Verifier</a:t>
-                      </a:r>
-                      <a:br>
-                        <a:rPr lang="en-IN" sz="1100" kern="100">
-                          <a:effectLst/>
-                        </a:rPr>
-                      </a:br>
-                      <a:r>
-                        <a:rPr lang="en-IN" sz="1100" kern="100">
-                          <a:effectLst/>
-                        </a:rPr>
-                        <a:t>Validates against official standards</a:t>
-                      </a:r>
-                      <a:endParaRPr lang="en-IN" sz="1100" kern="100">
-                        <a:effectLst/>
-                        <a:latin typeface="Calibri" panose="020F0502020204030204" pitchFamily="34" charset="0"/>
-                        <a:ea typeface="Calibri" panose="020F0502020204030204" pitchFamily="34" charset="0"/>
-                        <a:cs typeface="Times New Roman" panose="02020603050405020304" pitchFamily="18" charset="0"/>
-                      </a:endParaRPr>
-                    </a:p>
-                  </a:txBody>
-                  <a:tcPr marL="53466" marR="53466" marT="33416" marB="33416" anchor="ctr"/>
-                </a:tc>
-                <a:tc>
-                  <a:txBody>
-                    <a:bodyPr/>
-                    <a:lstStyle/>
-                    <a:p>
-                      <a:pPr>
-                        <a:lnSpc>
-                          <a:spcPct val="107000"/>
-                        </a:lnSpc>
-                        <a:spcAft>
-                          <a:spcPts val="800"/>
-                        </a:spcAft>
-                        <a:buNone/>
-                      </a:pPr>
-                      <a:r>
-                        <a:rPr lang="en-IN" sz="1100" kern="100" dirty="0">
-                          <a:effectLst/>
-                        </a:rPr>
-                        <a:t>Provenance Resolver</a:t>
                       </a:r>
                       <a:br>
                         <a:rPr lang="en-IN" sz="1100" kern="100" dirty="0">
@@ -8160,7 +8933,7 @@
                         <a:rPr lang="en-IN" sz="1100" kern="100" dirty="0">
                           <a:effectLst/>
                         </a:rPr>
-                        <a:t>Provides accurate qualification</a:t>
+                        <a:t>Validates against official standards</a:t>
                       </a:r>
                       <a:endParaRPr lang="en-IN" sz="1100" kern="100" dirty="0">
                         <a:effectLst/>
@@ -8187,23 +8960,70 @@
                         <a:buNone/>
                       </a:pPr>
                       <a:r>
-                        <a:rPr lang="en-IN" sz="1100" kern="100">
-                          <a:effectLst/>
+                        <a:rPr lang="en-IN" sz="1100" b="1" kern="100" dirty="0">
+                          <a:effectLst/>
+                          <a:highlight>
+                            <a:srgbClr val="FFFF00"/>
+                          </a:highlight>
+                        </a:rPr>
+                        <a:t>Provenance Resolver</a:t>
+                      </a:r>
+                      <a:br>
+                        <a:rPr lang="en-IN" sz="1100" kern="100" dirty="0">
+                          <a:effectLst/>
+                        </a:rPr>
+                      </a:br>
+                      <a:r>
+                        <a:rPr lang="en-IN" sz="1100" kern="100" dirty="0">
+                          <a:effectLst/>
+                        </a:rPr>
+                        <a:t>Provides accurate qualification</a:t>
+                      </a:r>
+                      <a:endParaRPr lang="en-IN" sz="1100" kern="100" dirty="0">
+                        <a:effectLst/>
+                        <a:latin typeface="Calibri" panose="020F0502020204030204" pitchFamily="34" charset="0"/>
+                        <a:ea typeface="Calibri" panose="020F0502020204030204" pitchFamily="34" charset="0"/>
+                        <a:cs typeface="Times New Roman" panose="02020603050405020304" pitchFamily="18" charset="0"/>
+                      </a:endParaRPr>
+                    </a:p>
+                  </a:txBody>
+                  <a:tcPr marL="53466" marR="53466" marT="33416" marB="33416" anchor="ctr"/>
+                </a:tc>
+                <a:tc>
+                  <a:txBody>
+                    <a:bodyPr/>
+                    <a:lstStyle/>
+                    <a:p>
+                      <a:pPr>
+                        <a:lnSpc>
+                          <a:spcPct val="107000"/>
+                        </a:lnSpc>
+                        <a:spcAft>
+                          <a:spcPts val="800"/>
+                        </a:spcAft>
+                        <a:buNone/>
+                      </a:pPr>
+                      <a:r>
+                        <a:rPr lang="en-IN" sz="1100" b="1" kern="100" dirty="0">
+                          <a:effectLst/>
+                          <a:highlight>
+                            <a:srgbClr val="FFFF00"/>
+                          </a:highlight>
                         </a:rPr>
                         <a:t>Explainable Outputs</a:t>
                       </a:r>
                       <a:br>
-                        <a:rPr lang="en-IN" sz="1100" kern="100">
+                        <a:rPr lang="en-IN" sz="1100" kern="100" dirty="0">
                           <a:effectLst/>
                         </a:rPr>
                       </a:br>
                       <a:r>
-                        <a:rPr lang="en-IN" sz="1100" kern="100">
+                        <a:rPr lang="en-IN" sz="1100" kern="100" dirty="0">
                           <a:effectLst/>
                         </a:rPr>
                         <a:t>Clarifies requirement vs recommendation</a:t>
                       </a:r>
-                      <a:endParaRPr lang="en-IN" sz="1100" kern="100">
+                      <a:endParaRPr lang="en-IN" sz="1100" kern="100" dirty="0">
                         <a:effectLst/>
                         <a:latin typeface="Calibri" panose="020F0502020204030204" pitchFamily="34" charset="0"/>
                         <a:ea typeface="Calibri" panose="020F0502020204030204" pitchFamily="34" charset="0"/>
@@ -8228,8 +9048,17 @@
                         <a:buNone/>
                       </a:pPr>
                       <a:r>
-                        <a:rPr lang="en-IN" sz="1100" kern="100" dirty="0">
-                          <a:effectLst/>
+                        <a:rPr lang="en-IN" sz="1100" b="1" kern="100" dirty="0">
+                          <a:solidFill>
+                            <a:schemeClr val="dk1"/>
+                          </a:solidFill>
+                          <a:effectLst/>
+                          <a:highlight>
+                            <a:srgbClr val="FFFF00"/>
+                          </a:highlight>
+                          <a:latin typeface="+mn-lt"/>
+                          <a:ea typeface="+mn-ea"/>
+                          <a:cs typeface="+mn-cs"/>
                         </a:rPr>
                         <a:t>Source Citation Error:</a:t>
                       </a:r>
@@ -8358,92 +9187,13 @@
                         <a:buNone/>
                       </a:pPr>
                       <a:r>
-                        <a:rPr lang="en-IN" sz="1100" kern="100">
-                          <a:effectLst/>
+                        <a:rPr lang="en-IN" sz="1100" b="1" kern="100" dirty="0">
+                          <a:effectLst/>
+                          <a:highlight>
+                            <a:srgbClr val="FFFF00"/>
+                          </a:highlight>
                         </a:rPr>
                         <a:t>Semantic Logic Analyzer</a:t>
-                      </a:r>
-                      <a:br>
-                        <a:rPr lang="en-IN" sz="1100" kern="100">
-                          <a:effectLst/>
-                        </a:rPr>
-                      </a:br>
-                      <a:r>
-                        <a:rPr lang="en-IN" sz="1100" kern="100">
-                          <a:effectLst/>
-                        </a:rPr>
-                        <a:t>Detects unreliable variable usage</a:t>
-                      </a:r>
-                      <a:endParaRPr lang="en-IN" sz="1100" kern="100">
-                        <a:effectLst/>
-                        <a:latin typeface="Calibri" panose="020F0502020204030204" pitchFamily="34" charset="0"/>
-                        <a:ea typeface="Calibri" panose="020F0502020204030204" pitchFamily="34" charset="0"/>
-                        <a:cs typeface="Times New Roman" panose="02020603050405020304" pitchFamily="18" charset="0"/>
-                      </a:endParaRPr>
-                    </a:p>
-                  </a:txBody>
-                  <a:tcPr marL="53466" marR="53466" marT="33416" marB="33416" anchor="ctr"/>
-                </a:tc>
-                <a:tc>
-                  <a:txBody>
-                    <a:bodyPr/>
-                    <a:lstStyle/>
-                    <a:p>
-                      <a:pPr>
-                        <a:lnSpc>
-                          <a:spcPct val="107000"/>
-                        </a:lnSpc>
-                        <a:spcAft>
-                          <a:spcPts val="800"/>
-                        </a:spcAft>
-                        <a:buNone/>
-                      </a:pPr>
-                      <a:r>
-                        <a:rPr lang="en-IN" sz="1100" kern="100">
-                          <a:effectLst/>
-                        </a:rPr>
-                        <a:t>Logical Resolver</a:t>
-                      </a:r>
-                      <a:br>
-                        <a:rPr lang="en-IN" sz="1100" kern="100">
-                          <a:effectLst/>
-                        </a:rPr>
-                      </a:br>
-                      <a:r>
-                        <a:rPr lang="en-IN" sz="1100" kern="100">
-                          <a:effectLst/>
-                        </a:rPr>
-                        <a:t>Implements robust conditional logic</a:t>
-                      </a:r>
-                      <a:endParaRPr lang="en-IN" sz="1100" kern="100">
-                        <a:effectLst/>
-                        <a:latin typeface="Calibri" panose="020F0502020204030204" pitchFamily="34" charset="0"/>
-                        <a:ea typeface="Calibri" panose="020F0502020204030204" pitchFamily="34" charset="0"/>
-                        <a:cs typeface="Times New Roman" panose="02020603050405020304" pitchFamily="18" charset="0"/>
-                      </a:endParaRPr>
-                    </a:p>
-                  </a:txBody>
-                  <a:tcPr marL="53466" marR="53466" marT="33416" marB="33416" anchor="ctr"/>
-                </a:tc>
-                <a:tc>
-                  <a:txBody>
-                    <a:bodyPr/>
-                    <a:lstStyle/>
-                    <a:p>
-                      <a:pPr>
-                        <a:lnSpc>
-                          <a:spcPct val="107000"/>
-                        </a:lnSpc>
-                        <a:spcAft>
-                          <a:spcPts val="800"/>
-                        </a:spcAft>
-                        <a:buNone/>
-                      </a:pPr>
-                      <a:r>
-                        <a:rPr lang="en-IN" sz="1100" kern="100" dirty="0">
-                          <a:effectLst/>
-                        </a:rPr>
-                        <a:t>Multi-alternative Generation</a:t>
                       </a:r>
                       <a:br>
                         <a:rPr lang="en-IN" sz="1100" kern="100" dirty="0">
@@ -8454,7 +9204,7 @@
                         <a:rPr lang="en-IN" sz="1100" kern="100" dirty="0">
                           <a:effectLst/>
                         </a:rPr>
-                        <a:t>Provides fallback options</a:t>
+                        <a:t>Detects unreliable variable usage</a:t>
                       </a:r>
                       <a:endParaRPr lang="en-IN" sz="1100" kern="100" dirty="0">
                         <a:effectLst/>
@@ -8481,8 +9231,105 @@
                         <a:buNone/>
                       </a:pPr>
                       <a:r>
+                        <a:rPr lang="en-IN" sz="1100" b="1" kern="100" dirty="0">
+                          <a:effectLst/>
+                          <a:highlight>
+                            <a:srgbClr val="FFFF00"/>
+                          </a:highlight>
+                        </a:rPr>
+                        <a:t>Logical Resolver</a:t>
+                      </a:r>
+                      <a:br>
                         <a:rPr lang="en-IN" sz="1100" kern="100" dirty="0">
                           <a:effectLst/>
+                        </a:rPr>
+                      </a:br>
+                      <a:r>
+                        <a:rPr lang="en-IN" sz="1100" kern="100" dirty="0">
+                          <a:effectLst/>
+                        </a:rPr>
+                        <a:t>Implements robust conditional logic</a:t>
+                      </a:r>
+                      <a:endParaRPr lang="en-IN" sz="1100" kern="100" dirty="0">
+                        <a:effectLst/>
+                        <a:latin typeface="Calibri" panose="020F0502020204030204" pitchFamily="34" charset="0"/>
+                        <a:ea typeface="Calibri" panose="020F0502020204030204" pitchFamily="34" charset="0"/>
+                        <a:cs typeface="Times New Roman" panose="02020603050405020304" pitchFamily="18" charset="0"/>
+                      </a:endParaRPr>
+                    </a:p>
+                  </a:txBody>
+                  <a:tcPr marL="53466" marR="53466" marT="33416" marB="33416" anchor="ctr"/>
+                </a:tc>
+                <a:tc>
+                  <a:txBody>
+                    <a:bodyPr/>
+                    <a:lstStyle/>
+                    <a:p>
+                      <a:pPr>
+                        <a:lnSpc>
+                          <a:spcPct val="107000"/>
+                        </a:lnSpc>
+                        <a:spcAft>
+                          <a:spcPts val="800"/>
+                        </a:spcAft>
+                        <a:buNone/>
+                      </a:pPr>
+                      <a:r>
+                        <a:rPr lang="en-IN" sz="1100" b="1" kern="100" dirty="0">
+                          <a:effectLst/>
+                          <a:highlight>
+                            <a:srgbClr val="FFFF00"/>
+                          </a:highlight>
+                        </a:rPr>
+                        <a:t>Multi-alternative Generation</a:t>
+                      </a:r>
+                      <a:br>
+                        <a:rPr lang="en-IN" sz="1100" kern="100" dirty="0">
+                          <a:effectLst/>
+                        </a:rPr>
+                      </a:br>
+                      <a:r>
+                        <a:rPr lang="en-IN" sz="1100" kern="100" dirty="0">
+                          <a:effectLst/>
+                        </a:rPr>
+                        <a:t>Provides fallback options</a:t>
+                      </a:r>
+                      <a:endParaRPr lang="en-IN" sz="1100" kern="100" dirty="0">
+                        <a:effectLst/>
+                        <a:latin typeface="Calibri" panose="020F0502020204030204" pitchFamily="34" charset="0"/>
+                        <a:ea typeface="Calibri" panose="020F0502020204030204" pitchFamily="34" charset="0"/>
+                        <a:cs typeface="Times New Roman" panose="02020603050405020304" pitchFamily="18" charset="0"/>
+                      </a:endParaRPr>
+                    </a:p>
+                  </a:txBody>
+                  <a:tcPr marL="53466" marR="53466" marT="33416" marB="33416" anchor="ctr"/>
+                </a:tc>
+                <a:tc>
+                  <a:txBody>
+                    <a:bodyPr/>
+                    <a:lstStyle/>
+                    <a:p>
+                      <a:pPr>
+                        <a:lnSpc>
+                          <a:spcPct val="107000"/>
+                        </a:lnSpc>
+                        <a:spcAft>
+                          <a:spcPts val="800"/>
+                        </a:spcAft>
+                        <a:buNone/>
+                      </a:pPr>
+                      <a:r>
+                        <a:rPr lang="en-IN" sz="1100" b="1" kern="100" dirty="0">
+                          <a:solidFill>
+                            <a:schemeClr val="dk1"/>
+                          </a:solidFill>
+                          <a:effectLst/>
+                          <a:highlight>
+                            <a:srgbClr val="FFFF00"/>
+                          </a:highlight>
+                          <a:latin typeface="+mn-lt"/>
+                          <a:ea typeface="+mn-ea"/>
+                          <a:cs typeface="+mn-cs"/>
                         </a:rPr>
                         <a:t>Logical Error:</a:t>
                       </a:r>
@@ -8564,6 +9411,96 @@
           </a:graphicData>
         </a:graphic>
       </p:graphicFrame>
+      <p:pic>
+        <p:nvPicPr>
+          <p:cNvPr id="3" name="Picture 2">
+            <a:extLst>
+              <a:ext uri="{FF2B5EF4-FFF2-40B4-BE49-F238E27FC236}">
+                <a16:creationId xmlns:a16="http://schemas.microsoft.com/office/drawing/2014/main" id="{3CC6DDF1-E254-3221-7526-B9C74236E3B5}"/>
+              </a:ext>
+            </a:extLst>
+          </p:cNvPr>
+          <p:cNvPicPr>
+            <a:picLocks noChangeAspect="1"/>
+          </p:cNvPicPr>
+          <p:nvPr/>
+        </p:nvPicPr>
+        <p:blipFill>
+          <a:blip r:embed="rId2"/>
+          <a:stretch>
+            <a:fillRect/>
+          </a:stretch>
+        </p:blipFill>
+        <p:spPr>
+          <a:xfrm>
+            <a:off x="10661715" y="75414"/>
+            <a:ext cx="1423448" cy="752146"/>
+          </a:xfrm>
+          <a:prstGeom prst="rect">
+            <a:avLst/>
+          </a:prstGeom>
+        </p:spPr>
+      </p:pic>
+      <p:pic>
+        <p:nvPicPr>
+          <p:cNvPr id="4" name="Picture 3">
+            <a:extLst>
+              <a:ext uri="{FF2B5EF4-FFF2-40B4-BE49-F238E27FC236}">
+                <a16:creationId xmlns:a16="http://schemas.microsoft.com/office/drawing/2014/main" id="{7C017581-B102-F75E-DCC6-DF4F0A28078A}"/>
+              </a:ext>
+            </a:extLst>
+          </p:cNvPr>
+          <p:cNvPicPr>
+            <a:picLocks noChangeAspect="1"/>
+          </p:cNvPicPr>
+          <p:nvPr/>
+        </p:nvPicPr>
+        <p:blipFill>
+          <a:blip r:embed="rId3"/>
+          <a:stretch>
+            <a:fillRect/>
+          </a:stretch>
+        </p:blipFill>
+        <p:spPr>
+          <a:xfrm>
+            <a:off x="11076496" y="6072823"/>
+            <a:ext cx="1115504" cy="921828"/>
+          </a:xfrm>
+          <a:prstGeom prst="rect">
+            <a:avLst/>
+          </a:prstGeom>
+        </p:spPr>
+      </p:pic>
+      <p:pic>
+        <p:nvPicPr>
+          <p:cNvPr id="6" name="Picture 5">
+            <a:extLst>
+              <a:ext uri="{FF2B5EF4-FFF2-40B4-BE49-F238E27FC236}">
+                <a16:creationId xmlns:a16="http://schemas.microsoft.com/office/drawing/2014/main" id="{FDC1E118-2574-B082-05F7-82AA31F9CCC3}"/>
+              </a:ext>
+            </a:extLst>
+          </p:cNvPr>
+          <p:cNvPicPr>
+            <a:picLocks noChangeAspect="1"/>
+          </p:cNvPicPr>
+          <p:nvPr/>
+        </p:nvPicPr>
+        <p:blipFill>
+          <a:blip r:embed="rId4"/>
+          <a:stretch>
+            <a:fillRect/>
+          </a:stretch>
+        </p:blipFill>
+        <p:spPr>
+          <a:xfrm>
+            <a:off x="11076496" y="5910606"/>
+            <a:ext cx="1115504" cy="1330732"/>
+          </a:xfrm>
+          <a:prstGeom prst="rect">
+            <a:avLst/>
+          </a:prstGeom>
+        </p:spPr>
+      </p:pic>
     </p:spTree>
     <p:extLst>
       <p:ext uri="{BB962C8B-B14F-4D97-AF65-F5344CB8AC3E}">
@@ -8577,7 +9514,7 @@
 </p:sld>
 </file>
 
-<file path=ppt/slides/slide6.xml><?xml version="1.0" encoding="utf-8"?>
+<file path=ppt/slides/slide5.xml><?xml version="1.0" encoding="utf-8"?>
 <p:sld xmlns:a="http://schemas.openxmlformats.org/drawingml/2006/main" xmlns:r="http://schemas.openxmlformats.org/officeDocument/2006/relationships" xmlns:p="http://schemas.openxmlformats.org/presentationml/2006/main">
   <p:cSld>
     <p:spTree>
@@ -9042,6 +9979,66 @@
           </a:p>
         </p:txBody>
       </p:sp>
+      <p:pic>
+        <p:nvPicPr>
+          <p:cNvPr id="2" name="Picture 1">
+            <a:extLst>
+              <a:ext uri="{FF2B5EF4-FFF2-40B4-BE49-F238E27FC236}">
+                <a16:creationId xmlns:a16="http://schemas.microsoft.com/office/drawing/2014/main" id="{29126323-7022-97FF-C178-C8026578BBE7}"/>
+              </a:ext>
+            </a:extLst>
+          </p:cNvPr>
+          <p:cNvPicPr>
+            <a:picLocks noChangeAspect="1"/>
+          </p:cNvPicPr>
+          <p:nvPr/>
+        </p:nvPicPr>
+        <p:blipFill>
+          <a:blip r:embed="rId2"/>
+          <a:stretch>
+            <a:fillRect/>
+          </a:stretch>
+        </p:blipFill>
+        <p:spPr>
+          <a:xfrm>
+            <a:off x="8323868" y="367028"/>
+            <a:ext cx="3695307" cy="2715537"/>
+          </a:xfrm>
+          <a:prstGeom prst="rect">
+            <a:avLst/>
+          </a:prstGeom>
+        </p:spPr>
+      </p:pic>
+      <p:pic>
+        <p:nvPicPr>
+          <p:cNvPr id="6" name="Picture 5">
+            <a:extLst>
+              <a:ext uri="{FF2B5EF4-FFF2-40B4-BE49-F238E27FC236}">
+                <a16:creationId xmlns:a16="http://schemas.microsoft.com/office/drawing/2014/main" id="{3831B62E-7B40-D841-172D-8F7C8CBC4E88}"/>
+              </a:ext>
+            </a:extLst>
+          </p:cNvPr>
+          <p:cNvPicPr>
+            <a:picLocks noChangeAspect="1"/>
+          </p:cNvPicPr>
+          <p:nvPr/>
+        </p:nvPicPr>
+        <p:blipFill>
+          <a:blip r:embed="rId3"/>
+          <a:stretch>
+            <a:fillRect/>
+          </a:stretch>
+        </p:blipFill>
+        <p:spPr>
+          <a:xfrm>
+            <a:off x="8323867" y="3291369"/>
+            <a:ext cx="3695308" cy="3196869"/>
+          </a:xfrm>
+          <a:prstGeom prst="rect">
+            <a:avLst/>
+          </a:prstGeom>
+        </p:spPr>
+      </p:pic>
     </p:spTree>
     <p:extLst>
       <p:ext uri="{BB962C8B-B14F-4D97-AF65-F5344CB8AC3E}">
@@ -9055,7 +10052,7 @@
 </p:sld>
 </file>
 
-<file path=ppt/slides/slide7.xml><?xml version="1.0" encoding="utf-8"?>
+<file path=ppt/slides/slide6.xml><?xml version="1.0" encoding="utf-8"?>
 <p:sld xmlns:a="http://schemas.openxmlformats.org/drawingml/2006/main" xmlns:r="http://schemas.openxmlformats.org/officeDocument/2006/relationships" xmlns:p="http://schemas.openxmlformats.org/presentationml/2006/main">
   <p:cSld>
     <p:spTree>
@@ -10617,6 +11614,66 @@
           </a:p>
         </p:txBody>
       </p:sp>
+      <p:pic>
+        <p:nvPicPr>
+          <p:cNvPr id="4" name="Picture 3">
+            <a:extLst>
+              <a:ext uri="{FF2B5EF4-FFF2-40B4-BE49-F238E27FC236}">
+                <a16:creationId xmlns:a16="http://schemas.microsoft.com/office/drawing/2014/main" id="{68516CE4-1471-0B03-3743-B871E0AC4E55}"/>
+              </a:ext>
+            </a:extLst>
+          </p:cNvPr>
+          <p:cNvPicPr>
+            <a:picLocks noChangeAspect="1"/>
+          </p:cNvPicPr>
+          <p:nvPr/>
+        </p:nvPicPr>
+        <p:blipFill>
+          <a:blip r:embed="rId2"/>
+          <a:stretch>
+            <a:fillRect/>
+          </a:stretch>
+        </p:blipFill>
+        <p:spPr>
+          <a:xfrm>
+            <a:off x="0" y="0"/>
+            <a:ext cx="1747224" cy="2564708"/>
+          </a:xfrm>
+          <a:prstGeom prst="rect">
+            <a:avLst/>
+          </a:prstGeom>
+        </p:spPr>
+      </p:pic>
+      <p:pic>
+        <p:nvPicPr>
+          <p:cNvPr id="7" name="Picture 6">
+            <a:extLst>
+              <a:ext uri="{FF2B5EF4-FFF2-40B4-BE49-F238E27FC236}">
+                <a16:creationId xmlns:a16="http://schemas.microsoft.com/office/drawing/2014/main" id="{2DC4C53A-B7F5-4929-194E-1849A431C45F}"/>
+              </a:ext>
+            </a:extLst>
+          </p:cNvPr>
+          <p:cNvPicPr>
+            <a:picLocks noChangeAspect="1"/>
+          </p:cNvPicPr>
+          <p:nvPr/>
+        </p:nvPicPr>
+        <p:blipFill>
+          <a:blip r:embed="rId3"/>
+          <a:stretch>
+            <a:fillRect/>
+          </a:stretch>
+        </p:blipFill>
+        <p:spPr>
+          <a:xfrm>
+            <a:off x="10265790" y="8861"/>
+            <a:ext cx="1926210" cy="2555847"/>
+          </a:xfrm>
+          <a:prstGeom prst="rect">
+            <a:avLst/>
+          </a:prstGeom>
+        </p:spPr>
+      </p:pic>
     </p:spTree>
     <p:extLst>
       <p:ext uri="{BB962C8B-B14F-4D97-AF65-F5344CB8AC3E}">
@@ -10630,7 +11687,7 @@
 </p:sld>
 </file>
 
-<file path=ppt/slides/slide8.xml><?xml version="1.0" encoding="utf-8"?>
+<file path=ppt/slides/slide7.xml><?xml version="1.0" encoding="utf-8"?>
 <p:sld xmlns:a="http://schemas.openxmlformats.org/drawingml/2006/main" xmlns:r="http://schemas.openxmlformats.org/officeDocument/2006/relationships" xmlns:p="http://schemas.openxmlformats.org/presentationml/2006/main">
   <p:cSld>
     <p:spTree>
@@ -11144,7 +12201,7 @@
 </p:sld>
 </file>
 
-<file path=ppt/slides/slide9.xml><?xml version="1.0" encoding="utf-8"?>
+<file path=ppt/slides/slide8.xml><?xml version="1.0" encoding="utf-8"?>
 <p:sld xmlns:a="http://schemas.openxmlformats.org/drawingml/2006/main" xmlns:r="http://schemas.openxmlformats.org/officeDocument/2006/relationships" xmlns:p="http://schemas.openxmlformats.org/presentationml/2006/main">
   <p:cSld>
     <p:spTree>
@@ -11176,13 +12233,13 @@
           <p:nvPr>
             <p:extLst>
               <p:ext uri="{D42A27DB-BD31-4B8C-83A1-F6EECF244321}">
-                <p14:modId xmlns:p14="http://schemas.microsoft.com/office/powerpoint/2010/main" val="2100346737"/>
+                <p14:modId xmlns:p14="http://schemas.microsoft.com/office/powerpoint/2010/main" val="556566354"/>
               </p:ext>
             </p:extLst>
           </p:nvPr>
         </p:nvGraphicFramePr>
         <p:xfrm>
-          <a:off x="838200" y="1244338"/>
+          <a:off x="970176" y="604527"/>
           <a:ext cx="10515600" cy="3661830"/>
         </p:xfrm>
         <a:graphic>
@@ -11761,7 +12818,7 @@
         </p:nvSpPr>
         <p:spPr bwMode="auto">
           <a:xfrm>
-            <a:off x="838200" y="683249"/>
+            <a:off x="838200" y="296750"/>
             <a:ext cx="4591639" cy="307777"/>
           </a:xfrm>
           <a:prstGeom prst="rect">
@@ -11884,10 +12941,100 @@
           </a:p>
         </p:txBody>
       </p:sp>
+      <p:pic>
+        <p:nvPicPr>
+          <p:cNvPr id="4" name="Picture 3">
+            <a:extLst>
+              <a:ext uri="{FF2B5EF4-FFF2-40B4-BE49-F238E27FC236}">
+                <a16:creationId xmlns:a16="http://schemas.microsoft.com/office/drawing/2014/main" id="{4B0EF627-E906-3672-9269-59ED3385D19F}"/>
+              </a:ext>
+            </a:extLst>
+          </p:cNvPr>
+          <p:cNvPicPr>
+            <a:picLocks noChangeAspect="1"/>
+          </p:cNvPicPr>
+          <p:nvPr/>
+        </p:nvPicPr>
+        <p:blipFill>
+          <a:blip r:embed="rId2"/>
+          <a:stretch>
+            <a:fillRect/>
+          </a:stretch>
+        </p:blipFill>
+        <p:spPr>
+          <a:xfrm>
+            <a:off x="970176" y="4062953"/>
+            <a:ext cx="10515599" cy="2795047"/>
+          </a:xfrm>
+          <a:prstGeom prst="rect">
+            <a:avLst/>
+          </a:prstGeom>
+        </p:spPr>
+      </p:pic>
     </p:spTree>
     <p:extLst>
       <p:ext uri="{BB962C8B-B14F-4D97-AF65-F5344CB8AC3E}">
         <p14:creationId xmlns:p14="http://schemas.microsoft.com/office/powerpoint/2010/main" val="2692545616"/>
+      </p:ext>
+    </p:extLst>
+  </p:cSld>
+  <p:clrMapOvr>
+    <a:masterClrMapping/>
+  </p:clrMapOvr>
+</p:sld>
+</file>
+
+<file path=ppt/slides/slide9.xml><?xml version="1.0" encoding="utf-8"?>
+<p:sld xmlns:a="http://schemas.openxmlformats.org/drawingml/2006/main" xmlns:r="http://schemas.openxmlformats.org/officeDocument/2006/relationships" xmlns:p="http://schemas.openxmlformats.org/presentationml/2006/main">
+  <p:cSld>
+    <p:spTree>
+      <p:nvGrpSpPr>
+        <p:cNvPr id="1" name=""/>
+        <p:cNvGrpSpPr/>
+        <p:nvPr/>
+      </p:nvGrpSpPr>
+      <p:grpSpPr>
+        <a:xfrm>
+          <a:off x="0" y="0"/>
+          <a:ext cx="0" cy="0"/>
+          <a:chOff x="0" y="0"/>
+          <a:chExt cx="0" cy="0"/>
+        </a:xfrm>
+      </p:grpSpPr>
+      <p:pic>
+        <p:nvPicPr>
+          <p:cNvPr id="2" name="Picture 1">
+            <a:extLst>
+              <a:ext uri="{FF2B5EF4-FFF2-40B4-BE49-F238E27FC236}">
+                <a16:creationId xmlns:a16="http://schemas.microsoft.com/office/drawing/2014/main" id="{71F5F146-FED9-2AEC-020A-BA27BCA0D7BC}"/>
+              </a:ext>
+            </a:extLst>
+          </p:cNvPr>
+          <p:cNvPicPr>
+            <a:picLocks noChangeAspect="1"/>
+          </p:cNvPicPr>
+          <p:nvPr/>
+        </p:nvPicPr>
+        <p:blipFill>
+          <a:blip r:embed="rId2"/>
+          <a:stretch>
+            <a:fillRect/>
+          </a:stretch>
+        </p:blipFill>
+        <p:spPr>
+          <a:xfrm>
+            <a:off x="1187777" y="122548"/>
+            <a:ext cx="9030879" cy="6532776"/>
+          </a:xfrm>
+          <a:prstGeom prst="rect">
+            <a:avLst/>
+          </a:prstGeom>
+        </p:spPr>
+      </p:pic>
+    </p:spTree>
+    <p:extLst>
+      <p:ext uri="{BB962C8B-B14F-4D97-AF65-F5344CB8AC3E}">
+        <p14:creationId xmlns:p14="http://schemas.microsoft.com/office/powerpoint/2010/main" val="3145020083"/>
       </p:ext>
     </p:extLst>
   </p:cSld>
